--- a/1.Docker高可用的开发环境-preview.pptx
+++ b/1.Docker高可用的开发环境-preview.pptx
@@ -1,20 +1,22 @@
 
 <file path=ppt/presentation.xml><?xml version="1.0" encoding="utf-8"?>
-<p:presentation xmlns:a="http://schemas.openxmlformats.org/drawingml/2006/main" xmlns:r="http://schemas.openxmlformats.org/officeDocument/2006/relationships" xmlns:p="http://schemas.openxmlformats.org/presentationml/2006/main">
+<p:presentation xmlns:a="http://schemas.openxmlformats.org/drawingml/2006/main" xmlns:r="http://schemas.openxmlformats.org/officeDocument/2006/relationships" xmlns:p="http://schemas.openxmlformats.org/presentationml/2006/main" saveSubsetFonts="1">
   <p:sldMasterIdLst>
     <p:sldMasterId id="2147483648" r:id="rId1"/>
   </p:sldMasterIdLst>
   <p:notesMasterIdLst>
-    <p:notesMasterId r:id="rId10"/>
+    <p:notesMasterId r:id="rId28"/>
   </p:notesMasterIdLst>
   <p:sldIdLst>
-    <p:sldId id="256" r:id="rId3"/>
+    <p:sldId id="256" r:id="rId2"/>
+    <p:sldId id="292" r:id="rId3"/>
     <p:sldId id="257" r:id="rId4"/>
     <p:sldId id="258" r:id="rId5"/>
     <p:sldId id="259" r:id="rId6"/>
     <p:sldId id="260" r:id="rId7"/>
-    <p:sldId id="262" r:id="rId8"/>
-    <p:sldId id="261" r:id="rId9"/>
+    <p:sldId id="291" r:id="rId8"/>
+    <p:sldId id="262" r:id="rId9"/>
+    <p:sldId id="261" r:id="rId10"/>
     <p:sldId id="264" r:id="rId11"/>
     <p:sldId id="263" r:id="rId12"/>
     <p:sldId id="266" r:id="rId13"/>
@@ -130,6 +132,11 @@
       </a:defRPr>
     </a:lvl9pPr>
   </p:defaultTextStyle>
+  <p:extLst>
+    <p:ext uri="{EFAFB233-063F-42B5-8137-9DF3F51BA10A}">
+      <p15:sldGuideLst xmlns:p15="http://schemas.microsoft.com/office/powerpoint/2012/main"/>
+    </p:ext>
+  </p:extLst>
 </p:presentation>
 </file>
 
@@ -215,6 +222,7 @@
           <a:p>
             <a:fld id="{D2A48B96-639E-45A3-A0BA-2464DFDB1FAA}" type="datetimeFigureOut">
               <a:rPr lang="zh-CN" altLang="en-US" smtClean="0"/>
+              <a:t>2017/9/6</a:t>
             </a:fld>
             <a:endParaRPr lang="zh-CN" altLang="en-US"/>
           </a:p>
@@ -281,7 +289,6 @@
               <a:rPr lang="zh-CN" altLang="en-US" smtClean="0"/>
               <a:t>单击此处编辑母版文本样式</a:t>
             </a:r>
-            <a:endParaRPr lang="zh-CN" altLang="en-US" smtClean="0"/>
           </a:p>
           <a:p>
             <a:pPr lvl="1"/>
@@ -289,7 +296,6 @@
               <a:rPr lang="zh-CN" altLang="en-US" smtClean="0"/>
               <a:t>第二级</a:t>
             </a:r>
-            <a:endParaRPr lang="zh-CN" altLang="en-US" smtClean="0"/>
           </a:p>
           <a:p>
             <a:pPr lvl="2"/>
@@ -297,7 +303,6 @@
               <a:rPr lang="zh-CN" altLang="en-US" smtClean="0"/>
               <a:t>第三级</a:t>
             </a:r>
-            <a:endParaRPr lang="zh-CN" altLang="en-US" smtClean="0"/>
           </a:p>
           <a:p>
             <a:pPr lvl="3"/>
@@ -305,7 +310,6 @@
               <a:rPr lang="zh-CN" altLang="en-US" smtClean="0"/>
               <a:t>第四级</a:t>
             </a:r>
-            <a:endParaRPr lang="zh-CN" altLang="en-US" smtClean="0"/>
           </a:p>
           <a:p>
             <a:pPr lvl="4"/>
@@ -377,6 +381,7 @@
           <a:p>
             <a:fld id="{A6837353-30EB-4A48-80EB-173D804AEFBD}" type="slidenum">
               <a:rPr lang="zh-CN" altLang="en-US" smtClean="0"/>
+              <a:t>‹#›</a:t>
             </a:fld>
             <a:endParaRPr lang="zh-CN" altLang="en-US"/>
           </a:p>
@@ -545,6 +550,7 @@
           <a:p>
             <a:fld id="{B3E0ADA2-0332-47D9-A9C6-497A0FB212DA}" type="slidenum">
               <a:rPr lang="zh-CN" altLang="en-US" smtClean="0"/>
+              <a:t>9</a:t>
             </a:fld>
             <a:endParaRPr lang="zh-CN" altLang="en-US"/>
           </a:p>
@@ -689,6 +695,7 @@
           <a:p>
             <a:fld id="{D997B5FA-0921-464F-AAE1-844C04324D75}" type="datetimeFigureOut">
               <a:rPr lang="zh-CN" altLang="en-US" smtClean="0"/>
+              <a:t>2017/9/6</a:t>
             </a:fld>
             <a:endParaRPr lang="zh-CN" altLang="en-US"/>
           </a:p>
@@ -730,6 +737,7 @@
           <a:p>
             <a:fld id="{565CE74E-AB26-4998-AD42-012C4C1AD076}" type="slidenum">
               <a:rPr lang="zh-CN" altLang="en-US" smtClean="0"/>
+              <a:t>‹#›</a:t>
             </a:fld>
             <a:endParaRPr lang="zh-CN" altLang="en-US"/>
           </a:p>
@@ -803,7 +811,6 @@
               <a:rPr lang="zh-CN" altLang="en-US" smtClean="0"/>
               <a:t>单击此处编辑母版文本样式</a:t>
             </a:r>
-            <a:endParaRPr lang="zh-CN" altLang="en-US" smtClean="0"/>
           </a:p>
           <a:p>
             <a:pPr lvl="1"/>
@@ -811,7 +818,6 @@
               <a:rPr lang="zh-CN" altLang="en-US" smtClean="0"/>
               <a:t>第二级</a:t>
             </a:r>
-            <a:endParaRPr lang="zh-CN" altLang="en-US" smtClean="0"/>
           </a:p>
           <a:p>
             <a:pPr lvl="2"/>
@@ -819,7 +825,6 @@
               <a:rPr lang="zh-CN" altLang="en-US" smtClean="0"/>
               <a:t>第三级</a:t>
             </a:r>
-            <a:endParaRPr lang="zh-CN" altLang="en-US" smtClean="0"/>
           </a:p>
           <a:p>
             <a:pPr lvl="3"/>
@@ -827,7 +832,6 @@
               <a:rPr lang="zh-CN" altLang="en-US" smtClean="0"/>
               <a:t>第四级</a:t>
             </a:r>
-            <a:endParaRPr lang="zh-CN" altLang="en-US" smtClean="0"/>
           </a:p>
           <a:p>
             <a:pPr lvl="4"/>
@@ -856,6 +860,7 @@
           <a:p>
             <a:fld id="{D997B5FA-0921-464F-AAE1-844C04324D75}" type="datetimeFigureOut">
               <a:rPr lang="zh-CN" altLang="en-US" smtClean="0"/>
+              <a:t>2017/9/6</a:t>
             </a:fld>
             <a:endParaRPr lang="zh-CN" altLang="en-US"/>
           </a:p>
@@ -897,6 +902,7 @@
           <a:p>
             <a:fld id="{565CE74E-AB26-4998-AD42-012C4C1AD076}" type="slidenum">
               <a:rPr lang="zh-CN" altLang="en-US" smtClean="0"/>
+              <a:t>‹#›</a:t>
             </a:fld>
             <a:endParaRPr lang="zh-CN" altLang="en-US"/>
           </a:p>
@@ -980,7 +986,6 @@
               <a:rPr lang="zh-CN" altLang="en-US" smtClean="0"/>
               <a:t>单击此处编辑母版文本样式</a:t>
             </a:r>
-            <a:endParaRPr lang="zh-CN" altLang="en-US" smtClean="0"/>
           </a:p>
           <a:p>
             <a:pPr lvl="1"/>
@@ -988,7 +993,6 @@
               <a:rPr lang="zh-CN" altLang="en-US" smtClean="0"/>
               <a:t>第二级</a:t>
             </a:r>
-            <a:endParaRPr lang="zh-CN" altLang="en-US" smtClean="0"/>
           </a:p>
           <a:p>
             <a:pPr lvl="2"/>
@@ -996,7 +1000,6 @@
               <a:rPr lang="zh-CN" altLang="en-US" smtClean="0"/>
               <a:t>第三级</a:t>
             </a:r>
-            <a:endParaRPr lang="zh-CN" altLang="en-US" smtClean="0"/>
           </a:p>
           <a:p>
             <a:pPr lvl="3"/>
@@ -1004,7 +1007,6 @@
               <a:rPr lang="zh-CN" altLang="en-US" smtClean="0"/>
               <a:t>第四级</a:t>
             </a:r>
-            <a:endParaRPr lang="zh-CN" altLang="en-US" smtClean="0"/>
           </a:p>
           <a:p>
             <a:pPr lvl="4"/>
@@ -1033,6 +1035,7 @@
           <a:p>
             <a:fld id="{D997B5FA-0921-464F-AAE1-844C04324D75}" type="datetimeFigureOut">
               <a:rPr lang="zh-CN" altLang="en-US" smtClean="0"/>
+              <a:t>2017/9/6</a:t>
             </a:fld>
             <a:endParaRPr lang="zh-CN" altLang="en-US"/>
           </a:p>
@@ -1074,6 +1077,7 @@
           <a:p>
             <a:fld id="{565CE74E-AB26-4998-AD42-012C4C1AD076}" type="slidenum">
               <a:rPr lang="zh-CN" altLang="en-US" smtClean="0"/>
+              <a:t>‹#›</a:t>
             </a:fld>
             <a:endParaRPr lang="zh-CN" altLang="en-US"/>
           </a:p>
@@ -1147,7 +1151,6 @@
               <a:rPr lang="zh-CN" altLang="en-US" smtClean="0"/>
               <a:t>单击此处编辑母版文本样式</a:t>
             </a:r>
-            <a:endParaRPr lang="zh-CN" altLang="en-US" smtClean="0"/>
           </a:p>
           <a:p>
             <a:pPr lvl="1"/>
@@ -1155,7 +1158,6 @@
               <a:rPr lang="zh-CN" altLang="en-US" smtClean="0"/>
               <a:t>第二级</a:t>
             </a:r>
-            <a:endParaRPr lang="zh-CN" altLang="en-US" smtClean="0"/>
           </a:p>
           <a:p>
             <a:pPr lvl="2"/>
@@ -1163,7 +1165,6 @@
               <a:rPr lang="zh-CN" altLang="en-US" smtClean="0"/>
               <a:t>第三级</a:t>
             </a:r>
-            <a:endParaRPr lang="zh-CN" altLang="en-US" smtClean="0"/>
           </a:p>
           <a:p>
             <a:pPr lvl="3"/>
@@ -1171,7 +1172,6 @@
               <a:rPr lang="zh-CN" altLang="en-US" smtClean="0"/>
               <a:t>第四级</a:t>
             </a:r>
-            <a:endParaRPr lang="zh-CN" altLang="en-US" smtClean="0"/>
           </a:p>
           <a:p>
             <a:pPr lvl="4"/>
@@ -1200,6 +1200,7 @@
           <a:p>
             <a:fld id="{D997B5FA-0921-464F-AAE1-844C04324D75}" type="datetimeFigureOut">
               <a:rPr lang="zh-CN" altLang="en-US" smtClean="0"/>
+              <a:t>2017/9/6</a:t>
             </a:fld>
             <a:endParaRPr lang="zh-CN" altLang="en-US"/>
           </a:p>
@@ -1241,6 +1242,7 @@
           <a:p>
             <a:fld id="{565CE74E-AB26-4998-AD42-012C4C1AD076}" type="slidenum">
               <a:rPr lang="zh-CN" altLang="en-US" smtClean="0"/>
+              <a:t>‹#›</a:t>
             </a:fld>
             <a:endParaRPr lang="zh-CN" altLang="en-US"/>
           </a:p>
@@ -1419,7 +1421,6 @@
               <a:rPr lang="zh-CN" altLang="en-US" smtClean="0"/>
               <a:t>单击此处编辑母版文本样式</a:t>
             </a:r>
-            <a:endParaRPr lang="zh-CN" altLang="en-US" smtClean="0"/>
           </a:p>
         </p:txBody>
       </p:sp>
@@ -1440,6 +1441,7 @@
           <a:p>
             <a:fld id="{D997B5FA-0921-464F-AAE1-844C04324D75}" type="datetimeFigureOut">
               <a:rPr lang="zh-CN" altLang="en-US" smtClean="0"/>
+              <a:t>2017/9/6</a:t>
             </a:fld>
             <a:endParaRPr lang="zh-CN" altLang="en-US"/>
           </a:p>
@@ -1481,6 +1483,7 @@
           <a:p>
             <a:fld id="{565CE74E-AB26-4998-AD42-012C4C1AD076}" type="slidenum">
               <a:rPr lang="zh-CN" altLang="en-US" smtClean="0"/>
+              <a:t>‹#›</a:t>
             </a:fld>
             <a:endParaRPr lang="zh-CN" altLang="en-US"/>
           </a:p>
@@ -1559,7 +1562,6 @@
               <a:rPr lang="zh-CN" altLang="en-US" smtClean="0"/>
               <a:t>单击此处编辑母版文本样式</a:t>
             </a:r>
-            <a:endParaRPr lang="zh-CN" altLang="en-US" smtClean="0"/>
           </a:p>
           <a:p>
             <a:pPr lvl="1"/>
@@ -1567,7 +1569,6 @@
               <a:rPr lang="zh-CN" altLang="en-US" smtClean="0"/>
               <a:t>第二级</a:t>
             </a:r>
-            <a:endParaRPr lang="zh-CN" altLang="en-US" smtClean="0"/>
           </a:p>
           <a:p>
             <a:pPr lvl="2"/>
@@ -1575,7 +1576,6 @@
               <a:rPr lang="zh-CN" altLang="en-US" smtClean="0"/>
               <a:t>第三级</a:t>
             </a:r>
-            <a:endParaRPr lang="zh-CN" altLang="en-US" smtClean="0"/>
           </a:p>
           <a:p>
             <a:pPr lvl="3"/>
@@ -1583,7 +1583,6 @@
               <a:rPr lang="zh-CN" altLang="en-US" smtClean="0"/>
               <a:t>第四级</a:t>
             </a:r>
-            <a:endParaRPr lang="zh-CN" altLang="en-US" smtClean="0"/>
           </a:p>
           <a:p>
             <a:pPr lvl="4"/>
@@ -1620,7 +1619,6 @@
               <a:rPr lang="zh-CN" altLang="en-US" smtClean="0"/>
               <a:t>单击此处编辑母版文本样式</a:t>
             </a:r>
-            <a:endParaRPr lang="zh-CN" altLang="en-US" smtClean="0"/>
           </a:p>
           <a:p>
             <a:pPr lvl="1"/>
@@ -1628,7 +1626,6 @@
               <a:rPr lang="zh-CN" altLang="en-US" smtClean="0"/>
               <a:t>第二级</a:t>
             </a:r>
-            <a:endParaRPr lang="zh-CN" altLang="en-US" smtClean="0"/>
           </a:p>
           <a:p>
             <a:pPr lvl="2"/>
@@ -1636,7 +1633,6 @@
               <a:rPr lang="zh-CN" altLang="en-US" smtClean="0"/>
               <a:t>第三级</a:t>
             </a:r>
-            <a:endParaRPr lang="zh-CN" altLang="en-US" smtClean="0"/>
           </a:p>
           <a:p>
             <a:pPr lvl="3"/>
@@ -1644,7 +1640,6 @@
               <a:rPr lang="zh-CN" altLang="en-US" smtClean="0"/>
               <a:t>第四级</a:t>
             </a:r>
-            <a:endParaRPr lang="zh-CN" altLang="en-US" smtClean="0"/>
           </a:p>
           <a:p>
             <a:pPr lvl="4"/>
@@ -1673,6 +1668,7 @@
           <a:p>
             <a:fld id="{D997B5FA-0921-464F-AAE1-844C04324D75}" type="datetimeFigureOut">
               <a:rPr lang="zh-CN" altLang="en-US" smtClean="0"/>
+              <a:t>2017/9/6</a:t>
             </a:fld>
             <a:endParaRPr lang="zh-CN" altLang="en-US"/>
           </a:p>
@@ -1714,6 +1710,7 @@
           <a:p>
             <a:fld id="{565CE74E-AB26-4998-AD42-012C4C1AD076}" type="slidenum">
               <a:rPr lang="zh-CN" altLang="en-US" smtClean="0"/>
+              <a:t>‹#›</a:t>
             </a:fld>
             <a:endParaRPr lang="zh-CN" altLang="en-US"/>
           </a:p>
@@ -1834,7 +1831,6 @@
               <a:rPr lang="zh-CN" altLang="en-US" smtClean="0"/>
               <a:t>单击此处编辑母版文本样式</a:t>
             </a:r>
-            <a:endParaRPr lang="zh-CN" altLang="en-US" smtClean="0"/>
           </a:p>
         </p:txBody>
       </p:sp>
@@ -1863,7 +1859,6 @@
               <a:rPr lang="zh-CN" altLang="en-US" smtClean="0"/>
               <a:t>单击此处编辑母版文本样式</a:t>
             </a:r>
-            <a:endParaRPr lang="zh-CN" altLang="en-US" smtClean="0"/>
           </a:p>
           <a:p>
             <a:pPr lvl="1"/>
@@ -1871,7 +1866,6 @@
               <a:rPr lang="zh-CN" altLang="en-US" smtClean="0"/>
               <a:t>第二级</a:t>
             </a:r>
-            <a:endParaRPr lang="zh-CN" altLang="en-US" smtClean="0"/>
           </a:p>
           <a:p>
             <a:pPr lvl="2"/>
@@ -1879,7 +1873,6 @@
               <a:rPr lang="zh-CN" altLang="en-US" smtClean="0"/>
               <a:t>第三级</a:t>
             </a:r>
-            <a:endParaRPr lang="zh-CN" altLang="en-US" smtClean="0"/>
           </a:p>
           <a:p>
             <a:pPr lvl="3"/>
@@ -1887,7 +1880,6 @@
               <a:rPr lang="zh-CN" altLang="en-US" smtClean="0"/>
               <a:t>第四级</a:t>
             </a:r>
-            <a:endParaRPr lang="zh-CN" altLang="en-US" smtClean="0"/>
           </a:p>
           <a:p>
             <a:pPr lvl="4"/>
@@ -1961,7 +1953,6 @@
               <a:rPr lang="zh-CN" altLang="en-US" smtClean="0"/>
               <a:t>单击此处编辑母版文本样式</a:t>
             </a:r>
-            <a:endParaRPr lang="zh-CN" altLang="en-US" smtClean="0"/>
           </a:p>
         </p:txBody>
       </p:sp>
@@ -1990,7 +1981,6 @@
               <a:rPr lang="zh-CN" altLang="en-US" smtClean="0"/>
               <a:t>单击此处编辑母版文本样式</a:t>
             </a:r>
-            <a:endParaRPr lang="zh-CN" altLang="en-US" smtClean="0"/>
           </a:p>
           <a:p>
             <a:pPr lvl="1"/>
@@ -1998,7 +1988,6 @@
               <a:rPr lang="zh-CN" altLang="en-US" smtClean="0"/>
               <a:t>第二级</a:t>
             </a:r>
-            <a:endParaRPr lang="zh-CN" altLang="en-US" smtClean="0"/>
           </a:p>
           <a:p>
             <a:pPr lvl="2"/>
@@ -2006,7 +1995,6 @@
               <a:rPr lang="zh-CN" altLang="en-US" smtClean="0"/>
               <a:t>第三级</a:t>
             </a:r>
-            <a:endParaRPr lang="zh-CN" altLang="en-US" smtClean="0"/>
           </a:p>
           <a:p>
             <a:pPr lvl="3"/>
@@ -2014,7 +2002,6 @@
               <a:rPr lang="zh-CN" altLang="en-US" smtClean="0"/>
               <a:t>第四级</a:t>
             </a:r>
-            <a:endParaRPr lang="zh-CN" altLang="en-US" smtClean="0"/>
           </a:p>
           <a:p>
             <a:pPr lvl="4"/>
@@ -2043,6 +2030,7 @@
           <a:p>
             <a:fld id="{D997B5FA-0921-464F-AAE1-844C04324D75}" type="datetimeFigureOut">
               <a:rPr lang="zh-CN" altLang="en-US" smtClean="0"/>
+              <a:t>2017/9/6</a:t>
             </a:fld>
             <a:endParaRPr lang="zh-CN" altLang="en-US"/>
           </a:p>
@@ -2084,6 +2072,7 @@
           <a:p>
             <a:fld id="{565CE74E-AB26-4998-AD42-012C4C1AD076}" type="slidenum">
               <a:rPr lang="zh-CN" altLang="en-US" smtClean="0"/>
+              <a:t>‹#›</a:t>
             </a:fld>
             <a:endParaRPr lang="zh-CN" altLang="en-US"/>
           </a:p>
@@ -2154,6 +2143,7 @@
           <a:p>
             <a:fld id="{D997B5FA-0921-464F-AAE1-844C04324D75}" type="datetimeFigureOut">
               <a:rPr lang="zh-CN" altLang="en-US" smtClean="0"/>
+              <a:t>2017/9/6</a:t>
             </a:fld>
             <a:endParaRPr lang="zh-CN" altLang="en-US"/>
           </a:p>
@@ -2195,6 +2185,7 @@
           <a:p>
             <a:fld id="{565CE74E-AB26-4998-AD42-012C4C1AD076}" type="slidenum">
               <a:rPr lang="zh-CN" altLang="en-US" smtClean="0"/>
+              <a:t>‹#›</a:t>
             </a:fld>
             <a:endParaRPr lang="zh-CN" altLang="en-US"/>
           </a:p>
@@ -2242,6 +2233,7 @@
           <a:p>
             <a:fld id="{D997B5FA-0921-464F-AAE1-844C04324D75}" type="datetimeFigureOut">
               <a:rPr lang="zh-CN" altLang="en-US" smtClean="0"/>
+              <a:t>2017/9/6</a:t>
             </a:fld>
             <a:endParaRPr lang="zh-CN" altLang="en-US"/>
           </a:p>
@@ -2283,6 +2275,7 @@
           <a:p>
             <a:fld id="{565CE74E-AB26-4998-AD42-012C4C1AD076}" type="slidenum">
               <a:rPr lang="zh-CN" altLang="en-US" smtClean="0"/>
+              <a:t>‹#›</a:t>
             </a:fld>
             <a:endParaRPr lang="zh-CN" altLang="en-US"/>
           </a:p>
@@ -2398,7 +2391,6 @@
               <a:rPr lang="zh-CN" altLang="en-US" smtClean="0"/>
               <a:t>单击此处编辑母版文本样式</a:t>
             </a:r>
-            <a:endParaRPr lang="zh-CN" altLang="en-US" smtClean="0"/>
           </a:p>
           <a:p>
             <a:pPr lvl="1"/>
@@ -2406,7 +2398,6 @@
               <a:rPr lang="zh-CN" altLang="en-US" smtClean="0"/>
               <a:t>第二级</a:t>
             </a:r>
-            <a:endParaRPr lang="zh-CN" altLang="en-US" smtClean="0"/>
           </a:p>
           <a:p>
             <a:pPr lvl="2"/>
@@ -2414,7 +2405,6 @@
               <a:rPr lang="zh-CN" altLang="en-US" smtClean="0"/>
               <a:t>第三级</a:t>
             </a:r>
-            <a:endParaRPr lang="zh-CN" altLang="en-US" smtClean="0"/>
           </a:p>
           <a:p>
             <a:pPr lvl="3"/>
@@ -2422,7 +2412,6 @@
               <a:rPr lang="zh-CN" altLang="en-US" smtClean="0"/>
               <a:t>第四级</a:t>
             </a:r>
-            <a:endParaRPr lang="zh-CN" altLang="en-US" smtClean="0"/>
           </a:p>
           <a:p>
             <a:pPr lvl="4"/>
@@ -2496,7 +2485,6 @@
               <a:rPr lang="zh-CN" altLang="en-US" smtClean="0"/>
               <a:t>单击此处编辑母版文本样式</a:t>
             </a:r>
-            <a:endParaRPr lang="zh-CN" altLang="en-US" smtClean="0"/>
           </a:p>
         </p:txBody>
       </p:sp>
@@ -2517,6 +2505,7 @@
           <a:p>
             <a:fld id="{D997B5FA-0921-464F-AAE1-844C04324D75}" type="datetimeFigureOut">
               <a:rPr lang="zh-CN" altLang="en-US" smtClean="0"/>
+              <a:t>2017/9/6</a:t>
             </a:fld>
             <a:endParaRPr lang="zh-CN" altLang="en-US"/>
           </a:p>
@@ -2558,6 +2547,7 @@
           <a:p>
             <a:fld id="{565CE74E-AB26-4998-AD42-012C4C1AD076}" type="slidenum">
               <a:rPr lang="zh-CN" altLang="en-US" smtClean="0"/>
+              <a:t>‹#›</a:t>
             </a:fld>
             <a:endParaRPr lang="zh-CN" altLang="en-US"/>
           </a:p>
@@ -2743,7 +2733,6 @@
               <a:rPr lang="zh-CN" altLang="en-US" smtClean="0"/>
               <a:t>单击此处编辑母版文本样式</a:t>
             </a:r>
-            <a:endParaRPr lang="zh-CN" altLang="en-US" smtClean="0"/>
           </a:p>
         </p:txBody>
       </p:sp>
@@ -2764,6 +2753,7 @@
           <a:p>
             <a:fld id="{D997B5FA-0921-464F-AAE1-844C04324D75}" type="datetimeFigureOut">
               <a:rPr lang="zh-CN" altLang="en-US" smtClean="0"/>
+              <a:t>2017/9/6</a:t>
             </a:fld>
             <a:endParaRPr lang="zh-CN" altLang="en-US"/>
           </a:p>
@@ -2805,6 +2795,7 @@
           <a:p>
             <a:fld id="{565CE74E-AB26-4998-AD42-012C4C1AD076}" type="slidenum">
               <a:rPr lang="zh-CN" altLang="en-US" smtClean="0"/>
+              <a:t>‹#›</a:t>
             </a:fld>
             <a:endParaRPr lang="zh-CN" altLang="en-US"/>
           </a:p>
@@ -2903,7 +2894,6 @@
               <a:rPr lang="zh-CN" altLang="en-US" smtClean="0"/>
               <a:t>单击此处编辑母版文本样式</a:t>
             </a:r>
-            <a:endParaRPr lang="zh-CN" altLang="en-US" smtClean="0"/>
           </a:p>
           <a:p>
             <a:pPr lvl="1"/>
@@ -2911,7 +2901,6 @@
               <a:rPr lang="zh-CN" altLang="en-US" smtClean="0"/>
               <a:t>第二级</a:t>
             </a:r>
-            <a:endParaRPr lang="zh-CN" altLang="en-US" smtClean="0"/>
           </a:p>
           <a:p>
             <a:pPr lvl="2"/>
@@ -2919,7 +2908,6 @@
               <a:rPr lang="zh-CN" altLang="en-US" smtClean="0"/>
               <a:t>第三级</a:t>
             </a:r>
-            <a:endParaRPr lang="zh-CN" altLang="en-US" smtClean="0"/>
           </a:p>
           <a:p>
             <a:pPr lvl="3"/>
@@ -2927,7 +2915,6 @@
               <a:rPr lang="zh-CN" altLang="en-US" smtClean="0"/>
               <a:t>第四级</a:t>
             </a:r>
-            <a:endParaRPr lang="zh-CN" altLang="en-US" smtClean="0"/>
           </a:p>
           <a:p>
             <a:pPr lvl="4"/>
@@ -2974,6 +2961,7 @@
           <a:p>
             <a:fld id="{D997B5FA-0921-464F-AAE1-844C04324D75}" type="datetimeFigureOut">
               <a:rPr lang="zh-CN" altLang="en-US" smtClean="0"/>
+              <a:t>2017/9/6</a:t>
             </a:fld>
             <a:endParaRPr lang="zh-CN" altLang="en-US"/>
           </a:p>
@@ -3051,6 +3039,7 @@
           <a:p>
             <a:fld id="{565CE74E-AB26-4998-AD42-012C4C1AD076}" type="slidenum">
               <a:rPr lang="zh-CN" altLang="en-US" smtClean="0"/>
+              <a:t>‹#›</a:t>
             </a:fld>
             <a:endParaRPr lang="zh-CN" altLang="en-US"/>
           </a:p>
@@ -3364,7 +3353,14 @@
         <p:cNvGrpSpPr/>
         <p:nvPr/>
       </p:nvGrpSpPr>
-      <p:grpSpPr/>
+      <p:grpSpPr>
+        <a:xfrm>
+          <a:off x="0" y="0"/>
+          <a:ext cx="0" cy="0"/>
+          <a:chOff x="0" y="0"/>
+          <a:chExt cx="0" cy="0"/>
+        </a:xfrm>
+      </p:grpSpPr>
       <p:sp>
         <p:nvSpPr>
           <p:cNvPr id="2" name="标题 1"/>
@@ -3383,16 +3379,16 @@
         </p:spPr>
         <p:txBody>
           <a:bodyPr/>
-          <a:p>
-            <a:r>
-              <a:rPr lang="en-US" altLang="zh-CN" sz="4800"/>
+          <a:lstStyle/>
+          <a:p>
+            <a:r>
+              <a:rPr lang="en-US" altLang="zh-CN" sz="4800" dirty="0"/>
               <a:t>Docker</a:t>
             </a:r>
             <a:r>
-              <a:rPr lang="zh-CN" altLang="en-US" sz="4800"/>
+              <a:rPr lang="zh-CN" altLang="en-US" sz="4800" dirty="0"/>
               <a:t>构建高可用的开发环境</a:t>
             </a:r>
-            <a:endParaRPr lang="zh-CN" altLang="en-US" sz="4800"/>
           </a:p>
         </p:txBody>
       </p:sp>
@@ -3409,6 +3405,7 @@
         <p:spPr/>
         <p:txBody>
           <a:bodyPr/>
+          <a:lstStyle/>
           <a:p>
             <a:r>
               <a:rPr lang="en-US" altLang="zh-CN"/>
@@ -3422,7 +3419,6 @@
               <a:rPr lang="en-US" altLang="zh-CN"/>
               <a:t>Godtoy</a:t>
             </a:r>
-            <a:endParaRPr lang="en-US" altLang="zh-CN"/>
           </a:p>
         </p:txBody>
       </p:sp>
@@ -3443,7 +3439,14 @@
         <p:cNvGrpSpPr/>
         <p:nvPr/>
       </p:nvGrpSpPr>
-      <p:grpSpPr/>
+      <p:grpSpPr>
+        <a:xfrm>
+          <a:off x="0" y="0"/>
+          <a:ext cx="0" cy="0"/>
+          <a:chOff x="0" y="0"/>
+          <a:chExt cx="0" cy="0"/>
+        </a:xfrm>
+      </p:grpSpPr>
       <p:sp>
         <p:nvSpPr>
           <p:cNvPr id="2" name="文本框 1"/>
@@ -3452,8 +3455,8 @@
         </p:nvSpPr>
         <p:spPr>
           <a:xfrm>
-            <a:off x="737235" y="511810"/>
-            <a:ext cx="10735945" cy="3692525"/>
+            <a:off x="2931160" y="453390"/>
+            <a:ext cx="6842125" cy="583565"/>
           </a:xfrm>
           <a:prstGeom prst="rect">
             <a:avLst/>
@@ -3464,128 +3467,191 @@
           <a:bodyPr wrap="square" rtlCol="0">
             <a:spAutoFit/>
           </a:bodyPr>
-          <a:p>
-            <a:r>
-              <a:rPr lang="en-US" altLang="zh-CN"/>
-              <a:t>mysql</a:t>
-            </a:r>
-            <a:r>
-              <a:rPr lang="zh-CN" altLang="en-US"/>
-              <a:t>：</a:t>
-            </a:r>
-            <a:r>
-              <a:rPr lang="en-US" altLang="zh-CN"/>
-              <a:t>docker run -d --name sf-mysql -e MYSQL_ROOT_PASSWORD=root mysql:5.7 --character-set-server=utf8mb4 --collation-server=utf8mb4_unicode_ci</a:t>
-            </a:r>
-            <a:endParaRPr lang="en-US" altLang="zh-CN"/>
-          </a:p>
-          <a:p>
-            <a:endParaRPr lang="en-US" altLang="zh-CN"/>
-          </a:p>
-          <a:p>
-            <a:r>
-              <a:rPr lang="en-US" altLang="zh-CN"/>
-              <a:t>php: docker run -d  --name sf-php --link sf-mysql:mysql -v "$PWD":/app -w /app php:7.0-fpm </a:t>
-            </a:r>
-            <a:endParaRPr lang="en-US" altLang="zh-CN"/>
-          </a:p>
-          <a:p>
-            <a:endParaRPr lang="en-US" altLang="zh-CN"/>
-          </a:p>
-          <a:p>
-            <a:r>
-              <a:rPr lang="en-US" altLang="zh-CN"/>
-              <a:t>nginx</a:t>
-            </a:r>
-            <a:r>
-              <a:rPr lang="zh-CN" altLang="en-US"/>
-              <a:t>：docker run </a:t>
-            </a:r>
-            <a:r>
-              <a:rPr lang="en-US" altLang="zh-CN"/>
-              <a:t>-d </a:t>
-            </a:r>
-            <a:r>
-              <a:rPr lang="zh-CN" altLang="en-US"/>
-              <a:t> --name </a:t>
-            </a:r>
-            <a:r>
-              <a:rPr lang="en-US" altLang="zh-CN"/>
-              <a:t>sf-nginx -P --link</a:t>
-            </a:r>
-            <a:r>
-              <a:rPr lang="zh-CN" altLang="en-US"/>
+          <a:lstStyle/>
+          <a:p>
+            <a:pPr algn="ctr"/>
+            <a:r>
+              <a:rPr lang="en-US" altLang="zh-CN" sz="3200" dirty="0" smtClean="0"/>
+              <a:t>Just</a:t>
+            </a:r>
+            <a:r>
+              <a:rPr lang="zh-CN" altLang="en-US" sz="3200" dirty="0"/>
               <a:t> </a:t>
             </a:r>
             <a:r>
-              <a:rPr lang="en-US" altLang="zh-CN"/>
-              <a:t>sf-php:php7 </a:t>
-            </a:r>
-            <a:r>
-              <a:rPr lang="zh-CN" altLang="en-US"/>
-              <a:t>-v </a:t>
-            </a:r>
-            <a:r>
-              <a:rPr lang="en-US" altLang="zh-CN">
-                <a:sym typeface="+mn-ea"/>
-              </a:rPr>
-              <a:t>"$PWD"</a:t>
-            </a:r>
-            <a:r>
-              <a:rPr lang="zh-CN" altLang="en-US"/>
-              <a:t>/nginx.conf:/etc/nginx/nginx.conf:ro -d nginx</a:t>
-            </a:r>
-            <a:endParaRPr lang="zh-CN" altLang="en-US"/>
-          </a:p>
-          <a:p>
-            <a:endParaRPr lang="en-US" altLang="zh-CN">
-              <a:hlinkClick r:id="rId1" action="ppaction://hlinkfile"/>
-            </a:endParaRPr>
-          </a:p>
-          <a:p>
-            <a:endParaRPr lang="en-US" altLang="zh-CN">
-              <a:hlinkClick r:id="rId1" action="ppaction://hlinkfile"/>
-            </a:endParaRPr>
-          </a:p>
-          <a:p>
-            <a:r>
-              <a:rPr lang="en-US" altLang="zh-CN">
-                <a:hlinkClick r:id="rId1" action="ppaction://hlinkfile"/>
-              </a:rPr>
-              <a:t>https://hub.docker.com/_/php/</a:t>
-            </a:r>
-            <a:endParaRPr lang="en-US" altLang="zh-CN">
-              <a:hlinkClick r:id="rId1" action="ppaction://hlinkfile"/>
-            </a:endParaRPr>
-          </a:p>
-          <a:p>
-            <a:r>
-              <a:rPr lang="en-US" altLang="zh-CN">
-                <a:hlinkClick r:id="rId2" action="ppaction://hlinkfile"/>
-              </a:rPr>
-              <a:t>https://hub.docker.com/_/nginx/</a:t>
-            </a:r>
-            <a:endParaRPr lang="en-US" altLang="zh-CN">
-              <a:hlinkClick r:id="rId2" action="ppaction://hlinkfile"/>
-            </a:endParaRPr>
-          </a:p>
-          <a:p>
-            <a:r>
-              <a:rPr lang="en-US" altLang="zh-CN">
+              <a:rPr lang="en-US" altLang="zh-CN" sz="3200" dirty="0" smtClean="0"/>
+              <a:t>Do</a:t>
+            </a:r>
+            <a:r>
+              <a:rPr lang="zh-CN" altLang="en-US" sz="3200" dirty="0" smtClean="0"/>
+              <a:t> </a:t>
+            </a:r>
+            <a:r>
+              <a:rPr lang="en-US" altLang="zh-CN" sz="3200" dirty="0" smtClean="0"/>
+              <a:t>It</a:t>
+            </a:r>
+            <a:endParaRPr lang="zh-CN" altLang="en-US" sz="3200" dirty="0"/>
+          </a:p>
+        </p:txBody>
+      </p:sp>
+      <p:sp>
+        <p:nvSpPr>
+          <p:cNvPr id="3" name="文本框 2"/>
+          <p:cNvSpPr txBox="1"/>
+          <p:nvPr/>
+        </p:nvSpPr>
+        <p:spPr>
+          <a:xfrm>
+            <a:off x="930910" y="2463165"/>
+            <a:ext cx="10085705" cy="2862322"/>
+          </a:xfrm>
+          <a:prstGeom prst="rect">
+            <a:avLst/>
+          </a:prstGeom>
+          <a:noFill/>
+        </p:spPr>
+        <p:txBody>
+          <a:bodyPr wrap="square" rtlCol="0">
+            <a:spAutoFit/>
+          </a:bodyPr>
+          <a:lstStyle/>
+          <a:p>
+            <a:r>
+              <a:rPr lang="en-US" altLang="zh-CN" dirty="0"/>
+              <a:t>1.vmware</a:t>
+            </a:r>
+            <a:r>
+              <a:rPr lang="zh-CN" altLang="en-US" dirty="0"/>
+              <a:t>安装</a:t>
+            </a:r>
+            <a:r>
+              <a:rPr lang="en-US" altLang="zh-CN" dirty="0" err="1"/>
+              <a:t>linux</a:t>
+            </a:r>
+            <a:r>
+              <a:rPr lang="en-US" altLang="zh-CN" dirty="0"/>
+              <a:t> centos</a:t>
+            </a:r>
+            <a:r>
+              <a:rPr lang="zh-CN" altLang="en-US" dirty="0"/>
+              <a:t>或者</a:t>
+            </a:r>
+            <a:r>
+              <a:rPr lang="en-US" altLang="zh-CN" dirty="0" err="1"/>
+              <a:t>ubuntu</a:t>
+            </a:r>
+            <a:r>
+              <a:rPr lang="zh-CN" altLang="en-US" dirty="0"/>
+              <a:t>，建议最新稳定版本作为宿主机</a:t>
+            </a:r>
+          </a:p>
+          <a:p>
+            <a:endParaRPr lang="zh-CN" altLang="en-US" dirty="0"/>
+          </a:p>
+          <a:p>
+            <a:r>
+              <a:rPr lang="en-US" altLang="zh-CN" dirty="0"/>
+              <a:t>2.</a:t>
+            </a:r>
+            <a:r>
+              <a:rPr lang="zh-CN" altLang="en-US" dirty="0"/>
+              <a:t>安装</a:t>
+            </a:r>
+            <a:r>
+              <a:rPr lang="en-US" altLang="zh-CN" dirty="0" err="1"/>
+              <a:t>docker</a:t>
+            </a:r>
+            <a:r>
+              <a:rPr lang="en-US" altLang="zh-CN" dirty="0"/>
+              <a:t> </a:t>
+            </a:r>
+            <a:r>
+              <a:rPr lang="en-US" altLang="zh-CN" dirty="0" err="1"/>
+              <a:t>ce</a:t>
+            </a:r>
+            <a:r>
+              <a:rPr lang="zh-CN" altLang="en-US" dirty="0"/>
+              <a:t>稳定版本</a:t>
+            </a:r>
+          </a:p>
+          <a:p>
+            <a:r>
+              <a:rPr lang="zh-CN" altLang="en-US" dirty="0">
                 <a:hlinkClick r:id="rId3" action="ppaction://hlinkfile"/>
               </a:rPr>
-              <a:t>https://hub.docker.com/_/mysql/</a:t>
-            </a:r>
-            <a:endParaRPr lang="en-US" altLang="zh-CN"/>
-          </a:p>
-          <a:p>
-            <a:endParaRPr lang="en-US" altLang="zh-CN"/>
+              <a:t>https://docs.docker.com/engine/installation/</a:t>
+            </a:r>
+          </a:p>
+          <a:p>
+            <a:endParaRPr lang="zh-CN" altLang="en-US" dirty="0">
+              <a:hlinkClick r:id="rId3" action="ppaction://hlinkfile"/>
+            </a:endParaRPr>
+          </a:p>
+          <a:p>
+            <a:r>
+              <a:rPr lang="en-US" altLang="zh-CN" dirty="0"/>
+              <a:t>3.</a:t>
+            </a:r>
+            <a:r>
+              <a:rPr lang="zh-CN" altLang="en-US" dirty="0" smtClean="0"/>
+              <a:t>共享开发机器磁盘文件</a:t>
+            </a:r>
+            <a:r>
+              <a:rPr lang="zh-CN" altLang="en-US" dirty="0"/>
+              <a:t>夹到</a:t>
+            </a:r>
+            <a:r>
+              <a:rPr lang="en-US" altLang="zh-CN" dirty="0" err="1"/>
+              <a:t>vmware</a:t>
+            </a:r>
+            <a:r>
+              <a:rPr lang="zh-CN" altLang="en-US" dirty="0"/>
+              <a:t>虚拟机的宿主机中。</a:t>
+            </a:r>
+          </a:p>
+          <a:p>
+            <a:r>
+              <a:rPr lang="en-US" altLang="zh-CN" dirty="0">
+                <a:hlinkClick r:id="rId4" action="ppaction://hlinkfile"/>
+              </a:rPr>
+              <a:t>https://blog.oeynet.com/post/108.html</a:t>
+            </a:r>
+          </a:p>
+          <a:p>
+            <a:endParaRPr lang="zh-CN" altLang="en-US" dirty="0"/>
+          </a:p>
+          <a:p>
+            <a:r>
+              <a:rPr lang="en-US" altLang="zh-CN" dirty="0"/>
+              <a:t>4. </a:t>
+            </a:r>
+            <a:r>
+              <a:rPr lang="zh-CN" altLang="en-US" dirty="0"/>
+              <a:t>安装编排工具 </a:t>
+            </a:r>
+            <a:r>
+              <a:rPr lang="en-US" altLang="zh-CN" dirty="0" err="1"/>
+              <a:t>docker</a:t>
+            </a:r>
+            <a:r>
+              <a:rPr lang="en-US" altLang="zh-CN" dirty="0"/>
+              <a:t>-compose</a:t>
+            </a:r>
+          </a:p>
+          <a:p>
+            <a:r>
+              <a:rPr lang="en-US" altLang="zh-CN" dirty="0">
+                <a:hlinkClick r:id="rId5" action="ppaction://hlinkfile"/>
+              </a:rPr>
+              <a:t>https://github.com/docker/compose</a:t>
+            </a:r>
+            <a:endParaRPr lang="en-US" altLang="zh-CN" dirty="0"/>
           </a:p>
         </p:txBody>
       </p:sp>
     </p:spTree>
     <p:custDataLst>
-      <p:tags r:id="rId4"/>
+      <p:tags r:id="rId1"/>
     </p:custDataLst>
   </p:cSld>
   <p:clrMapOvr>
@@ -3603,7 +3669,1665 @@
         <p:cNvGrpSpPr/>
         <p:nvPr/>
       </p:nvGrpSpPr>
-      <p:grpSpPr/>
+      <p:grpSpPr>
+        <a:xfrm>
+          <a:off x="0" y="0"/>
+          <a:ext cx="0" cy="0"/>
+          <a:chOff x="0" y="0"/>
+          <a:chExt cx="0" cy="0"/>
+        </a:xfrm>
+      </p:grpSpPr>
+      <p:sp>
+        <p:nvSpPr>
+          <p:cNvPr id="2" name="文本框 1"/>
+          <p:cNvSpPr txBox="1"/>
+          <p:nvPr/>
+        </p:nvSpPr>
+        <p:spPr>
+          <a:xfrm>
+            <a:off x="2639695" y="608965"/>
+            <a:ext cx="7085965" cy="583565"/>
+          </a:xfrm>
+          <a:prstGeom prst="rect">
+            <a:avLst/>
+          </a:prstGeom>
+          <a:noFill/>
+        </p:spPr>
+        <p:txBody>
+          <a:bodyPr wrap="square" rtlCol="0">
+            <a:spAutoFit/>
+          </a:bodyPr>
+          <a:lstStyle/>
+          <a:p>
+            <a:pPr algn="ctr"/>
+            <a:r>
+              <a:rPr lang="en-US" altLang="zh-CN" sz="3200" dirty="0" smtClean="0"/>
+              <a:t>Run</a:t>
+            </a:r>
+            <a:r>
+              <a:rPr lang="zh-CN" altLang="en-US" sz="3200" dirty="0" smtClean="0"/>
+              <a:t> </a:t>
+            </a:r>
+            <a:r>
+              <a:rPr lang="en-US" altLang="zh-CN" sz="3200" dirty="0" smtClean="0"/>
+              <a:t>Run</a:t>
+            </a:r>
+            <a:r>
+              <a:rPr lang="zh-CN" altLang="en-US" sz="3200" dirty="0" smtClean="0"/>
+              <a:t> </a:t>
+            </a:r>
+            <a:r>
+              <a:rPr lang="en-US" altLang="zh-CN" sz="3200" dirty="0" smtClean="0"/>
+              <a:t>Run</a:t>
+            </a:r>
+            <a:r>
+              <a:rPr lang="zh-CN" altLang="en-US" sz="3200" dirty="0" smtClean="0"/>
+              <a:t> </a:t>
+            </a:r>
+            <a:r>
+              <a:rPr lang="en-US" altLang="zh-CN" sz="3200" dirty="0" smtClean="0"/>
+              <a:t>,</a:t>
+            </a:r>
+            <a:r>
+              <a:rPr lang="zh-CN" altLang="en-US" sz="3200" dirty="0" smtClean="0"/>
+              <a:t>快速</a:t>
+            </a:r>
+            <a:r>
+              <a:rPr lang="en-US" altLang="zh-CN" sz="3200" dirty="0"/>
+              <a:t>run</a:t>
+            </a:r>
+            <a:r>
+              <a:rPr lang="zh-CN" altLang="en-US" sz="3200" dirty="0"/>
+              <a:t>一</a:t>
+            </a:r>
+            <a:r>
+              <a:rPr lang="zh-CN" altLang="en-US" sz="3200" dirty="0" smtClean="0"/>
+              <a:t>个</a:t>
+            </a:r>
+            <a:r>
+              <a:rPr lang="zh-CN" altLang="en-US" sz="3200" dirty="0"/>
+              <a:t> </a:t>
+            </a:r>
+            <a:r>
+              <a:rPr lang="en-US" altLang="zh-CN" sz="3200" dirty="0" err="1" smtClean="0"/>
+              <a:t>linux+</a:t>
+            </a:r>
+            <a:r>
+              <a:rPr lang="en-US" altLang="zh-CN" sz="3200" dirty="0" err="1" smtClean="0"/>
+              <a:t>nmp</a:t>
+            </a:r>
+            <a:endParaRPr lang="en-US" altLang="zh-CN" sz="3200" dirty="0"/>
+          </a:p>
+        </p:txBody>
+      </p:sp>
+      <p:cxnSp>
+        <p:nvCxnSpPr>
+          <p:cNvPr id="65" name="直接连接符 64"/>
+          <p:cNvCxnSpPr/>
+          <p:nvPr>
+            <p:custDataLst>
+              <p:tags r:id="rId2"/>
+            </p:custDataLst>
+          </p:nvPr>
+        </p:nvCxnSpPr>
+        <p:spPr>
+          <a:xfrm>
+            <a:off x="3974173" y="4260505"/>
+            <a:ext cx="0" cy="328870"/>
+          </a:xfrm>
+          <a:prstGeom prst="line">
+            <a:avLst/>
+          </a:prstGeom>
+          <a:ln>
+            <a:solidFill>
+              <a:srgbClr val="43537C">
+                <a:lumMod val="50000"/>
+              </a:srgbClr>
+            </a:solidFill>
+          </a:ln>
+        </p:spPr>
+        <p:style>
+          <a:lnRef idx="1">
+            <a:srgbClr val="0CB5C8"/>
+          </a:lnRef>
+          <a:fillRef idx="0">
+            <a:srgbClr val="0CB5C8"/>
+          </a:fillRef>
+          <a:effectRef idx="0">
+            <a:srgbClr val="0CB5C8"/>
+          </a:effectRef>
+          <a:fontRef idx="minor">
+            <a:sysClr val="windowText" lastClr="000000"/>
+          </a:fontRef>
+        </p:style>
+      </p:cxnSp>
+      <p:cxnSp>
+        <p:nvCxnSpPr>
+          <p:cNvPr id="60" name="直接连接符 59"/>
+          <p:cNvCxnSpPr/>
+          <p:nvPr>
+            <p:custDataLst>
+              <p:tags r:id="rId3"/>
+            </p:custDataLst>
+          </p:nvPr>
+        </p:nvCxnSpPr>
+        <p:spPr>
+          <a:xfrm>
+            <a:off x="6135497" y="2689741"/>
+            <a:ext cx="0" cy="328870"/>
+          </a:xfrm>
+          <a:prstGeom prst="line">
+            <a:avLst/>
+          </a:prstGeom>
+          <a:ln>
+            <a:solidFill>
+              <a:srgbClr val="43537C">
+                <a:lumMod val="50000"/>
+              </a:srgbClr>
+            </a:solidFill>
+          </a:ln>
+        </p:spPr>
+        <p:style>
+          <a:lnRef idx="1">
+            <a:srgbClr val="0CB5C8"/>
+          </a:lnRef>
+          <a:fillRef idx="0">
+            <a:srgbClr val="0CB5C8"/>
+          </a:fillRef>
+          <a:effectRef idx="0">
+            <a:srgbClr val="0CB5C8"/>
+          </a:effectRef>
+          <a:fontRef idx="minor">
+            <a:sysClr val="windowText" lastClr="000000"/>
+          </a:fontRef>
+        </p:style>
+      </p:cxnSp>
+      <p:sp>
+        <p:nvSpPr>
+          <p:cNvPr id="4" name="空心弧 3"/>
+          <p:cNvSpPr/>
+          <p:nvPr>
+            <p:custDataLst>
+              <p:tags r:id="rId4"/>
+            </p:custDataLst>
+          </p:nvPr>
+        </p:nvSpPr>
+        <p:spPr>
+          <a:xfrm>
+            <a:off x="5401215" y="1315228"/>
+            <a:ext cx="1476554" cy="1438201"/>
+          </a:xfrm>
+          <a:prstGeom prst="blockArc">
+            <a:avLst>
+              <a:gd name="adj1" fmla="val 20359382"/>
+              <a:gd name="adj2" fmla="val 12040597"/>
+              <a:gd name="adj3" fmla="val 18500"/>
+            </a:avLst>
+          </a:prstGeom>
+          <a:solidFill>
+            <a:sysClr val="window" lastClr="FFFFFF">
+              <a:lumMod val="65000"/>
+            </a:sysClr>
+          </a:solidFill>
+          <a:ln>
+            <a:noFill/>
+          </a:ln>
+        </p:spPr>
+        <p:style>
+          <a:lnRef idx="2">
+            <a:srgbClr val="0CB5C8">
+              <a:shade val="50000"/>
+            </a:srgbClr>
+          </a:lnRef>
+          <a:fillRef idx="1">
+            <a:srgbClr val="0CB5C8"/>
+          </a:fillRef>
+          <a:effectRef idx="0">
+            <a:srgbClr val="0CB5C8"/>
+          </a:effectRef>
+          <a:fontRef idx="minor">
+            <a:sysClr val="window" lastClr="FFFFFF"/>
+          </a:fontRef>
+        </p:style>
+        <p:txBody>
+          <a:bodyPr rtlCol="0" anchor="ctr"/>
+          <a:lstStyle/>
+          <a:p>
+            <a:pPr algn="ctr"/>
+            <a:endParaRPr lang="zh-CN" altLang="en-US">
+              <a:solidFill>
+                <a:sysClr val="windowText" lastClr="000000"/>
+              </a:solidFill>
+            </a:endParaRPr>
+          </a:p>
+        </p:txBody>
+      </p:sp>
+      <p:sp>
+        <p:nvSpPr>
+          <p:cNvPr id="5" name="椭圆 4"/>
+          <p:cNvSpPr/>
+          <p:nvPr>
+            <p:custDataLst>
+              <p:tags r:id="rId5"/>
+            </p:custDataLst>
+          </p:nvPr>
+        </p:nvSpPr>
+        <p:spPr>
+          <a:xfrm>
+            <a:off x="5617479" y="1512314"/>
+            <a:ext cx="1044028" cy="1044028"/>
+          </a:xfrm>
+          <a:prstGeom prst="ellipse">
+            <a:avLst/>
+          </a:prstGeom>
+          <a:solidFill>
+            <a:sysClr val="window" lastClr="FFFFFF">
+              <a:lumMod val="85000"/>
+            </a:sysClr>
+          </a:solidFill>
+          <a:ln>
+            <a:noFill/>
+          </a:ln>
+        </p:spPr>
+        <p:style>
+          <a:lnRef idx="2">
+            <a:sysClr val="window" lastClr="FFFFFF">
+              <a:hueOff val="0"/>
+              <a:satOff val="0"/>
+              <a:lumOff val="0"/>
+              <a:alphaOff val="0"/>
+            </a:sysClr>
+          </a:lnRef>
+          <a:fillRef idx="1">
+            <a:srgbClr val="0CB5C8">
+              <a:hueOff val="0"/>
+              <a:satOff val="0"/>
+              <a:lumOff val="0"/>
+              <a:alphaOff val="0"/>
+            </a:srgbClr>
+          </a:fillRef>
+          <a:effectRef idx="0">
+            <a:srgbClr val="0CB5C8">
+              <a:hueOff val="0"/>
+              <a:satOff val="0"/>
+              <a:lumOff val="0"/>
+              <a:alphaOff val="0"/>
+            </a:srgbClr>
+          </a:effectRef>
+          <a:fontRef idx="minor">
+            <a:sysClr val="window" lastClr="FFFFFF"/>
+          </a:fontRef>
+        </p:style>
+        <p:txBody>
+          <a:bodyPr/>
+          <a:lstStyle/>
+          <a:p>
+            <a:pPr algn="ctr"/>
+            <a:endParaRPr lang="zh-CN" altLang="en-US" dirty="0"/>
+          </a:p>
+        </p:txBody>
+      </p:sp>
+      <p:sp>
+        <p:nvSpPr>
+          <p:cNvPr id="43" name="空心弧 42"/>
+          <p:cNvSpPr/>
+          <p:nvPr>
+            <p:custDataLst>
+              <p:tags r:id="rId6"/>
+            </p:custDataLst>
+          </p:nvPr>
+        </p:nvSpPr>
+        <p:spPr>
+          <a:xfrm>
+            <a:off x="3247909" y="3019391"/>
+            <a:ext cx="1476554" cy="1438201"/>
+          </a:xfrm>
+          <a:prstGeom prst="blockArc">
+            <a:avLst>
+              <a:gd name="adj1" fmla="val 20359382"/>
+              <a:gd name="adj2" fmla="val 12040597"/>
+              <a:gd name="adj3" fmla="val 18500"/>
+            </a:avLst>
+          </a:prstGeom>
+          <a:solidFill>
+            <a:sysClr val="window" lastClr="FFFFFF">
+              <a:lumMod val="65000"/>
+            </a:sysClr>
+          </a:solidFill>
+          <a:ln>
+            <a:noFill/>
+          </a:ln>
+        </p:spPr>
+        <p:style>
+          <a:lnRef idx="2">
+            <a:srgbClr val="0CB5C8">
+              <a:shade val="50000"/>
+            </a:srgbClr>
+          </a:lnRef>
+          <a:fillRef idx="1">
+            <a:srgbClr val="0CB5C8"/>
+          </a:fillRef>
+          <a:effectRef idx="0">
+            <a:srgbClr val="0CB5C8"/>
+          </a:effectRef>
+          <a:fontRef idx="minor">
+            <a:sysClr val="window" lastClr="FFFFFF"/>
+          </a:fontRef>
+        </p:style>
+        <p:txBody>
+          <a:bodyPr rtlCol="0" anchor="ctr"/>
+          <a:lstStyle/>
+          <a:p>
+            <a:pPr algn="ctr"/>
+            <a:endParaRPr lang="zh-CN" altLang="en-US">
+              <a:solidFill>
+                <a:sysClr val="windowText" lastClr="000000"/>
+              </a:solidFill>
+            </a:endParaRPr>
+          </a:p>
+        </p:txBody>
+      </p:sp>
+      <p:sp>
+        <p:nvSpPr>
+          <p:cNvPr id="6" name="椭圆 5"/>
+          <p:cNvSpPr/>
+          <p:nvPr>
+            <p:custDataLst>
+              <p:tags r:id="rId7"/>
+            </p:custDataLst>
+          </p:nvPr>
+        </p:nvSpPr>
+        <p:spPr>
+          <a:xfrm>
+            <a:off x="3464172" y="3216477"/>
+            <a:ext cx="1044028" cy="1044028"/>
+          </a:xfrm>
+          <a:prstGeom prst="ellipse">
+            <a:avLst/>
+          </a:prstGeom>
+          <a:solidFill>
+            <a:sysClr val="window" lastClr="FFFFFF">
+              <a:lumMod val="85000"/>
+            </a:sysClr>
+          </a:solidFill>
+          <a:ln>
+            <a:noFill/>
+          </a:ln>
+        </p:spPr>
+        <p:style>
+          <a:lnRef idx="2">
+            <a:sysClr val="window" lastClr="FFFFFF">
+              <a:hueOff val="0"/>
+              <a:satOff val="0"/>
+              <a:lumOff val="0"/>
+              <a:alphaOff val="0"/>
+            </a:sysClr>
+          </a:lnRef>
+          <a:fillRef idx="1">
+            <a:srgbClr val="0CB5C8">
+              <a:hueOff val="0"/>
+              <a:satOff val="0"/>
+              <a:lumOff val="0"/>
+              <a:alphaOff val="0"/>
+            </a:srgbClr>
+          </a:fillRef>
+          <a:effectRef idx="0">
+            <a:srgbClr val="0CB5C8">
+              <a:hueOff val="0"/>
+              <a:satOff val="0"/>
+              <a:lumOff val="0"/>
+              <a:alphaOff val="0"/>
+            </a:srgbClr>
+          </a:effectRef>
+          <a:fontRef idx="minor">
+            <a:sysClr val="window" lastClr="FFFFFF"/>
+          </a:fontRef>
+        </p:style>
+        <p:txBody>
+          <a:bodyPr/>
+          <a:lstStyle/>
+          <a:p>
+            <a:endParaRPr lang="zh-CN" altLang="en-US"/>
+          </a:p>
+        </p:txBody>
+      </p:sp>
+      <p:sp>
+        <p:nvSpPr>
+          <p:cNvPr id="7" name="空心弧 6"/>
+          <p:cNvSpPr/>
+          <p:nvPr>
+            <p:custDataLst>
+              <p:tags r:id="rId8"/>
+            </p:custDataLst>
+          </p:nvPr>
+        </p:nvSpPr>
+        <p:spPr>
+          <a:xfrm>
+            <a:off x="7554525" y="3019391"/>
+            <a:ext cx="1476554" cy="1438201"/>
+          </a:xfrm>
+          <a:prstGeom prst="blockArc">
+            <a:avLst>
+              <a:gd name="adj1" fmla="val 20359382"/>
+              <a:gd name="adj2" fmla="val 12040597"/>
+              <a:gd name="adj3" fmla="val 18500"/>
+            </a:avLst>
+          </a:prstGeom>
+          <a:solidFill>
+            <a:sysClr val="window" lastClr="FFFFFF">
+              <a:lumMod val="65000"/>
+            </a:sysClr>
+          </a:solidFill>
+          <a:ln>
+            <a:noFill/>
+          </a:ln>
+        </p:spPr>
+        <p:style>
+          <a:lnRef idx="2">
+            <a:srgbClr val="0CB5C8">
+              <a:shade val="50000"/>
+            </a:srgbClr>
+          </a:lnRef>
+          <a:fillRef idx="1">
+            <a:srgbClr val="0CB5C8"/>
+          </a:fillRef>
+          <a:effectRef idx="0">
+            <a:srgbClr val="0CB5C8"/>
+          </a:effectRef>
+          <a:fontRef idx="minor">
+            <a:sysClr val="window" lastClr="FFFFFF"/>
+          </a:fontRef>
+        </p:style>
+        <p:txBody>
+          <a:bodyPr rtlCol="0" anchor="ctr"/>
+          <a:lstStyle/>
+          <a:p>
+            <a:pPr algn="ctr"/>
+            <a:endParaRPr lang="zh-CN" altLang="en-US">
+              <a:solidFill>
+                <a:sysClr val="windowText" lastClr="000000"/>
+              </a:solidFill>
+            </a:endParaRPr>
+          </a:p>
+        </p:txBody>
+      </p:sp>
+      <p:sp>
+        <p:nvSpPr>
+          <p:cNvPr id="8" name="椭圆 7"/>
+          <p:cNvSpPr/>
+          <p:nvPr>
+            <p:custDataLst>
+              <p:tags r:id="rId9"/>
+            </p:custDataLst>
+          </p:nvPr>
+        </p:nvSpPr>
+        <p:spPr>
+          <a:xfrm>
+            <a:off x="7770789" y="3216477"/>
+            <a:ext cx="1044028" cy="1044028"/>
+          </a:xfrm>
+          <a:prstGeom prst="ellipse">
+            <a:avLst/>
+          </a:prstGeom>
+          <a:solidFill>
+            <a:sysClr val="window" lastClr="FFFFFF">
+              <a:lumMod val="85000"/>
+            </a:sysClr>
+          </a:solidFill>
+          <a:ln>
+            <a:noFill/>
+          </a:ln>
+        </p:spPr>
+        <p:style>
+          <a:lnRef idx="2">
+            <a:sysClr val="window" lastClr="FFFFFF">
+              <a:hueOff val="0"/>
+              <a:satOff val="0"/>
+              <a:lumOff val="0"/>
+              <a:alphaOff val="0"/>
+            </a:sysClr>
+          </a:lnRef>
+          <a:fillRef idx="1">
+            <a:srgbClr val="0CB5C8">
+              <a:hueOff val="0"/>
+              <a:satOff val="0"/>
+              <a:lumOff val="0"/>
+              <a:alphaOff val="0"/>
+            </a:srgbClr>
+          </a:fillRef>
+          <a:effectRef idx="0">
+            <a:srgbClr val="0CB5C8">
+              <a:hueOff val="0"/>
+              <a:satOff val="0"/>
+              <a:lumOff val="0"/>
+              <a:alphaOff val="0"/>
+            </a:srgbClr>
+          </a:effectRef>
+          <a:fontRef idx="minor">
+            <a:sysClr val="window" lastClr="FFFFFF"/>
+          </a:fontRef>
+        </p:style>
+        <p:txBody>
+          <a:bodyPr/>
+          <a:lstStyle/>
+          <a:p>
+            <a:endParaRPr lang="zh-CN" altLang="en-US"/>
+          </a:p>
+        </p:txBody>
+      </p:sp>
+      <p:sp>
+        <p:nvSpPr>
+          <p:cNvPr id="9" name="空心弧 8"/>
+          <p:cNvSpPr/>
+          <p:nvPr>
+            <p:custDataLst>
+              <p:tags r:id="rId10"/>
+            </p:custDataLst>
+          </p:nvPr>
+        </p:nvSpPr>
+        <p:spPr>
+          <a:xfrm>
+            <a:off x="1791862" y="4589375"/>
+            <a:ext cx="1476554" cy="1438201"/>
+          </a:xfrm>
+          <a:prstGeom prst="blockArc">
+            <a:avLst>
+              <a:gd name="adj1" fmla="val 20359382"/>
+              <a:gd name="adj2" fmla="val 12040597"/>
+              <a:gd name="adj3" fmla="val 18500"/>
+            </a:avLst>
+          </a:prstGeom>
+          <a:solidFill>
+            <a:sysClr val="window" lastClr="FFFFFF">
+              <a:lumMod val="65000"/>
+            </a:sysClr>
+          </a:solidFill>
+          <a:ln>
+            <a:noFill/>
+          </a:ln>
+        </p:spPr>
+        <p:style>
+          <a:lnRef idx="2">
+            <a:srgbClr val="0CB5C8">
+              <a:shade val="50000"/>
+            </a:srgbClr>
+          </a:lnRef>
+          <a:fillRef idx="1">
+            <a:srgbClr val="0CB5C8"/>
+          </a:fillRef>
+          <a:effectRef idx="0">
+            <a:srgbClr val="0CB5C8"/>
+          </a:effectRef>
+          <a:fontRef idx="minor">
+            <a:sysClr val="window" lastClr="FFFFFF"/>
+          </a:fontRef>
+        </p:style>
+        <p:txBody>
+          <a:bodyPr rtlCol="0" anchor="ctr"/>
+          <a:lstStyle/>
+          <a:p>
+            <a:pPr algn="ctr"/>
+            <a:endParaRPr lang="zh-CN" altLang="en-US">
+              <a:solidFill>
+                <a:sysClr val="windowText" lastClr="000000"/>
+              </a:solidFill>
+            </a:endParaRPr>
+          </a:p>
+        </p:txBody>
+      </p:sp>
+      <p:sp>
+        <p:nvSpPr>
+          <p:cNvPr id="10" name="椭圆 9"/>
+          <p:cNvSpPr/>
+          <p:nvPr>
+            <p:custDataLst>
+              <p:tags r:id="rId11"/>
+            </p:custDataLst>
+          </p:nvPr>
+        </p:nvSpPr>
+        <p:spPr>
+          <a:xfrm>
+            <a:off x="2008126" y="4786461"/>
+            <a:ext cx="1044028" cy="1044028"/>
+          </a:xfrm>
+          <a:prstGeom prst="ellipse">
+            <a:avLst/>
+          </a:prstGeom>
+          <a:solidFill>
+            <a:sysClr val="window" lastClr="FFFFFF">
+              <a:lumMod val="85000"/>
+            </a:sysClr>
+          </a:solidFill>
+          <a:ln>
+            <a:noFill/>
+          </a:ln>
+        </p:spPr>
+        <p:style>
+          <a:lnRef idx="2">
+            <a:sysClr val="window" lastClr="FFFFFF">
+              <a:hueOff val="0"/>
+              <a:satOff val="0"/>
+              <a:lumOff val="0"/>
+              <a:alphaOff val="0"/>
+            </a:sysClr>
+          </a:lnRef>
+          <a:fillRef idx="1">
+            <a:srgbClr val="0CB5C8">
+              <a:hueOff val="0"/>
+              <a:satOff val="0"/>
+              <a:lumOff val="0"/>
+              <a:alphaOff val="0"/>
+            </a:srgbClr>
+          </a:fillRef>
+          <a:effectRef idx="0">
+            <a:srgbClr val="0CB5C8">
+              <a:hueOff val="0"/>
+              <a:satOff val="0"/>
+              <a:lumOff val="0"/>
+              <a:alphaOff val="0"/>
+            </a:srgbClr>
+          </a:effectRef>
+          <a:fontRef idx="minor">
+            <a:sysClr val="window" lastClr="FFFFFF"/>
+          </a:fontRef>
+        </p:style>
+        <p:txBody>
+          <a:bodyPr/>
+          <a:lstStyle/>
+          <a:p>
+            <a:endParaRPr lang="zh-CN" altLang="en-US"/>
+          </a:p>
+        </p:txBody>
+      </p:sp>
+      <p:sp>
+        <p:nvSpPr>
+          <p:cNvPr id="11" name="空心弧 10"/>
+          <p:cNvSpPr/>
+          <p:nvPr>
+            <p:custDataLst>
+              <p:tags r:id="rId12"/>
+            </p:custDataLst>
+          </p:nvPr>
+        </p:nvSpPr>
+        <p:spPr>
+          <a:xfrm>
+            <a:off x="4659956" y="4589375"/>
+            <a:ext cx="1476554" cy="1438201"/>
+          </a:xfrm>
+          <a:prstGeom prst="blockArc">
+            <a:avLst>
+              <a:gd name="adj1" fmla="val 20359382"/>
+              <a:gd name="adj2" fmla="val 12040597"/>
+              <a:gd name="adj3" fmla="val 18500"/>
+            </a:avLst>
+          </a:prstGeom>
+          <a:solidFill>
+            <a:sysClr val="window" lastClr="FFFFFF">
+              <a:lumMod val="65000"/>
+            </a:sysClr>
+          </a:solidFill>
+          <a:ln>
+            <a:noFill/>
+          </a:ln>
+        </p:spPr>
+        <p:style>
+          <a:lnRef idx="2">
+            <a:srgbClr val="0CB5C8">
+              <a:shade val="50000"/>
+            </a:srgbClr>
+          </a:lnRef>
+          <a:fillRef idx="1">
+            <a:srgbClr val="0CB5C8"/>
+          </a:fillRef>
+          <a:effectRef idx="0">
+            <a:srgbClr val="0CB5C8"/>
+          </a:effectRef>
+          <a:fontRef idx="minor">
+            <a:sysClr val="window" lastClr="FFFFFF"/>
+          </a:fontRef>
+        </p:style>
+        <p:txBody>
+          <a:bodyPr rtlCol="0" anchor="ctr"/>
+          <a:lstStyle/>
+          <a:p>
+            <a:pPr algn="ctr"/>
+            <a:endParaRPr lang="zh-CN" altLang="en-US">
+              <a:solidFill>
+                <a:sysClr val="windowText" lastClr="000000"/>
+              </a:solidFill>
+            </a:endParaRPr>
+          </a:p>
+        </p:txBody>
+      </p:sp>
+      <p:sp>
+        <p:nvSpPr>
+          <p:cNvPr id="12" name="椭圆 11"/>
+          <p:cNvSpPr/>
+          <p:nvPr>
+            <p:custDataLst>
+              <p:tags r:id="rId13"/>
+            </p:custDataLst>
+          </p:nvPr>
+        </p:nvSpPr>
+        <p:spPr>
+          <a:xfrm>
+            <a:off x="4876220" y="4786461"/>
+            <a:ext cx="1044028" cy="1044028"/>
+          </a:xfrm>
+          <a:prstGeom prst="ellipse">
+            <a:avLst/>
+          </a:prstGeom>
+          <a:solidFill>
+            <a:sysClr val="window" lastClr="FFFFFF">
+              <a:lumMod val="85000"/>
+            </a:sysClr>
+          </a:solidFill>
+          <a:ln>
+            <a:noFill/>
+          </a:ln>
+        </p:spPr>
+        <p:style>
+          <a:lnRef idx="2">
+            <a:sysClr val="window" lastClr="FFFFFF">
+              <a:hueOff val="0"/>
+              <a:satOff val="0"/>
+              <a:lumOff val="0"/>
+              <a:alphaOff val="0"/>
+            </a:sysClr>
+          </a:lnRef>
+          <a:fillRef idx="1">
+            <a:srgbClr val="0CB5C8">
+              <a:hueOff val="0"/>
+              <a:satOff val="0"/>
+              <a:lumOff val="0"/>
+              <a:alphaOff val="0"/>
+            </a:srgbClr>
+          </a:fillRef>
+          <a:effectRef idx="0">
+            <a:srgbClr val="0CB5C8">
+              <a:hueOff val="0"/>
+              <a:satOff val="0"/>
+              <a:lumOff val="0"/>
+              <a:alphaOff val="0"/>
+            </a:srgbClr>
+          </a:effectRef>
+          <a:fontRef idx="minor">
+            <a:sysClr val="window" lastClr="FFFFFF"/>
+          </a:fontRef>
+        </p:style>
+        <p:txBody>
+          <a:bodyPr/>
+          <a:lstStyle/>
+          <a:p>
+            <a:endParaRPr lang="zh-CN" altLang="en-US"/>
+          </a:p>
+        </p:txBody>
+      </p:sp>
+      <p:sp>
+        <p:nvSpPr>
+          <p:cNvPr id="51" name="空心弧 50"/>
+          <p:cNvSpPr/>
+          <p:nvPr>
+            <p:custDataLst>
+              <p:tags r:id="rId14"/>
+            </p:custDataLst>
+          </p:nvPr>
+        </p:nvSpPr>
+        <p:spPr>
+          <a:xfrm>
+            <a:off x="7554523" y="4589375"/>
+            <a:ext cx="1476554" cy="1438201"/>
+          </a:xfrm>
+          <a:prstGeom prst="blockArc">
+            <a:avLst>
+              <a:gd name="adj1" fmla="val 20359382"/>
+              <a:gd name="adj2" fmla="val 12040597"/>
+              <a:gd name="adj3" fmla="val 18500"/>
+            </a:avLst>
+          </a:prstGeom>
+          <a:solidFill>
+            <a:sysClr val="window" lastClr="FFFFFF">
+              <a:lumMod val="65000"/>
+            </a:sysClr>
+          </a:solidFill>
+          <a:ln>
+            <a:noFill/>
+          </a:ln>
+        </p:spPr>
+        <p:style>
+          <a:lnRef idx="2">
+            <a:srgbClr val="0CB5C8">
+              <a:shade val="50000"/>
+            </a:srgbClr>
+          </a:lnRef>
+          <a:fillRef idx="1">
+            <a:srgbClr val="0CB5C8"/>
+          </a:fillRef>
+          <a:effectRef idx="0">
+            <a:srgbClr val="0CB5C8"/>
+          </a:effectRef>
+          <a:fontRef idx="minor">
+            <a:sysClr val="window" lastClr="FFFFFF"/>
+          </a:fontRef>
+        </p:style>
+        <p:txBody>
+          <a:bodyPr rtlCol="0" anchor="ctr"/>
+          <a:lstStyle/>
+          <a:p>
+            <a:pPr algn="ctr"/>
+            <a:endParaRPr lang="zh-CN" altLang="en-US">
+              <a:solidFill>
+                <a:sysClr val="windowText" lastClr="000000"/>
+              </a:solidFill>
+            </a:endParaRPr>
+          </a:p>
+        </p:txBody>
+      </p:sp>
+      <p:sp>
+        <p:nvSpPr>
+          <p:cNvPr id="52" name="椭圆 51"/>
+          <p:cNvSpPr/>
+          <p:nvPr>
+            <p:custDataLst>
+              <p:tags r:id="rId15"/>
+            </p:custDataLst>
+          </p:nvPr>
+        </p:nvSpPr>
+        <p:spPr>
+          <a:xfrm>
+            <a:off x="7770787" y="4786461"/>
+            <a:ext cx="1044028" cy="1044028"/>
+          </a:xfrm>
+          <a:prstGeom prst="ellipse">
+            <a:avLst/>
+          </a:prstGeom>
+          <a:solidFill>
+            <a:sysClr val="window" lastClr="FFFFFF">
+              <a:lumMod val="85000"/>
+            </a:sysClr>
+          </a:solidFill>
+          <a:ln>
+            <a:noFill/>
+          </a:ln>
+        </p:spPr>
+        <p:style>
+          <a:lnRef idx="2">
+            <a:sysClr val="window" lastClr="FFFFFF">
+              <a:hueOff val="0"/>
+              <a:satOff val="0"/>
+              <a:lumOff val="0"/>
+              <a:alphaOff val="0"/>
+            </a:sysClr>
+          </a:lnRef>
+          <a:fillRef idx="1">
+            <a:srgbClr val="0CB5C8">
+              <a:hueOff val="0"/>
+              <a:satOff val="0"/>
+              <a:lumOff val="0"/>
+              <a:alphaOff val="0"/>
+            </a:srgbClr>
+          </a:fillRef>
+          <a:effectRef idx="0">
+            <a:srgbClr val="0CB5C8">
+              <a:hueOff val="0"/>
+              <a:satOff val="0"/>
+              <a:lumOff val="0"/>
+              <a:alphaOff val="0"/>
+            </a:srgbClr>
+          </a:effectRef>
+          <a:fontRef idx="minor">
+            <a:sysClr val="window" lastClr="FFFFFF"/>
+          </a:fontRef>
+        </p:style>
+        <p:txBody>
+          <a:bodyPr/>
+          <a:lstStyle/>
+          <a:p>
+            <a:endParaRPr lang="zh-CN" altLang="en-US"/>
+          </a:p>
+        </p:txBody>
+      </p:sp>
+      <p:cxnSp>
+        <p:nvCxnSpPr>
+          <p:cNvPr id="55" name="直接连接符 54"/>
+          <p:cNvCxnSpPr>
+            <a:endCxn id="52" idx="0"/>
+          </p:cNvCxnSpPr>
+          <p:nvPr>
+            <p:custDataLst>
+              <p:tags r:id="rId16"/>
+            </p:custDataLst>
+          </p:nvPr>
+        </p:nvCxnSpPr>
+        <p:spPr>
+          <a:xfrm>
+            <a:off x="8292801" y="4457591"/>
+            <a:ext cx="0" cy="328870"/>
+          </a:xfrm>
+          <a:prstGeom prst="line">
+            <a:avLst/>
+          </a:prstGeom>
+          <a:ln>
+            <a:solidFill>
+              <a:srgbClr val="43537C">
+                <a:lumMod val="50000"/>
+              </a:srgbClr>
+            </a:solidFill>
+          </a:ln>
+        </p:spPr>
+        <p:style>
+          <a:lnRef idx="1">
+            <a:srgbClr val="0CB5C8"/>
+          </a:lnRef>
+          <a:fillRef idx="0">
+            <a:srgbClr val="0CB5C8"/>
+          </a:fillRef>
+          <a:effectRef idx="0">
+            <a:srgbClr val="0CB5C8"/>
+          </a:effectRef>
+          <a:fontRef idx="minor">
+            <a:sysClr val="windowText" lastClr="000000"/>
+          </a:fontRef>
+        </p:style>
+      </p:cxnSp>
+      <p:sp>
+        <p:nvSpPr>
+          <p:cNvPr id="58" name="半闭框 57"/>
+          <p:cNvSpPr/>
+          <p:nvPr>
+            <p:custDataLst>
+              <p:tags r:id="rId17"/>
+            </p:custDataLst>
+          </p:nvPr>
+        </p:nvSpPr>
+        <p:spPr>
+          <a:xfrm>
+            <a:off x="2538902" y="4589375"/>
+            <a:ext cx="1477556" cy="196031"/>
+          </a:xfrm>
+          <a:prstGeom prst="halfFrame">
+            <a:avLst>
+              <a:gd name="adj1" fmla="val 0"/>
+              <a:gd name="adj2" fmla="val 0"/>
+            </a:avLst>
+          </a:prstGeom>
+          <a:ln>
+            <a:solidFill>
+              <a:srgbClr val="43537C">
+                <a:lumMod val="50000"/>
+              </a:srgbClr>
+            </a:solidFill>
+          </a:ln>
+        </p:spPr>
+        <p:style>
+          <a:lnRef idx="2">
+            <a:srgbClr val="0CB5C8">
+              <a:shade val="50000"/>
+            </a:srgbClr>
+          </a:lnRef>
+          <a:fillRef idx="1">
+            <a:srgbClr val="0CB5C8"/>
+          </a:fillRef>
+          <a:effectRef idx="0">
+            <a:srgbClr val="0CB5C8"/>
+          </a:effectRef>
+          <a:fontRef idx="minor">
+            <a:sysClr val="window" lastClr="FFFFFF"/>
+          </a:fontRef>
+        </p:style>
+        <p:txBody>
+          <a:bodyPr rtlCol="0" anchor="ctr"/>
+          <a:lstStyle/>
+          <a:p>
+            <a:pPr algn="ctr"/>
+            <a:endParaRPr lang="zh-CN" altLang="en-US">
+              <a:solidFill>
+                <a:sysClr val="windowText" lastClr="000000"/>
+              </a:solidFill>
+            </a:endParaRPr>
+          </a:p>
+        </p:txBody>
+      </p:sp>
+      <p:sp>
+        <p:nvSpPr>
+          <p:cNvPr id="59" name="半闭框 58"/>
+          <p:cNvSpPr/>
+          <p:nvPr>
+            <p:custDataLst>
+              <p:tags r:id="rId18"/>
+            </p:custDataLst>
+          </p:nvPr>
+        </p:nvSpPr>
+        <p:spPr>
+          <a:xfrm flipH="1">
+            <a:off x="4016458" y="4589375"/>
+            <a:ext cx="1395012" cy="196031"/>
+          </a:xfrm>
+          <a:prstGeom prst="halfFrame">
+            <a:avLst>
+              <a:gd name="adj1" fmla="val 0"/>
+              <a:gd name="adj2" fmla="val 0"/>
+            </a:avLst>
+          </a:prstGeom>
+          <a:ln>
+            <a:solidFill>
+              <a:srgbClr val="43537C">
+                <a:lumMod val="50000"/>
+              </a:srgbClr>
+            </a:solidFill>
+          </a:ln>
+        </p:spPr>
+        <p:style>
+          <a:lnRef idx="2">
+            <a:srgbClr val="0CB5C8">
+              <a:shade val="50000"/>
+            </a:srgbClr>
+          </a:lnRef>
+          <a:fillRef idx="1">
+            <a:srgbClr val="0CB5C8"/>
+          </a:fillRef>
+          <a:effectRef idx="0">
+            <a:srgbClr val="0CB5C8"/>
+          </a:effectRef>
+          <a:fontRef idx="minor">
+            <a:sysClr val="window" lastClr="FFFFFF"/>
+          </a:fontRef>
+        </p:style>
+        <p:txBody>
+          <a:bodyPr rtlCol="0" anchor="ctr"/>
+          <a:lstStyle/>
+          <a:p>
+            <a:pPr algn="ctr"/>
+            <a:endParaRPr lang="zh-CN" altLang="en-US">
+              <a:solidFill>
+                <a:sysClr val="windowText" lastClr="000000"/>
+              </a:solidFill>
+            </a:endParaRPr>
+          </a:p>
+        </p:txBody>
+      </p:sp>
+      <p:sp>
+        <p:nvSpPr>
+          <p:cNvPr id="63" name="半闭框 62"/>
+          <p:cNvSpPr/>
+          <p:nvPr>
+            <p:custDataLst>
+              <p:tags r:id="rId19"/>
+            </p:custDataLst>
+          </p:nvPr>
+        </p:nvSpPr>
+        <p:spPr>
+          <a:xfrm>
+            <a:off x="3975186" y="3019919"/>
+            <a:ext cx="2220841" cy="196031"/>
+          </a:xfrm>
+          <a:prstGeom prst="halfFrame">
+            <a:avLst>
+              <a:gd name="adj1" fmla="val 0"/>
+              <a:gd name="adj2" fmla="val 0"/>
+            </a:avLst>
+          </a:prstGeom>
+          <a:ln>
+            <a:solidFill>
+              <a:srgbClr val="43537C">
+                <a:lumMod val="50000"/>
+              </a:srgbClr>
+            </a:solidFill>
+          </a:ln>
+        </p:spPr>
+        <p:style>
+          <a:lnRef idx="2">
+            <a:srgbClr val="0CB5C8">
+              <a:shade val="50000"/>
+            </a:srgbClr>
+          </a:lnRef>
+          <a:fillRef idx="1">
+            <a:srgbClr val="0CB5C8"/>
+          </a:fillRef>
+          <a:effectRef idx="0">
+            <a:srgbClr val="0CB5C8"/>
+          </a:effectRef>
+          <a:fontRef idx="minor">
+            <a:sysClr val="window" lastClr="FFFFFF"/>
+          </a:fontRef>
+        </p:style>
+        <p:txBody>
+          <a:bodyPr rtlCol="0" anchor="ctr"/>
+          <a:lstStyle/>
+          <a:p>
+            <a:pPr algn="ctr"/>
+            <a:endParaRPr lang="zh-CN" altLang="en-US">
+              <a:solidFill>
+                <a:sysClr val="windowText" lastClr="000000"/>
+              </a:solidFill>
+            </a:endParaRPr>
+          </a:p>
+        </p:txBody>
+      </p:sp>
+      <p:sp>
+        <p:nvSpPr>
+          <p:cNvPr id="64" name="半闭框 63"/>
+          <p:cNvSpPr/>
+          <p:nvPr>
+            <p:custDataLst>
+              <p:tags r:id="rId20"/>
+            </p:custDataLst>
+          </p:nvPr>
+        </p:nvSpPr>
+        <p:spPr>
+          <a:xfrm flipH="1">
+            <a:off x="6196027" y="3019919"/>
+            <a:ext cx="2096774" cy="196031"/>
+          </a:xfrm>
+          <a:prstGeom prst="halfFrame">
+            <a:avLst>
+              <a:gd name="adj1" fmla="val 0"/>
+              <a:gd name="adj2" fmla="val 0"/>
+            </a:avLst>
+          </a:prstGeom>
+          <a:ln>
+            <a:solidFill>
+              <a:srgbClr val="43537C">
+                <a:lumMod val="50000"/>
+              </a:srgbClr>
+            </a:solidFill>
+          </a:ln>
+        </p:spPr>
+        <p:style>
+          <a:lnRef idx="2">
+            <a:srgbClr val="0CB5C8">
+              <a:shade val="50000"/>
+            </a:srgbClr>
+          </a:lnRef>
+          <a:fillRef idx="1">
+            <a:srgbClr val="0CB5C8"/>
+          </a:fillRef>
+          <a:effectRef idx="0">
+            <a:srgbClr val="0CB5C8"/>
+          </a:effectRef>
+          <a:fontRef idx="minor">
+            <a:sysClr val="window" lastClr="FFFFFF"/>
+          </a:fontRef>
+        </p:style>
+        <p:txBody>
+          <a:bodyPr rtlCol="0" anchor="ctr"/>
+          <a:lstStyle/>
+          <a:p>
+            <a:pPr algn="ctr"/>
+            <a:endParaRPr lang="zh-CN" altLang="en-US">
+              <a:solidFill>
+                <a:sysClr val="windowText" lastClr="000000"/>
+              </a:solidFill>
+            </a:endParaRPr>
+          </a:p>
+        </p:txBody>
+      </p:sp>
+      <p:sp>
+        <p:nvSpPr>
+          <p:cNvPr id="66" name="文本框 65"/>
+          <p:cNvSpPr txBox="1"/>
+          <p:nvPr>
+            <p:custDataLst>
+              <p:tags r:id="rId21"/>
+            </p:custDataLst>
+          </p:nvPr>
+        </p:nvSpPr>
+        <p:spPr>
+          <a:xfrm>
+            <a:off x="5675643" y="1778276"/>
+            <a:ext cx="919709" cy="512103"/>
+          </a:xfrm>
+          <a:prstGeom prst="rect">
+            <a:avLst/>
+          </a:prstGeom>
+          <a:noFill/>
+        </p:spPr>
+        <p:txBody>
+          <a:bodyPr wrap="square" rtlCol="0" anchor="ctr" anchorCtr="0">
+            <a:normAutofit/>
+          </a:bodyPr>
+          <a:lstStyle/>
+          <a:p>
+            <a:pPr algn="ctr"/>
+            <a:r>
+              <a:rPr lang="en-US" altLang="zh-CN" dirty="0"/>
+              <a:t>nginx</a:t>
+            </a:r>
+          </a:p>
+        </p:txBody>
+      </p:sp>
+      <p:sp>
+        <p:nvSpPr>
+          <p:cNvPr id="67" name="文本框 66"/>
+          <p:cNvSpPr txBox="1"/>
+          <p:nvPr>
+            <p:custDataLst>
+              <p:tags r:id="rId22"/>
+            </p:custDataLst>
+          </p:nvPr>
+        </p:nvSpPr>
+        <p:spPr>
+          <a:xfrm>
+            <a:off x="3508113" y="3482440"/>
+            <a:ext cx="919709" cy="512103"/>
+          </a:xfrm>
+          <a:prstGeom prst="rect">
+            <a:avLst/>
+          </a:prstGeom>
+          <a:noFill/>
+        </p:spPr>
+        <p:txBody>
+          <a:bodyPr wrap="square" rtlCol="0" anchor="ctr" anchorCtr="0">
+            <a:normAutofit fontScale="77500" lnSpcReduction="10000"/>
+          </a:bodyPr>
+          <a:lstStyle/>
+          <a:p>
+            <a:pPr algn="ctr"/>
+            <a:r>
+              <a:rPr lang="en-US" altLang="zh-CN" dirty="0"/>
+              <a:t>php-fpm</a:t>
+            </a:r>
+          </a:p>
+          <a:p>
+            <a:pPr algn="ctr"/>
+            <a:r>
+              <a:rPr lang="en-US" altLang="zh-CN" dirty="0"/>
+              <a:t>v5.5</a:t>
+            </a:r>
+          </a:p>
+        </p:txBody>
+      </p:sp>
+      <p:sp>
+        <p:nvSpPr>
+          <p:cNvPr id="68" name="文本框 67"/>
+          <p:cNvSpPr txBox="1"/>
+          <p:nvPr>
+            <p:custDataLst>
+              <p:tags r:id="rId23"/>
+            </p:custDataLst>
+          </p:nvPr>
+        </p:nvSpPr>
+        <p:spPr>
+          <a:xfrm>
+            <a:off x="7832946" y="3482440"/>
+            <a:ext cx="919709" cy="512103"/>
+          </a:xfrm>
+          <a:prstGeom prst="rect">
+            <a:avLst/>
+          </a:prstGeom>
+          <a:noFill/>
+        </p:spPr>
+        <p:txBody>
+          <a:bodyPr wrap="square" rtlCol="0" anchor="ctr" anchorCtr="0">
+            <a:normAutofit fontScale="77500" lnSpcReduction="10000"/>
+          </a:bodyPr>
+          <a:lstStyle/>
+          <a:p>
+            <a:pPr algn="ctr"/>
+            <a:r>
+              <a:rPr lang="en-US" altLang="zh-CN" dirty="0"/>
+              <a:t>php-fpm</a:t>
+            </a:r>
+          </a:p>
+          <a:p>
+            <a:pPr algn="ctr"/>
+            <a:r>
+              <a:rPr lang="en-US" altLang="zh-CN" dirty="0"/>
+              <a:t>v7.0</a:t>
+            </a:r>
+          </a:p>
+        </p:txBody>
+      </p:sp>
+      <p:sp>
+        <p:nvSpPr>
+          <p:cNvPr id="69" name="文本框 68"/>
+          <p:cNvSpPr txBox="1"/>
+          <p:nvPr>
+            <p:custDataLst>
+              <p:tags r:id="rId24"/>
+            </p:custDataLst>
+          </p:nvPr>
+        </p:nvSpPr>
+        <p:spPr>
+          <a:xfrm>
+            <a:off x="7832946" y="5049957"/>
+            <a:ext cx="919709" cy="512103"/>
+          </a:xfrm>
+          <a:prstGeom prst="rect">
+            <a:avLst/>
+          </a:prstGeom>
+          <a:noFill/>
+        </p:spPr>
+        <p:txBody>
+          <a:bodyPr wrap="square" rtlCol="0" anchor="ctr" anchorCtr="0">
+            <a:normAutofit/>
+          </a:bodyPr>
+          <a:lstStyle/>
+          <a:p>
+            <a:pPr algn="ctr"/>
+            <a:r>
+              <a:rPr lang="en-US" altLang="zh-CN" dirty="0"/>
+              <a:t>mongo</a:t>
+            </a:r>
+          </a:p>
+        </p:txBody>
+      </p:sp>
+      <p:sp>
+        <p:nvSpPr>
+          <p:cNvPr id="70" name="文本框 69"/>
+          <p:cNvSpPr txBox="1"/>
+          <p:nvPr>
+            <p:custDataLst>
+              <p:tags r:id="rId25"/>
+            </p:custDataLst>
+          </p:nvPr>
+        </p:nvSpPr>
+        <p:spPr>
+          <a:xfrm>
+            <a:off x="4951615" y="5049957"/>
+            <a:ext cx="919709" cy="512103"/>
+          </a:xfrm>
+          <a:prstGeom prst="rect">
+            <a:avLst/>
+          </a:prstGeom>
+          <a:noFill/>
+        </p:spPr>
+        <p:txBody>
+          <a:bodyPr wrap="square" rtlCol="0" anchor="ctr" anchorCtr="0">
+            <a:normAutofit/>
+          </a:bodyPr>
+          <a:lstStyle/>
+          <a:p>
+            <a:pPr algn="ctr"/>
+            <a:r>
+              <a:rPr lang="en-US" altLang="zh-CN" dirty="0"/>
+              <a:t>redis</a:t>
+            </a:r>
+          </a:p>
+        </p:txBody>
+      </p:sp>
+      <p:sp>
+        <p:nvSpPr>
+          <p:cNvPr id="71" name="文本框 70"/>
+          <p:cNvSpPr txBox="1"/>
+          <p:nvPr>
+            <p:custDataLst>
+              <p:tags r:id="rId26"/>
+            </p:custDataLst>
+          </p:nvPr>
+        </p:nvSpPr>
+        <p:spPr>
+          <a:xfrm>
+            <a:off x="2070285" y="5049957"/>
+            <a:ext cx="919709" cy="512103"/>
+          </a:xfrm>
+          <a:prstGeom prst="rect">
+            <a:avLst/>
+          </a:prstGeom>
+          <a:noFill/>
+        </p:spPr>
+        <p:txBody>
+          <a:bodyPr wrap="square" rtlCol="0" anchor="ctr" anchorCtr="0">
+            <a:normAutofit/>
+          </a:bodyPr>
+          <a:lstStyle/>
+          <a:p>
+            <a:pPr algn="ctr"/>
+            <a:r>
+              <a:rPr lang="en-US" altLang="zh-CN" dirty="0"/>
+              <a:t>mysql</a:t>
+            </a:r>
+          </a:p>
+        </p:txBody>
+      </p:sp>
+    </p:spTree>
+    <p:custDataLst>
+      <p:tags r:id="rId1"/>
+    </p:custDataLst>
+  </p:cSld>
+  <p:clrMapOvr>
+    <a:masterClrMapping/>
+  </p:clrMapOvr>
+</p:sld>
+</file>
+
+<file path=ppt/slides/slide12.xml><?xml version="1.0" encoding="utf-8"?>
+<p:sld xmlns:a="http://schemas.openxmlformats.org/drawingml/2006/main" xmlns:r="http://schemas.openxmlformats.org/officeDocument/2006/relationships" xmlns:p="http://schemas.openxmlformats.org/presentationml/2006/main">
+  <p:cSld>
+    <p:spTree>
+      <p:nvGrpSpPr>
+        <p:cNvPr id="1" name=""/>
+        <p:cNvGrpSpPr/>
+        <p:nvPr/>
+      </p:nvGrpSpPr>
+      <p:grpSpPr>
+        <a:xfrm>
+          <a:off x="0" y="0"/>
+          <a:ext cx="0" cy="0"/>
+          <a:chOff x="0" y="0"/>
+          <a:chExt cx="0" cy="0"/>
+        </a:xfrm>
+      </p:grpSpPr>
+      <p:sp>
+        <p:nvSpPr>
+          <p:cNvPr id="2" name="文本框 1"/>
+          <p:cNvSpPr txBox="1"/>
+          <p:nvPr/>
+        </p:nvSpPr>
+        <p:spPr>
+          <a:xfrm>
+            <a:off x="737235" y="511810"/>
+            <a:ext cx="10735945" cy="3970318"/>
+          </a:xfrm>
+          <a:prstGeom prst="rect">
+            <a:avLst/>
+          </a:prstGeom>
+          <a:noFill/>
+        </p:spPr>
+        <p:txBody>
+          <a:bodyPr wrap="square" rtlCol="0">
+            <a:spAutoFit/>
+          </a:bodyPr>
+          <a:lstStyle/>
+          <a:p>
+            <a:r>
+              <a:rPr lang="en-US" altLang="zh-CN" dirty="0" err="1"/>
+              <a:t>mysql</a:t>
+            </a:r>
+            <a:r>
+              <a:rPr lang="zh-CN" altLang="en-US" dirty="0"/>
+              <a:t>：</a:t>
+            </a:r>
+            <a:r>
+              <a:rPr lang="en-US" altLang="zh-CN" dirty="0" err="1"/>
+              <a:t>docker</a:t>
+            </a:r>
+            <a:r>
+              <a:rPr lang="en-US" altLang="zh-CN" dirty="0"/>
+              <a:t> run -d --name sf-</a:t>
+            </a:r>
+            <a:r>
+              <a:rPr lang="en-US" altLang="zh-CN" dirty="0" err="1"/>
+              <a:t>mysql</a:t>
+            </a:r>
+            <a:r>
+              <a:rPr lang="en-US" altLang="zh-CN" dirty="0"/>
+              <a:t> -e MYSQL_ROOT_PASSWORD=root mysql:5.7 --character-set-server=utf8mb4 --collation-server=utf8mb4_unicode_ci</a:t>
+            </a:r>
+          </a:p>
+          <a:p>
+            <a:endParaRPr lang="en-US" altLang="zh-CN" dirty="0"/>
+          </a:p>
+          <a:p>
+            <a:r>
+              <a:rPr lang="en-US" altLang="zh-CN" dirty="0" err="1"/>
+              <a:t>php</a:t>
+            </a:r>
+            <a:r>
+              <a:rPr lang="en-US" altLang="zh-CN" dirty="0"/>
+              <a:t>: </a:t>
+            </a:r>
+            <a:r>
+              <a:rPr lang="en-US" altLang="zh-CN" dirty="0" err="1"/>
+              <a:t>docker</a:t>
+            </a:r>
+            <a:r>
+              <a:rPr lang="en-US" altLang="zh-CN" dirty="0"/>
+              <a:t> run -d  --name sf-</a:t>
+            </a:r>
+            <a:r>
+              <a:rPr lang="en-US" altLang="zh-CN" dirty="0" err="1"/>
+              <a:t>php</a:t>
+            </a:r>
+            <a:r>
+              <a:rPr lang="en-US" altLang="zh-CN" dirty="0"/>
+              <a:t> --link </a:t>
+            </a:r>
+            <a:r>
+              <a:rPr lang="en-US" altLang="zh-CN" dirty="0" err="1"/>
+              <a:t>sf-mysql:mysql</a:t>
+            </a:r>
+            <a:r>
+              <a:rPr lang="en-US" altLang="zh-CN" dirty="0"/>
+              <a:t> -v "$PWD":/app -w /app php:7.0-fpm </a:t>
+            </a:r>
+          </a:p>
+          <a:p>
+            <a:r>
+              <a:rPr lang="en-US" altLang="zh-CN" dirty="0" smtClean="0"/>
+              <a:t>09</a:t>
+            </a:r>
+          </a:p>
+          <a:p>
+            <a:endParaRPr lang="en-US" altLang="zh-CN" dirty="0"/>
+          </a:p>
+          <a:p>
+            <a:r>
+              <a:rPr lang="en-US" altLang="zh-CN" dirty="0" err="1"/>
+              <a:t>nginx</a:t>
+            </a:r>
+            <a:r>
+              <a:rPr lang="zh-CN" altLang="en-US" dirty="0"/>
+              <a:t>：docker run </a:t>
+            </a:r>
+            <a:r>
+              <a:rPr lang="en-US" altLang="zh-CN" dirty="0"/>
+              <a:t>-d </a:t>
+            </a:r>
+            <a:r>
+              <a:rPr lang="zh-CN" altLang="en-US" dirty="0"/>
+              <a:t> --name </a:t>
+            </a:r>
+            <a:r>
+              <a:rPr lang="en-US" altLang="zh-CN" dirty="0"/>
+              <a:t>sf-</a:t>
+            </a:r>
+            <a:r>
+              <a:rPr lang="en-US" altLang="zh-CN" dirty="0" err="1"/>
+              <a:t>nginx</a:t>
+            </a:r>
+            <a:r>
+              <a:rPr lang="en-US" altLang="zh-CN" dirty="0"/>
+              <a:t> -P --link</a:t>
+            </a:r>
+            <a:r>
+              <a:rPr lang="zh-CN" altLang="en-US" dirty="0"/>
+              <a:t> </a:t>
+            </a:r>
+            <a:r>
+              <a:rPr lang="en-US" altLang="zh-CN" dirty="0"/>
+              <a:t>sf-php:php7 </a:t>
+            </a:r>
+            <a:r>
+              <a:rPr lang="zh-CN" altLang="en-US" dirty="0"/>
+              <a:t>-v </a:t>
+            </a:r>
+            <a:r>
+              <a:rPr lang="en-US" altLang="zh-CN" dirty="0">
+                <a:sym typeface="+mn-ea"/>
+              </a:rPr>
+              <a:t>"$PWD"</a:t>
+            </a:r>
+            <a:r>
+              <a:rPr lang="zh-CN" altLang="en-US" dirty="0"/>
+              <a:t>/nginx.conf:/etc/nginx/nginx.conf:ro -d nginx</a:t>
+            </a:r>
+          </a:p>
+          <a:p>
+            <a:endParaRPr lang="en-US" altLang="zh-CN" dirty="0">
+              <a:hlinkClick r:id="rId3" action="ppaction://hlinkfile"/>
+            </a:endParaRPr>
+          </a:p>
+          <a:p>
+            <a:endParaRPr lang="en-US" altLang="zh-CN" dirty="0">
+              <a:hlinkClick r:id="rId3" action="ppaction://hlinkfile"/>
+            </a:endParaRPr>
+          </a:p>
+          <a:p>
+            <a:r>
+              <a:rPr lang="en-US" altLang="zh-CN" dirty="0">
+                <a:hlinkClick r:id="rId3" action="ppaction://hlinkfile"/>
+              </a:rPr>
+              <a:t>https://hub.docker.com/_/php/</a:t>
+            </a:r>
+          </a:p>
+          <a:p>
+            <a:r>
+              <a:rPr lang="en-US" altLang="zh-CN" dirty="0">
+                <a:hlinkClick r:id="rId4" action="ppaction://hlinkfile"/>
+              </a:rPr>
+              <a:t>https://hub.docker.com/_/nginx/</a:t>
+            </a:r>
+          </a:p>
+          <a:p>
+            <a:r>
+              <a:rPr lang="en-US" altLang="zh-CN" dirty="0">
+                <a:hlinkClick r:id="rId5" action="ppaction://hlinkfile"/>
+              </a:rPr>
+              <a:t>https://hub.docker.com/_/mysql/</a:t>
+            </a:r>
+            <a:endParaRPr lang="en-US" altLang="zh-CN" dirty="0"/>
+          </a:p>
+          <a:p>
+            <a:endParaRPr lang="en-US" altLang="zh-CN" dirty="0"/>
+          </a:p>
+        </p:txBody>
+      </p:sp>
+    </p:spTree>
+    <p:custDataLst>
+      <p:tags r:id="rId1"/>
+    </p:custDataLst>
+  </p:cSld>
+  <p:clrMapOvr>
+    <a:masterClrMapping/>
+  </p:clrMapOvr>
+  <p:timing>
+    <p:tnLst>
+      <p:par>
+        <p:cTn id="1" dur="indefinite" restart="never" nodeType="tmRoot"/>
+      </p:par>
+    </p:tnLst>
+  </p:timing>
+</p:sld>
+</file>
+
+<file path=ppt/slides/slide13.xml><?xml version="1.0" encoding="utf-8"?>
+<p:sld xmlns:a="http://schemas.openxmlformats.org/drawingml/2006/main" xmlns:r="http://schemas.openxmlformats.org/officeDocument/2006/relationships" xmlns:p="http://schemas.openxmlformats.org/presentationml/2006/main">
+  <p:cSld>
+    <p:spTree>
+      <p:nvGrpSpPr>
+        <p:cNvPr id="1" name=""/>
+        <p:cNvGrpSpPr/>
+        <p:nvPr/>
+      </p:nvGrpSpPr>
+      <p:grpSpPr>
+        <a:xfrm>
+          <a:off x="0" y="0"/>
+          <a:ext cx="0" cy="0"/>
+          <a:chOff x="0" y="0"/>
+          <a:chExt cx="0" cy="0"/>
+        </a:xfrm>
+      </p:grpSpPr>
       <p:sp>
         <p:nvSpPr>
           <p:cNvPr id="2" name="文本框 1"/>
@@ -3624,21 +5348,26 @@
           <a:bodyPr wrap="square" rtlCol="0">
             <a:spAutoFit/>
           </a:bodyPr>
+          <a:lstStyle/>
           <a:p>
             <a:pPr algn="ctr"/>
             <a:r>
-              <a:rPr lang="zh-CN" altLang="en-US" sz="3200"/>
+              <a:rPr lang="zh-CN" altLang="en-US" sz="3200" dirty="0"/>
               <a:t>应用商店</a:t>
             </a:r>
             <a:r>
-              <a:rPr lang="en-US" altLang="zh-CN" sz="3200"/>
+              <a:rPr lang="en-US" altLang="zh-CN" sz="3200" dirty="0"/>
               <a:t>Hub &amp; </a:t>
             </a:r>
             <a:r>
-              <a:rPr lang="zh-CN" altLang="en-US" sz="3200"/>
-              <a:t>加速下载速度</a:t>
-            </a:r>
-            <a:endParaRPr lang="en-US" altLang="zh-CN" sz="3200"/>
+              <a:rPr lang="zh-CN" altLang="en-US" sz="3200" dirty="0"/>
+              <a:t>加速</a:t>
+            </a:r>
+            <a:r>
+              <a:rPr lang="zh-CN" altLang="en-US" sz="3200" dirty="0" smtClean="0"/>
+              <a:t>下载</a:t>
+            </a:r>
+            <a:endParaRPr lang="en-US" altLang="zh-CN" sz="3200" dirty="0"/>
           </a:p>
         </p:txBody>
       </p:sp>
@@ -3650,10 +5379,17 @@
   <p:clrMapOvr>
     <a:masterClrMapping/>
   </p:clrMapOvr>
+  <p:timing>
+    <p:tnLst>
+      <p:par>
+        <p:cTn id="1" dur="indefinite" restart="never" nodeType="tmRoot"/>
+      </p:par>
+    </p:tnLst>
+  </p:timing>
 </p:sld>
 </file>
 
-<file path=ppt/slides/slide12.xml><?xml version="1.0" encoding="utf-8"?>
+<file path=ppt/slides/slide14.xml><?xml version="1.0" encoding="utf-8"?>
 <p:sld xmlns:a="http://schemas.openxmlformats.org/drawingml/2006/main" xmlns:r="http://schemas.openxmlformats.org/officeDocument/2006/relationships" xmlns:p="http://schemas.openxmlformats.org/presentationml/2006/main">
   <p:cSld>
     <p:spTree>
@@ -3662,7 +5398,14 @@
         <p:cNvGrpSpPr/>
         <p:nvPr/>
       </p:nvGrpSpPr>
-      <p:grpSpPr/>
+      <p:grpSpPr>
+        <a:xfrm>
+          <a:off x="0" y="0"/>
+          <a:ext cx="0" cy="0"/>
+          <a:chOff x="0" y="0"/>
+          <a:chExt cx="0" cy="0"/>
+        </a:xfrm>
+      </p:grpSpPr>
       <p:sp>
         <p:nvSpPr>
           <p:cNvPr id="2" name="文本框 1"/>
@@ -3683,28 +5426,37 @@
           <a:bodyPr wrap="square" rtlCol="0">
             <a:spAutoFit/>
           </a:bodyPr>
+          <a:lstStyle/>
           <a:p>
             <a:pPr algn="ctr"/>
             <a:r>
-              <a:rPr lang="zh-CN" altLang="en-US" sz="2800"/>
+              <a:rPr lang="zh-CN" altLang="en-US" sz="2800" dirty="0"/>
               <a:t>找寻</a:t>
             </a:r>
             <a:r>
-              <a:rPr lang="en-US" altLang="zh-CN" sz="2800"/>
+              <a:rPr lang="en-US" altLang="zh-CN" sz="2800" dirty="0"/>
               <a:t>,</a:t>
             </a:r>
             <a:r>
-              <a:rPr lang="zh-CN" altLang="en-US" sz="2800"/>
+              <a:rPr lang="zh-CN" altLang="en-US" sz="2800" dirty="0"/>
               <a:t>或者构建一些常用工具，然后变成自己的</a:t>
             </a:r>
             <a:br>
-              <a:rPr lang="zh-CN" altLang="en-US" sz="2800"/>
+              <a:rPr lang="zh-CN" altLang="en-US" sz="2800" dirty="0"/>
             </a:br>
             <a:r>
-              <a:rPr lang="en-US" altLang="zh-CN" sz="2800"/>
-              <a:t>node  npm   bower  composer  go ....</a:t>
-            </a:r>
-            <a:endParaRPr lang="zh-CN" altLang="en-US" sz="2800"/>
+              <a:rPr lang="en-US" altLang="zh-CN" sz="2800" dirty="0"/>
+              <a:t>node  </a:t>
+            </a:r>
+            <a:r>
+              <a:rPr lang="en-US" altLang="zh-CN" sz="2800" dirty="0" err="1"/>
+              <a:t>npm</a:t>
+            </a:r>
+            <a:r>
+              <a:rPr lang="en-US" altLang="zh-CN" sz="2800" dirty="0"/>
+              <a:t>   bower  composer  go ....</a:t>
+            </a:r>
+            <a:endParaRPr lang="zh-CN" altLang="en-US" sz="2800" dirty="0"/>
           </a:p>
         </p:txBody>
       </p:sp>
@@ -3719,7 +5471,7 @@
 </p:sld>
 </file>
 
-<file path=ppt/slides/slide13.xml><?xml version="1.0" encoding="utf-8"?>
+<file path=ppt/slides/slide15.xml><?xml version="1.0" encoding="utf-8"?>
 <p:sld xmlns:a="http://schemas.openxmlformats.org/drawingml/2006/main" xmlns:r="http://schemas.openxmlformats.org/officeDocument/2006/relationships" xmlns:p="http://schemas.openxmlformats.org/presentationml/2006/main">
   <p:cSld>
     <p:spTree>
@@ -3728,7 +5480,14 @@
         <p:cNvGrpSpPr/>
         <p:nvPr/>
       </p:nvGrpSpPr>
-      <p:grpSpPr/>
+      <p:grpSpPr>
+        <a:xfrm>
+          <a:off x="0" y="0"/>
+          <a:ext cx="0" cy="0"/>
+          <a:chOff x="0" y="0"/>
+          <a:chExt cx="0" cy="0"/>
+        </a:xfrm>
+      </p:grpSpPr>
       <p:sp>
         <p:nvSpPr>
           <p:cNvPr id="3" name="文本框 2"/>
@@ -3749,6 +5508,7 @@
           <a:bodyPr wrap="square" rtlCol="0">
             <a:spAutoFit/>
           </a:bodyPr>
+          <a:lstStyle/>
           <a:p>
             <a:r>
               <a:rPr lang="zh-CN" altLang="en-US" sz="3200"/>
@@ -3762,7 +5522,6 @@
               <a:rPr lang="zh-CN" altLang="en-US" sz="3200"/>
               <a:t>的一些使用总结和注意点</a:t>
             </a:r>
-            <a:endParaRPr lang="zh-CN" altLang="en-US" sz="3200"/>
           </a:p>
         </p:txBody>
       </p:sp>
@@ -3777,7 +5536,7 @@
 </p:sld>
 </file>
 
-<file path=ppt/slides/slide14.xml><?xml version="1.0" encoding="utf-8"?>
+<file path=ppt/slides/slide16.xml><?xml version="1.0" encoding="utf-8"?>
 <p:sld xmlns:a="http://schemas.openxmlformats.org/drawingml/2006/main" xmlns:r="http://schemas.openxmlformats.org/officeDocument/2006/relationships" xmlns:p="http://schemas.openxmlformats.org/presentationml/2006/main">
   <p:cSld>
     <p:spTree>
@@ -3786,7 +5545,14 @@
         <p:cNvGrpSpPr/>
         <p:nvPr/>
       </p:nvGrpSpPr>
-      <p:grpSpPr/>
+      <p:grpSpPr>
+        <a:xfrm>
+          <a:off x="0" y="0"/>
+          <a:ext cx="0" cy="0"/>
+          <a:chOff x="0" y="0"/>
+          <a:chExt cx="0" cy="0"/>
+        </a:xfrm>
+      </p:grpSpPr>
       <p:sp>
         <p:nvSpPr>
           <p:cNvPr id="2" name="文本框 1"/>
@@ -3807,6 +5573,7 @@
           <a:bodyPr wrap="square" rtlCol="0">
             <a:spAutoFit/>
           </a:bodyPr>
+          <a:lstStyle/>
           <a:p>
             <a:pPr algn="ctr"/>
             <a:r>
@@ -3821,7 +5588,6 @@
               <a:rPr lang="zh-CN" altLang="en-US" sz="3200"/>
               <a:t>服务编排</a:t>
             </a:r>
-            <a:endParaRPr lang="zh-CN" altLang="en-US" sz="3200"/>
           </a:p>
         </p:txBody>
       </p:sp>
@@ -3836,7 +5602,7 @@
 </p:sld>
 </file>
 
-<file path=ppt/slides/slide15.xml><?xml version="1.0" encoding="utf-8"?>
+<file path=ppt/slides/slide17.xml><?xml version="1.0" encoding="utf-8"?>
 <p:sld xmlns:a="http://schemas.openxmlformats.org/drawingml/2006/main" xmlns:r="http://schemas.openxmlformats.org/officeDocument/2006/relationships" xmlns:p="http://schemas.openxmlformats.org/presentationml/2006/main">
   <p:cSld>
     <p:spTree>
@@ -3845,7 +5611,14 @@
         <p:cNvGrpSpPr/>
         <p:nvPr/>
       </p:nvGrpSpPr>
-      <p:grpSpPr/>
+      <p:grpSpPr>
+        <a:xfrm>
+          <a:off x="0" y="0"/>
+          <a:ext cx="0" cy="0"/>
+          <a:chOff x="0" y="0"/>
+          <a:chExt cx="0" cy="0"/>
+        </a:xfrm>
+      </p:grpSpPr>
       <p:sp>
         <p:nvSpPr>
           <p:cNvPr id="2" name="文本框 1"/>
@@ -3866,6 +5639,7 @@
           <a:bodyPr wrap="square" rtlCol="0">
             <a:spAutoFit/>
           </a:bodyPr>
+          <a:lstStyle/>
           <a:p>
             <a:pPr algn="ctr"/>
             <a:r>
@@ -3880,7 +5654,6 @@
               <a:rPr lang="zh-CN" altLang="en-US" sz="3200"/>
               <a:t>完整的项目</a:t>
             </a:r>
-            <a:endParaRPr lang="zh-CN" altLang="en-US" sz="3200"/>
           </a:p>
         </p:txBody>
       </p:sp>
@@ -3895,7 +5668,7 @@
 </p:sld>
 </file>
 
-<file path=ppt/slides/slide16.xml><?xml version="1.0" encoding="utf-8"?>
+<file path=ppt/slides/slide18.xml><?xml version="1.0" encoding="utf-8"?>
 <p:sld xmlns:a="http://schemas.openxmlformats.org/drawingml/2006/main" xmlns:r="http://schemas.openxmlformats.org/officeDocument/2006/relationships" xmlns:p="http://schemas.openxmlformats.org/presentationml/2006/main">
   <p:cSld>
     <p:spTree>
@@ -3904,7 +5677,14 @@
         <p:cNvGrpSpPr/>
         <p:nvPr/>
       </p:nvGrpSpPr>
-      <p:grpSpPr/>
+      <p:grpSpPr>
+        <a:xfrm>
+          <a:off x="0" y="0"/>
+          <a:ext cx="0" cy="0"/>
+          <a:chOff x="0" y="0"/>
+          <a:chExt cx="0" cy="0"/>
+        </a:xfrm>
+      </p:grpSpPr>
       <p:sp>
         <p:nvSpPr>
           <p:cNvPr id="2" name="文本框 1"/>
@@ -3925,21 +5705,21 @@
           <a:bodyPr wrap="square" rtlCol="0">
             <a:spAutoFit/>
           </a:bodyPr>
+          <a:lstStyle/>
           <a:p>
             <a:pPr algn="ctr"/>
             <a:r>
-              <a:rPr lang="zh-CN" altLang="en-US" sz="3200"/>
+              <a:rPr lang="zh-CN" altLang="en-US" sz="3200" dirty="0"/>
               <a:t>分离</a:t>
             </a:r>
             <a:r>
-              <a:rPr lang="en-US" altLang="zh-CN" sz="3200"/>
+              <a:rPr lang="en-US" altLang="zh-CN" sz="3200" dirty="0"/>
               <a:t>compose</a:t>
             </a:r>
             <a:r>
-              <a:rPr lang="zh-CN" altLang="en-US" sz="3200"/>
+              <a:rPr lang="zh-CN" altLang="en-US" sz="3200" dirty="0"/>
               <a:t>文件</a:t>
             </a:r>
-            <a:endParaRPr lang="zh-CN" altLang="en-US" sz="3200"/>
           </a:p>
         </p:txBody>
       </p:sp>
@@ -3954,7 +5734,7 @@
 </p:sld>
 </file>
 
-<file path=ppt/slides/slide17.xml><?xml version="1.0" encoding="utf-8"?>
+<file path=ppt/slides/slide19.xml><?xml version="1.0" encoding="utf-8"?>
 <p:sld xmlns:a="http://schemas.openxmlformats.org/drawingml/2006/main" xmlns:r="http://schemas.openxmlformats.org/officeDocument/2006/relationships" xmlns:p="http://schemas.openxmlformats.org/presentationml/2006/main">
   <p:cSld>
     <p:spTree>
@@ -3963,7 +5743,14 @@
         <p:cNvGrpSpPr/>
         <p:nvPr/>
       </p:nvGrpSpPr>
-      <p:grpSpPr/>
+      <p:grpSpPr>
+        <a:xfrm>
+          <a:off x="0" y="0"/>
+          <a:ext cx="0" cy="0"/>
+          <a:chOff x="0" y="0"/>
+          <a:chExt cx="0" cy="0"/>
+        </a:xfrm>
+      </p:grpSpPr>
       <p:sp>
         <p:nvSpPr>
           <p:cNvPr id="2" name="文本框 1"/>
@@ -3984,6 +5771,7 @@
           <a:bodyPr wrap="square" rtlCol="0">
             <a:spAutoFit/>
           </a:bodyPr>
+          <a:lstStyle/>
           <a:p>
             <a:pPr algn="ctr"/>
             <a:r>
@@ -3998,7 +5786,6 @@
               <a:rPr lang="zh-CN" altLang="en-US" sz="3200"/>
               <a:t>构建工具整合</a:t>
             </a:r>
-            <a:endParaRPr lang="zh-CN" altLang="en-US" sz="3200"/>
           </a:p>
         </p:txBody>
       </p:sp>
@@ -4013,7 +5800,7 @@
 </p:sld>
 </file>
 
-<file path=ppt/slides/slide18.xml><?xml version="1.0" encoding="utf-8"?>
+<file path=ppt/slides/slide2.xml><?xml version="1.0" encoding="utf-8"?>
 <p:sld xmlns:a="http://schemas.openxmlformats.org/drawingml/2006/main" xmlns:r="http://schemas.openxmlformats.org/officeDocument/2006/relationships" xmlns:p="http://schemas.openxmlformats.org/presentationml/2006/main">
   <p:cSld>
     <p:spTree>
@@ -4022,7 +5809,169 @@
         <p:cNvGrpSpPr/>
         <p:nvPr/>
       </p:nvGrpSpPr>
-      <p:grpSpPr/>
+      <p:grpSpPr>
+        <a:xfrm>
+          <a:off x="0" y="0"/>
+          <a:ext cx="0" cy="0"/>
+          <a:chOff x="0" y="0"/>
+          <a:chExt cx="0" cy="0"/>
+        </a:xfrm>
+      </p:grpSpPr>
+      <p:sp>
+        <p:nvSpPr>
+          <p:cNvPr id="2" name="标题 1"/>
+          <p:cNvSpPr>
+            <a:spLocks noGrp="1"/>
+          </p:cNvSpPr>
+          <p:nvPr>
+            <p:ph type="title"/>
+          </p:nvPr>
+        </p:nvSpPr>
+        <p:spPr/>
+        <p:txBody>
+          <a:bodyPr>
+            <a:normAutofit/>
+          </a:bodyPr>
+          <a:lstStyle/>
+          <a:p>
+            <a:r>
+              <a:rPr kumimoji="1" lang="zh-CN" altLang="en-US" dirty="0" smtClean="0"/>
+              <a:t>内容</a:t>
+            </a:r>
+            <a:r>
+              <a:rPr kumimoji="1" lang="zh-CN" altLang="en-US" sz="2800" dirty="0" smtClean="0"/>
+              <a:t>（</a:t>
+            </a:r>
+            <a:r>
+              <a:rPr kumimoji="1" lang="zh-CN" altLang="en-US" sz="2800" dirty="0"/>
+              <a:t>主 ：</a:t>
+            </a:r>
+            <a:r>
+              <a:rPr kumimoji="1" lang="en-US" altLang="zh-CN" sz="2800" dirty="0" smtClean="0"/>
+              <a:t>PPT</a:t>
+            </a:r>
+            <a:r>
+              <a:rPr kumimoji="1" lang="zh-CN" altLang="en-US" sz="2800" dirty="0" smtClean="0"/>
+              <a:t>内容</a:t>
+            </a:r>
+            <a:r>
+              <a:rPr kumimoji="1" lang="en-US" altLang="zh-CN" sz="2800" dirty="0" smtClean="0"/>
+              <a:t>,</a:t>
+            </a:r>
+            <a:r>
+              <a:rPr kumimoji="1" lang="zh-CN" altLang="en-US" sz="2800" dirty="0" smtClean="0"/>
+              <a:t>从</a:t>
+            </a:r>
+            <a:r>
+              <a:rPr kumimoji="1" lang="zh-CN" altLang="en-US" sz="2800" dirty="0"/>
+              <a:t>：</a:t>
+            </a:r>
+            <a:r>
+              <a:rPr kumimoji="1" lang="zh-CN" altLang="en-US" sz="2800" dirty="0" smtClean="0"/>
+              <a:t>说明</a:t>
+            </a:r>
+            <a:r>
+              <a:rPr kumimoji="1" lang="zh-CN" altLang="en-US" sz="2800" dirty="0"/>
+              <a:t>文档</a:t>
+            </a:r>
+            <a:r>
+              <a:rPr kumimoji="1" lang="zh-CN" altLang="en-US" sz="2800" dirty="0" smtClean="0"/>
+              <a:t>内容）</a:t>
+            </a:r>
+            <a:endParaRPr kumimoji="1" lang="zh-CN" altLang="en-US" sz="2800" dirty="0"/>
+          </a:p>
+        </p:txBody>
+      </p:sp>
+      <p:sp>
+        <p:nvSpPr>
+          <p:cNvPr id="3" name="内容占位符 2"/>
+          <p:cNvSpPr>
+            <a:spLocks noGrp="1"/>
+          </p:cNvSpPr>
+          <p:nvPr>
+            <p:ph idx="1"/>
+          </p:nvPr>
+        </p:nvSpPr>
+        <p:spPr/>
+        <p:txBody>
+          <a:bodyPr/>
+          <a:lstStyle/>
+          <a:p>
+            <a:r>
+              <a:rPr kumimoji="1" lang="zh-CN" altLang="en-US" dirty="0" smtClean="0"/>
+              <a:t>构建高可用的开发环境</a:t>
+            </a:r>
+            <a:endParaRPr kumimoji="1" lang="en-US" altLang="zh-CN" dirty="0" smtClean="0"/>
+          </a:p>
+          <a:p>
+            <a:r>
+              <a:rPr kumimoji="1" lang="zh-CN" altLang="en-US" dirty="0" smtClean="0"/>
+              <a:t>企业开发团队的实践工具</a:t>
+            </a:r>
+            <a:endParaRPr kumimoji="1" lang="en-US" altLang="zh-CN" dirty="0" smtClean="0"/>
+          </a:p>
+          <a:p>
+            <a:r>
+              <a:rPr kumimoji="1" lang="zh-CN" altLang="en-US" dirty="0" smtClean="0"/>
+              <a:t>开发人员的软件</a:t>
+            </a:r>
+            <a:r>
+              <a:rPr kumimoji="1" lang="zh-CN" altLang="en-US" dirty="0"/>
+              <a:t>交付</a:t>
+            </a:r>
+            <a:r>
+              <a:rPr kumimoji="1" lang="zh-CN" altLang="en-US" dirty="0" smtClean="0"/>
+              <a:t>的几种方式</a:t>
+            </a:r>
+            <a:endParaRPr kumimoji="1" lang="en-US" altLang="zh-CN" dirty="0" smtClean="0"/>
+          </a:p>
+          <a:p>
+            <a:r>
+              <a:rPr kumimoji="1" lang="zh-CN" altLang="en-US" dirty="0" smtClean="0"/>
+              <a:t>必须了解的</a:t>
+            </a:r>
+            <a:r>
+              <a:rPr kumimoji="1" lang="en-US" altLang="zh-CN" dirty="0" err="1" smtClean="0"/>
+              <a:t>devops</a:t>
+            </a:r>
+            <a:r>
+              <a:rPr kumimoji="1" lang="zh-CN" altLang="en-US" dirty="0" smtClean="0"/>
+              <a:t>知识</a:t>
+            </a:r>
+            <a:endParaRPr kumimoji="1" lang="en-US" altLang="zh-CN" dirty="0" smtClean="0"/>
+          </a:p>
+        </p:txBody>
+      </p:sp>
+    </p:spTree>
+    <p:extLst>
+      <p:ext uri="{BB962C8B-B14F-4D97-AF65-F5344CB8AC3E}">
+        <p14:creationId xmlns:p14="http://schemas.microsoft.com/office/powerpoint/2010/main" val="781681041"/>
+      </p:ext>
+    </p:extLst>
+  </p:cSld>
+  <p:clrMapOvr>
+    <a:masterClrMapping/>
+  </p:clrMapOvr>
+</p:sld>
+</file>
+
+<file path=ppt/slides/slide20.xml><?xml version="1.0" encoding="utf-8"?>
+<p:sld xmlns:a="http://schemas.openxmlformats.org/drawingml/2006/main" xmlns:r="http://schemas.openxmlformats.org/officeDocument/2006/relationships" xmlns:p="http://schemas.openxmlformats.org/presentationml/2006/main">
+  <p:cSld>
+    <p:spTree>
+      <p:nvGrpSpPr>
+        <p:cNvPr id="1" name=""/>
+        <p:cNvGrpSpPr/>
+        <p:nvPr/>
+      </p:nvGrpSpPr>
+      <p:grpSpPr>
+        <a:xfrm>
+          <a:off x="0" y="0"/>
+          <a:ext cx="0" cy="0"/>
+          <a:chOff x="0" y="0"/>
+          <a:chExt cx="0" cy="0"/>
+        </a:xfrm>
+      </p:grpSpPr>
       <p:sp>
         <p:nvSpPr>
           <p:cNvPr id="2" name="文本框 1"/>
@@ -4043,13 +5992,14 @@
           <a:bodyPr wrap="square" rtlCol="0">
             <a:spAutoFit/>
           </a:bodyPr>
+          <a:lstStyle/>
           <a:p>
             <a:pPr algn="ctr"/>
             <a:r>
-              <a:rPr lang="zh-CN" altLang="en-US" sz="3200"/>
-              <a:t>使用镜像进行产品交付</a:t>
-            </a:r>
-            <a:endParaRPr lang="zh-CN" altLang="en-US" sz="3200"/>
+              <a:rPr lang="zh-CN" altLang="en-US" sz="3200" dirty="0" smtClean="0"/>
+              <a:t>开发产品的交付</a:t>
+            </a:r>
+            <a:endParaRPr lang="zh-CN" altLang="en-US" sz="3200" dirty="0"/>
           </a:p>
         </p:txBody>
       </p:sp>
@@ -4064,7 +6014,7 @@
 </p:sld>
 </file>
 
-<file path=ppt/slides/slide19.xml><?xml version="1.0" encoding="utf-8"?>
+<file path=ppt/slides/slide21.xml><?xml version="1.0" encoding="utf-8"?>
 <p:sld xmlns:a="http://schemas.openxmlformats.org/drawingml/2006/main" xmlns:r="http://schemas.openxmlformats.org/officeDocument/2006/relationships" xmlns:p="http://schemas.openxmlformats.org/presentationml/2006/main">
   <p:cSld>
     <p:spTree>
@@ -4073,7 +6023,14 @@
         <p:cNvGrpSpPr/>
         <p:nvPr/>
       </p:nvGrpSpPr>
-      <p:grpSpPr/>
+      <p:grpSpPr>
+        <a:xfrm>
+          <a:off x="0" y="0"/>
+          <a:ext cx="0" cy="0"/>
+          <a:chOff x="0" y="0"/>
+          <a:chExt cx="0" cy="0"/>
+        </a:xfrm>
+      </p:grpSpPr>
       <p:sp>
         <p:nvSpPr>
           <p:cNvPr id="2" name="文本框 1"/>
@@ -4094,21 +6051,21 @@
           <a:bodyPr wrap="square" rtlCol="0">
             <a:spAutoFit/>
           </a:bodyPr>
+          <a:lstStyle/>
           <a:p>
             <a:pPr algn="ctr"/>
             <a:r>
-              <a:rPr lang="zh-CN" altLang="en-US" sz="3200"/>
+              <a:rPr lang="zh-CN" altLang="en-US" sz="3200" dirty="0"/>
               <a:t>发布应用到云服务器 </a:t>
             </a:r>
             <a:r>
-              <a:rPr lang="en-US" altLang="zh-CN" sz="3200"/>
+              <a:rPr lang="en-US" altLang="zh-CN" sz="3200" dirty="0"/>
               <a:t>| </a:t>
             </a:r>
             <a:r>
-              <a:rPr lang="zh-CN" altLang="en-US" sz="3200"/>
+              <a:rPr lang="zh-CN" altLang="en-US" sz="3200" dirty="0"/>
               <a:t>容器云</a:t>
             </a:r>
-            <a:endParaRPr lang="zh-CN" altLang="en-US" sz="3200"/>
           </a:p>
         </p:txBody>
       </p:sp>
@@ -4123,7 +6080,7 @@
 </p:sld>
 </file>
 
-<file path=ppt/slides/slide2.xml><?xml version="1.0" encoding="utf-8"?>
+<file path=ppt/slides/slide22.xml><?xml version="1.0" encoding="utf-8"?>
 <p:sld xmlns:a="http://schemas.openxmlformats.org/drawingml/2006/main" xmlns:r="http://schemas.openxmlformats.org/officeDocument/2006/relationships" xmlns:p="http://schemas.openxmlformats.org/presentationml/2006/main">
   <p:cSld>
     <p:spTree>
@@ -4132,53 +6089,14 @@
         <p:cNvGrpSpPr/>
         <p:nvPr/>
       </p:nvGrpSpPr>
-      <p:grpSpPr/>
-      <p:sp>
-        <p:nvSpPr>
-          <p:cNvPr id="2" name="标题 1"/>
-          <p:cNvSpPr>
-            <a:spLocks noGrp="1"/>
-          </p:cNvSpPr>
-          <p:nvPr>
-            <p:ph type="title"/>
-          </p:nvPr>
-        </p:nvSpPr>
-        <p:spPr>
-          <a:xfrm>
-            <a:off x="838200" y="2635250"/>
-            <a:ext cx="10515600" cy="1325563"/>
-          </a:xfrm>
-        </p:spPr>
-        <p:txBody>
-          <a:bodyPr/>
-          <a:p>
-            <a:pPr algn="ctr"/>
-            <a:r>
-              <a:rPr lang="zh-CN" altLang="en-US"/>
-              <a:t>什么是开发环境高可用？</a:t>
-            </a:r>
-            <a:endParaRPr lang="zh-CN" altLang="en-US"/>
-          </a:p>
-        </p:txBody>
-      </p:sp>
-    </p:spTree>
-  </p:cSld>
-  <p:clrMapOvr>
-    <a:masterClrMapping/>
-  </p:clrMapOvr>
-</p:sld>
-</file>
-
-<file path=ppt/slides/slide20.xml><?xml version="1.0" encoding="utf-8"?>
-<p:sld xmlns:a="http://schemas.openxmlformats.org/drawingml/2006/main" xmlns:r="http://schemas.openxmlformats.org/officeDocument/2006/relationships" xmlns:p="http://schemas.openxmlformats.org/presentationml/2006/main">
-  <p:cSld>
-    <p:spTree>
-      <p:nvGrpSpPr>
-        <p:cNvPr id="1" name=""/>
-        <p:cNvGrpSpPr/>
-        <p:nvPr/>
-      </p:nvGrpSpPr>
-      <p:grpSpPr/>
+      <p:grpSpPr>
+        <a:xfrm>
+          <a:off x="0" y="0"/>
+          <a:ext cx="0" cy="0"/>
+          <a:chOff x="0" y="0"/>
+          <a:chExt cx="0" cy="0"/>
+        </a:xfrm>
+      </p:grpSpPr>
       <p:sp>
         <p:nvSpPr>
           <p:cNvPr id="2" name="文本框 1"/>
@@ -4199,13 +6117,22 @@
           <a:bodyPr wrap="square" rtlCol="0">
             <a:spAutoFit/>
           </a:bodyPr>
+          <a:lstStyle/>
           <a:p>
             <a:pPr algn="ctr"/>
             <a:r>
-              <a:rPr lang="zh-CN" altLang="en-US" sz="3200"/>
-              <a:t>docker stack deploy</a:t>
-            </a:r>
-            <a:endParaRPr lang="zh-CN" altLang="en-US" sz="3200"/>
+              <a:rPr lang="zh-CN" altLang="en-US" sz="3200" dirty="0"/>
+              <a:t>docker </a:t>
+            </a:r>
+            <a:r>
+              <a:rPr lang="en-US" altLang="zh-CN" sz="3200" dirty="0" smtClean="0"/>
+              <a:t>swarm</a:t>
+            </a:r>
+            <a:r>
+              <a:rPr lang="zh-CN" altLang="en-US" sz="3200" smtClean="0"/>
+              <a:t>  </a:t>
+            </a:r>
+            <a:endParaRPr lang="zh-CN" altLang="en-US" sz="3200" dirty="0"/>
           </a:p>
         </p:txBody>
       </p:sp>
@@ -4220,7 +6147,7 @@
 </p:sld>
 </file>
 
-<file path=ppt/slides/slide21.xml><?xml version="1.0" encoding="utf-8"?>
+<file path=ppt/slides/slide23.xml><?xml version="1.0" encoding="utf-8"?>
 <p:sld xmlns:a="http://schemas.openxmlformats.org/drawingml/2006/main" xmlns:r="http://schemas.openxmlformats.org/officeDocument/2006/relationships" xmlns:p="http://schemas.openxmlformats.org/presentationml/2006/main">
   <p:cSld>
     <p:spTree>
@@ -4229,7 +6156,14 @@
         <p:cNvGrpSpPr/>
         <p:nvPr/>
       </p:nvGrpSpPr>
-      <p:grpSpPr/>
+      <p:grpSpPr>
+        <a:xfrm>
+          <a:off x="0" y="0"/>
+          <a:ext cx="0" cy="0"/>
+          <a:chOff x="0" y="0"/>
+          <a:chExt cx="0" cy="0"/>
+        </a:xfrm>
+      </p:grpSpPr>
       <p:sp>
         <p:nvSpPr>
           <p:cNvPr id="2" name="文本框 1"/>
@@ -4250,13 +6184,13 @@
           <a:bodyPr wrap="square" rtlCol="0">
             <a:spAutoFit/>
           </a:bodyPr>
+          <a:lstStyle/>
           <a:p>
             <a:pPr algn="ctr"/>
             <a:r>
               <a:rPr lang="zh-CN" altLang="en-US" sz="3200"/>
               <a:t>企业开发团队操作场景的一些手段</a:t>
             </a:r>
-            <a:endParaRPr lang="zh-CN" altLang="en-US" sz="3200"/>
           </a:p>
         </p:txBody>
       </p:sp>
@@ -4271,7 +6205,7 @@
 </p:sld>
 </file>
 
-<file path=ppt/slides/slide22.xml><?xml version="1.0" encoding="utf-8"?>
+<file path=ppt/slides/slide24.xml><?xml version="1.0" encoding="utf-8"?>
 <p:sld xmlns:a="http://schemas.openxmlformats.org/drawingml/2006/main" xmlns:r="http://schemas.openxmlformats.org/officeDocument/2006/relationships" xmlns:p="http://schemas.openxmlformats.org/presentationml/2006/main">
   <p:cSld>
     <p:spTree>
@@ -4280,7 +6214,14 @@
         <p:cNvGrpSpPr/>
         <p:nvPr/>
       </p:nvGrpSpPr>
-      <p:grpSpPr/>
+      <p:grpSpPr>
+        <a:xfrm>
+          <a:off x="0" y="0"/>
+          <a:ext cx="0" cy="0"/>
+          <a:chOff x="0" y="0"/>
+          <a:chExt cx="0" cy="0"/>
+        </a:xfrm>
+      </p:grpSpPr>
       <p:sp>
         <p:nvSpPr>
           <p:cNvPr id="2" name="文本框 1"/>
@@ -4301,6 +6242,7 @@
           <a:bodyPr wrap="square" rtlCol="0">
             <a:spAutoFit/>
           </a:bodyPr>
+          <a:lstStyle/>
           <a:p>
             <a:pPr algn="ctr"/>
             <a:r>
@@ -4323,7 +6265,6 @@
               <a:rPr lang="zh-CN" altLang="en-US" sz="3200"/>
               <a:t>介绍</a:t>
             </a:r>
-            <a:endParaRPr lang="zh-CN" altLang="en-US" sz="3200"/>
           </a:p>
         </p:txBody>
       </p:sp>
@@ -4338,7 +6279,7 @@
 </p:sld>
 </file>
 
-<file path=ppt/slides/slide23.xml><?xml version="1.0" encoding="utf-8"?>
+<file path=ppt/slides/slide25.xml><?xml version="1.0" encoding="utf-8"?>
 <p:sld xmlns:a="http://schemas.openxmlformats.org/drawingml/2006/main" xmlns:r="http://schemas.openxmlformats.org/officeDocument/2006/relationships" xmlns:p="http://schemas.openxmlformats.org/presentationml/2006/main">
   <p:cSld>
     <p:spTree>
@@ -4347,7 +6288,14 @@
         <p:cNvGrpSpPr/>
         <p:nvPr/>
       </p:nvGrpSpPr>
-      <p:grpSpPr/>
+      <p:grpSpPr>
+        <a:xfrm>
+          <a:off x="0" y="0"/>
+          <a:ext cx="0" cy="0"/>
+          <a:chOff x="0" y="0"/>
+          <a:chExt cx="0" cy="0"/>
+        </a:xfrm>
+      </p:grpSpPr>
       <p:sp>
         <p:nvSpPr>
           <p:cNvPr id="2" name="文本框 1"/>
@@ -4368,13 +6316,13 @@
           <a:bodyPr wrap="square" rtlCol="0">
             <a:spAutoFit/>
           </a:bodyPr>
+          <a:lstStyle/>
           <a:p>
             <a:pPr algn="ctr"/>
             <a:r>
               <a:rPr lang="en-US" altLang="zh-CN" sz="6000"/>
               <a:t>Q &amp; A</a:t>
             </a:r>
-            <a:endParaRPr lang="en-US" altLang="zh-CN" sz="6000"/>
           </a:p>
         </p:txBody>
       </p:sp>
@@ -4389,7 +6337,7 @@
 </p:sld>
 </file>
 
-<file path=ppt/slides/slide24.xml><?xml version="1.0" encoding="utf-8"?>
+<file path=ppt/slides/slide26.xml><?xml version="1.0" encoding="utf-8"?>
 <p:sld xmlns:a="http://schemas.openxmlformats.org/drawingml/2006/main" xmlns:r="http://schemas.openxmlformats.org/officeDocument/2006/relationships" xmlns:p="http://schemas.openxmlformats.org/presentationml/2006/main">
   <p:cSld>
     <p:spTree>
@@ -4398,7 +6346,14 @@
         <p:cNvGrpSpPr/>
         <p:nvPr/>
       </p:nvGrpSpPr>
-      <p:grpSpPr/>
+      <p:grpSpPr>
+        <a:xfrm>
+          <a:off x="0" y="0"/>
+          <a:ext cx="0" cy="0"/>
+          <a:chOff x="0" y="0"/>
+          <a:chExt cx="0" cy="0"/>
+        </a:xfrm>
+      </p:grpSpPr>
       <p:pic>
         <p:nvPicPr>
           <p:cNvPr id="2" name="图片 1"/>
@@ -4408,7 +6363,7 @@
           <p:nvPr/>
         </p:nvPicPr>
         <p:blipFill>
-          <a:blip r:embed="rId1"/>
+          <a:blip r:embed="rId3"/>
           <a:stretch>
             <a:fillRect/>
           </a:stretch>
@@ -4425,7 +6380,7 @@
       </p:pic>
     </p:spTree>
     <p:custDataLst>
-      <p:tags r:id="rId2"/>
+      <p:tags r:id="rId1"/>
     </p:custDataLst>
   </p:cSld>
   <p:clrMapOvr>
@@ -4443,7 +6398,14 @@
         <p:cNvGrpSpPr/>
         <p:nvPr/>
       </p:nvGrpSpPr>
-      <p:grpSpPr/>
+      <p:grpSpPr>
+        <a:xfrm>
+          <a:off x="0" y="0"/>
+          <a:ext cx="0" cy="0"/>
+          <a:chOff x="0" y="0"/>
+          <a:chExt cx="0" cy="0"/>
+        </a:xfrm>
+      </p:grpSpPr>
       <p:sp>
         <p:nvSpPr>
           <p:cNvPr id="2" name="标题 1"/>
@@ -4456,110 +6418,19 @@
         </p:nvSpPr>
         <p:spPr>
           <a:xfrm>
-            <a:off x="740410" y="625475"/>
-            <a:ext cx="10515600" cy="3994150"/>
+            <a:off x="838200" y="2635250"/>
+            <a:ext cx="10515600" cy="1325563"/>
           </a:xfrm>
         </p:spPr>
         <p:txBody>
-          <a:bodyPr>
-            <a:normAutofit/>
-          </a:bodyPr>
-          <a:p>
-            <a:r>
-              <a:rPr lang="en-US" altLang="zh-CN" sz="2800"/>
-              <a:t>1. </a:t>
-            </a:r>
-            <a:r>
-              <a:rPr lang="zh-CN" altLang="en-US" sz="2800"/>
-              <a:t>简单易配置</a:t>
-            </a:r>
-            <a:br>
-              <a:rPr lang="zh-CN" altLang="en-US" sz="2800"/>
-            </a:br>
-            <a:r>
-              <a:rPr lang="en-US" altLang="zh-CN" sz="2800"/>
-              <a:t>2. </a:t>
-            </a:r>
-            <a:r>
-              <a:rPr lang="zh-CN" altLang="en-US" sz="2800"/>
-              <a:t>可共享</a:t>
-            </a:r>
-            <a:br>
-              <a:rPr lang="zh-CN" altLang="en-US" sz="2800"/>
-            </a:br>
-            <a:r>
-              <a:rPr lang="en-US" altLang="zh-CN" sz="2800"/>
-              <a:t>3. </a:t>
-            </a:r>
-            <a:r>
-              <a:rPr lang="zh-CN" altLang="en-US" sz="2800"/>
-              <a:t>运行环境秒切换</a:t>
-            </a:r>
-            <a:br>
-              <a:rPr lang="zh-CN" altLang="en-US" sz="2800"/>
-            </a:br>
-            <a:r>
-              <a:rPr lang="zh-CN" altLang="en-US" sz="2800"/>
-              <a:t>4</a:t>
-            </a:r>
-            <a:r>
-              <a:rPr lang="en-US" altLang="zh-CN" sz="2800"/>
-              <a:t>. </a:t>
-            </a:r>
-            <a:r>
-              <a:rPr lang="zh-CN" altLang="en-US" sz="2800"/>
-              <a:t>环境配置可版本控制</a:t>
-            </a:r>
-            <a:br>
-              <a:rPr lang="zh-CN" altLang="en-US" sz="2800"/>
-            </a:br>
-            <a:r>
-              <a:rPr lang="zh-CN" altLang="en-US" sz="2800"/>
-              <a:t>5</a:t>
-            </a:r>
-            <a:r>
-              <a:rPr lang="en-US" altLang="zh-CN" sz="2800"/>
-              <a:t>. </a:t>
-            </a:r>
-            <a:r>
-              <a:rPr lang="zh-CN" altLang="en-US" sz="2800"/>
-              <a:t>模拟线上环境</a:t>
-            </a:r>
-            <a:r>
-              <a:rPr lang="en-US" altLang="zh-CN" sz="2800"/>
-              <a:t>,</a:t>
-            </a:r>
-            <a:r>
-              <a:rPr lang="zh-CN" altLang="en-US" sz="2800"/>
-              <a:t>保证测试，产品环境统一</a:t>
-            </a:r>
-            <a:br>
-              <a:rPr lang="zh-CN" altLang="en-US" sz="2800"/>
-            </a:br>
-            <a:r>
-              <a:rPr lang="zh-CN" altLang="en-US" sz="2800"/>
-              <a:t>6</a:t>
-            </a:r>
-            <a:r>
-              <a:rPr lang="en-US" altLang="zh-CN" sz="2800"/>
-              <a:t>. </a:t>
-            </a:r>
-            <a:r>
-              <a:rPr lang="zh-CN" altLang="en-US" sz="2800"/>
-              <a:t>得心应手</a:t>
-            </a:r>
-            <a:br>
-              <a:rPr lang="zh-CN" altLang="en-US" sz="2800"/>
-            </a:br>
-            <a:r>
-              <a:rPr lang="en-US" altLang="zh-CN" sz="2800"/>
-              <a:t>7. </a:t>
-            </a:r>
-            <a:r>
-              <a:rPr lang="zh-CN" altLang="en-US" sz="2800"/>
-              <a:t>节省资源</a:t>
-            </a:r>
-            <a:endParaRPr lang="zh-CN" altLang="en-US" sz="2800"/>
+          <a:bodyPr/>
+          <a:lstStyle/>
+          <a:p>
+            <a:pPr algn="ctr"/>
+            <a:r>
+              <a:rPr lang="zh-CN" altLang="en-US"/>
+              <a:t>什么是开发环境高可用？</a:t>
+            </a:r>
           </a:p>
         </p:txBody>
       </p:sp>
@@ -4580,7 +6451,158 @@
         <p:cNvGrpSpPr/>
         <p:nvPr/>
       </p:nvGrpSpPr>
-      <p:grpSpPr/>
+      <p:grpSpPr>
+        <a:xfrm>
+          <a:off x="0" y="0"/>
+          <a:ext cx="0" cy="0"/>
+          <a:chOff x="0" y="0"/>
+          <a:chExt cx="0" cy="0"/>
+        </a:xfrm>
+      </p:grpSpPr>
+      <p:sp>
+        <p:nvSpPr>
+          <p:cNvPr id="2" name="标题 1"/>
+          <p:cNvSpPr>
+            <a:spLocks noGrp="1"/>
+          </p:cNvSpPr>
+          <p:nvPr>
+            <p:ph type="title"/>
+          </p:nvPr>
+        </p:nvSpPr>
+        <p:spPr>
+          <a:xfrm>
+            <a:off x="740410" y="625475"/>
+            <a:ext cx="10515600" cy="3994150"/>
+          </a:xfrm>
+        </p:spPr>
+        <p:txBody>
+          <a:bodyPr>
+            <a:normAutofit/>
+          </a:bodyPr>
+          <a:lstStyle/>
+          <a:p>
+            <a:r>
+              <a:rPr lang="en-US" altLang="zh-CN" sz="2800"/>
+              <a:t>1. </a:t>
+            </a:r>
+            <a:r>
+              <a:rPr lang="zh-CN" altLang="en-US" sz="2800"/>
+              <a:t>简单易配置</a:t>
+            </a:r>
+            <a:br>
+              <a:rPr lang="zh-CN" altLang="en-US" sz="2800"/>
+            </a:br>
+            <a:r>
+              <a:rPr lang="en-US" altLang="zh-CN" sz="2800"/>
+              <a:t>2. </a:t>
+            </a:r>
+            <a:r>
+              <a:rPr lang="zh-CN" altLang="en-US" sz="2800"/>
+              <a:t>可共享</a:t>
+            </a:r>
+            <a:br>
+              <a:rPr lang="zh-CN" altLang="en-US" sz="2800"/>
+            </a:br>
+            <a:r>
+              <a:rPr lang="en-US" altLang="zh-CN" sz="2800"/>
+              <a:t>3. </a:t>
+            </a:r>
+            <a:r>
+              <a:rPr lang="zh-CN" altLang="en-US" sz="2800"/>
+              <a:t>运行环境秒切换</a:t>
+            </a:r>
+            <a:br>
+              <a:rPr lang="zh-CN" altLang="en-US" sz="2800"/>
+            </a:br>
+            <a:r>
+              <a:rPr lang="zh-CN" altLang="en-US" sz="2800"/>
+              <a:t>4</a:t>
+            </a:r>
+            <a:r>
+              <a:rPr lang="en-US" altLang="zh-CN" sz="2800"/>
+              <a:t>. </a:t>
+            </a:r>
+            <a:r>
+              <a:rPr lang="zh-CN" altLang="en-US" sz="2800"/>
+              <a:t>环境配置可版本控制</a:t>
+            </a:r>
+            <a:br>
+              <a:rPr lang="zh-CN" altLang="en-US" sz="2800"/>
+            </a:br>
+            <a:r>
+              <a:rPr lang="zh-CN" altLang="en-US" sz="2800"/>
+              <a:t>5</a:t>
+            </a:r>
+            <a:r>
+              <a:rPr lang="en-US" altLang="zh-CN" sz="2800"/>
+              <a:t>. </a:t>
+            </a:r>
+            <a:r>
+              <a:rPr lang="zh-CN" altLang="en-US" sz="2800"/>
+              <a:t>模拟线上环境</a:t>
+            </a:r>
+            <a:r>
+              <a:rPr lang="en-US" altLang="zh-CN" sz="2800"/>
+              <a:t>,</a:t>
+            </a:r>
+            <a:r>
+              <a:rPr lang="zh-CN" altLang="en-US" sz="2800"/>
+              <a:t>保证测试，产品环境统一</a:t>
+            </a:r>
+            <a:br>
+              <a:rPr lang="zh-CN" altLang="en-US" sz="2800"/>
+            </a:br>
+            <a:r>
+              <a:rPr lang="zh-CN" altLang="en-US" sz="2800"/>
+              <a:t>6</a:t>
+            </a:r>
+            <a:r>
+              <a:rPr lang="en-US" altLang="zh-CN" sz="2800"/>
+              <a:t>. </a:t>
+            </a:r>
+            <a:r>
+              <a:rPr lang="zh-CN" altLang="en-US" sz="2800"/>
+              <a:t>得心应手</a:t>
+            </a:r>
+            <a:br>
+              <a:rPr lang="zh-CN" altLang="en-US" sz="2800"/>
+            </a:br>
+            <a:r>
+              <a:rPr lang="en-US" altLang="zh-CN" sz="2800"/>
+              <a:t>7. </a:t>
+            </a:r>
+            <a:r>
+              <a:rPr lang="zh-CN" altLang="en-US" sz="2800"/>
+              <a:t>节省资源</a:t>
+            </a:r>
+          </a:p>
+        </p:txBody>
+      </p:sp>
+    </p:spTree>
+  </p:cSld>
+  <p:clrMapOvr>
+    <a:masterClrMapping/>
+  </p:clrMapOvr>
+</p:sld>
+</file>
+
+<file path=ppt/slides/slide5.xml><?xml version="1.0" encoding="utf-8"?>
+<p:sld xmlns:a="http://schemas.openxmlformats.org/drawingml/2006/main" xmlns:r="http://schemas.openxmlformats.org/officeDocument/2006/relationships" xmlns:p="http://schemas.openxmlformats.org/presentationml/2006/main">
+  <p:cSld>
+    <p:spTree>
+      <p:nvGrpSpPr>
+        <p:cNvPr id="1" name=""/>
+        <p:cNvGrpSpPr/>
+        <p:nvPr/>
+      </p:nvGrpSpPr>
+      <p:grpSpPr>
+        <a:xfrm>
+          <a:off x="0" y="0"/>
+          <a:ext cx="0" cy="0"/>
+          <a:chOff x="0" y="0"/>
+          <a:chExt cx="0" cy="0"/>
+        </a:xfrm>
+      </p:grpSpPr>
       <p:sp>
         <p:nvSpPr>
           <p:cNvPr id="4" name="文本框 3"/>
@@ -4601,77 +6623,13 @@
           <a:bodyPr wrap="square" rtlCol="0">
             <a:spAutoFit/>
           </a:bodyPr>
+          <a:lstStyle/>
           <a:p>
             <a:pPr algn="ctr"/>
             <a:r>
               <a:rPr lang="zh-CN" altLang="en-US" sz="4400"/>
               <a:t>高可用的开发环境能给我们带来什么？</a:t>
             </a:r>
-            <a:endParaRPr lang="zh-CN" altLang="en-US" sz="4400"/>
-          </a:p>
-        </p:txBody>
-      </p:sp>
-    </p:spTree>
-  </p:cSld>
-  <p:clrMapOvr>
-    <a:masterClrMapping/>
-  </p:clrMapOvr>
-</p:sld>
-</file>
-
-<file path=ppt/slides/slide5.xml><?xml version="1.0" encoding="utf-8"?>
-<p:sld xmlns:a="http://schemas.openxmlformats.org/drawingml/2006/main" xmlns:r="http://schemas.openxmlformats.org/officeDocument/2006/relationships" xmlns:p="http://schemas.openxmlformats.org/presentationml/2006/main">
-  <p:cSld>
-    <p:spTree>
-      <p:nvGrpSpPr>
-        <p:cNvPr id="1" name=""/>
-        <p:cNvGrpSpPr/>
-        <p:nvPr/>
-      </p:nvGrpSpPr>
-      <p:grpSpPr/>
-      <p:sp>
-        <p:nvSpPr>
-          <p:cNvPr id="3" name="内容占位符 2"/>
-          <p:cNvSpPr>
-            <a:spLocks noGrp="1"/>
-          </p:cNvSpPr>
-          <p:nvPr>
-            <p:ph idx="1"/>
-          </p:nvPr>
-        </p:nvSpPr>
-        <p:spPr/>
-        <p:txBody>
-          <a:bodyPr/>
-          <a:p>
-            <a:r>
-              <a:rPr lang="zh-CN" altLang="en-US"/>
-              <a:t>专注于开发和业务代码的编写</a:t>
-            </a:r>
-            <a:endParaRPr lang="zh-CN" altLang="en-US"/>
-          </a:p>
-          <a:p>
-            <a:r>
-              <a:rPr lang="zh-CN" altLang="en-US"/>
-              <a:t>减少生产环境的兼容性问题</a:t>
-            </a:r>
-            <a:endParaRPr lang="zh-CN" altLang="en-US"/>
-          </a:p>
-          <a:p>
-            <a:r>
-              <a:rPr lang="zh-CN" altLang="en-US"/>
-              <a:t>节省开发计算机资源</a:t>
-            </a:r>
-            <a:endParaRPr lang="zh-CN" altLang="en-US"/>
-          </a:p>
-          <a:p>
-            <a:r>
-              <a:rPr lang="zh-CN" altLang="en-US"/>
-              <a:t>快速的工具安装和版本切换</a:t>
-            </a:r>
-            <a:endParaRPr lang="zh-CN" altLang="en-US"/>
-          </a:p>
-          <a:p>
-            <a:endParaRPr lang="zh-CN" altLang="en-US"/>
           </a:p>
         </p:txBody>
       </p:sp>
@@ -4692,30 +6650,14 @@
         <p:cNvGrpSpPr/>
         <p:nvPr/>
       </p:nvGrpSpPr>
-      <p:grpSpPr/>
-      <p:sp>
-        <p:nvSpPr>
-          <p:cNvPr id="2" name="标题 1"/>
-          <p:cNvSpPr>
-            <a:spLocks noGrp="1"/>
-          </p:cNvSpPr>
-          <p:nvPr>
-            <p:ph type="title"/>
-          </p:nvPr>
-        </p:nvSpPr>
-        <p:spPr/>
-        <p:txBody>
-          <a:bodyPr/>
-          <a:p>
-            <a:pPr algn="ctr"/>
-            <a:r>
-              <a:rPr lang="en-US" altLang="zh-CN"/>
-              <a:t>what is docker ?</a:t>
-            </a:r>
-            <a:endParaRPr lang="zh-CN" altLang="en-US"/>
-          </a:p>
-        </p:txBody>
-      </p:sp>
+      <p:grpSpPr>
+        <a:xfrm>
+          <a:off x="0" y="0"/>
+          <a:ext cx="0" cy="0"/>
+          <a:chOff x="0" y="0"/>
+          <a:chExt cx="0" cy="0"/>
+        </a:xfrm>
+      </p:grpSpPr>
       <p:sp>
         <p:nvSpPr>
           <p:cNvPr id="3" name="内容占位符 2"/>
@@ -4728,72 +6670,59 @@
         </p:nvSpPr>
         <p:spPr/>
         <p:txBody>
-          <a:bodyPr>
-            <a:normAutofit lnSpcReduction="20000"/>
-          </a:bodyPr>
-          <a:p>
-            <a:pPr marL="0" indent="0">
-              <a:buNone/>
-            </a:pPr>
-            <a:endParaRPr lang="zh-CN" altLang="en-US"/>
-          </a:p>
-          <a:p>
-            <a:pPr marL="0" indent="0">
-              <a:buNone/>
-            </a:pPr>
-            <a:r>
-              <a:rPr lang="zh-CN" altLang="en-US"/>
-              <a:t>核心观念：Build, Ship, and Run Any App, Anywhere</a:t>
-            </a:r>
-            <a:endParaRPr lang="zh-CN" altLang="en-US"/>
-          </a:p>
-          <a:p>
-            <a:pPr marL="0" indent="0">
-              <a:buNone/>
-            </a:pPr>
-            <a:endParaRPr lang="zh-CN" altLang="en-US"/>
-          </a:p>
-          <a:p>
-            <a:r>
-              <a:rPr lang="zh-CN" altLang="en-US"/>
-              <a:t>ANY APP, LANGUAGE, OR STACK</a:t>
-            </a:r>
-            <a:endParaRPr lang="zh-CN" altLang="en-US"/>
-          </a:p>
-          <a:p>
-            <a:r>
-              <a:rPr lang="zh-CN" altLang="en-US"/>
-              <a:t>AWESOME DEVELOPER EXPERIENCE</a:t>
-            </a:r>
-            <a:endParaRPr lang="zh-CN" altLang="en-US"/>
-          </a:p>
-          <a:p>
-            <a:r>
-              <a:rPr lang="zh-CN" altLang="en-US"/>
-              <a:t>BUILT-IN CONTAINER ORCHESTRATION</a:t>
-            </a:r>
-            <a:endParaRPr lang="zh-CN" altLang="en-US"/>
-          </a:p>
-          <a:p>
-            <a:endParaRPr lang="zh-CN" altLang="en-US"/>
-          </a:p>
-          <a:p>
-            <a:endParaRPr lang="zh-CN" altLang="en-US"/>
-          </a:p>
-          <a:p>
-            <a:endParaRPr lang="zh-CN" altLang="en-US"/>
-          </a:p>
-          <a:p>
-            <a:pPr marL="0" indent="0">
-              <a:buNone/>
-            </a:pPr>
-            <a:r>
-              <a:rPr lang="zh-CN" altLang="en-US">
-                <a:hlinkClick r:id="rId1" action="ppaction://hlinkfile"/>
-              </a:rPr>
-              <a:t>https://www.docker.com/what-docker</a:t>
-            </a:r>
-            <a:endParaRPr lang="zh-CN" altLang="en-US"/>
+          <a:bodyPr/>
+          <a:lstStyle/>
+          <a:p>
+            <a:r>
+              <a:rPr lang="zh-CN" altLang="en-US" dirty="0"/>
+              <a:t>专注于开发和业务代码的编写</a:t>
+            </a:r>
+          </a:p>
+          <a:p>
+            <a:r>
+              <a:rPr lang="zh-CN" altLang="en-US" dirty="0"/>
+              <a:t>减少生产环境的兼容性问题</a:t>
+            </a:r>
+          </a:p>
+          <a:p>
+            <a:r>
+              <a:rPr lang="zh-CN" altLang="en-US" dirty="0"/>
+              <a:t>节省开发计算机</a:t>
+            </a:r>
+            <a:r>
+              <a:rPr lang="zh-CN" altLang="en-US" dirty="0" smtClean="0"/>
+              <a:t>资源</a:t>
+            </a:r>
+            <a:r>
+              <a:rPr lang="zh-CN" altLang="en-US" dirty="0" smtClean="0"/>
+              <a:t>（计算资源，存储资源，网络资源）</a:t>
+            </a:r>
+            <a:r>
+              <a:rPr lang="en-US" altLang="zh-CN" dirty="0" smtClean="0"/>
+              <a:t>		</a:t>
+            </a:r>
+            <a:endParaRPr lang="zh-CN" altLang="en-US" dirty="0"/>
+          </a:p>
+          <a:p>
+            <a:r>
+              <a:rPr lang="zh-CN" altLang="en-US" dirty="0"/>
+              <a:t>快速的工具安装和版本</a:t>
+            </a:r>
+            <a:r>
+              <a:rPr lang="zh-CN" altLang="en-US" dirty="0" smtClean="0"/>
+              <a:t>切换</a:t>
+            </a:r>
+            <a:endParaRPr lang="en-US" altLang="zh-CN" dirty="0" smtClean="0"/>
+          </a:p>
+          <a:p>
+            <a:r>
+              <a:rPr lang="zh-CN" altLang="en-US" dirty="0" smtClean="0"/>
+              <a:t>云开发环境模式</a:t>
+            </a:r>
+            <a:endParaRPr lang="zh-CN" altLang="en-US" dirty="0"/>
+          </a:p>
+          <a:p>
+            <a:endParaRPr lang="zh-CN" altLang="en-US" dirty="0"/>
           </a:p>
         </p:txBody>
       </p:sp>
@@ -4824,11 +6753,266 @@
       </p:grpSpPr>
       <p:sp>
         <p:nvSpPr>
+          <p:cNvPr id="2" name="标题 1"/>
+          <p:cNvSpPr>
+            <a:spLocks noGrp="1"/>
+          </p:cNvSpPr>
+          <p:nvPr>
+            <p:ph type="title"/>
+          </p:nvPr>
+        </p:nvSpPr>
+        <p:spPr/>
+        <p:txBody>
+          <a:bodyPr/>
+          <a:lstStyle/>
+          <a:p>
+            <a:r>
+              <a:rPr kumimoji="1" lang="en-US" altLang="zh-CN" dirty="0" smtClean="0"/>
+              <a:t>				</a:t>
+            </a:r>
+            <a:r>
+              <a:rPr kumimoji="1" lang="zh-CN" altLang="en-US" dirty="0" smtClean="0"/>
+              <a:t>如何实现呢？</a:t>
+            </a:r>
+            <a:endParaRPr kumimoji="1" lang="zh-CN" altLang="en-US" dirty="0"/>
+          </a:p>
+        </p:txBody>
+      </p:sp>
+      <p:sp>
+        <p:nvSpPr>
+          <p:cNvPr id="3" name="内容占位符 2"/>
+          <p:cNvSpPr>
+            <a:spLocks noGrp="1"/>
+          </p:cNvSpPr>
+          <p:nvPr>
+            <p:ph idx="1"/>
+          </p:nvPr>
+        </p:nvSpPr>
+        <p:spPr/>
+        <p:txBody>
+          <a:bodyPr/>
+          <a:lstStyle/>
+          <a:p>
+            <a:r>
+              <a:rPr kumimoji="1" lang="zh-CN" altLang="en-US" dirty="0" smtClean="0"/>
+              <a:t>工具脚本</a:t>
+            </a:r>
+            <a:r>
+              <a:rPr kumimoji="1" lang="en-US" altLang="zh-CN" dirty="0" smtClean="0"/>
+              <a:t>?</a:t>
+            </a:r>
+          </a:p>
+          <a:p>
+            <a:r>
+              <a:rPr kumimoji="1" lang="zh-CN" altLang="en-US" dirty="0" smtClean="0"/>
+              <a:t>集成工具</a:t>
+            </a:r>
+            <a:r>
+              <a:rPr kumimoji="1" lang="en-US" altLang="zh-CN" dirty="0" smtClean="0"/>
+              <a:t>?</a:t>
+            </a:r>
+          </a:p>
+          <a:p>
+            <a:r>
+              <a:rPr kumimoji="1" lang="en-US" altLang="zh-CN" dirty="0" err="1" smtClean="0"/>
+              <a:t>Vgrant</a:t>
+            </a:r>
+            <a:r>
+              <a:rPr kumimoji="1" lang="zh-CN" altLang="en-US" dirty="0" smtClean="0"/>
+              <a:t> </a:t>
+            </a:r>
+            <a:r>
+              <a:rPr kumimoji="1" lang="en-US" altLang="zh-CN" dirty="0" smtClean="0"/>
+              <a:t>?</a:t>
+            </a:r>
+          </a:p>
+          <a:p>
+            <a:r>
+              <a:rPr kumimoji="1" lang="zh-CN" altLang="en-US" dirty="0" smtClean="0"/>
+              <a:t>想办法让环境绿化，做一个类似于应用商店的东西</a:t>
+            </a:r>
+            <a:endParaRPr kumimoji="1" lang="en-US" altLang="zh-CN" dirty="0" smtClean="0"/>
+          </a:p>
+          <a:p>
+            <a:endParaRPr kumimoji="1" lang="en-US" altLang="zh-CN" dirty="0" smtClean="0"/>
+          </a:p>
+          <a:p>
+            <a:endParaRPr kumimoji="1" lang="en-US" altLang="zh-CN" dirty="0" smtClean="0"/>
+          </a:p>
+        </p:txBody>
+      </p:sp>
+    </p:spTree>
+    <p:extLst>
+      <p:ext uri="{BB962C8B-B14F-4D97-AF65-F5344CB8AC3E}">
+        <p14:creationId xmlns:p14="http://schemas.microsoft.com/office/powerpoint/2010/main" val="649415578"/>
+      </p:ext>
+    </p:extLst>
+  </p:cSld>
+  <p:clrMapOvr>
+    <a:masterClrMapping/>
+  </p:clrMapOvr>
+</p:sld>
+</file>
+
+<file path=ppt/slides/slide8.xml><?xml version="1.0" encoding="utf-8"?>
+<p:sld xmlns:a="http://schemas.openxmlformats.org/drawingml/2006/main" xmlns:r="http://schemas.openxmlformats.org/officeDocument/2006/relationships" xmlns:p="http://schemas.openxmlformats.org/presentationml/2006/main">
+  <p:cSld>
+    <p:spTree>
+      <p:nvGrpSpPr>
+        <p:cNvPr id="1" name=""/>
+        <p:cNvGrpSpPr/>
+        <p:nvPr/>
+      </p:nvGrpSpPr>
+      <p:grpSpPr>
+        <a:xfrm>
+          <a:off x="0" y="0"/>
+          <a:ext cx="0" cy="0"/>
+          <a:chOff x="0" y="0"/>
+          <a:chExt cx="0" cy="0"/>
+        </a:xfrm>
+      </p:grpSpPr>
+      <p:sp>
+        <p:nvSpPr>
+          <p:cNvPr id="2" name="标题 1"/>
+          <p:cNvSpPr>
+            <a:spLocks noGrp="1"/>
+          </p:cNvSpPr>
+          <p:nvPr>
+            <p:ph type="title"/>
+          </p:nvPr>
+        </p:nvSpPr>
+        <p:spPr/>
+        <p:txBody>
+          <a:bodyPr/>
+          <a:lstStyle/>
+          <a:p>
+            <a:pPr algn="ctr"/>
+            <a:r>
+              <a:rPr lang="en-US" altLang="zh-CN" dirty="0"/>
+              <a:t>what is </a:t>
+            </a:r>
+            <a:r>
+              <a:rPr lang="en-US" altLang="zh-CN" dirty="0" err="1"/>
+              <a:t>docker</a:t>
+            </a:r>
+            <a:r>
+              <a:rPr lang="en-US" altLang="zh-CN" dirty="0"/>
+              <a:t> ?</a:t>
+            </a:r>
+            <a:endParaRPr lang="zh-CN" altLang="en-US" dirty="0"/>
+          </a:p>
+        </p:txBody>
+      </p:sp>
+      <p:sp>
+        <p:nvSpPr>
+          <p:cNvPr id="3" name="内容占位符 2"/>
+          <p:cNvSpPr>
+            <a:spLocks noGrp="1"/>
+          </p:cNvSpPr>
+          <p:nvPr>
+            <p:ph idx="1"/>
+          </p:nvPr>
+        </p:nvSpPr>
+        <p:spPr/>
+        <p:txBody>
+          <a:bodyPr>
+            <a:normAutofit fontScale="92500" lnSpcReduction="20000"/>
+          </a:bodyPr>
+          <a:lstStyle/>
+          <a:p>
+            <a:pPr marL="0" indent="0">
+              <a:buNone/>
+            </a:pPr>
+            <a:endParaRPr lang="zh-CN" altLang="en-US" dirty="0"/>
+          </a:p>
+          <a:p>
+            <a:pPr marL="0" indent="0">
+              <a:buNone/>
+            </a:pPr>
+            <a:r>
+              <a:rPr lang="zh-CN" altLang="en-US" dirty="0"/>
+              <a:t>核心观念：Build, Ship, and Run Any App, Anywhere</a:t>
+            </a:r>
+          </a:p>
+          <a:p>
+            <a:pPr marL="0" indent="0">
+              <a:buNone/>
+            </a:pPr>
+            <a:endParaRPr lang="zh-CN" altLang="en-US" dirty="0"/>
+          </a:p>
+          <a:p>
+            <a:r>
+              <a:rPr lang="zh-CN" altLang="en-US" dirty="0"/>
+              <a:t>ANY APP, LANGUAGE, OR STACK</a:t>
+            </a:r>
+          </a:p>
+          <a:p>
+            <a:r>
+              <a:rPr lang="zh-CN" altLang="en-US" dirty="0"/>
+              <a:t>AWESOME DEVELOPER EXPERIENCE</a:t>
+            </a:r>
+          </a:p>
+          <a:p>
+            <a:r>
+              <a:rPr lang="zh-CN" altLang="en-US" dirty="0"/>
+              <a:t>BUILT-IN CONTAINER ORCHESTRATION</a:t>
+            </a:r>
+          </a:p>
+          <a:p>
+            <a:endParaRPr lang="zh-CN" altLang="en-US" dirty="0"/>
+          </a:p>
+          <a:p>
+            <a:endParaRPr lang="zh-CN" altLang="en-US" dirty="0"/>
+          </a:p>
+          <a:p>
+            <a:endParaRPr lang="zh-CN" altLang="en-US" dirty="0"/>
+          </a:p>
+          <a:p>
+            <a:pPr marL="0" indent="0">
+              <a:buNone/>
+            </a:pPr>
+            <a:r>
+              <a:rPr lang="zh-CN" altLang="en-US" dirty="0">
+                <a:hlinkClick r:id="rId2" action="ppaction://hlinkfile"/>
+              </a:rPr>
+              <a:t>https://www.docker.com/what-docker</a:t>
+            </a:r>
+            <a:endParaRPr lang="zh-CN" altLang="en-US" dirty="0"/>
+          </a:p>
+        </p:txBody>
+      </p:sp>
+    </p:spTree>
+  </p:cSld>
+  <p:clrMapOvr>
+    <a:masterClrMapping/>
+  </p:clrMapOvr>
+</p:sld>
+</file>
+
+<file path=ppt/slides/slide9.xml><?xml version="1.0" encoding="utf-8"?>
+<p:sld xmlns:a="http://schemas.openxmlformats.org/drawingml/2006/main" xmlns:r="http://schemas.openxmlformats.org/officeDocument/2006/relationships" xmlns:p="http://schemas.openxmlformats.org/presentationml/2006/main">
+  <p:cSld>
+    <p:spTree>
+      <p:nvGrpSpPr>
+        <p:cNvPr id="1" name=""/>
+        <p:cNvGrpSpPr/>
+        <p:nvPr/>
+      </p:nvGrpSpPr>
+      <p:grpSpPr>
+        <a:xfrm>
+          <a:off x="0" y="0"/>
+          <a:ext cx="0" cy="0"/>
+          <a:chOff x="0" y="0"/>
+          <a:chExt cx="0" cy="0"/>
+        </a:xfrm>
+      </p:grpSpPr>
+      <p:sp>
+        <p:nvSpPr>
           <p:cNvPr id="17" name="矩形 16"/>
           <p:cNvSpPr/>
           <p:nvPr>
             <p:custDataLst>
-              <p:tags r:id="rId1"/>
+              <p:tags r:id="rId2"/>
             </p:custDataLst>
           </p:nvPr>
         </p:nvSpPr>
@@ -4875,12 +7059,6 @@
               </a:rPr>
               <a:t>环境</a:t>
             </a:r>
-            <a:endParaRPr lang="zh-CN" altLang="en-US" sz="3200" dirty="0">
-              <a:latin typeface="+mj-lt"/>
-              <a:ea typeface="+mj-ea"/>
-              <a:cs typeface="+mj-cs"/>
-              <a:sym typeface="Arial" panose="020B0604020202020204" pitchFamily="34" charset="0"/>
-            </a:endParaRPr>
           </a:p>
         </p:txBody>
       </p:sp>
@@ -4890,7 +7068,7 @@
           <p:cNvSpPr/>
           <p:nvPr>
             <p:custDataLst>
-              <p:tags r:id="rId2"/>
+              <p:tags r:id="rId3"/>
             </p:custDataLst>
           </p:nvPr>
         </p:nvSpPr>
@@ -4935,7 +7113,7 @@
           <p:cNvSpPr/>
           <p:nvPr>
             <p:custDataLst>
-              <p:tags r:id="rId3"/>
+              <p:tags r:id="rId4"/>
             </p:custDataLst>
           </p:nvPr>
         </p:nvSpPr>
@@ -4980,7 +7158,7 @@
           <p:cNvSpPr/>
           <p:nvPr>
             <p:custDataLst>
-              <p:tags r:id="rId4"/>
+              <p:tags r:id="rId5"/>
             </p:custDataLst>
           </p:nvPr>
         </p:nvSpPr>
@@ -5025,7 +7203,7 @@
           <p:cNvSpPr/>
           <p:nvPr>
             <p:custDataLst>
-              <p:tags r:id="rId5"/>
+              <p:tags r:id="rId6"/>
             </p:custDataLst>
           </p:nvPr>
         </p:nvSpPr>
@@ -5129,7 +7307,7 @@
           <p:cNvSpPr/>
           <p:nvPr>
             <p:custDataLst>
-              <p:tags r:id="rId6"/>
+              <p:tags r:id="rId7"/>
             </p:custDataLst>
           </p:nvPr>
         </p:nvSpPr>
@@ -5227,7 +7405,7 @@
           <p:cNvSpPr/>
           <p:nvPr>
             <p:custDataLst>
-              <p:tags r:id="rId7"/>
+              <p:tags r:id="rId8"/>
             </p:custDataLst>
           </p:nvPr>
         </p:nvSpPr>
@@ -5257,9 +7435,6 @@
               </a:rPr>
               <a:t>linux</a:t>
             </a:r>
-            <a:endParaRPr lang="en-US" altLang="zh-CN" dirty="0">
-              <a:sym typeface="Arial" panose="020B0604020202020204" pitchFamily="34" charset="0"/>
-            </a:endParaRPr>
           </a:p>
         </p:txBody>
       </p:sp>
@@ -5269,7 +7444,7 @@
           <p:cNvSpPr/>
           <p:nvPr>
             <p:custDataLst>
-              <p:tags r:id="rId8"/>
+              <p:tags r:id="rId9"/>
             </p:custDataLst>
           </p:nvPr>
         </p:nvSpPr>
@@ -5289,7 +7464,7 @@
           <a:lstStyle/>
           <a:p>
             <a:r>
-              <a:rPr lang="zh-CN" altLang="en-US" sz="2400">
+              <a:rPr lang="zh-CN" altLang="en-US" sz="2400" dirty="0">
                 <a:sym typeface="+mn-ea"/>
               </a:rPr>
               <a:t>宿主机</a:t>
@@ -5314,7 +7489,7 @@
           <p:cNvSpPr/>
           <p:nvPr>
             <p:custDataLst>
-              <p:tags r:id="rId9"/>
+              <p:tags r:id="rId10"/>
             </p:custDataLst>
           </p:nvPr>
         </p:nvSpPr>
@@ -5359,7 +7534,7 @@
           <p:cNvSpPr/>
           <p:nvPr>
             <p:custDataLst>
-              <p:tags r:id="rId10"/>
+              <p:tags r:id="rId11"/>
             </p:custDataLst>
           </p:nvPr>
         </p:nvSpPr>
@@ -5404,7 +7579,7 @@
           <p:cNvSpPr/>
           <p:nvPr>
             <p:custDataLst>
-              <p:tags r:id="rId11"/>
+              <p:tags r:id="rId12"/>
             </p:custDataLst>
           </p:nvPr>
         </p:nvSpPr>
@@ -5449,7 +7624,7 @@
           <p:cNvSpPr/>
           <p:nvPr>
             <p:custDataLst>
-              <p:tags r:id="rId12"/>
+              <p:tags r:id="rId13"/>
             </p:custDataLst>
           </p:nvPr>
         </p:nvSpPr>
@@ -5553,7 +7728,7 @@
           <p:cNvSpPr/>
           <p:nvPr>
             <p:custDataLst>
-              <p:tags r:id="rId13"/>
+              <p:tags r:id="rId14"/>
             </p:custDataLst>
           </p:nvPr>
         </p:nvSpPr>
@@ -5636,12 +7811,6 @@
               </a:rPr>
               <a:t>3</a:t>
             </a:r>
-            <a:endParaRPr lang="en-US" altLang="zh-CN" sz="2800" dirty="0" err="1">
-              <a:solidFill>
-                <a:schemeClr val="bg1"/>
-              </a:solidFill>
-              <a:sym typeface="Arial" panose="020B0604020202020204" pitchFamily="34" charset="0"/>
-            </a:endParaRPr>
           </a:p>
         </p:txBody>
       </p:sp>
@@ -5651,7 +7820,7 @@
           <p:cNvSpPr/>
           <p:nvPr>
             <p:custDataLst>
-              <p:tags r:id="rId14"/>
+              <p:tags r:id="rId15"/>
             </p:custDataLst>
           </p:nvPr>
         </p:nvSpPr>
@@ -5681,9 +7850,6 @@
               </a:rPr>
               <a:t>docker-compose</a:t>
             </a:r>
-            <a:endParaRPr lang="en-US" altLang="zh-CN" dirty="0">
-              <a:sym typeface="Arial" panose="020B0604020202020204" pitchFamily="34" charset="0"/>
-            </a:endParaRPr>
           </a:p>
         </p:txBody>
       </p:sp>
@@ -5693,7 +7859,7 @@
           <p:cNvSpPr/>
           <p:nvPr>
             <p:custDataLst>
-              <p:tags r:id="rId15"/>
+              <p:tags r:id="rId16"/>
             </p:custDataLst>
           </p:nvPr>
         </p:nvSpPr>
@@ -5713,7 +7879,7 @@
           <a:lstStyle/>
           <a:p>
             <a:r>
-              <a:rPr lang="zh-CN" altLang="en-US" sz="2400">
+              <a:rPr lang="zh-CN" altLang="en-US" sz="2400" dirty="0">
                 <a:sym typeface="+mn-ea"/>
               </a:rPr>
               <a:t>编排工具</a:t>
@@ -5738,7 +7904,7 @@
           <p:cNvSpPr/>
           <p:nvPr>
             <p:custDataLst>
-              <p:tags r:id="rId16"/>
+              <p:tags r:id="rId17"/>
             </p:custDataLst>
           </p:nvPr>
         </p:nvSpPr>
@@ -5783,7 +7949,7 @@
           <p:cNvSpPr/>
           <p:nvPr>
             <p:custDataLst>
-              <p:tags r:id="rId17"/>
+              <p:tags r:id="rId18"/>
             </p:custDataLst>
           </p:nvPr>
         </p:nvSpPr>
@@ -5828,7 +7994,7 @@
           <p:cNvSpPr/>
           <p:nvPr>
             <p:custDataLst>
-              <p:tags r:id="rId18"/>
+              <p:tags r:id="rId19"/>
             </p:custDataLst>
           </p:nvPr>
         </p:nvSpPr>
@@ -5873,7 +8039,7 @@
           <p:cNvSpPr/>
           <p:nvPr>
             <p:custDataLst>
-              <p:tags r:id="rId19"/>
+              <p:tags r:id="rId20"/>
             </p:custDataLst>
           </p:nvPr>
         </p:nvSpPr>
@@ -5977,7 +8143,7 @@
           <p:cNvSpPr/>
           <p:nvPr>
             <p:custDataLst>
-              <p:tags r:id="rId20"/>
+              <p:tags r:id="rId21"/>
             </p:custDataLst>
           </p:nvPr>
         </p:nvSpPr>
@@ -6060,12 +8226,6 @@
               </a:rPr>
               <a:t>2</a:t>
             </a:r>
-            <a:endParaRPr lang="en-US" altLang="zh-CN" sz="2800" dirty="0" err="1">
-              <a:solidFill>
-                <a:schemeClr val="bg1"/>
-              </a:solidFill>
-              <a:sym typeface="Arial" panose="020B0604020202020204" pitchFamily="34" charset="0"/>
-            </a:endParaRPr>
           </a:p>
         </p:txBody>
       </p:sp>
@@ -6075,7 +8235,7 @@
           <p:cNvSpPr/>
           <p:nvPr>
             <p:custDataLst>
-              <p:tags r:id="rId21"/>
+              <p:tags r:id="rId22"/>
             </p:custDataLst>
           </p:nvPr>
         </p:nvSpPr>
@@ -6105,9 +8265,6 @@
               </a:rPr>
               <a:t>install docker</a:t>
             </a:r>
-            <a:endParaRPr lang="en-US" altLang="zh-CN" dirty="0">
-              <a:sym typeface="Arial" panose="020B0604020202020204" pitchFamily="34" charset="0"/>
-            </a:endParaRPr>
           </a:p>
         </p:txBody>
       </p:sp>
@@ -6117,7 +8274,7 @@
           <p:cNvSpPr/>
           <p:nvPr>
             <p:custDataLst>
-              <p:tags r:id="rId22"/>
+              <p:tags r:id="rId23"/>
             </p:custDataLst>
           </p:nvPr>
         </p:nvSpPr>
@@ -6137,13 +8294,13 @@
           <a:lstStyle/>
           <a:p>
             <a:r>
-              <a:rPr lang="en-US" altLang="zh-CN" sz="2400">
+              <a:rPr lang="en-US" altLang="zh-CN" sz="2400" dirty="0">
                 <a:sym typeface="+mn-ea"/>
               </a:rPr>
               <a:t>Docker</a:t>
             </a:r>
             <a:r>
-              <a:rPr lang="zh-CN" altLang="en-US" sz="2400">
+              <a:rPr lang="zh-CN" altLang="en-US" sz="2400" dirty="0">
                 <a:sym typeface="+mn-ea"/>
               </a:rPr>
               <a:t>环境</a:t>
@@ -6164,7 +8321,7 @@
       </p:sp>
     </p:spTree>
     <p:custDataLst>
-      <p:tags r:id="rId23"/>
+      <p:tags r:id="rId1"/>
     </p:custDataLst>
   </p:cSld>
   <p:clrMapOvr>
@@ -6180,1613 +8337,46 @@
 </p:sld>
 </file>
 
-<file path=ppt/slides/slide8.xml><?xml version="1.0" encoding="utf-8"?>
-<p:sld xmlns:a="http://schemas.openxmlformats.org/drawingml/2006/main" xmlns:r="http://schemas.openxmlformats.org/officeDocument/2006/relationships" xmlns:p="http://schemas.openxmlformats.org/presentationml/2006/main">
-  <p:cSld>
-    <p:spTree>
-      <p:nvGrpSpPr>
-        <p:cNvPr id="1" name=""/>
-        <p:cNvGrpSpPr/>
-        <p:nvPr/>
-      </p:nvGrpSpPr>
-      <p:grpSpPr/>
-      <p:sp>
-        <p:nvSpPr>
-          <p:cNvPr id="2" name="文本框 1"/>
-          <p:cNvSpPr txBox="1"/>
-          <p:nvPr/>
-        </p:nvSpPr>
-        <p:spPr>
-          <a:xfrm>
-            <a:off x="2931160" y="453390"/>
-            <a:ext cx="6842125" cy="583565"/>
-          </a:xfrm>
-          <a:prstGeom prst="rect">
-            <a:avLst/>
-          </a:prstGeom>
-          <a:noFill/>
-        </p:spPr>
-        <p:txBody>
-          <a:bodyPr wrap="square" rtlCol="0">
-            <a:spAutoFit/>
-          </a:bodyPr>
-          <a:p>
-            <a:pPr algn="ctr"/>
-            <a:r>
-              <a:rPr lang="en-US" altLang="zh-CN" sz="3200"/>
-              <a:t>Vmware </a:t>
-            </a:r>
-            <a:r>
-              <a:rPr lang="zh-CN" altLang="en-US" sz="3200"/>
-              <a:t>共享文件夹到虚拟机中</a:t>
-            </a:r>
-            <a:endParaRPr lang="zh-CN" altLang="en-US" sz="3200"/>
-          </a:p>
-        </p:txBody>
-      </p:sp>
-      <p:sp>
-        <p:nvSpPr>
-          <p:cNvPr id="3" name="文本框 2"/>
-          <p:cNvSpPr txBox="1"/>
-          <p:nvPr/>
-        </p:nvSpPr>
-        <p:spPr>
-          <a:xfrm>
-            <a:off x="930910" y="2463165"/>
-            <a:ext cx="10085705" cy="2861310"/>
-          </a:xfrm>
-          <a:prstGeom prst="rect">
-            <a:avLst/>
-          </a:prstGeom>
-          <a:noFill/>
-        </p:spPr>
-        <p:txBody>
-          <a:bodyPr wrap="square" rtlCol="0">
-            <a:spAutoFit/>
-          </a:bodyPr>
-          <a:p>
-            <a:r>
-              <a:rPr lang="en-US" altLang="zh-CN"/>
-              <a:t>1.vmware</a:t>
-            </a:r>
-            <a:r>
-              <a:rPr lang="zh-CN" altLang="en-US"/>
-              <a:t>安装</a:t>
-            </a:r>
-            <a:r>
-              <a:rPr lang="en-US" altLang="zh-CN"/>
-              <a:t>linux centos</a:t>
-            </a:r>
-            <a:r>
-              <a:rPr lang="zh-CN" altLang="en-US"/>
-              <a:t>或者</a:t>
-            </a:r>
-            <a:r>
-              <a:rPr lang="en-US" altLang="zh-CN"/>
-              <a:t>ubuntu</a:t>
-            </a:r>
-            <a:r>
-              <a:rPr lang="zh-CN" altLang="en-US"/>
-              <a:t>，建议最新稳定版本作为宿主机</a:t>
-            </a:r>
-            <a:endParaRPr lang="zh-CN" altLang="en-US"/>
-          </a:p>
-          <a:p>
-            <a:endParaRPr lang="zh-CN" altLang="en-US"/>
-          </a:p>
-          <a:p>
-            <a:r>
-              <a:rPr lang="en-US" altLang="zh-CN"/>
-              <a:t>2.</a:t>
-            </a:r>
-            <a:r>
-              <a:rPr lang="zh-CN" altLang="en-US"/>
-              <a:t>安装</a:t>
-            </a:r>
-            <a:r>
-              <a:rPr lang="en-US" altLang="zh-CN"/>
-              <a:t>docker ce</a:t>
-            </a:r>
-            <a:r>
-              <a:rPr lang="zh-CN" altLang="en-US"/>
-              <a:t>稳定版本</a:t>
-            </a:r>
-            <a:endParaRPr lang="zh-CN" altLang="en-US"/>
-          </a:p>
-          <a:p>
-            <a:r>
-              <a:rPr lang="zh-CN" altLang="en-US">
-                <a:hlinkClick r:id="rId1" action="ppaction://hlinkfile"/>
-              </a:rPr>
-              <a:t>https://docs.docker.com/engine/installation/</a:t>
-            </a:r>
-            <a:endParaRPr lang="zh-CN" altLang="en-US">
-              <a:hlinkClick r:id="rId1" action="ppaction://hlinkfile"/>
-            </a:endParaRPr>
-          </a:p>
-          <a:p>
-            <a:endParaRPr lang="zh-CN" altLang="en-US">
-              <a:hlinkClick r:id="rId1" action="ppaction://hlinkfile"/>
-            </a:endParaRPr>
-          </a:p>
-          <a:p>
-            <a:r>
-              <a:rPr lang="en-US" altLang="zh-CN"/>
-              <a:t>3.</a:t>
-            </a:r>
-            <a:r>
-              <a:rPr lang="zh-CN" altLang="en-US"/>
-              <a:t>共享</a:t>
-            </a:r>
-            <a:r>
-              <a:rPr lang="en-US" altLang="zh-CN"/>
-              <a:t>windows</a:t>
-            </a:r>
-            <a:r>
-              <a:rPr lang="zh-CN" altLang="en-US"/>
-              <a:t>宿主机文件夹到</a:t>
-            </a:r>
-            <a:r>
-              <a:rPr lang="en-US" altLang="zh-CN"/>
-              <a:t>vmware</a:t>
-            </a:r>
-            <a:r>
-              <a:rPr lang="zh-CN" altLang="en-US"/>
-              <a:t>虚拟机的宿主机中。</a:t>
-            </a:r>
-            <a:endParaRPr lang="zh-CN" altLang="en-US"/>
-          </a:p>
-          <a:p>
-            <a:r>
-              <a:rPr lang="en-US" altLang="zh-CN">
-                <a:hlinkClick r:id="rId2" action="ppaction://hlinkfile"/>
-              </a:rPr>
-              <a:t>https://blog.oeynet.com/post/108.html</a:t>
-            </a:r>
-            <a:endParaRPr lang="en-US" altLang="zh-CN">
-              <a:hlinkClick r:id="rId2" action="ppaction://hlinkfile"/>
-            </a:endParaRPr>
-          </a:p>
-          <a:p>
-            <a:endParaRPr lang="zh-CN" altLang="en-US"/>
-          </a:p>
-          <a:p>
-            <a:r>
-              <a:rPr lang="en-US" altLang="zh-CN"/>
-              <a:t>4. </a:t>
-            </a:r>
-            <a:r>
-              <a:rPr lang="zh-CN" altLang="en-US"/>
-              <a:t>安装编排工具 </a:t>
-            </a:r>
-            <a:r>
-              <a:rPr lang="en-US" altLang="zh-CN"/>
-              <a:t>docker-compose</a:t>
-            </a:r>
-            <a:endParaRPr lang="en-US" altLang="zh-CN"/>
-          </a:p>
-          <a:p>
-            <a:r>
-              <a:rPr lang="en-US" altLang="zh-CN">
-                <a:hlinkClick r:id="rId3" action="ppaction://hlinkfile"/>
-              </a:rPr>
-              <a:t>https://github.com/docker/compose</a:t>
-            </a:r>
-            <a:endParaRPr lang="en-US" altLang="zh-CN"/>
-          </a:p>
-        </p:txBody>
-      </p:sp>
-    </p:spTree>
-    <p:custDataLst>
-      <p:tags r:id="rId4"/>
-    </p:custDataLst>
-  </p:cSld>
-  <p:clrMapOvr>
-    <a:masterClrMapping/>
-  </p:clrMapOvr>
-</p:sld>
-</file>
-
-<file path=ppt/slides/slide9.xml><?xml version="1.0" encoding="utf-8"?>
-<p:sld xmlns:a="http://schemas.openxmlformats.org/drawingml/2006/main" xmlns:r="http://schemas.openxmlformats.org/officeDocument/2006/relationships" xmlns:p="http://schemas.openxmlformats.org/presentationml/2006/main">
-  <p:cSld>
-    <p:spTree>
-      <p:nvGrpSpPr>
-        <p:cNvPr id="1" name=""/>
-        <p:cNvGrpSpPr/>
-        <p:nvPr/>
-      </p:nvGrpSpPr>
-      <p:grpSpPr/>
-      <p:sp>
-        <p:nvSpPr>
-          <p:cNvPr id="2" name="文本框 1"/>
-          <p:cNvSpPr txBox="1"/>
-          <p:nvPr/>
-        </p:nvSpPr>
-        <p:spPr>
-          <a:xfrm>
-            <a:off x="2639695" y="608965"/>
-            <a:ext cx="7085965" cy="583565"/>
-          </a:xfrm>
-          <a:prstGeom prst="rect">
-            <a:avLst/>
-          </a:prstGeom>
-          <a:noFill/>
-        </p:spPr>
-        <p:txBody>
-          <a:bodyPr wrap="square" rtlCol="0">
-            <a:spAutoFit/>
-          </a:bodyPr>
-          <a:p>
-            <a:pPr algn="ctr"/>
-            <a:r>
-              <a:rPr lang="zh-CN" altLang="en-US" sz="3200"/>
-              <a:t>使用命令</a:t>
-            </a:r>
-            <a:r>
-              <a:rPr lang="en-US" altLang="zh-CN" sz="3200"/>
-              <a:t>,</a:t>
-            </a:r>
-            <a:r>
-              <a:rPr lang="zh-CN" altLang="en-US" sz="3200"/>
-              <a:t>快速</a:t>
-            </a:r>
-            <a:r>
-              <a:rPr lang="en-US" altLang="zh-CN" sz="3200"/>
-              <a:t>run</a:t>
-            </a:r>
-            <a:r>
-              <a:rPr lang="zh-CN" altLang="en-US" sz="3200"/>
-              <a:t>一个</a:t>
-            </a:r>
-            <a:r>
-              <a:rPr lang="en-US" altLang="zh-CN" sz="3200"/>
-              <a:t>lnmp</a:t>
-            </a:r>
-            <a:endParaRPr lang="en-US" altLang="zh-CN" sz="3200"/>
-          </a:p>
-        </p:txBody>
-      </p:sp>
-      <p:cxnSp>
-        <p:nvCxnSpPr>
-          <p:cNvPr id="65" name="直接连接符 64"/>
-          <p:cNvCxnSpPr/>
-          <p:nvPr>
-            <p:custDataLst>
-              <p:tags r:id="rId1"/>
-            </p:custDataLst>
-          </p:nvPr>
-        </p:nvCxnSpPr>
-        <p:spPr>
-          <a:xfrm>
-            <a:off x="3974173" y="4260505"/>
-            <a:ext cx="0" cy="328870"/>
-          </a:xfrm>
-          <a:prstGeom prst="line">
-            <a:avLst/>
-          </a:prstGeom>
-          <a:ln>
-            <a:solidFill>
-              <a:srgbClr val="43537C">
-                <a:lumMod val="50000"/>
-              </a:srgbClr>
-            </a:solidFill>
-          </a:ln>
-        </p:spPr>
-        <p:style>
-          <a:lnRef idx="1">
-            <a:srgbClr val="0CB5C8"/>
-          </a:lnRef>
-          <a:fillRef idx="0">
-            <a:srgbClr val="0CB5C8"/>
-          </a:fillRef>
-          <a:effectRef idx="0">
-            <a:srgbClr val="0CB5C8"/>
-          </a:effectRef>
-          <a:fontRef idx="minor">
-            <a:sysClr val="windowText" lastClr="000000"/>
-          </a:fontRef>
-        </p:style>
-      </p:cxnSp>
-      <p:cxnSp>
-        <p:nvCxnSpPr>
-          <p:cNvPr id="60" name="直接连接符 59"/>
-          <p:cNvCxnSpPr/>
-          <p:nvPr>
-            <p:custDataLst>
-              <p:tags r:id="rId2"/>
-            </p:custDataLst>
-          </p:nvPr>
-        </p:nvCxnSpPr>
-        <p:spPr>
-          <a:xfrm>
-            <a:off x="6135497" y="2689741"/>
-            <a:ext cx="0" cy="328870"/>
-          </a:xfrm>
-          <a:prstGeom prst="line">
-            <a:avLst/>
-          </a:prstGeom>
-          <a:ln>
-            <a:solidFill>
-              <a:srgbClr val="43537C">
-                <a:lumMod val="50000"/>
-              </a:srgbClr>
-            </a:solidFill>
-          </a:ln>
-        </p:spPr>
-        <p:style>
-          <a:lnRef idx="1">
-            <a:srgbClr val="0CB5C8"/>
-          </a:lnRef>
-          <a:fillRef idx="0">
-            <a:srgbClr val="0CB5C8"/>
-          </a:fillRef>
-          <a:effectRef idx="0">
-            <a:srgbClr val="0CB5C8"/>
-          </a:effectRef>
-          <a:fontRef idx="minor">
-            <a:sysClr val="windowText" lastClr="000000"/>
-          </a:fontRef>
-        </p:style>
-      </p:cxnSp>
-      <p:sp>
-        <p:nvSpPr>
-          <p:cNvPr id="4" name="空心弧 3"/>
-          <p:cNvSpPr/>
-          <p:nvPr>
-            <p:custDataLst>
-              <p:tags r:id="rId3"/>
-            </p:custDataLst>
-          </p:nvPr>
-        </p:nvSpPr>
-        <p:spPr>
-          <a:xfrm>
-            <a:off x="5401215" y="1315228"/>
-            <a:ext cx="1476554" cy="1438201"/>
-          </a:xfrm>
-          <a:prstGeom prst="blockArc">
-            <a:avLst>
-              <a:gd name="adj1" fmla="val 20359382"/>
-              <a:gd name="adj2" fmla="val 12040597"/>
-              <a:gd name="adj3" fmla="val 18500"/>
-            </a:avLst>
-          </a:prstGeom>
-          <a:solidFill>
-            <a:sysClr val="window" lastClr="FFFFFF">
-              <a:lumMod val="65000"/>
-            </a:sysClr>
-          </a:solidFill>
-          <a:ln>
-            <a:noFill/>
-          </a:ln>
-        </p:spPr>
-        <p:style>
-          <a:lnRef idx="2">
-            <a:srgbClr val="0CB5C8">
-              <a:shade val="50000"/>
-            </a:srgbClr>
-          </a:lnRef>
-          <a:fillRef idx="1">
-            <a:srgbClr val="0CB5C8"/>
-          </a:fillRef>
-          <a:effectRef idx="0">
-            <a:srgbClr val="0CB5C8"/>
-          </a:effectRef>
-          <a:fontRef idx="minor">
-            <a:sysClr val="window" lastClr="FFFFFF"/>
-          </a:fontRef>
-        </p:style>
-        <p:txBody>
-          <a:bodyPr rtlCol="0" anchor="ctr"/>
-          <a:p>
-            <a:pPr algn="ctr"/>
-            <a:endParaRPr lang="zh-CN" altLang="en-US">
-              <a:solidFill>
-                <a:sysClr val="windowText" lastClr="000000"/>
-              </a:solidFill>
-            </a:endParaRPr>
-          </a:p>
-        </p:txBody>
-      </p:sp>
-      <p:sp>
-        <p:nvSpPr>
-          <p:cNvPr id="5" name="椭圆 4"/>
-          <p:cNvSpPr/>
-          <p:nvPr>
-            <p:custDataLst>
-              <p:tags r:id="rId4"/>
-            </p:custDataLst>
-          </p:nvPr>
-        </p:nvSpPr>
-        <p:spPr>
-          <a:xfrm>
-            <a:off x="5617479" y="1512314"/>
-            <a:ext cx="1044028" cy="1044028"/>
-          </a:xfrm>
-          <a:prstGeom prst="ellipse">
-            <a:avLst/>
-          </a:prstGeom>
-          <a:solidFill>
-            <a:sysClr val="window" lastClr="FFFFFF">
-              <a:lumMod val="85000"/>
-            </a:sysClr>
-          </a:solidFill>
-          <a:ln>
-            <a:noFill/>
-          </a:ln>
-        </p:spPr>
-        <p:style>
-          <a:lnRef idx="2">
-            <a:sysClr val="window" lastClr="FFFFFF">
-              <a:hueOff val="0"/>
-              <a:satOff val="0"/>
-              <a:lumOff val="0"/>
-              <a:alphaOff val="0"/>
-            </a:sysClr>
-          </a:lnRef>
-          <a:fillRef idx="1">
-            <a:srgbClr val="0CB5C8">
-              <a:hueOff val="0"/>
-              <a:satOff val="0"/>
-              <a:lumOff val="0"/>
-              <a:alphaOff val="0"/>
-            </a:srgbClr>
-          </a:fillRef>
-          <a:effectRef idx="0">
-            <a:srgbClr val="0CB5C8">
-              <a:hueOff val="0"/>
-              <a:satOff val="0"/>
-              <a:lumOff val="0"/>
-              <a:alphaOff val="0"/>
-            </a:srgbClr>
-          </a:effectRef>
-          <a:fontRef idx="minor">
-            <a:sysClr val="window" lastClr="FFFFFF"/>
-          </a:fontRef>
-        </p:style>
-        <p:txBody>
-          <a:bodyPr/>
-          <a:p>
-            <a:pPr algn="ctr"/>
-            <a:endParaRPr lang="zh-CN" altLang="en-US" dirty="0"/>
-          </a:p>
-        </p:txBody>
-      </p:sp>
-      <p:sp>
-        <p:nvSpPr>
-          <p:cNvPr id="43" name="空心弧 42"/>
-          <p:cNvSpPr/>
-          <p:nvPr>
-            <p:custDataLst>
-              <p:tags r:id="rId5"/>
-            </p:custDataLst>
-          </p:nvPr>
-        </p:nvSpPr>
-        <p:spPr>
-          <a:xfrm>
-            <a:off x="3247909" y="3019391"/>
-            <a:ext cx="1476554" cy="1438201"/>
-          </a:xfrm>
-          <a:prstGeom prst="blockArc">
-            <a:avLst>
-              <a:gd name="adj1" fmla="val 20359382"/>
-              <a:gd name="adj2" fmla="val 12040597"/>
-              <a:gd name="adj3" fmla="val 18500"/>
-            </a:avLst>
-          </a:prstGeom>
-          <a:solidFill>
-            <a:sysClr val="window" lastClr="FFFFFF">
-              <a:lumMod val="65000"/>
-            </a:sysClr>
-          </a:solidFill>
-          <a:ln>
-            <a:noFill/>
-          </a:ln>
-        </p:spPr>
-        <p:style>
-          <a:lnRef idx="2">
-            <a:srgbClr val="0CB5C8">
-              <a:shade val="50000"/>
-            </a:srgbClr>
-          </a:lnRef>
-          <a:fillRef idx="1">
-            <a:srgbClr val="0CB5C8"/>
-          </a:fillRef>
-          <a:effectRef idx="0">
-            <a:srgbClr val="0CB5C8"/>
-          </a:effectRef>
-          <a:fontRef idx="minor">
-            <a:sysClr val="window" lastClr="FFFFFF"/>
-          </a:fontRef>
-        </p:style>
-        <p:txBody>
-          <a:bodyPr rtlCol="0" anchor="ctr"/>
-          <a:p>
-            <a:pPr algn="ctr"/>
-            <a:endParaRPr lang="zh-CN" altLang="en-US">
-              <a:solidFill>
-                <a:sysClr val="windowText" lastClr="000000"/>
-              </a:solidFill>
-            </a:endParaRPr>
-          </a:p>
-        </p:txBody>
-      </p:sp>
-      <p:sp>
-        <p:nvSpPr>
-          <p:cNvPr id="6" name="椭圆 5"/>
-          <p:cNvSpPr/>
-          <p:nvPr>
-            <p:custDataLst>
-              <p:tags r:id="rId6"/>
-            </p:custDataLst>
-          </p:nvPr>
-        </p:nvSpPr>
-        <p:spPr>
-          <a:xfrm>
-            <a:off x="3464172" y="3216477"/>
-            <a:ext cx="1044028" cy="1044028"/>
-          </a:xfrm>
-          <a:prstGeom prst="ellipse">
-            <a:avLst/>
-          </a:prstGeom>
-          <a:solidFill>
-            <a:sysClr val="window" lastClr="FFFFFF">
-              <a:lumMod val="85000"/>
-            </a:sysClr>
-          </a:solidFill>
-          <a:ln>
-            <a:noFill/>
-          </a:ln>
-        </p:spPr>
-        <p:style>
-          <a:lnRef idx="2">
-            <a:sysClr val="window" lastClr="FFFFFF">
-              <a:hueOff val="0"/>
-              <a:satOff val="0"/>
-              <a:lumOff val="0"/>
-              <a:alphaOff val="0"/>
-            </a:sysClr>
-          </a:lnRef>
-          <a:fillRef idx="1">
-            <a:srgbClr val="0CB5C8">
-              <a:hueOff val="0"/>
-              <a:satOff val="0"/>
-              <a:lumOff val="0"/>
-              <a:alphaOff val="0"/>
-            </a:srgbClr>
-          </a:fillRef>
-          <a:effectRef idx="0">
-            <a:srgbClr val="0CB5C8">
-              <a:hueOff val="0"/>
-              <a:satOff val="0"/>
-              <a:lumOff val="0"/>
-              <a:alphaOff val="0"/>
-            </a:srgbClr>
-          </a:effectRef>
-          <a:fontRef idx="minor">
-            <a:sysClr val="window" lastClr="FFFFFF"/>
-          </a:fontRef>
-        </p:style>
-        <p:txBody>
-          <a:bodyPr/>
-          <a:p>
-            <a:endParaRPr lang="zh-CN" altLang="en-US"/>
-          </a:p>
-        </p:txBody>
-      </p:sp>
-      <p:sp>
-        <p:nvSpPr>
-          <p:cNvPr id="7" name="空心弧 6"/>
-          <p:cNvSpPr/>
-          <p:nvPr>
-            <p:custDataLst>
-              <p:tags r:id="rId7"/>
-            </p:custDataLst>
-          </p:nvPr>
-        </p:nvSpPr>
-        <p:spPr>
-          <a:xfrm>
-            <a:off x="7554525" y="3019391"/>
-            <a:ext cx="1476554" cy="1438201"/>
-          </a:xfrm>
-          <a:prstGeom prst="blockArc">
-            <a:avLst>
-              <a:gd name="adj1" fmla="val 20359382"/>
-              <a:gd name="adj2" fmla="val 12040597"/>
-              <a:gd name="adj3" fmla="val 18500"/>
-            </a:avLst>
-          </a:prstGeom>
-          <a:solidFill>
-            <a:sysClr val="window" lastClr="FFFFFF">
-              <a:lumMod val="65000"/>
-            </a:sysClr>
-          </a:solidFill>
-          <a:ln>
-            <a:noFill/>
-          </a:ln>
-        </p:spPr>
-        <p:style>
-          <a:lnRef idx="2">
-            <a:srgbClr val="0CB5C8">
-              <a:shade val="50000"/>
-            </a:srgbClr>
-          </a:lnRef>
-          <a:fillRef idx="1">
-            <a:srgbClr val="0CB5C8"/>
-          </a:fillRef>
-          <a:effectRef idx="0">
-            <a:srgbClr val="0CB5C8"/>
-          </a:effectRef>
-          <a:fontRef idx="minor">
-            <a:sysClr val="window" lastClr="FFFFFF"/>
-          </a:fontRef>
-        </p:style>
-        <p:txBody>
-          <a:bodyPr rtlCol="0" anchor="ctr"/>
-          <a:p>
-            <a:pPr algn="ctr"/>
-            <a:endParaRPr lang="zh-CN" altLang="en-US">
-              <a:solidFill>
-                <a:sysClr val="windowText" lastClr="000000"/>
-              </a:solidFill>
-            </a:endParaRPr>
-          </a:p>
-        </p:txBody>
-      </p:sp>
-      <p:sp>
-        <p:nvSpPr>
-          <p:cNvPr id="8" name="椭圆 7"/>
-          <p:cNvSpPr/>
-          <p:nvPr>
-            <p:custDataLst>
-              <p:tags r:id="rId8"/>
-            </p:custDataLst>
-          </p:nvPr>
-        </p:nvSpPr>
-        <p:spPr>
-          <a:xfrm>
-            <a:off x="7770789" y="3216477"/>
-            <a:ext cx="1044028" cy="1044028"/>
-          </a:xfrm>
-          <a:prstGeom prst="ellipse">
-            <a:avLst/>
-          </a:prstGeom>
-          <a:solidFill>
-            <a:sysClr val="window" lastClr="FFFFFF">
-              <a:lumMod val="85000"/>
-            </a:sysClr>
-          </a:solidFill>
-          <a:ln>
-            <a:noFill/>
-          </a:ln>
-        </p:spPr>
-        <p:style>
-          <a:lnRef idx="2">
-            <a:sysClr val="window" lastClr="FFFFFF">
-              <a:hueOff val="0"/>
-              <a:satOff val="0"/>
-              <a:lumOff val="0"/>
-              <a:alphaOff val="0"/>
-            </a:sysClr>
-          </a:lnRef>
-          <a:fillRef idx="1">
-            <a:srgbClr val="0CB5C8">
-              <a:hueOff val="0"/>
-              <a:satOff val="0"/>
-              <a:lumOff val="0"/>
-              <a:alphaOff val="0"/>
-            </a:srgbClr>
-          </a:fillRef>
-          <a:effectRef idx="0">
-            <a:srgbClr val="0CB5C8">
-              <a:hueOff val="0"/>
-              <a:satOff val="0"/>
-              <a:lumOff val="0"/>
-              <a:alphaOff val="0"/>
-            </a:srgbClr>
-          </a:effectRef>
-          <a:fontRef idx="minor">
-            <a:sysClr val="window" lastClr="FFFFFF"/>
-          </a:fontRef>
-        </p:style>
-        <p:txBody>
-          <a:bodyPr/>
-          <a:p>
-            <a:endParaRPr lang="zh-CN" altLang="en-US"/>
-          </a:p>
-        </p:txBody>
-      </p:sp>
-      <p:sp>
-        <p:nvSpPr>
-          <p:cNvPr id="9" name="空心弧 8"/>
-          <p:cNvSpPr/>
-          <p:nvPr>
-            <p:custDataLst>
-              <p:tags r:id="rId9"/>
-            </p:custDataLst>
-          </p:nvPr>
-        </p:nvSpPr>
-        <p:spPr>
-          <a:xfrm>
-            <a:off x="1791862" y="4589375"/>
-            <a:ext cx="1476554" cy="1438201"/>
-          </a:xfrm>
-          <a:prstGeom prst="blockArc">
-            <a:avLst>
-              <a:gd name="adj1" fmla="val 20359382"/>
-              <a:gd name="adj2" fmla="val 12040597"/>
-              <a:gd name="adj3" fmla="val 18500"/>
-            </a:avLst>
-          </a:prstGeom>
-          <a:solidFill>
-            <a:sysClr val="window" lastClr="FFFFFF">
-              <a:lumMod val="65000"/>
-            </a:sysClr>
-          </a:solidFill>
-          <a:ln>
-            <a:noFill/>
-          </a:ln>
-        </p:spPr>
-        <p:style>
-          <a:lnRef idx="2">
-            <a:srgbClr val="0CB5C8">
-              <a:shade val="50000"/>
-            </a:srgbClr>
-          </a:lnRef>
-          <a:fillRef idx="1">
-            <a:srgbClr val="0CB5C8"/>
-          </a:fillRef>
-          <a:effectRef idx="0">
-            <a:srgbClr val="0CB5C8"/>
-          </a:effectRef>
-          <a:fontRef idx="minor">
-            <a:sysClr val="window" lastClr="FFFFFF"/>
-          </a:fontRef>
-        </p:style>
-        <p:txBody>
-          <a:bodyPr rtlCol="0" anchor="ctr"/>
-          <a:p>
-            <a:pPr algn="ctr"/>
-            <a:endParaRPr lang="zh-CN" altLang="en-US">
-              <a:solidFill>
-                <a:sysClr val="windowText" lastClr="000000"/>
-              </a:solidFill>
-            </a:endParaRPr>
-          </a:p>
-        </p:txBody>
-      </p:sp>
-      <p:sp>
-        <p:nvSpPr>
-          <p:cNvPr id="10" name="椭圆 9"/>
-          <p:cNvSpPr/>
-          <p:nvPr>
-            <p:custDataLst>
-              <p:tags r:id="rId10"/>
-            </p:custDataLst>
-          </p:nvPr>
-        </p:nvSpPr>
-        <p:spPr>
-          <a:xfrm>
-            <a:off x="2008126" y="4786461"/>
-            <a:ext cx="1044028" cy="1044028"/>
-          </a:xfrm>
-          <a:prstGeom prst="ellipse">
-            <a:avLst/>
-          </a:prstGeom>
-          <a:solidFill>
-            <a:sysClr val="window" lastClr="FFFFFF">
-              <a:lumMod val="85000"/>
-            </a:sysClr>
-          </a:solidFill>
-          <a:ln>
-            <a:noFill/>
-          </a:ln>
-        </p:spPr>
-        <p:style>
-          <a:lnRef idx="2">
-            <a:sysClr val="window" lastClr="FFFFFF">
-              <a:hueOff val="0"/>
-              <a:satOff val="0"/>
-              <a:lumOff val="0"/>
-              <a:alphaOff val="0"/>
-            </a:sysClr>
-          </a:lnRef>
-          <a:fillRef idx="1">
-            <a:srgbClr val="0CB5C8">
-              <a:hueOff val="0"/>
-              <a:satOff val="0"/>
-              <a:lumOff val="0"/>
-              <a:alphaOff val="0"/>
-            </a:srgbClr>
-          </a:fillRef>
-          <a:effectRef idx="0">
-            <a:srgbClr val="0CB5C8">
-              <a:hueOff val="0"/>
-              <a:satOff val="0"/>
-              <a:lumOff val="0"/>
-              <a:alphaOff val="0"/>
-            </a:srgbClr>
-          </a:effectRef>
-          <a:fontRef idx="minor">
-            <a:sysClr val="window" lastClr="FFFFFF"/>
-          </a:fontRef>
-        </p:style>
-        <p:txBody>
-          <a:bodyPr/>
-          <a:p>
-            <a:endParaRPr lang="zh-CN" altLang="en-US"/>
-          </a:p>
-        </p:txBody>
-      </p:sp>
-      <p:sp>
-        <p:nvSpPr>
-          <p:cNvPr id="11" name="空心弧 10"/>
-          <p:cNvSpPr/>
-          <p:nvPr>
-            <p:custDataLst>
-              <p:tags r:id="rId11"/>
-            </p:custDataLst>
-          </p:nvPr>
-        </p:nvSpPr>
-        <p:spPr>
-          <a:xfrm>
-            <a:off x="4659956" y="4589375"/>
-            <a:ext cx="1476554" cy="1438201"/>
-          </a:xfrm>
-          <a:prstGeom prst="blockArc">
-            <a:avLst>
-              <a:gd name="adj1" fmla="val 20359382"/>
-              <a:gd name="adj2" fmla="val 12040597"/>
-              <a:gd name="adj3" fmla="val 18500"/>
-            </a:avLst>
-          </a:prstGeom>
-          <a:solidFill>
-            <a:sysClr val="window" lastClr="FFFFFF">
-              <a:lumMod val="65000"/>
-            </a:sysClr>
-          </a:solidFill>
-          <a:ln>
-            <a:noFill/>
-          </a:ln>
-        </p:spPr>
-        <p:style>
-          <a:lnRef idx="2">
-            <a:srgbClr val="0CB5C8">
-              <a:shade val="50000"/>
-            </a:srgbClr>
-          </a:lnRef>
-          <a:fillRef idx="1">
-            <a:srgbClr val="0CB5C8"/>
-          </a:fillRef>
-          <a:effectRef idx="0">
-            <a:srgbClr val="0CB5C8"/>
-          </a:effectRef>
-          <a:fontRef idx="minor">
-            <a:sysClr val="window" lastClr="FFFFFF"/>
-          </a:fontRef>
-        </p:style>
-        <p:txBody>
-          <a:bodyPr rtlCol="0" anchor="ctr"/>
-          <a:p>
-            <a:pPr algn="ctr"/>
-            <a:endParaRPr lang="zh-CN" altLang="en-US">
-              <a:solidFill>
-                <a:sysClr val="windowText" lastClr="000000"/>
-              </a:solidFill>
-            </a:endParaRPr>
-          </a:p>
-        </p:txBody>
-      </p:sp>
-      <p:sp>
-        <p:nvSpPr>
-          <p:cNvPr id="12" name="椭圆 11"/>
-          <p:cNvSpPr/>
-          <p:nvPr>
-            <p:custDataLst>
-              <p:tags r:id="rId12"/>
-            </p:custDataLst>
-          </p:nvPr>
-        </p:nvSpPr>
-        <p:spPr>
-          <a:xfrm>
-            <a:off x="4876220" y="4786461"/>
-            <a:ext cx="1044028" cy="1044028"/>
-          </a:xfrm>
-          <a:prstGeom prst="ellipse">
-            <a:avLst/>
-          </a:prstGeom>
-          <a:solidFill>
-            <a:sysClr val="window" lastClr="FFFFFF">
-              <a:lumMod val="85000"/>
-            </a:sysClr>
-          </a:solidFill>
-          <a:ln>
-            <a:noFill/>
-          </a:ln>
-        </p:spPr>
-        <p:style>
-          <a:lnRef idx="2">
-            <a:sysClr val="window" lastClr="FFFFFF">
-              <a:hueOff val="0"/>
-              <a:satOff val="0"/>
-              <a:lumOff val="0"/>
-              <a:alphaOff val="0"/>
-            </a:sysClr>
-          </a:lnRef>
-          <a:fillRef idx="1">
-            <a:srgbClr val="0CB5C8">
-              <a:hueOff val="0"/>
-              <a:satOff val="0"/>
-              <a:lumOff val="0"/>
-              <a:alphaOff val="0"/>
-            </a:srgbClr>
-          </a:fillRef>
-          <a:effectRef idx="0">
-            <a:srgbClr val="0CB5C8">
-              <a:hueOff val="0"/>
-              <a:satOff val="0"/>
-              <a:lumOff val="0"/>
-              <a:alphaOff val="0"/>
-            </a:srgbClr>
-          </a:effectRef>
-          <a:fontRef idx="minor">
-            <a:sysClr val="window" lastClr="FFFFFF"/>
-          </a:fontRef>
-        </p:style>
-        <p:txBody>
-          <a:bodyPr/>
-          <a:p>
-            <a:endParaRPr lang="zh-CN" altLang="en-US"/>
-          </a:p>
-        </p:txBody>
-      </p:sp>
-      <p:sp>
-        <p:nvSpPr>
-          <p:cNvPr id="51" name="空心弧 50"/>
-          <p:cNvSpPr/>
-          <p:nvPr>
-            <p:custDataLst>
-              <p:tags r:id="rId13"/>
-            </p:custDataLst>
-          </p:nvPr>
-        </p:nvSpPr>
-        <p:spPr>
-          <a:xfrm>
-            <a:off x="7554523" y="4589375"/>
-            <a:ext cx="1476554" cy="1438201"/>
-          </a:xfrm>
-          <a:prstGeom prst="blockArc">
-            <a:avLst>
-              <a:gd name="adj1" fmla="val 20359382"/>
-              <a:gd name="adj2" fmla="val 12040597"/>
-              <a:gd name="adj3" fmla="val 18500"/>
-            </a:avLst>
-          </a:prstGeom>
-          <a:solidFill>
-            <a:sysClr val="window" lastClr="FFFFFF">
-              <a:lumMod val="65000"/>
-            </a:sysClr>
-          </a:solidFill>
-          <a:ln>
-            <a:noFill/>
-          </a:ln>
-        </p:spPr>
-        <p:style>
-          <a:lnRef idx="2">
-            <a:srgbClr val="0CB5C8">
-              <a:shade val="50000"/>
-            </a:srgbClr>
-          </a:lnRef>
-          <a:fillRef idx="1">
-            <a:srgbClr val="0CB5C8"/>
-          </a:fillRef>
-          <a:effectRef idx="0">
-            <a:srgbClr val="0CB5C8"/>
-          </a:effectRef>
-          <a:fontRef idx="minor">
-            <a:sysClr val="window" lastClr="FFFFFF"/>
-          </a:fontRef>
-        </p:style>
-        <p:txBody>
-          <a:bodyPr rtlCol="0" anchor="ctr"/>
-          <a:p>
-            <a:pPr algn="ctr"/>
-            <a:endParaRPr lang="zh-CN" altLang="en-US">
-              <a:solidFill>
-                <a:sysClr val="windowText" lastClr="000000"/>
-              </a:solidFill>
-            </a:endParaRPr>
-          </a:p>
-        </p:txBody>
-      </p:sp>
-      <p:sp>
-        <p:nvSpPr>
-          <p:cNvPr id="52" name="椭圆 51"/>
-          <p:cNvSpPr/>
-          <p:nvPr>
-            <p:custDataLst>
-              <p:tags r:id="rId14"/>
-            </p:custDataLst>
-          </p:nvPr>
-        </p:nvSpPr>
-        <p:spPr>
-          <a:xfrm>
-            <a:off x="7770787" y="4786461"/>
-            <a:ext cx="1044028" cy="1044028"/>
-          </a:xfrm>
-          <a:prstGeom prst="ellipse">
-            <a:avLst/>
-          </a:prstGeom>
-          <a:solidFill>
-            <a:sysClr val="window" lastClr="FFFFFF">
-              <a:lumMod val="85000"/>
-            </a:sysClr>
-          </a:solidFill>
-          <a:ln>
-            <a:noFill/>
-          </a:ln>
-        </p:spPr>
-        <p:style>
-          <a:lnRef idx="2">
-            <a:sysClr val="window" lastClr="FFFFFF">
-              <a:hueOff val="0"/>
-              <a:satOff val="0"/>
-              <a:lumOff val="0"/>
-              <a:alphaOff val="0"/>
-            </a:sysClr>
-          </a:lnRef>
-          <a:fillRef idx="1">
-            <a:srgbClr val="0CB5C8">
-              <a:hueOff val="0"/>
-              <a:satOff val="0"/>
-              <a:lumOff val="0"/>
-              <a:alphaOff val="0"/>
-            </a:srgbClr>
-          </a:fillRef>
-          <a:effectRef idx="0">
-            <a:srgbClr val="0CB5C8">
-              <a:hueOff val="0"/>
-              <a:satOff val="0"/>
-              <a:lumOff val="0"/>
-              <a:alphaOff val="0"/>
-            </a:srgbClr>
-          </a:effectRef>
-          <a:fontRef idx="minor">
-            <a:sysClr val="window" lastClr="FFFFFF"/>
-          </a:fontRef>
-        </p:style>
-        <p:txBody>
-          <a:bodyPr/>
-          <a:p>
-            <a:endParaRPr lang="zh-CN" altLang="en-US"/>
-          </a:p>
-        </p:txBody>
-      </p:sp>
-      <p:cxnSp>
-        <p:nvCxnSpPr>
-          <p:cNvPr id="55" name="直接连接符 54"/>
-          <p:cNvCxnSpPr>
-            <a:endCxn id="52" idx="0"/>
-          </p:cNvCxnSpPr>
-          <p:nvPr>
-            <p:custDataLst>
-              <p:tags r:id="rId15"/>
-            </p:custDataLst>
-          </p:nvPr>
-        </p:nvCxnSpPr>
-        <p:spPr>
-          <a:xfrm>
-            <a:off x="8292801" y="4457591"/>
-            <a:ext cx="0" cy="328870"/>
-          </a:xfrm>
-          <a:prstGeom prst="line">
-            <a:avLst/>
-          </a:prstGeom>
-          <a:ln>
-            <a:solidFill>
-              <a:srgbClr val="43537C">
-                <a:lumMod val="50000"/>
-              </a:srgbClr>
-            </a:solidFill>
-          </a:ln>
-        </p:spPr>
-        <p:style>
-          <a:lnRef idx="1">
-            <a:srgbClr val="0CB5C8"/>
-          </a:lnRef>
-          <a:fillRef idx="0">
-            <a:srgbClr val="0CB5C8"/>
-          </a:fillRef>
-          <a:effectRef idx="0">
-            <a:srgbClr val="0CB5C8"/>
-          </a:effectRef>
-          <a:fontRef idx="minor">
-            <a:sysClr val="windowText" lastClr="000000"/>
-          </a:fontRef>
-        </p:style>
-      </p:cxnSp>
-      <p:sp>
-        <p:nvSpPr>
-          <p:cNvPr id="58" name="半闭框 57"/>
-          <p:cNvSpPr/>
-          <p:nvPr>
-            <p:custDataLst>
-              <p:tags r:id="rId16"/>
-            </p:custDataLst>
-          </p:nvPr>
-        </p:nvSpPr>
-        <p:spPr>
-          <a:xfrm>
-            <a:off x="2538902" y="4589375"/>
-            <a:ext cx="1477556" cy="196031"/>
-          </a:xfrm>
-          <a:prstGeom prst="halfFrame">
-            <a:avLst>
-              <a:gd name="adj1" fmla="val 0"/>
-              <a:gd name="adj2" fmla="val 0"/>
-            </a:avLst>
-          </a:prstGeom>
-          <a:ln>
-            <a:solidFill>
-              <a:srgbClr val="43537C">
-                <a:lumMod val="50000"/>
-              </a:srgbClr>
-            </a:solidFill>
-          </a:ln>
-        </p:spPr>
-        <p:style>
-          <a:lnRef idx="2">
-            <a:srgbClr val="0CB5C8">
-              <a:shade val="50000"/>
-            </a:srgbClr>
-          </a:lnRef>
-          <a:fillRef idx="1">
-            <a:srgbClr val="0CB5C8"/>
-          </a:fillRef>
-          <a:effectRef idx="0">
-            <a:srgbClr val="0CB5C8"/>
-          </a:effectRef>
-          <a:fontRef idx="minor">
-            <a:sysClr val="window" lastClr="FFFFFF"/>
-          </a:fontRef>
-        </p:style>
-        <p:txBody>
-          <a:bodyPr rtlCol="0" anchor="ctr"/>
-          <a:p>
-            <a:pPr algn="ctr"/>
-            <a:endParaRPr lang="zh-CN" altLang="en-US">
-              <a:solidFill>
-                <a:sysClr val="windowText" lastClr="000000"/>
-              </a:solidFill>
-            </a:endParaRPr>
-          </a:p>
-        </p:txBody>
-      </p:sp>
-      <p:sp>
-        <p:nvSpPr>
-          <p:cNvPr id="59" name="半闭框 58"/>
-          <p:cNvSpPr/>
-          <p:nvPr>
-            <p:custDataLst>
-              <p:tags r:id="rId17"/>
-            </p:custDataLst>
-          </p:nvPr>
-        </p:nvSpPr>
-        <p:spPr>
-          <a:xfrm flipH="1">
-            <a:off x="4016458" y="4589375"/>
-            <a:ext cx="1395012" cy="196031"/>
-          </a:xfrm>
-          <a:prstGeom prst="halfFrame">
-            <a:avLst>
-              <a:gd name="adj1" fmla="val 0"/>
-              <a:gd name="adj2" fmla="val 0"/>
-            </a:avLst>
-          </a:prstGeom>
-          <a:ln>
-            <a:solidFill>
-              <a:srgbClr val="43537C">
-                <a:lumMod val="50000"/>
-              </a:srgbClr>
-            </a:solidFill>
-          </a:ln>
-        </p:spPr>
-        <p:style>
-          <a:lnRef idx="2">
-            <a:srgbClr val="0CB5C8">
-              <a:shade val="50000"/>
-            </a:srgbClr>
-          </a:lnRef>
-          <a:fillRef idx="1">
-            <a:srgbClr val="0CB5C8"/>
-          </a:fillRef>
-          <a:effectRef idx="0">
-            <a:srgbClr val="0CB5C8"/>
-          </a:effectRef>
-          <a:fontRef idx="minor">
-            <a:sysClr val="window" lastClr="FFFFFF"/>
-          </a:fontRef>
-        </p:style>
-        <p:txBody>
-          <a:bodyPr rtlCol="0" anchor="ctr"/>
-          <a:p>
-            <a:pPr algn="ctr"/>
-            <a:endParaRPr lang="zh-CN" altLang="en-US">
-              <a:solidFill>
-                <a:sysClr val="windowText" lastClr="000000"/>
-              </a:solidFill>
-            </a:endParaRPr>
-          </a:p>
-        </p:txBody>
-      </p:sp>
-      <p:sp>
-        <p:nvSpPr>
-          <p:cNvPr id="63" name="半闭框 62"/>
-          <p:cNvSpPr/>
-          <p:nvPr>
-            <p:custDataLst>
-              <p:tags r:id="rId18"/>
-            </p:custDataLst>
-          </p:nvPr>
-        </p:nvSpPr>
-        <p:spPr>
-          <a:xfrm>
-            <a:off x="3975186" y="3019919"/>
-            <a:ext cx="2220841" cy="196031"/>
-          </a:xfrm>
-          <a:prstGeom prst="halfFrame">
-            <a:avLst>
-              <a:gd name="adj1" fmla="val 0"/>
-              <a:gd name="adj2" fmla="val 0"/>
-            </a:avLst>
-          </a:prstGeom>
-          <a:ln>
-            <a:solidFill>
-              <a:srgbClr val="43537C">
-                <a:lumMod val="50000"/>
-              </a:srgbClr>
-            </a:solidFill>
-          </a:ln>
-        </p:spPr>
-        <p:style>
-          <a:lnRef idx="2">
-            <a:srgbClr val="0CB5C8">
-              <a:shade val="50000"/>
-            </a:srgbClr>
-          </a:lnRef>
-          <a:fillRef idx="1">
-            <a:srgbClr val="0CB5C8"/>
-          </a:fillRef>
-          <a:effectRef idx="0">
-            <a:srgbClr val="0CB5C8"/>
-          </a:effectRef>
-          <a:fontRef idx="minor">
-            <a:sysClr val="window" lastClr="FFFFFF"/>
-          </a:fontRef>
-        </p:style>
-        <p:txBody>
-          <a:bodyPr rtlCol="0" anchor="ctr"/>
-          <a:p>
-            <a:pPr algn="ctr"/>
-            <a:endParaRPr lang="zh-CN" altLang="en-US">
-              <a:solidFill>
-                <a:sysClr val="windowText" lastClr="000000"/>
-              </a:solidFill>
-            </a:endParaRPr>
-          </a:p>
-        </p:txBody>
-      </p:sp>
-      <p:sp>
-        <p:nvSpPr>
-          <p:cNvPr id="64" name="半闭框 63"/>
-          <p:cNvSpPr/>
-          <p:nvPr>
-            <p:custDataLst>
-              <p:tags r:id="rId19"/>
-            </p:custDataLst>
-          </p:nvPr>
-        </p:nvSpPr>
-        <p:spPr>
-          <a:xfrm flipH="1">
-            <a:off x="6196027" y="3019919"/>
-            <a:ext cx="2096774" cy="196031"/>
-          </a:xfrm>
-          <a:prstGeom prst="halfFrame">
-            <a:avLst>
-              <a:gd name="adj1" fmla="val 0"/>
-              <a:gd name="adj2" fmla="val 0"/>
-            </a:avLst>
-          </a:prstGeom>
-          <a:ln>
-            <a:solidFill>
-              <a:srgbClr val="43537C">
-                <a:lumMod val="50000"/>
-              </a:srgbClr>
-            </a:solidFill>
-          </a:ln>
-        </p:spPr>
-        <p:style>
-          <a:lnRef idx="2">
-            <a:srgbClr val="0CB5C8">
-              <a:shade val="50000"/>
-            </a:srgbClr>
-          </a:lnRef>
-          <a:fillRef idx="1">
-            <a:srgbClr val="0CB5C8"/>
-          </a:fillRef>
-          <a:effectRef idx="0">
-            <a:srgbClr val="0CB5C8"/>
-          </a:effectRef>
-          <a:fontRef idx="minor">
-            <a:sysClr val="window" lastClr="FFFFFF"/>
-          </a:fontRef>
-        </p:style>
-        <p:txBody>
-          <a:bodyPr rtlCol="0" anchor="ctr"/>
-          <a:p>
-            <a:pPr algn="ctr"/>
-            <a:endParaRPr lang="zh-CN" altLang="en-US">
-              <a:solidFill>
-                <a:sysClr val="windowText" lastClr="000000"/>
-              </a:solidFill>
-            </a:endParaRPr>
-          </a:p>
-        </p:txBody>
-      </p:sp>
-      <p:sp>
-        <p:nvSpPr>
-          <p:cNvPr id="66" name="文本框 65"/>
-          <p:cNvSpPr txBox="1"/>
-          <p:nvPr>
-            <p:custDataLst>
-              <p:tags r:id="rId20"/>
-            </p:custDataLst>
-          </p:nvPr>
-        </p:nvSpPr>
-        <p:spPr>
-          <a:xfrm>
-            <a:off x="5675643" y="1778276"/>
-            <a:ext cx="919709" cy="512103"/>
-          </a:xfrm>
-          <a:prstGeom prst="rect">
-            <a:avLst/>
-          </a:prstGeom>
-          <a:noFill/>
-        </p:spPr>
-        <p:txBody>
-          <a:bodyPr wrap="square" rtlCol="0" anchor="ctr" anchorCtr="0">
-            <a:normAutofit/>
-          </a:bodyPr>
-          <a:p>
-            <a:pPr algn="ctr"/>
-            <a:r>
-              <a:rPr lang="en-US" altLang="zh-CN" dirty="0"/>
-              <a:t>nginx</a:t>
-            </a:r>
-            <a:endParaRPr lang="en-US" altLang="zh-CN" dirty="0"/>
-          </a:p>
-        </p:txBody>
-      </p:sp>
-      <p:sp>
-        <p:nvSpPr>
-          <p:cNvPr id="67" name="文本框 66"/>
-          <p:cNvSpPr txBox="1"/>
-          <p:nvPr>
-            <p:custDataLst>
-              <p:tags r:id="rId21"/>
-            </p:custDataLst>
-          </p:nvPr>
-        </p:nvSpPr>
-        <p:spPr>
-          <a:xfrm>
-            <a:off x="3508113" y="3482440"/>
-            <a:ext cx="919709" cy="512103"/>
-          </a:xfrm>
-          <a:prstGeom prst="rect">
-            <a:avLst/>
-          </a:prstGeom>
-          <a:noFill/>
-        </p:spPr>
-        <p:txBody>
-          <a:bodyPr wrap="square" rtlCol="0" anchor="ctr" anchorCtr="0">
-            <a:normAutofit fontScale="70000"/>
-          </a:bodyPr>
-          <a:p>
-            <a:pPr algn="ctr"/>
-            <a:r>
-              <a:rPr lang="en-US" altLang="zh-CN" dirty="0"/>
-              <a:t>php-fpm</a:t>
-            </a:r>
-            <a:endParaRPr lang="en-US" altLang="zh-CN" dirty="0"/>
-          </a:p>
-          <a:p>
-            <a:pPr algn="ctr"/>
-            <a:r>
-              <a:rPr lang="en-US" altLang="zh-CN" dirty="0"/>
-              <a:t>v5.5</a:t>
-            </a:r>
-            <a:endParaRPr lang="en-US" altLang="zh-CN" dirty="0"/>
-          </a:p>
-        </p:txBody>
-      </p:sp>
-      <p:sp>
-        <p:nvSpPr>
-          <p:cNvPr id="68" name="文本框 67"/>
-          <p:cNvSpPr txBox="1"/>
-          <p:nvPr>
-            <p:custDataLst>
-              <p:tags r:id="rId22"/>
-            </p:custDataLst>
-          </p:nvPr>
-        </p:nvSpPr>
-        <p:spPr>
-          <a:xfrm>
-            <a:off x="7832946" y="3482440"/>
-            <a:ext cx="919709" cy="512103"/>
-          </a:xfrm>
-          <a:prstGeom prst="rect">
-            <a:avLst/>
-          </a:prstGeom>
-          <a:noFill/>
-        </p:spPr>
-        <p:txBody>
-          <a:bodyPr wrap="square" rtlCol="0" anchor="ctr" anchorCtr="0">
-            <a:normAutofit fontScale="70000"/>
-          </a:bodyPr>
-          <a:p>
-            <a:pPr algn="ctr"/>
-            <a:r>
-              <a:rPr lang="en-US" altLang="zh-CN" dirty="0"/>
-              <a:t>php-fpm</a:t>
-            </a:r>
-            <a:endParaRPr lang="en-US" altLang="zh-CN" dirty="0"/>
-          </a:p>
-          <a:p>
-            <a:pPr algn="ctr"/>
-            <a:r>
-              <a:rPr lang="en-US" altLang="zh-CN" dirty="0"/>
-              <a:t>v7.0</a:t>
-            </a:r>
-            <a:endParaRPr lang="en-US" altLang="zh-CN" dirty="0"/>
-          </a:p>
-        </p:txBody>
-      </p:sp>
-      <p:sp>
-        <p:nvSpPr>
-          <p:cNvPr id="69" name="文本框 68"/>
-          <p:cNvSpPr txBox="1"/>
-          <p:nvPr>
-            <p:custDataLst>
-              <p:tags r:id="rId23"/>
-            </p:custDataLst>
-          </p:nvPr>
-        </p:nvSpPr>
-        <p:spPr>
-          <a:xfrm>
-            <a:off x="7832946" y="5049957"/>
-            <a:ext cx="919709" cy="512103"/>
-          </a:xfrm>
-          <a:prstGeom prst="rect">
-            <a:avLst/>
-          </a:prstGeom>
-          <a:noFill/>
-        </p:spPr>
-        <p:txBody>
-          <a:bodyPr wrap="square" rtlCol="0" anchor="ctr" anchorCtr="0">
-            <a:normAutofit/>
-          </a:bodyPr>
-          <a:p>
-            <a:pPr algn="ctr"/>
-            <a:r>
-              <a:rPr lang="en-US" altLang="zh-CN" dirty="0"/>
-              <a:t>mongo</a:t>
-            </a:r>
-            <a:endParaRPr lang="en-US" altLang="zh-CN" dirty="0"/>
-          </a:p>
-        </p:txBody>
-      </p:sp>
-      <p:sp>
-        <p:nvSpPr>
-          <p:cNvPr id="70" name="文本框 69"/>
-          <p:cNvSpPr txBox="1"/>
-          <p:nvPr>
-            <p:custDataLst>
-              <p:tags r:id="rId24"/>
-            </p:custDataLst>
-          </p:nvPr>
-        </p:nvSpPr>
-        <p:spPr>
-          <a:xfrm>
-            <a:off x="4951615" y="5049957"/>
-            <a:ext cx="919709" cy="512103"/>
-          </a:xfrm>
-          <a:prstGeom prst="rect">
-            <a:avLst/>
-          </a:prstGeom>
-          <a:noFill/>
-        </p:spPr>
-        <p:txBody>
-          <a:bodyPr wrap="square" rtlCol="0" anchor="ctr" anchorCtr="0">
-            <a:normAutofit/>
-          </a:bodyPr>
-          <a:p>
-            <a:pPr algn="ctr"/>
-            <a:r>
-              <a:rPr lang="en-US" altLang="zh-CN" dirty="0"/>
-              <a:t>redis</a:t>
-            </a:r>
-            <a:endParaRPr lang="en-US" altLang="zh-CN" dirty="0"/>
-          </a:p>
-        </p:txBody>
-      </p:sp>
-      <p:sp>
-        <p:nvSpPr>
-          <p:cNvPr id="71" name="文本框 70"/>
-          <p:cNvSpPr txBox="1"/>
-          <p:nvPr>
-            <p:custDataLst>
-              <p:tags r:id="rId25"/>
-            </p:custDataLst>
-          </p:nvPr>
-        </p:nvSpPr>
-        <p:spPr>
-          <a:xfrm>
-            <a:off x="2070285" y="5049957"/>
-            <a:ext cx="919709" cy="512103"/>
-          </a:xfrm>
-          <a:prstGeom prst="rect">
-            <a:avLst/>
-          </a:prstGeom>
-          <a:noFill/>
-        </p:spPr>
-        <p:txBody>
-          <a:bodyPr wrap="square" rtlCol="0" anchor="ctr" anchorCtr="0">
-            <a:normAutofit/>
-          </a:bodyPr>
-          <a:p>
-            <a:pPr algn="ctr"/>
-            <a:r>
-              <a:rPr lang="en-US" altLang="zh-CN" dirty="0"/>
-              <a:t>mysql</a:t>
-            </a:r>
-            <a:endParaRPr lang="en-US" altLang="zh-CN" dirty="0"/>
-          </a:p>
-        </p:txBody>
-      </p:sp>
-    </p:spTree>
-    <p:custDataLst>
-      <p:tags r:id="rId26"/>
-    </p:custDataLst>
-  </p:cSld>
-  <p:clrMapOvr>
-    <a:masterClrMapping/>
-  </p:clrMapOvr>
-</p:sld>
-</file>
-
 <file path=ppt/tags/tag1.xml><?xml version="1.0" encoding="utf-8"?>
-<p:tagLst xmlns:p="http://schemas.openxmlformats.org/presentationml/2006/main">
+<p:tagLst xmlns:a="http://schemas.openxmlformats.org/drawingml/2006/main" xmlns:r="http://schemas.openxmlformats.org/officeDocument/2006/relationships" xmlns:p="http://schemas.openxmlformats.org/presentationml/2006/main">
+  <p:tag name="KSO_WM_SLIDE_ID" val="diagram160277_4"/>
+  <p:tag name="KSO_WM_SLIDE_INDEX" val="4"/>
+  <p:tag name="KSO_WM_SLIDE_ITEM_CNT" val="3"/>
+  <p:tag name="KSO_WM_SLIDE_LAYOUT" val="l_a"/>
+  <p:tag name="KSO_WM_SLIDE_LAYOUT_CNT" val="1_1"/>
+  <p:tag name="KSO_WM_SLIDE_TYPE" val="text"/>
+  <p:tag name="KSO_WM_BEAUTIFY_FLAG" val="#wm#"/>
+  <p:tag name="KSO_WM_SLIDE_POSITION" val="121*118"/>
+  <p:tag name="KSO_WM_SLIDE_SIZE" val="728*366"/>
+  <p:tag name="KSO_WM_TEMPLATE_CATEGORY" val="diagram"/>
+  <p:tag name="KSO_WM_TEMPLATE_INDEX" val="160277"/>
+  <p:tag name="KSO_WM_TAG_VERSION" val="1.0"/>
+  <p:tag name="KSO_WM_DIAGRAM_GROUP_CODE" val="l1-1"/>
+</p:tagLst>
+</file>
+
+<file path=ppt/tags/tag10.xml><?xml version="1.0" encoding="utf-8"?>
+<p:tagLst xmlns:a="http://schemas.openxmlformats.org/drawingml/2006/main" xmlns:r="http://schemas.openxmlformats.org/officeDocument/2006/relationships" xmlns:p="http://schemas.openxmlformats.org/presentationml/2006/main">
   <p:tag name="KSO_WM_TAG_VERSION" val="1.0"/>
   <p:tag name="KSO_WM_BEAUTIFY_FLAG" val="#wm#"/>
-  <p:tag name="KSO_WM_UNIT_ID" val="diagram160277_4*a*1"/>
+  <p:tag name="KSO_WM_UNIT_ID" val="diagram160277_4*l_i*1_11"/>
   <p:tag name="KSO_WM_TEMPLATE_CATEGORY" val="diagram"/>
   <p:tag name="KSO_WM_TEMPLATE_INDEX" val="160277"/>
-  <p:tag name="KSO_WM_UNIT_RELATE_UNITID" val="259*l*1"/>
-  <p:tag name="KSO_WM_UNIT_TYPE" val="a"/>
-  <p:tag name="KSO_WM_UNIT_INDEX" val="1"/>
+  <p:tag name="KSO_WM_UNIT_TYPE" val="l_i"/>
+  <p:tag name="KSO_WM_UNIT_INDEX" val="1_11"/>
   <p:tag name="KSO_WM_UNIT_CLEAR" val="1"/>
-  <p:tag name="KSO_WM_UNIT_LAYERLEVEL" val="1"/>
-  <p:tag name="KSO_WM_UNIT_VALUE" val="24"/>
-  <p:tag name="KSO_WM_UNIT_ISCONTENTSTITLE" val="0"/>
-  <p:tag name="KSO_WM_UNIT_HIGHLIGHT" val="0"/>
-  <p:tag name="KSO_WM_UNIT_COMPATIBLE" val="0"/>
-  <p:tag name="KSO_WM_UNIT_PRESET_TEXT_INDEX" val="3"/>
-  <p:tag name="KSO_WM_UNIT_PRESET_TEXT_LEN" val="23"/>
+  <p:tag name="KSO_WM_UNIT_LAYERLEVEL" val="1_1"/>
+  <p:tag name="KSO_WM_DIAGRAM_GROUP_CODE" val="l1-1"/>
+  <p:tag name="KSO_WM_UNIT_FILL_FORE_SCHEMECOLOR_INDEX" val="7"/>
+  <p:tag name="KSO_WM_UNIT_FILL_TYPE" val="1"/>
+  <p:tag name="KSO_WM_UNIT_TEXT_FILL_FORE_SCHEMECOLOR_INDEX" val="14"/>
+  <p:tag name="KSO_WM_UNIT_TEXT_FILL_TYPE" val="1"/>
+  <p:tag name="KSO_WM_UNIT_USESOURCEFORMAT_APPLY" val="0"/>
 </p:tagLst>
 </file>
 
-<file path=ppt/tags/tag10.xml><?xml version="1.0" encoding="utf-8"?>
-<p:tagLst xmlns:p="http://schemas.openxmlformats.org/presentationml/2006/main">
+<file path=ppt/tags/tag11.xml><?xml version="1.0" encoding="utf-8"?>
+<p:tagLst xmlns:a="http://schemas.openxmlformats.org/drawingml/2006/main" xmlns:r="http://schemas.openxmlformats.org/officeDocument/2006/relationships" xmlns:p="http://schemas.openxmlformats.org/presentationml/2006/main">
   <p:tag name="KSO_WM_TAG_VERSION" val="1.0"/>
   <p:tag name="KSO_WM_BEAUTIFY_FLAG" val="#wm#"/>
   <p:tag name="KSO_WM_UNIT_ID" val="diagram160277_4*l_i*1_12"/>
@@ -7805,8 +8395,8 @@
 </p:tagLst>
 </file>
 
-<file path=ppt/tags/tag11.xml><?xml version="1.0" encoding="utf-8"?>
-<p:tagLst xmlns:p="http://schemas.openxmlformats.org/presentationml/2006/main">
+<file path=ppt/tags/tag12.xml><?xml version="1.0" encoding="utf-8"?>
+<p:tagLst xmlns:a="http://schemas.openxmlformats.org/drawingml/2006/main" xmlns:r="http://schemas.openxmlformats.org/officeDocument/2006/relationships" xmlns:p="http://schemas.openxmlformats.org/presentationml/2006/main">
   <p:tag name="KSO_WM_TAG_VERSION" val="1.0"/>
   <p:tag name="KSO_WM_BEAUTIFY_FLAG" val="#wm#"/>
   <p:tag name="KSO_WM_UNIT_ID" val="diagram160277_4*l_i*1_13"/>
@@ -7825,8 +8415,8 @@
 </p:tagLst>
 </file>
 
-<file path=ppt/tags/tag12.xml><?xml version="1.0" encoding="utf-8"?>
-<p:tagLst xmlns:p="http://schemas.openxmlformats.org/presentationml/2006/main">
+<file path=ppt/tags/tag13.xml><?xml version="1.0" encoding="utf-8"?>
+<p:tagLst xmlns:a="http://schemas.openxmlformats.org/drawingml/2006/main" xmlns:r="http://schemas.openxmlformats.org/officeDocument/2006/relationships" xmlns:p="http://schemas.openxmlformats.org/presentationml/2006/main">
   <p:tag name="KSO_WM_TAG_VERSION" val="1.0"/>
   <p:tag name="KSO_WM_BEAUTIFY_FLAG" val="#wm#"/>
   <p:tag name="KSO_WM_UNIT_ID" val="diagram160277_4*l_i*1_14"/>
@@ -7845,8 +8435,8 @@
 </p:tagLst>
 </file>
 
-<file path=ppt/tags/tag13.xml><?xml version="1.0" encoding="utf-8"?>
-<p:tagLst xmlns:p="http://schemas.openxmlformats.org/presentationml/2006/main">
+<file path=ppt/tags/tag14.xml><?xml version="1.0" encoding="utf-8"?>
+<p:tagLst xmlns:a="http://schemas.openxmlformats.org/drawingml/2006/main" xmlns:r="http://schemas.openxmlformats.org/officeDocument/2006/relationships" xmlns:p="http://schemas.openxmlformats.org/presentationml/2006/main">
   <p:tag name="KSO_WM_TAG_VERSION" val="1.0"/>
   <p:tag name="KSO_WM_BEAUTIFY_FLAG" val="#wm#"/>
   <p:tag name="KSO_WM_UNIT_ID" val="diagram160277_4*l_i*1_15"/>
@@ -7865,8 +8455,8 @@
 </p:tagLst>
 </file>
 
-<file path=ppt/tags/tag14.xml><?xml version="1.0" encoding="utf-8"?>
-<p:tagLst xmlns:p="http://schemas.openxmlformats.org/presentationml/2006/main">
+<file path=ppt/tags/tag15.xml><?xml version="1.0" encoding="utf-8"?>
+<p:tagLst xmlns:a="http://schemas.openxmlformats.org/drawingml/2006/main" xmlns:r="http://schemas.openxmlformats.org/officeDocument/2006/relationships" xmlns:p="http://schemas.openxmlformats.org/presentationml/2006/main">
   <p:tag name="KSO_WM_TAG_VERSION" val="1.0"/>
   <p:tag name="KSO_WM_BEAUTIFY_FLAG" val="#wm#"/>
   <p:tag name="KSO_WM_UNIT_ID" val="diagram160277_4*l_h_f*1_3_1"/>
@@ -7888,8 +8478,8 @@
 </p:tagLst>
 </file>
 
-<file path=ppt/tags/tag15.xml><?xml version="1.0" encoding="utf-8"?>
-<p:tagLst xmlns:p="http://schemas.openxmlformats.org/presentationml/2006/main">
+<file path=ppt/tags/tag16.xml><?xml version="1.0" encoding="utf-8"?>
+<p:tagLst xmlns:a="http://schemas.openxmlformats.org/drawingml/2006/main" xmlns:r="http://schemas.openxmlformats.org/officeDocument/2006/relationships" xmlns:p="http://schemas.openxmlformats.org/presentationml/2006/main">
   <p:tag name="KSO_WM_TAG_VERSION" val="1.0"/>
   <p:tag name="KSO_WM_BEAUTIFY_FLAG" val="#wm#"/>
   <p:tag name="KSO_WM_UNIT_ID" val="diagram160277_4*l_h_a*1_3_1"/>
@@ -7911,8 +8501,8 @@
 </p:tagLst>
 </file>
 
-<file path=ppt/tags/tag16.xml><?xml version="1.0" encoding="utf-8"?>
-<p:tagLst xmlns:p="http://schemas.openxmlformats.org/presentationml/2006/main">
+<file path=ppt/tags/tag17.xml><?xml version="1.0" encoding="utf-8"?>
+<p:tagLst xmlns:a="http://schemas.openxmlformats.org/drawingml/2006/main" xmlns:r="http://schemas.openxmlformats.org/officeDocument/2006/relationships" xmlns:p="http://schemas.openxmlformats.org/presentationml/2006/main">
   <p:tag name="KSO_WM_TAG_VERSION" val="1.0"/>
   <p:tag name="KSO_WM_BEAUTIFY_FLAG" val="#wm#"/>
   <p:tag name="KSO_WM_UNIT_ID" val="diagram160277_4*l_i*1_6"/>
@@ -7931,8 +8521,8 @@
 </p:tagLst>
 </file>
 
-<file path=ppt/tags/tag17.xml><?xml version="1.0" encoding="utf-8"?>
-<p:tagLst xmlns:p="http://schemas.openxmlformats.org/presentationml/2006/main">
+<file path=ppt/tags/tag18.xml><?xml version="1.0" encoding="utf-8"?>
+<p:tagLst xmlns:a="http://schemas.openxmlformats.org/drawingml/2006/main" xmlns:r="http://schemas.openxmlformats.org/officeDocument/2006/relationships" xmlns:p="http://schemas.openxmlformats.org/presentationml/2006/main">
   <p:tag name="KSO_WM_TAG_VERSION" val="1.0"/>
   <p:tag name="KSO_WM_BEAUTIFY_FLAG" val="#wm#"/>
   <p:tag name="KSO_WM_UNIT_ID" val="diagram160277_4*l_i*1_7"/>
@@ -7951,8 +8541,8 @@
 </p:tagLst>
 </file>
 
-<file path=ppt/tags/tag18.xml><?xml version="1.0" encoding="utf-8"?>
-<p:tagLst xmlns:p="http://schemas.openxmlformats.org/presentationml/2006/main">
+<file path=ppt/tags/tag19.xml><?xml version="1.0" encoding="utf-8"?>
+<p:tagLst xmlns:a="http://schemas.openxmlformats.org/drawingml/2006/main" xmlns:r="http://schemas.openxmlformats.org/officeDocument/2006/relationships" xmlns:p="http://schemas.openxmlformats.org/presentationml/2006/main">
   <p:tag name="KSO_WM_TAG_VERSION" val="1.0"/>
   <p:tag name="KSO_WM_BEAUTIFY_FLAG" val="#wm#"/>
   <p:tag name="KSO_WM_UNIT_ID" val="diagram160277_4*l_i*1_8"/>
@@ -7971,8 +8561,29 @@
 </p:tagLst>
 </file>
 
-<file path=ppt/tags/tag19.xml><?xml version="1.0" encoding="utf-8"?>
-<p:tagLst xmlns:p="http://schemas.openxmlformats.org/presentationml/2006/main">
+<file path=ppt/tags/tag2.xml><?xml version="1.0" encoding="utf-8"?>
+<p:tagLst xmlns:a="http://schemas.openxmlformats.org/drawingml/2006/main" xmlns:r="http://schemas.openxmlformats.org/officeDocument/2006/relationships" xmlns:p="http://schemas.openxmlformats.org/presentationml/2006/main">
+  <p:tag name="KSO_WM_TAG_VERSION" val="1.0"/>
+  <p:tag name="KSO_WM_BEAUTIFY_FLAG" val="#wm#"/>
+  <p:tag name="KSO_WM_UNIT_ID" val="diagram160277_4*a*1"/>
+  <p:tag name="KSO_WM_TEMPLATE_CATEGORY" val="diagram"/>
+  <p:tag name="KSO_WM_TEMPLATE_INDEX" val="160277"/>
+  <p:tag name="KSO_WM_UNIT_RELATE_UNITID" val="259*l*1"/>
+  <p:tag name="KSO_WM_UNIT_TYPE" val="a"/>
+  <p:tag name="KSO_WM_UNIT_INDEX" val="1"/>
+  <p:tag name="KSO_WM_UNIT_CLEAR" val="1"/>
+  <p:tag name="KSO_WM_UNIT_LAYERLEVEL" val="1"/>
+  <p:tag name="KSO_WM_UNIT_VALUE" val="24"/>
+  <p:tag name="KSO_WM_UNIT_ISCONTENTSTITLE" val="0"/>
+  <p:tag name="KSO_WM_UNIT_HIGHLIGHT" val="0"/>
+  <p:tag name="KSO_WM_UNIT_COMPATIBLE" val="0"/>
+  <p:tag name="KSO_WM_UNIT_PRESET_TEXT_INDEX" val="3"/>
+  <p:tag name="KSO_WM_UNIT_PRESET_TEXT_LEN" val="23"/>
+</p:tagLst>
+</file>
+
+<file path=ppt/tags/tag20.xml><?xml version="1.0" encoding="utf-8"?>
+<p:tagLst xmlns:a="http://schemas.openxmlformats.org/drawingml/2006/main" xmlns:r="http://schemas.openxmlformats.org/officeDocument/2006/relationships" xmlns:p="http://schemas.openxmlformats.org/presentationml/2006/main">
   <p:tag name="KSO_WM_TAG_VERSION" val="1.0"/>
   <p:tag name="KSO_WM_BEAUTIFY_FLAG" val="#wm#"/>
   <p:tag name="KSO_WM_UNIT_ID" val="diagram160277_4*l_i*1_9"/>
@@ -7991,28 +8602,8 @@
 </p:tagLst>
 </file>
 
-<file path=ppt/tags/tag2.xml><?xml version="1.0" encoding="utf-8"?>
-<p:tagLst xmlns:p="http://schemas.openxmlformats.org/presentationml/2006/main">
-  <p:tag name="KSO_WM_TAG_VERSION" val="1.0"/>
-  <p:tag name="KSO_WM_BEAUTIFY_FLAG" val="#wm#"/>
-  <p:tag name="KSO_WM_UNIT_ID" val="diagram160277_4*l_i*1_1"/>
-  <p:tag name="KSO_WM_TEMPLATE_CATEGORY" val="diagram"/>
-  <p:tag name="KSO_WM_TEMPLATE_INDEX" val="160277"/>
-  <p:tag name="KSO_WM_UNIT_TYPE" val="l_i"/>
-  <p:tag name="KSO_WM_UNIT_INDEX" val="1_1"/>
-  <p:tag name="KSO_WM_UNIT_CLEAR" val="1"/>
-  <p:tag name="KSO_WM_UNIT_LAYERLEVEL" val="1_1"/>
-  <p:tag name="KSO_WM_DIAGRAM_GROUP_CODE" val="l1-1"/>
-  <p:tag name="KSO_WM_UNIT_FILL_FORE_SCHEMECOLOR_INDEX" val="5"/>
-  <p:tag name="KSO_WM_UNIT_FILL_TYPE" val="1"/>
-  <p:tag name="KSO_WM_UNIT_TEXT_FILL_FORE_SCHEMECOLOR_INDEX" val="14"/>
-  <p:tag name="KSO_WM_UNIT_TEXT_FILL_TYPE" val="1"/>
-  <p:tag name="KSO_WM_UNIT_USESOURCEFORMAT_APPLY" val="0"/>
-</p:tagLst>
-</file>
-
-<file path=ppt/tags/tag20.xml><?xml version="1.0" encoding="utf-8"?>
-<p:tagLst xmlns:p="http://schemas.openxmlformats.org/presentationml/2006/main">
+<file path=ppt/tags/tag21.xml><?xml version="1.0" encoding="utf-8"?>
+<p:tagLst xmlns:a="http://schemas.openxmlformats.org/drawingml/2006/main" xmlns:r="http://schemas.openxmlformats.org/officeDocument/2006/relationships" xmlns:p="http://schemas.openxmlformats.org/presentationml/2006/main">
   <p:tag name="KSO_WM_TAG_VERSION" val="1.0"/>
   <p:tag name="KSO_WM_BEAUTIFY_FLAG" val="#wm#"/>
   <p:tag name="KSO_WM_UNIT_ID" val="diagram160277_4*l_i*1_10"/>
@@ -8031,8 +8622,8 @@
 </p:tagLst>
 </file>
 
-<file path=ppt/tags/tag21.xml><?xml version="1.0" encoding="utf-8"?>
-<p:tagLst xmlns:p="http://schemas.openxmlformats.org/presentationml/2006/main">
+<file path=ppt/tags/tag22.xml><?xml version="1.0" encoding="utf-8"?>
+<p:tagLst xmlns:a="http://schemas.openxmlformats.org/drawingml/2006/main" xmlns:r="http://schemas.openxmlformats.org/officeDocument/2006/relationships" xmlns:p="http://schemas.openxmlformats.org/presentationml/2006/main">
   <p:tag name="KSO_WM_TAG_VERSION" val="1.0"/>
   <p:tag name="KSO_WM_BEAUTIFY_FLAG" val="#wm#"/>
   <p:tag name="KSO_WM_UNIT_ID" val="diagram160277_4*l_h_f*1_2_1"/>
@@ -8054,8 +8645,8 @@
 </p:tagLst>
 </file>
 
-<file path=ppt/tags/tag22.xml><?xml version="1.0" encoding="utf-8"?>
-<p:tagLst xmlns:p="http://schemas.openxmlformats.org/presentationml/2006/main">
+<file path=ppt/tags/tag23.xml><?xml version="1.0" encoding="utf-8"?>
+<p:tagLst xmlns:a="http://schemas.openxmlformats.org/drawingml/2006/main" xmlns:r="http://schemas.openxmlformats.org/officeDocument/2006/relationships" xmlns:p="http://schemas.openxmlformats.org/presentationml/2006/main">
   <p:tag name="KSO_WM_TAG_VERSION" val="1.0"/>
   <p:tag name="KSO_WM_BEAUTIFY_FLAG" val="#wm#"/>
   <p:tag name="KSO_WM_UNIT_ID" val="diagram160277_4*l_h_a*1_2_1"/>
@@ -8077,26 +8668,8 @@
 </p:tagLst>
 </file>
 
-<file path=ppt/tags/tag23.xml><?xml version="1.0" encoding="utf-8"?>
-<p:tagLst xmlns:p="http://schemas.openxmlformats.org/presentationml/2006/main">
-  <p:tag name="KSO_WM_SLIDE_ID" val="diagram160277_4"/>
-  <p:tag name="KSO_WM_SLIDE_INDEX" val="4"/>
-  <p:tag name="KSO_WM_SLIDE_ITEM_CNT" val="3"/>
-  <p:tag name="KSO_WM_SLIDE_LAYOUT" val="l_a"/>
-  <p:tag name="KSO_WM_SLIDE_LAYOUT_CNT" val="1_1"/>
-  <p:tag name="KSO_WM_SLIDE_TYPE" val="text"/>
-  <p:tag name="KSO_WM_BEAUTIFY_FLAG" val="#wm#"/>
-  <p:tag name="KSO_WM_SLIDE_POSITION" val="121*118"/>
-  <p:tag name="KSO_WM_SLIDE_SIZE" val="728*366"/>
-  <p:tag name="KSO_WM_TEMPLATE_CATEGORY" val="diagram"/>
-  <p:tag name="KSO_WM_TEMPLATE_INDEX" val="160277"/>
-  <p:tag name="KSO_WM_TAG_VERSION" val="1.0"/>
-  <p:tag name="KSO_WM_DIAGRAM_GROUP_CODE" val="l1-1"/>
-</p:tagLst>
-</file>
-
 <file path=ppt/tags/tag24.xml><?xml version="1.0" encoding="utf-8"?>
-<p:tagLst xmlns:p="http://schemas.openxmlformats.org/presentationml/2006/main">
+<p:tagLst xmlns:a="http://schemas.openxmlformats.org/drawingml/2006/main" xmlns:r="http://schemas.openxmlformats.org/officeDocument/2006/relationships" xmlns:p="http://schemas.openxmlformats.org/presentationml/2006/main">
   <p:tag name="KSO_WM_BEAUTIFY_FLAG" val="#wm#"/>
   <p:tag name="KSO_WM_TEMPLATE_CATEGORY" val="diagram"/>
   <p:tag name="KSO_WM_TEMPLATE_INDEX" val="160277"/>
@@ -8104,7 +8677,15 @@
 </file>
 
 <file path=ppt/tags/tag25.xml><?xml version="1.0" encoding="utf-8"?>
-<p:tagLst xmlns:p="http://schemas.openxmlformats.org/presentationml/2006/main">
+<p:tagLst xmlns:a="http://schemas.openxmlformats.org/drawingml/2006/main" xmlns:r="http://schemas.openxmlformats.org/officeDocument/2006/relationships" xmlns:p="http://schemas.openxmlformats.org/presentationml/2006/main">
+  <p:tag name="KSO_WM_BEAUTIFY_FLAG" val="#wm#"/>
+  <p:tag name="KSO_WM_TEMPLATE_CATEGORY" val="diagram"/>
+  <p:tag name="KSO_WM_TEMPLATE_INDEX" val="160277"/>
+</p:tagLst>
+</file>
+
+<file path=ppt/tags/tag26.xml><?xml version="1.0" encoding="utf-8"?>
+<p:tagLst xmlns:a="http://schemas.openxmlformats.org/drawingml/2006/main" xmlns:r="http://schemas.openxmlformats.org/officeDocument/2006/relationships" xmlns:p="http://schemas.openxmlformats.org/presentationml/2006/main">
   <p:tag name="KSO_WM_TAG_VERSION" val="1.0"/>
   <p:tag name="KSO_WM_BEAUTIFY_FLAG" val="#wm#"/>
   <p:tag name="KSO_WM_TEMPLATE_CATEGORY" val="diagram"/>
@@ -8119,8 +8700,8 @@
 </p:tagLst>
 </file>
 
-<file path=ppt/tags/tag26.xml><?xml version="1.0" encoding="utf-8"?>
-<p:tagLst xmlns:p="http://schemas.openxmlformats.org/presentationml/2006/main">
+<file path=ppt/tags/tag27.xml><?xml version="1.0" encoding="utf-8"?>
+<p:tagLst xmlns:a="http://schemas.openxmlformats.org/drawingml/2006/main" xmlns:r="http://schemas.openxmlformats.org/officeDocument/2006/relationships" xmlns:p="http://schemas.openxmlformats.org/presentationml/2006/main">
   <p:tag name="KSO_WM_TAG_VERSION" val="1.0"/>
   <p:tag name="KSO_WM_BEAUTIFY_FLAG" val="#wm#"/>
   <p:tag name="KSO_WM_TEMPLATE_CATEGORY" val="diagram"/>
@@ -8135,8 +8716,8 @@
 </p:tagLst>
 </file>
 
-<file path=ppt/tags/tag27.xml><?xml version="1.0" encoding="utf-8"?>
-<p:tagLst xmlns:p="http://schemas.openxmlformats.org/presentationml/2006/main">
+<file path=ppt/tags/tag28.xml><?xml version="1.0" encoding="utf-8"?>
+<p:tagLst xmlns:a="http://schemas.openxmlformats.org/drawingml/2006/main" xmlns:r="http://schemas.openxmlformats.org/officeDocument/2006/relationships" xmlns:p="http://schemas.openxmlformats.org/presentationml/2006/main">
   <p:tag name="KSO_WM_TAG_VERSION" val="1.0"/>
   <p:tag name="KSO_WM_BEAUTIFY_FLAG" val="#wm#"/>
   <p:tag name="KSO_WM_TEMPLATE_CATEGORY" val="diagram"/>
@@ -8153,8 +8734,8 @@
 </p:tagLst>
 </file>
 
-<file path=ppt/tags/tag28.xml><?xml version="1.0" encoding="utf-8"?>
-<p:tagLst xmlns:p="http://schemas.openxmlformats.org/presentationml/2006/main">
+<file path=ppt/tags/tag29.xml><?xml version="1.0" encoding="utf-8"?>
+<p:tagLst xmlns:a="http://schemas.openxmlformats.org/drawingml/2006/main" xmlns:r="http://schemas.openxmlformats.org/officeDocument/2006/relationships" xmlns:p="http://schemas.openxmlformats.org/presentationml/2006/main">
   <p:tag name="KSO_WM_TAG_VERSION" val="1.0"/>
   <p:tag name="KSO_WM_BEAUTIFY_FLAG" val="#wm#"/>
   <p:tag name="KSO_WM_TEMPLATE_CATEGORY" val="diagram"/>
@@ -8171,8 +8752,28 @@
 </p:tagLst>
 </file>
 
-<file path=ppt/tags/tag29.xml><?xml version="1.0" encoding="utf-8"?>
-<p:tagLst xmlns:p="http://schemas.openxmlformats.org/presentationml/2006/main">
+<file path=ppt/tags/tag3.xml><?xml version="1.0" encoding="utf-8"?>
+<p:tagLst xmlns:a="http://schemas.openxmlformats.org/drawingml/2006/main" xmlns:r="http://schemas.openxmlformats.org/officeDocument/2006/relationships" xmlns:p="http://schemas.openxmlformats.org/presentationml/2006/main">
+  <p:tag name="KSO_WM_TAG_VERSION" val="1.0"/>
+  <p:tag name="KSO_WM_BEAUTIFY_FLAG" val="#wm#"/>
+  <p:tag name="KSO_WM_UNIT_ID" val="diagram160277_4*l_i*1_1"/>
+  <p:tag name="KSO_WM_TEMPLATE_CATEGORY" val="diagram"/>
+  <p:tag name="KSO_WM_TEMPLATE_INDEX" val="160277"/>
+  <p:tag name="KSO_WM_UNIT_TYPE" val="l_i"/>
+  <p:tag name="KSO_WM_UNIT_INDEX" val="1_1"/>
+  <p:tag name="KSO_WM_UNIT_CLEAR" val="1"/>
+  <p:tag name="KSO_WM_UNIT_LAYERLEVEL" val="1_1"/>
+  <p:tag name="KSO_WM_DIAGRAM_GROUP_CODE" val="l1-1"/>
+  <p:tag name="KSO_WM_UNIT_FILL_FORE_SCHEMECOLOR_INDEX" val="5"/>
+  <p:tag name="KSO_WM_UNIT_FILL_TYPE" val="1"/>
+  <p:tag name="KSO_WM_UNIT_TEXT_FILL_FORE_SCHEMECOLOR_INDEX" val="14"/>
+  <p:tag name="KSO_WM_UNIT_TEXT_FILL_TYPE" val="1"/>
+  <p:tag name="KSO_WM_UNIT_USESOURCEFORMAT_APPLY" val="0"/>
+</p:tagLst>
+</file>
+
+<file path=ppt/tags/tag30.xml><?xml version="1.0" encoding="utf-8"?>
+<p:tagLst xmlns:a="http://schemas.openxmlformats.org/drawingml/2006/main" xmlns:r="http://schemas.openxmlformats.org/officeDocument/2006/relationships" xmlns:p="http://schemas.openxmlformats.org/presentationml/2006/main">
   <p:tag name="KSO_WM_TAG_VERSION" val="1.0"/>
   <p:tag name="KSO_WM_BEAUTIFY_FLAG" val="#wm#"/>
   <p:tag name="KSO_WM_TEMPLATE_CATEGORY" val="diagram"/>
@@ -8189,8 +8790,170 @@
 </p:tagLst>
 </file>
 
-<file path=ppt/tags/tag3.xml><?xml version="1.0" encoding="utf-8"?>
-<p:tagLst xmlns:p="http://schemas.openxmlformats.org/presentationml/2006/main">
+<file path=ppt/tags/tag31.xml><?xml version="1.0" encoding="utf-8"?>
+<p:tagLst xmlns:a="http://schemas.openxmlformats.org/drawingml/2006/main" xmlns:r="http://schemas.openxmlformats.org/officeDocument/2006/relationships" xmlns:p="http://schemas.openxmlformats.org/presentationml/2006/main">
+  <p:tag name="KSO_WM_TAG_VERSION" val="1.0"/>
+  <p:tag name="KSO_WM_BEAUTIFY_FLAG" val="#wm#"/>
+  <p:tag name="KSO_WM_TEMPLATE_CATEGORY" val="diagram"/>
+  <p:tag name="KSO_WM_TEMPLATE_INDEX" val="20164482"/>
+  <p:tag name="KSO_WM_UNIT_TYPE" val="p_i"/>
+  <p:tag name="KSO_WM_UNIT_INDEX" val="1_6"/>
+  <p:tag name="KSO_WM_UNIT_ID" val="diagram20164482_1*p_i*1_6"/>
+  <p:tag name="KSO_WM_UNIT_LAYERLEVEL" val="1_1"/>
+  <p:tag name="KSO_WM_DIAGRAM_GROUP_CODE" val="p1-1"/>
+  <p:tag name="KSO_WM_UNIT_FILL_FORE_SCHEMECOLOR_INDEX" val="14"/>
+  <p:tag name="KSO_WM_UNIT_FILL_TYPE" val="1"/>
+  <p:tag name="KSO_WM_UNIT_TEXT_FILL_FORE_SCHEMECOLOR_INDEX" val="2"/>
+  <p:tag name="KSO_WM_UNIT_TEXT_FILL_TYPE" val="1"/>
+</p:tagLst>
+</file>
+
+<file path=ppt/tags/tag32.xml><?xml version="1.0" encoding="utf-8"?>
+<p:tagLst xmlns:a="http://schemas.openxmlformats.org/drawingml/2006/main" xmlns:r="http://schemas.openxmlformats.org/officeDocument/2006/relationships" xmlns:p="http://schemas.openxmlformats.org/presentationml/2006/main">
+  <p:tag name="KSO_WM_TAG_VERSION" val="1.0"/>
+  <p:tag name="KSO_WM_BEAUTIFY_FLAG" val="#wm#"/>
+  <p:tag name="KSO_WM_TEMPLATE_CATEGORY" val="diagram"/>
+  <p:tag name="KSO_WM_TEMPLATE_INDEX" val="20164482"/>
+  <p:tag name="KSO_WM_UNIT_TYPE" val="p_i"/>
+  <p:tag name="KSO_WM_UNIT_INDEX" val="1_7"/>
+  <p:tag name="KSO_WM_UNIT_ID" val="diagram20164482_1*p_i*1_7"/>
+  <p:tag name="KSO_WM_UNIT_LAYERLEVEL" val="1_1"/>
+  <p:tag name="KSO_WM_DIAGRAM_GROUP_CODE" val="p1-1"/>
+  <p:tag name="KSO_WM_UNIT_FILL_FORE_SCHEMECOLOR_INDEX" val="14"/>
+  <p:tag name="KSO_WM_UNIT_FILL_TYPE" val="1"/>
+  <p:tag name="KSO_WM_UNIT_TEXT_FILL_FORE_SCHEMECOLOR_INDEX" val="13"/>
+  <p:tag name="KSO_WM_UNIT_TEXT_FILL_TYPE" val="1"/>
+</p:tagLst>
+</file>
+
+<file path=ppt/tags/tag33.xml><?xml version="1.0" encoding="utf-8"?>
+<p:tagLst xmlns:a="http://schemas.openxmlformats.org/drawingml/2006/main" xmlns:r="http://schemas.openxmlformats.org/officeDocument/2006/relationships" xmlns:p="http://schemas.openxmlformats.org/presentationml/2006/main">
+  <p:tag name="KSO_WM_TAG_VERSION" val="1.0"/>
+  <p:tag name="KSO_WM_BEAUTIFY_FLAG" val="#wm#"/>
+  <p:tag name="KSO_WM_TEMPLATE_CATEGORY" val="diagram"/>
+  <p:tag name="KSO_WM_TEMPLATE_INDEX" val="20164482"/>
+  <p:tag name="KSO_WM_UNIT_TYPE" val="p_i"/>
+  <p:tag name="KSO_WM_UNIT_INDEX" val="1_8"/>
+  <p:tag name="KSO_WM_UNIT_ID" val="diagram20164482_1*p_i*1_8"/>
+  <p:tag name="KSO_WM_UNIT_LAYERLEVEL" val="1_1"/>
+  <p:tag name="KSO_WM_DIAGRAM_GROUP_CODE" val="p1-1"/>
+  <p:tag name="KSO_WM_UNIT_FILL_FORE_SCHEMECOLOR_INDEX" val="14"/>
+  <p:tag name="KSO_WM_UNIT_FILL_TYPE" val="1"/>
+  <p:tag name="KSO_WM_UNIT_TEXT_FILL_FORE_SCHEMECOLOR_INDEX" val="2"/>
+  <p:tag name="KSO_WM_UNIT_TEXT_FILL_TYPE" val="1"/>
+</p:tagLst>
+</file>
+
+<file path=ppt/tags/tag34.xml><?xml version="1.0" encoding="utf-8"?>
+<p:tagLst xmlns:a="http://schemas.openxmlformats.org/drawingml/2006/main" xmlns:r="http://schemas.openxmlformats.org/officeDocument/2006/relationships" xmlns:p="http://schemas.openxmlformats.org/presentationml/2006/main">
+  <p:tag name="KSO_WM_TAG_VERSION" val="1.0"/>
+  <p:tag name="KSO_WM_BEAUTIFY_FLAG" val="#wm#"/>
+  <p:tag name="KSO_WM_TEMPLATE_CATEGORY" val="diagram"/>
+  <p:tag name="KSO_WM_TEMPLATE_INDEX" val="20164482"/>
+  <p:tag name="KSO_WM_UNIT_TYPE" val="p_i"/>
+  <p:tag name="KSO_WM_UNIT_INDEX" val="1_9"/>
+  <p:tag name="KSO_WM_UNIT_ID" val="diagram20164482_1*p_i*1_9"/>
+  <p:tag name="KSO_WM_UNIT_LAYERLEVEL" val="1_1"/>
+  <p:tag name="KSO_WM_DIAGRAM_GROUP_CODE" val="p1-1"/>
+  <p:tag name="KSO_WM_UNIT_FILL_FORE_SCHEMECOLOR_INDEX" val="14"/>
+  <p:tag name="KSO_WM_UNIT_FILL_TYPE" val="1"/>
+  <p:tag name="KSO_WM_UNIT_TEXT_FILL_FORE_SCHEMECOLOR_INDEX" val="13"/>
+  <p:tag name="KSO_WM_UNIT_TEXT_FILL_TYPE" val="1"/>
+</p:tagLst>
+</file>
+
+<file path=ppt/tags/tag35.xml><?xml version="1.0" encoding="utf-8"?>
+<p:tagLst xmlns:a="http://schemas.openxmlformats.org/drawingml/2006/main" xmlns:r="http://schemas.openxmlformats.org/officeDocument/2006/relationships" xmlns:p="http://schemas.openxmlformats.org/presentationml/2006/main">
+  <p:tag name="KSO_WM_TAG_VERSION" val="1.0"/>
+  <p:tag name="KSO_WM_BEAUTIFY_FLAG" val="#wm#"/>
+  <p:tag name="KSO_WM_TEMPLATE_CATEGORY" val="diagram"/>
+  <p:tag name="KSO_WM_TEMPLATE_INDEX" val="20164482"/>
+  <p:tag name="KSO_WM_UNIT_TYPE" val="p_i"/>
+  <p:tag name="KSO_WM_UNIT_INDEX" val="1_10"/>
+  <p:tag name="KSO_WM_UNIT_ID" val="diagram20164482_1*p_i*1_10"/>
+  <p:tag name="KSO_WM_UNIT_LAYERLEVEL" val="1_1"/>
+  <p:tag name="KSO_WM_DIAGRAM_GROUP_CODE" val="p1-1"/>
+  <p:tag name="KSO_WM_UNIT_FILL_FORE_SCHEMECOLOR_INDEX" val="14"/>
+  <p:tag name="KSO_WM_UNIT_FILL_TYPE" val="1"/>
+  <p:tag name="KSO_WM_UNIT_TEXT_FILL_FORE_SCHEMECOLOR_INDEX" val="2"/>
+  <p:tag name="KSO_WM_UNIT_TEXT_FILL_TYPE" val="1"/>
+</p:tagLst>
+</file>
+
+<file path=ppt/tags/tag36.xml><?xml version="1.0" encoding="utf-8"?>
+<p:tagLst xmlns:a="http://schemas.openxmlformats.org/drawingml/2006/main" xmlns:r="http://schemas.openxmlformats.org/officeDocument/2006/relationships" xmlns:p="http://schemas.openxmlformats.org/presentationml/2006/main">
+  <p:tag name="KSO_WM_TAG_VERSION" val="1.0"/>
+  <p:tag name="KSO_WM_BEAUTIFY_FLAG" val="#wm#"/>
+  <p:tag name="KSO_WM_TEMPLATE_CATEGORY" val="diagram"/>
+  <p:tag name="KSO_WM_TEMPLATE_INDEX" val="20164482"/>
+  <p:tag name="KSO_WM_UNIT_TYPE" val="p_i"/>
+  <p:tag name="KSO_WM_UNIT_INDEX" val="1_11"/>
+  <p:tag name="KSO_WM_UNIT_ID" val="diagram20164482_1*p_i*1_11"/>
+  <p:tag name="KSO_WM_UNIT_LAYERLEVEL" val="1_1"/>
+  <p:tag name="KSO_WM_DIAGRAM_GROUP_CODE" val="p1-1"/>
+  <p:tag name="KSO_WM_UNIT_FILL_FORE_SCHEMECOLOR_INDEX" val="14"/>
+  <p:tag name="KSO_WM_UNIT_FILL_TYPE" val="1"/>
+  <p:tag name="KSO_WM_UNIT_TEXT_FILL_FORE_SCHEMECOLOR_INDEX" val="13"/>
+  <p:tag name="KSO_WM_UNIT_TEXT_FILL_TYPE" val="1"/>
+</p:tagLst>
+</file>
+
+<file path=ppt/tags/tag37.xml><?xml version="1.0" encoding="utf-8"?>
+<p:tagLst xmlns:a="http://schemas.openxmlformats.org/drawingml/2006/main" xmlns:r="http://schemas.openxmlformats.org/officeDocument/2006/relationships" xmlns:p="http://schemas.openxmlformats.org/presentationml/2006/main">
+  <p:tag name="KSO_WM_TAG_VERSION" val="1.0"/>
+  <p:tag name="KSO_WM_BEAUTIFY_FLAG" val="#wm#"/>
+  <p:tag name="KSO_WM_TEMPLATE_CATEGORY" val="diagram"/>
+  <p:tag name="KSO_WM_TEMPLATE_INDEX" val="20164482"/>
+  <p:tag name="KSO_WM_UNIT_TYPE" val="p_i"/>
+  <p:tag name="KSO_WM_UNIT_INDEX" val="1_12"/>
+  <p:tag name="KSO_WM_UNIT_ID" val="diagram20164482_1*p_i*1_12"/>
+  <p:tag name="KSO_WM_UNIT_LAYERLEVEL" val="1_1"/>
+  <p:tag name="KSO_WM_DIAGRAM_GROUP_CODE" val="p1-1"/>
+  <p:tag name="KSO_WM_UNIT_FILL_FORE_SCHEMECOLOR_INDEX" val="14"/>
+  <p:tag name="KSO_WM_UNIT_FILL_TYPE" val="1"/>
+  <p:tag name="KSO_WM_UNIT_TEXT_FILL_FORE_SCHEMECOLOR_INDEX" val="2"/>
+  <p:tag name="KSO_WM_UNIT_TEXT_FILL_TYPE" val="1"/>
+</p:tagLst>
+</file>
+
+<file path=ppt/tags/tag38.xml><?xml version="1.0" encoding="utf-8"?>
+<p:tagLst xmlns:a="http://schemas.openxmlformats.org/drawingml/2006/main" xmlns:r="http://schemas.openxmlformats.org/officeDocument/2006/relationships" xmlns:p="http://schemas.openxmlformats.org/presentationml/2006/main">
+  <p:tag name="KSO_WM_TAG_VERSION" val="1.0"/>
+  <p:tag name="KSO_WM_BEAUTIFY_FLAG" val="#wm#"/>
+  <p:tag name="KSO_WM_TEMPLATE_CATEGORY" val="diagram"/>
+  <p:tag name="KSO_WM_TEMPLATE_INDEX" val="20164482"/>
+  <p:tag name="KSO_WM_UNIT_TYPE" val="p_i"/>
+  <p:tag name="KSO_WM_UNIT_INDEX" val="1_13"/>
+  <p:tag name="KSO_WM_UNIT_ID" val="diagram20164482_1*p_i*1_13"/>
+  <p:tag name="KSO_WM_UNIT_LAYERLEVEL" val="1_1"/>
+  <p:tag name="KSO_WM_DIAGRAM_GROUP_CODE" val="p1-1"/>
+  <p:tag name="KSO_WM_UNIT_FILL_FORE_SCHEMECOLOR_INDEX" val="14"/>
+  <p:tag name="KSO_WM_UNIT_FILL_TYPE" val="1"/>
+  <p:tag name="KSO_WM_UNIT_TEXT_FILL_FORE_SCHEMECOLOR_INDEX" val="13"/>
+  <p:tag name="KSO_WM_UNIT_TEXT_FILL_TYPE" val="1"/>
+</p:tagLst>
+</file>
+
+<file path=ppt/tags/tag39.xml><?xml version="1.0" encoding="utf-8"?>
+<p:tagLst xmlns:a="http://schemas.openxmlformats.org/drawingml/2006/main" xmlns:r="http://schemas.openxmlformats.org/officeDocument/2006/relationships" xmlns:p="http://schemas.openxmlformats.org/presentationml/2006/main">
+  <p:tag name="KSO_WM_TAG_VERSION" val="1.0"/>
+  <p:tag name="KSO_WM_BEAUTIFY_FLAG" val="#wm#"/>
+  <p:tag name="KSO_WM_TEMPLATE_CATEGORY" val="diagram"/>
+  <p:tag name="KSO_WM_TEMPLATE_INDEX" val="20164482"/>
+  <p:tag name="KSO_WM_UNIT_TYPE" val="p_i"/>
+  <p:tag name="KSO_WM_UNIT_INDEX" val="1_14"/>
+  <p:tag name="KSO_WM_UNIT_ID" val="diagram20164482_1*p_i*1_14"/>
+  <p:tag name="KSO_WM_UNIT_LAYERLEVEL" val="1_1"/>
+  <p:tag name="KSO_WM_DIAGRAM_GROUP_CODE" val="p1-1"/>
+  <p:tag name="KSO_WM_UNIT_FILL_FORE_SCHEMECOLOR_INDEX" val="14"/>
+  <p:tag name="KSO_WM_UNIT_FILL_TYPE" val="1"/>
+  <p:tag name="KSO_WM_UNIT_TEXT_FILL_FORE_SCHEMECOLOR_INDEX" val="2"/>
+  <p:tag name="KSO_WM_UNIT_TEXT_FILL_TYPE" val="1"/>
+</p:tagLst>
+</file>
+
+<file path=ppt/tags/tag4.xml><?xml version="1.0" encoding="utf-8"?>
+<p:tagLst xmlns:a="http://schemas.openxmlformats.org/drawingml/2006/main" xmlns:r="http://schemas.openxmlformats.org/officeDocument/2006/relationships" xmlns:p="http://schemas.openxmlformats.org/presentationml/2006/main">
   <p:tag name="KSO_WM_TAG_VERSION" val="1.0"/>
   <p:tag name="KSO_WM_BEAUTIFY_FLAG" val="#wm#"/>
   <p:tag name="KSO_WM_UNIT_ID" val="diagram160277_4*l_i*1_2"/>
@@ -8209,170 +8972,8 @@
 </p:tagLst>
 </file>
 
-<file path=ppt/tags/tag30.xml><?xml version="1.0" encoding="utf-8"?>
-<p:tagLst xmlns:p="http://schemas.openxmlformats.org/presentationml/2006/main">
-  <p:tag name="KSO_WM_TAG_VERSION" val="1.0"/>
-  <p:tag name="KSO_WM_BEAUTIFY_FLAG" val="#wm#"/>
-  <p:tag name="KSO_WM_TEMPLATE_CATEGORY" val="diagram"/>
-  <p:tag name="KSO_WM_TEMPLATE_INDEX" val="20164482"/>
-  <p:tag name="KSO_WM_UNIT_TYPE" val="p_i"/>
-  <p:tag name="KSO_WM_UNIT_INDEX" val="1_6"/>
-  <p:tag name="KSO_WM_UNIT_ID" val="diagram20164482_1*p_i*1_6"/>
-  <p:tag name="KSO_WM_UNIT_LAYERLEVEL" val="1_1"/>
-  <p:tag name="KSO_WM_DIAGRAM_GROUP_CODE" val="p1-1"/>
-  <p:tag name="KSO_WM_UNIT_FILL_FORE_SCHEMECOLOR_INDEX" val="14"/>
-  <p:tag name="KSO_WM_UNIT_FILL_TYPE" val="1"/>
-  <p:tag name="KSO_WM_UNIT_TEXT_FILL_FORE_SCHEMECOLOR_INDEX" val="2"/>
-  <p:tag name="KSO_WM_UNIT_TEXT_FILL_TYPE" val="1"/>
-</p:tagLst>
-</file>
-
-<file path=ppt/tags/tag31.xml><?xml version="1.0" encoding="utf-8"?>
-<p:tagLst xmlns:p="http://schemas.openxmlformats.org/presentationml/2006/main">
-  <p:tag name="KSO_WM_TAG_VERSION" val="1.0"/>
-  <p:tag name="KSO_WM_BEAUTIFY_FLAG" val="#wm#"/>
-  <p:tag name="KSO_WM_TEMPLATE_CATEGORY" val="diagram"/>
-  <p:tag name="KSO_WM_TEMPLATE_INDEX" val="20164482"/>
-  <p:tag name="KSO_WM_UNIT_TYPE" val="p_i"/>
-  <p:tag name="KSO_WM_UNIT_INDEX" val="1_7"/>
-  <p:tag name="KSO_WM_UNIT_ID" val="diagram20164482_1*p_i*1_7"/>
-  <p:tag name="KSO_WM_UNIT_LAYERLEVEL" val="1_1"/>
-  <p:tag name="KSO_WM_DIAGRAM_GROUP_CODE" val="p1-1"/>
-  <p:tag name="KSO_WM_UNIT_FILL_FORE_SCHEMECOLOR_INDEX" val="14"/>
-  <p:tag name="KSO_WM_UNIT_FILL_TYPE" val="1"/>
-  <p:tag name="KSO_WM_UNIT_TEXT_FILL_FORE_SCHEMECOLOR_INDEX" val="13"/>
-  <p:tag name="KSO_WM_UNIT_TEXT_FILL_TYPE" val="1"/>
-</p:tagLst>
-</file>
-
-<file path=ppt/tags/tag32.xml><?xml version="1.0" encoding="utf-8"?>
-<p:tagLst xmlns:p="http://schemas.openxmlformats.org/presentationml/2006/main">
-  <p:tag name="KSO_WM_TAG_VERSION" val="1.0"/>
-  <p:tag name="KSO_WM_BEAUTIFY_FLAG" val="#wm#"/>
-  <p:tag name="KSO_WM_TEMPLATE_CATEGORY" val="diagram"/>
-  <p:tag name="KSO_WM_TEMPLATE_INDEX" val="20164482"/>
-  <p:tag name="KSO_WM_UNIT_TYPE" val="p_i"/>
-  <p:tag name="KSO_WM_UNIT_INDEX" val="1_8"/>
-  <p:tag name="KSO_WM_UNIT_ID" val="diagram20164482_1*p_i*1_8"/>
-  <p:tag name="KSO_WM_UNIT_LAYERLEVEL" val="1_1"/>
-  <p:tag name="KSO_WM_DIAGRAM_GROUP_CODE" val="p1-1"/>
-  <p:tag name="KSO_WM_UNIT_FILL_FORE_SCHEMECOLOR_INDEX" val="14"/>
-  <p:tag name="KSO_WM_UNIT_FILL_TYPE" val="1"/>
-  <p:tag name="KSO_WM_UNIT_TEXT_FILL_FORE_SCHEMECOLOR_INDEX" val="2"/>
-  <p:tag name="KSO_WM_UNIT_TEXT_FILL_TYPE" val="1"/>
-</p:tagLst>
-</file>
-
-<file path=ppt/tags/tag33.xml><?xml version="1.0" encoding="utf-8"?>
-<p:tagLst xmlns:p="http://schemas.openxmlformats.org/presentationml/2006/main">
-  <p:tag name="KSO_WM_TAG_VERSION" val="1.0"/>
-  <p:tag name="KSO_WM_BEAUTIFY_FLAG" val="#wm#"/>
-  <p:tag name="KSO_WM_TEMPLATE_CATEGORY" val="diagram"/>
-  <p:tag name="KSO_WM_TEMPLATE_INDEX" val="20164482"/>
-  <p:tag name="KSO_WM_UNIT_TYPE" val="p_i"/>
-  <p:tag name="KSO_WM_UNIT_INDEX" val="1_9"/>
-  <p:tag name="KSO_WM_UNIT_ID" val="diagram20164482_1*p_i*1_9"/>
-  <p:tag name="KSO_WM_UNIT_LAYERLEVEL" val="1_1"/>
-  <p:tag name="KSO_WM_DIAGRAM_GROUP_CODE" val="p1-1"/>
-  <p:tag name="KSO_WM_UNIT_FILL_FORE_SCHEMECOLOR_INDEX" val="14"/>
-  <p:tag name="KSO_WM_UNIT_FILL_TYPE" val="1"/>
-  <p:tag name="KSO_WM_UNIT_TEXT_FILL_FORE_SCHEMECOLOR_INDEX" val="13"/>
-  <p:tag name="KSO_WM_UNIT_TEXT_FILL_TYPE" val="1"/>
-</p:tagLst>
-</file>
-
-<file path=ppt/tags/tag34.xml><?xml version="1.0" encoding="utf-8"?>
-<p:tagLst xmlns:p="http://schemas.openxmlformats.org/presentationml/2006/main">
-  <p:tag name="KSO_WM_TAG_VERSION" val="1.0"/>
-  <p:tag name="KSO_WM_BEAUTIFY_FLAG" val="#wm#"/>
-  <p:tag name="KSO_WM_TEMPLATE_CATEGORY" val="diagram"/>
-  <p:tag name="KSO_WM_TEMPLATE_INDEX" val="20164482"/>
-  <p:tag name="KSO_WM_UNIT_TYPE" val="p_i"/>
-  <p:tag name="KSO_WM_UNIT_INDEX" val="1_10"/>
-  <p:tag name="KSO_WM_UNIT_ID" val="diagram20164482_1*p_i*1_10"/>
-  <p:tag name="KSO_WM_UNIT_LAYERLEVEL" val="1_1"/>
-  <p:tag name="KSO_WM_DIAGRAM_GROUP_CODE" val="p1-1"/>
-  <p:tag name="KSO_WM_UNIT_FILL_FORE_SCHEMECOLOR_INDEX" val="14"/>
-  <p:tag name="KSO_WM_UNIT_FILL_TYPE" val="1"/>
-  <p:tag name="KSO_WM_UNIT_TEXT_FILL_FORE_SCHEMECOLOR_INDEX" val="2"/>
-  <p:tag name="KSO_WM_UNIT_TEXT_FILL_TYPE" val="1"/>
-</p:tagLst>
-</file>
-
-<file path=ppt/tags/tag35.xml><?xml version="1.0" encoding="utf-8"?>
-<p:tagLst xmlns:p="http://schemas.openxmlformats.org/presentationml/2006/main">
-  <p:tag name="KSO_WM_TAG_VERSION" val="1.0"/>
-  <p:tag name="KSO_WM_BEAUTIFY_FLAG" val="#wm#"/>
-  <p:tag name="KSO_WM_TEMPLATE_CATEGORY" val="diagram"/>
-  <p:tag name="KSO_WM_TEMPLATE_INDEX" val="20164482"/>
-  <p:tag name="KSO_WM_UNIT_TYPE" val="p_i"/>
-  <p:tag name="KSO_WM_UNIT_INDEX" val="1_11"/>
-  <p:tag name="KSO_WM_UNIT_ID" val="diagram20164482_1*p_i*1_11"/>
-  <p:tag name="KSO_WM_UNIT_LAYERLEVEL" val="1_1"/>
-  <p:tag name="KSO_WM_DIAGRAM_GROUP_CODE" val="p1-1"/>
-  <p:tag name="KSO_WM_UNIT_FILL_FORE_SCHEMECOLOR_INDEX" val="14"/>
-  <p:tag name="KSO_WM_UNIT_FILL_TYPE" val="1"/>
-  <p:tag name="KSO_WM_UNIT_TEXT_FILL_FORE_SCHEMECOLOR_INDEX" val="13"/>
-  <p:tag name="KSO_WM_UNIT_TEXT_FILL_TYPE" val="1"/>
-</p:tagLst>
-</file>
-
-<file path=ppt/tags/tag36.xml><?xml version="1.0" encoding="utf-8"?>
-<p:tagLst xmlns:p="http://schemas.openxmlformats.org/presentationml/2006/main">
-  <p:tag name="KSO_WM_TAG_VERSION" val="1.0"/>
-  <p:tag name="KSO_WM_BEAUTIFY_FLAG" val="#wm#"/>
-  <p:tag name="KSO_WM_TEMPLATE_CATEGORY" val="diagram"/>
-  <p:tag name="KSO_WM_TEMPLATE_INDEX" val="20164482"/>
-  <p:tag name="KSO_WM_UNIT_TYPE" val="p_i"/>
-  <p:tag name="KSO_WM_UNIT_INDEX" val="1_12"/>
-  <p:tag name="KSO_WM_UNIT_ID" val="diagram20164482_1*p_i*1_12"/>
-  <p:tag name="KSO_WM_UNIT_LAYERLEVEL" val="1_1"/>
-  <p:tag name="KSO_WM_DIAGRAM_GROUP_CODE" val="p1-1"/>
-  <p:tag name="KSO_WM_UNIT_FILL_FORE_SCHEMECOLOR_INDEX" val="14"/>
-  <p:tag name="KSO_WM_UNIT_FILL_TYPE" val="1"/>
-  <p:tag name="KSO_WM_UNIT_TEXT_FILL_FORE_SCHEMECOLOR_INDEX" val="2"/>
-  <p:tag name="KSO_WM_UNIT_TEXT_FILL_TYPE" val="1"/>
-</p:tagLst>
-</file>
-
-<file path=ppt/tags/tag37.xml><?xml version="1.0" encoding="utf-8"?>
-<p:tagLst xmlns:p="http://schemas.openxmlformats.org/presentationml/2006/main">
-  <p:tag name="KSO_WM_TAG_VERSION" val="1.0"/>
-  <p:tag name="KSO_WM_BEAUTIFY_FLAG" val="#wm#"/>
-  <p:tag name="KSO_WM_TEMPLATE_CATEGORY" val="diagram"/>
-  <p:tag name="KSO_WM_TEMPLATE_INDEX" val="20164482"/>
-  <p:tag name="KSO_WM_UNIT_TYPE" val="p_i"/>
-  <p:tag name="KSO_WM_UNIT_INDEX" val="1_13"/>
-  <p:tag name="KSO_WM_UNIT_ID" val="diagram20164482_1*p_i*1_13"/>
-  <p:tag name="KSO_WM_UNIT_LAYERLEVEL" val="1_1"/>
-  <p:tag name="KSO_WM_DIAGRAM_GROUP_CODE" val="p1-1"/>
-  <p:tag name="KSO_WM_UNIT_FILL_FORE_SCHEMECOLOR_INDEX" val="14"/>
-  <p:tag name="KSO_WM_UNIT_FILL_TYPE" val="1"/>
-  <p:tag name="KSO_WM_UNIT_TEXT_FILL_FORE_SCHEMECOLOR_INDEX" val="13"/>
-  <p:tag name="KSO_WM_UNIT_TEXT_FILL_TYPE" val="1"/>
-</p:tagLst>
-</file>
-
-<file path=ppt/tags/tag38.xml><?xml version="1.0" encoding="utf-8"?>
-<p:tagLst xmlns:p="http://schemas.openxmlformats.org/presentationml/2006/main">
-  <p:tag name="KSO_WM_TAG_VERSION" val="1.0"/>
-  <p:tag name="KSO_WM_BEAUTIFY_FLAG" val="#wm#"/>
-  <p:tag name="KSO_WM_TEMPLATE_CATEGORY" val="diagram"/>
-  <p:tag name="KSO_WM_TEMPLATE_INDEX" val="20164482"/>
-  <p:tag name="KSO_WM_UNIT_TYPE" val="p_i"/>
-  <p:tag name="KSO_WM_UNIT_INDEX" val="1_14"/>
-  <p:tag name="KSO_WM_UNIT_ID" val="diagram20164482_1*p_i*1_14"/>
-  <p:tag name="KSO_WM_UNIT_LAYERLEVEL" val="1_1"/>
-  <p:tag name="KSO_WM_DIAGRAM_GROUP_CODE" val="p1-1"/>
-  <p:tag name="KSO_WM_UNIT_FILL_FORE_SCHEMECOLOR_INDEX" val="14"/>
-  <p:tag name="KSO_WM_UNIT_FILL_TYPE" val="1"/>
-  <p:tag name="KSO_WM_UNIT_TEXT_FILL_FORE_SCHEMECOLOR_INDEX" val="2"/>
-  <p:tag name="KSO_WM_UNIT_TEXT_FILL_TYPE" val="1"/>
-</p:tagLst>
-</file>
-
-<file path=ppt/tags/tag39.xml><?xml version="1.0" encoding="utf-8"?>
-<p:tagLst xmlns:p="http://schemas.openxmlformats.org/presentationml/2006/main">
+<file path=ppt/tags/tag40.xml><?xml version="1.0" encoding="utf-8"?>
+<p:tagLst xmlns:a="http://schemas.openxmlformats.org/drawingml/2006/main" xmlns:r="http://schemas.openxmlformats.org/officeDocument/2006/relationships" xmlns:p="http://schemas.openxmlformats.org/presentationml/2006/main">
   <p:tag name="KSO_WM_TAG_VERSION" val="1.0"/>
   <p:tag name="KSO_WM_BEAUTIFY_FLAG" val="#wm#"/>
   <p:tag name="KSO_WM_TEMPLATE_CATEGORY" val="diagram"/>
@@ -8387,28 +8988,8 @@
 </p:tagLst>
 </file>
 
-<file path=ppt/tags/tag4.xml><?xml version="1.0" encoding="utf-8"?>
-<p:tagLst xmlns:p="http://schemas.openxmlformats.org/presentationml/2006/main">
-  <p:tag name="KSO_WM_TAG_VERSION" val="1.0"/>
-  <p:tag name="KSO_WM_BEAUTIFY_FLAG" val="#wm#"/>
-  <p:tag name="KSO_WM_UNIT_ID" val="diagram160277_4*l_i*1_3"/>
-  <p:tag name="KSO_WM_TEMPLATE_CATEGORY" val="diagram"/>
-  <p:tag name="KSO_WM_TEMPLATE_INDEX" val="160277"/>
-  <p:tag name="KSO_WM_UNIT_TYPE" val="l_i"/>
-  <p:tag name="KSO_WM_UNIT_INDEX" val="1_3"/>
-  <p:tag name="KSO_WM_UNIT_CLEAR" val="1"/>
-  <p:tag name="KSO_WM_UNIT_LAYERLEVEL" val="1_1"/>
-  <p:tag name="KSO_WM_DIAGRAM_GROUP_CODE" val="l1-1"/>
-  <p:tag name="KSO_WM_UNIT_FILL_FORE_SCHEMECOLOR_INDEX" val="5"/>
-  <p:tag name="KSO_WM_UNIT_FILL_TYPE" val="1"/>
-  <p:tag name="KSO_WM_UNIT_TEXT_FILL_FORE_SCHEMECOLOR_INDEX" val="14"/>
-  <p:tag name="KSO_WM_UNIT_TEXT_FILL_TYPE" val="1"/>
-  <p:tag name="KSO_WM_UNIT_USESOURCEFORMAT_APPLY" val="0"/>
-</p:tagLst>
-</file>
-
-<file path=ppt/tags/tag40.xml><?xml version="1.0" encoding="utf-8"?>
-<p:tagLst xmlns:p="http://schemas.openxmlformats.org/presentationml/2006/main">
+<file path=ppt/tags/tag41.xml><?xml version="1.0" encoding="utf-8"?>
+<p:tagLst xmlns:a="http://schemas.openxmlformats.org/drawingml/2006/main" xmlns:r="http://schemas.openxmlformats.org/officeDocument/2006/relationships" xmlns:p="http://schemas.openxmlformats.org/presentationml/2006/main">
   <p:tag name="KSO_WM_TAG_VERSION" val="1.0"/>
   <p:tag name="KSO_WM_BEAUTIFY_FLAG" val="#wm#"/>
   <p:tag name="KSO_WM_TEMPLATE_CATEGORY" val="diagram"/>
@@ -8427,8 +9008,8 @@
 </p:tagLst>
 </file>
 
-<file path=ppt/tags/tag41.xml><?xml version="1.0" encoding="utf-8"?>
-<p:tagLst xmlns:p="http://schemas.openxmlformats.org/presentationml/2006/main">
+<file path=ppt/tags/tag42.xml><?xml version="1.0" encoding="utf-8"?>
+<p:tagLst xmlns:a="http://schemas.openxmlformats.org/drawingml/2006/main" xmlns:r="http://schemas.openxmlformats.org/officeDocument/2006/relationships" xmlns:p="http://schemas.openxmlformats.org/presentationml/2006/main">
   <p:tag name="KSO_WM_TAG_VERSION" val="1.0"/>
   <p:tag name="KSO_WM_BEAUTIFY_FLAG" val="#wm#"/>
   <p:tag name="KSO_WM_TEMPLATE_CATEGORY" val="diagram"/>
@@ -8447,8 +9028,8 @@
 </p:tagLst>
 </file>
 
-<file path=ppt/tags/tag42.xml><?xml version="1.0" encoding="utf-8"?>
-<p:tagLst xmlns:p="http://schemas.openxmlformats.org/presentationml/2006/main">
+<file path=ppt/tags/tag43.xml><?xml version="1.0" encoding="utf-8"?>
+<p:tagLst xmlns:a="http://schemas.openxmlformats.org/drawingml/2006/main" xmlns:r="http://schemas.openxmlformats.org/officeDocument/2006/relationships" xmlns:p="http://schemas.openxmlformats.org/presentationml/2006/main">
   <p:tag name="KSO_WM_TAG_VERSION" val="1.0"/>
   <p:tag name="KSO_WM_BEAUTIFY_FLAG" val="#wm#"/>
   <p:tag name="KSO_WM_TEMPLATE_CATEGORY" val="diagram"/>
@@ -8467,8 +9048,8 @@
 </p:tagLst>
 </file>
 
-<file path=ppt/tags/tag43.xml><?xml version="1.0" encoding="utf-8"?>
-<p:tagLst xmlns:p="http://schemas.openxmlformats.org/presentationml/2006/main">
+<file path=ppt/tags/tag44.xml><?xml version="1.0" encoding="utf-8"?>
+<p:tagLst xmlns:a="http://schemas.openxmlformats.org/drawingml/2006/main" xmlns:r="http://schemas.openxmlformats.org/officeDocument/2006/relationships" xmlns:p="http://schemas.openxmlformats.org/presentationml/2006/main">
   <p:tag name="KSO_WM_TAG_VERSION" val="1.0"/>
   <p:tag name="KSO_WM_BEAUTIFY_FLAG" val="#wm#"/>
   <p:tag name="KSO_WM_TEMPLATE_CATEGORY" val="diagram"/>
@@ -8487,8 +9068,8 @@
 </p:tagLst>
 </file>
 
-<file path=ppt/tags/tag44.xml><?xml version="1.0" encoding="utf-8"?>
-<p:tagLst xmlns:p="http://schemas.openxmlformats.org/presentationml/2006/main">
+<file path=ppt/tags/tag45.xml><?xml version="1.0" encoding="utf-8"?>
+<p:tagLst xmlns:a="http://schemas.openxmlformats.org/drawingml/2006/main" xmlns:r="http://schemas.openxmlformats.org/officeDocument/2006/relationships" xmlns:p="http://schemas.openxmlformats.org/presentationml/2006/main">
   <p:tag name="KSO_WM_TAG_VERSION" val="1.0"/>
   <p:tag name="KSO_WM_BEAUTIFY_FLAG" val="#wm#"/>
   <p:tag name="KSO_WM_TEMPLATE_CATEGORY" val="diagram"/>
@@ -8510,8 +9091,8 @@
 </p:tagLst>
 </file>
 
-<file path=ppt/tags/tag45.xml><?xml version="1.0" encoding="utf-8"?>
-<p:tagLst xmlns:p="http://schemas.openxmlformats.org/presentationml/2006/main">
+<file path=ppt/tags/tag46.xml><?xml version="1.0" encoding="utf-8"?>
+<p:tagLst xmlns:a="http://schemas.openxmlformats.org/drawingml/2006/main" xmlns:r="http://schemas.openxmlformats.org/officeDocument/2006/relationships" xmlns:p="http://schemas.openxmlformats.org/presentationml/2006/main">
   <p:tag name="KSO_WM_TAG_VERSION" val="1.0"/>
   <p:tag name="KSO_WM_BEAUTIFY_FLAG" val="#wm#"/>
   <p:tag name="KSO_WM_TEMPLATE_CATEGORY" val="diagram"/>
@@ -8533,8 +9114,8 @@
 </p:tagLst>
 </file>
 
-<file path=ppt/tags/tag46.xml><?xml version="1.0" encoding="utf-8"?>
-<p:tagLst xmlns:p="http://schemas.openxmlformats.org/presentationml/2006/main">
+<file path=ppt/tags/tag47.xml><?xml version="1.0" encoding="utf-8"?>
+<p:tagLst xmlns:a="http://schemas.openxmlformats.org/drawingml/2006/main" xmlns:r="http://schemas.openxmlformats.org/officeDocument/2006/relationships" xmlns:p="http://schemas.openxmlformats.org/presentationml/2006/main">
   <p:tag name="KSO_WM_TAG_VERSION" val="1.0"/>
   <p:tag name="KSO_WM_BEAUTIFY_FLAG" val="#wm#"/>
   <p:tag name="KSO_WM_TEMPLATE_CATEGORY" val="diagram"/>
@@ -8556,8 +9137,8 @@
 </p:tagLst>
 </file>
 
-<file path=ppt/tags/tag47.xml><?xml version="1.0" encoding="utf-8"?>
-<p:tagLst xmlns:p="http://schemas.openxmlformats.org/presentationml/2006/main">
+<file path=ppt/tags/tag48.xml><?xml version="1.0" encoding="utf-8"?>
+<p:tagLst xmlns:a="http://schemas.openxmlformats.org/drawingml/2006/main" xmlns:r="http://schemas.openxmlformats.org/officeDocument/2006/relationships" xmlns:p="http://schemas.openxmlformats.org/presentationml/2006/main">
   <p:tag name="KSO_WM_TAG_VERSION" val="1.0"/>
   <p:tag name="KSO_WM_BEAUTIFY_FLAG" val="#wm#"/>
   <p:tag name="KSO_WM_TEMPLATE_CATEGORY" val="diagram"/>
@@ -8579,8 +9160,8 @@
 </p:tagLst>
 </file>
 
-<file path=ppt/tags/tag48.xml><?xml version="1.0" encoding="utf-8"?>
-<p:tagLst xmlns:p="http://schemas.openxmlformats.org/presentationml/2006/main">
+<file path=ppt/tags/tag49.xml><?xml version="1.0" encoding="utf-8"?>
+<p:tagLst xmlns:a="http://schemas.openxmlformats.org/drawingml/2006/main" xmlns:r="http://schemas.openxmlformats.org/officeDocument/2006/relationships" xmlns:p="http://schemas.openxmlformats.org/presentationml/2006/main">
   <p:tag name="KSO_WM_TAG_VERSION" val="1.0"/>
   <p:tag name="KSO_WM_BEAUTIFY_FLAG" val="#wm#"/>
   <p:tag name="KSO_WM_TEMPLATE_CATEGORY" val="diagram"/>
@@ -8602,8 +9183,28 @@
 </p:tagLst>
 </file>
 
-<file path=ppt/tags/tag49.xml><?xml version="1.0" encoding="utf-8"?>
-<p:tagLst xmlns:p="http://schemas.openxmlformats.org/presentationml/2006/main">
+<file path=ppt/tags/tag5.xml><?xml version="1.0" encoding="utf-8"?>
+<p:tagLst xmlns:a="http://schemas.openxmlformats.org/drawingml/2006/main" xmlns:r="http://schemas.openxmlformats.org/officeDocument/2006/relationships" xmlns:p="http://schemas.openxmlformats.org/presentationml/2006/main">
+  <p:tag name="KSO_WM_TAG_VERSION" val="1.0"/>
+  <p:tag name="KSO_WM_BEAUTIFY_FLAG" val="#wm#"/>
+  <p:tag name="KSO_WM_UNIT_ID" val="diagram160277_4*l_i*1_3"/>
+  <p:tag name="KSO_WM_TEMPLATE_CATEGORY" val="diagram"/>
+  <p:tag name="KSO_WM_TEMPLATE_INDEX" val="160277"/>
+  <p:tag name="KSO_WM_UNIT_TYPE" val="l_i"/>
+  <p:tag name="KSO_WM_UNIT_INDEX" val="1_3"/>
+  <p:tag name="KSO_WM_UNIT_CLEAR" val="1"/>
+  <p:tag name="KSO_WM_UNIT_LAYERLEVEL" val="1_1"/>
+  <p:tag name="KSO_WM_DIAGRAM_GROUP_CODE" val="l1-1"/>
+  <p:tag name="KSO_WM_UNIT_FILL_FORE_SCHEMECOLOR_INDEX" val="5"/>
+  <p:tag name="KSO_WM_UNIT_FILL_TYPE" val="1"/>
+  <p:tag name="KSO_WM_UNIT_TEXT_FILL_FORE_SCHEMECOLOR_INDEX" val="14"/>
+  <p:tag name="KSO_WM_UNIT_TEXT_FILL_TYPE" val="1"/>
+  <p:tag name="KSO_WM_UNIT_USESOURCEFORMAT_APPLY" val="0"/>
+</p:tagLst>
+</file>
+
+<file path=ppt/tags/tag50.xml><?xml version="1.0" encoding="utf-8"?>
+<p:tagLst xmlns:a="http://schemas.openxmlformats.org/drawingml/2006/main" xmlns:r="http://schemas.openxmlformats.org/officeDocument/2006/relationships" xmlns:p="http://schemas.openxmlformats.org/presentationml/2006/main">
   <p:tag name="KSO_WM_TAG_VERSION" val="1.0"/>
   <p:tag name="KSO_WM_BEAUTIFY_FLAG" val="#wm#"/>
   <p:tag name="KSO_WM_TEMPLATE_CATEGORY" val="diagram"/>
@@ -8625,8 +9226,80 @@
 </p:tagLst>
 </file>
 
-<file path=ppt/tags/tag5.xml><?xml version="1.0" encoding="utf-8"?>
-<p:tagLst xmlns:p="http://schemas.openxmlformats.org/presentationml/2006/main">
+<file path=ppt/tags/tag51.xml><?xml version="1.0" encoding="utf-8"?>
+<p:tagLst xmlns:a="http://schemas.openxmlformats.org/drawingml/2006/main" xmlns:r="http://schemas.openxmlformats.org/officeDocument/2006/relationships" xmlns:p="http://schemas.openxmlformats.org/presentationml/2006/main">
+  <p:tag name="KSO_WM_BEAUTIFY_FLAG" val="#wm#"/>
+  <p:tag name="KSO_WM_TEMPLATE_CATEGORY" val="diagram"/>
+  <p:tag name="KSO_WM_TEMPLATE_INDEX" val="160277"/>
+</p:tagLst>
+</file>
+
+<file path=ppt/tags/tag52.xml><?xml version="1.0" encoding="utf-8"?>
+<p:tagLst xmlns:a="http://schemas.openxmlformats.org/drawingml/2006/main" xmlns:r="http://schemas.openxmlformats.org/officeDocument/2006/relationships" xmlns:p="http://schemas.openxmlformats.org/presentationml/2006/main">
+  <p:tag name="KSO_WM_BEAUTIFY_FLAG" val="#wm#"/>
+  <p:tag name="KSO_WM_TEMPLATE_CATEGORY" val="diagram"/>
+  <p:tag name="KSO_WM_TEMPLATE_INDEX" val="160277"/>
+</p:tagLst>
+</file>
+
+<file path=ppt/tags/tag53.xml><?xml version="1.0" encoding="utf-8"?>
+<p:tagLst xmlns:a="http://schemas.openxmlformats.org/drawingml/2006/main" xmlns:r="http://schemas.openxmlformats.org/officeDocument/2006/relationships" xmlns:p="http://schemas.openxmlformats.org/presentationml/2006/main">
+  <p:tag name="KSO_WM_BEAUTIFY_FLAG" val="#wm#"/>
+  <p:tag name="KSO_WM_TEMPLATE_CATEGORY" val="diagram"/>
+  <p:tag name="KSO_WM_TEMPLATE_INDEX" val="160277"/>
+</p:tagLst>
+</file>
+
+<file path=ppt/tags/tag54.xml><?xml version="1.0" encoding="utf-8"?>
+<p:tagLst xmlns:a="http://schemas.openxmlformats.org/drawingml/2006/main" xmlns:r="http://schemas.openxmlformats.org/officeDocument/2006/relationships" xmlns:p="http://schemas.openxmlformats.org/presentationml/2006/main">
+  <p:tag name="KSO_WM_BEAUTIFY_FLAG" val="#wm#"/>
+  <p:tag name="KSO_WM_TEMPLATE_CATEGORY" val="diagram"/>
+  <p:tag name="KSO_WM_TEMPLATE_INDEX" val="160277"/>
+</p:tagLst>
+</file>
+
+<file path=ppt/tags/tag55.xml><?xml version="1.0" encoding="utf-8"?>
+<p:tagLst xmlns:a="http://schemas.openxmlformats.org/drawingml/2006/main" xmlns:r="http://schemas.openxmlformats.org/officeDocument/2006/relationships" xmlns:p="http://schemas.openxmlformats.org/presentationml/2006/main">
+  <p:tag name="KSO_WM_BEAUTIFY_FLAG" val="#wm#"/>
+  <p:tag name="KSO_WM_TEMPLATE_CATEGORY" val="diagram"/>
+  <p:tag name="KSO_WM_TEMPLATE_INDEX" val="160277"/>
+</p:tagLst>
+</file>
+
+<file path=ppt/tags/tag56.xml><?xml version="1.0" encoding="utf-8"?>
+<p:tagLst xmlns:a="http://schemas.openxmlformats.org/drawingml/2006/main" xmlns:r="http://schemas.openxmlformats.org/officeDocument/2006/relationships" xmlns:p="http://schemas.openxmlformats.org/presentationml/2006/main">
+  <p:tag name="KSO_WM_BEAUTIFY_FLAG" val="#wm#"/>
+  <p:tag name="KSO_WM_TEMPLATE_CATEGORY" val="diagram"/>
+  <p:tag name="KSO_WM_TEMPLATE_INDEX" val="160277"/>
+</p:tagLst>
+</file>
+
+<file path=ppt/tags/tag57.xml><?xml version="1.0" encoding="utf-8"?>
+<p:tagLst xmlns:a="http://schemas.openxmlformats.org/drawingml/2006/main" xmlns:r="http://schemas.openxmlformats.org/officeDocument/2006/relationships" xmlns:p="http://schemas.openxmlformats.org/presentationml/2006/main">
+  <p:tag name="KSO_WM_BEAUTIFY_FLAG" val="#wm#"/>
+  <p:tag name="KSO_WM_TEMPLATE_CATEGORY" val="diagram"/>
+  <p:tag name="KSO_WM_TEMPLATE_INDEX" val="160277"/>
+</p:tagLst>
+</file>
+
+<file path=ppt/tags/tag58.xml><?xml version="1.0" encoding="utf-8"?>
+<p:tagLst xmlns:a="http://schemas.openxmlformats.org/drawingml/2006/main" xmlns:r="http://schemas.openxmlformats.org/officeDocument/2006/relationships" xmlns:p="http://schemas.openxmlformats.org/presentationml/2006/main">
+  <p:tag name="KSO_WM_BEAUTIFY_FLAG" val="#wm#"/>
+  <p:tag name="KSO_WM_TEMPLATE_CATEGORY" val="diagram"/>
+  <p:tag name="KSO_WM_TEMPLATE_INDEX" val="160277"/>
+</p:tagLst>
+</file>
+
+<file path=ppt/tags/tag59.xml><?xml version="1.0" encoding="utf-8"?>
+<p:tagLst xmlns:a="http://schemas.openxmlformats.org/drawingml/2006/main" xmlns:r="http://schemas.openxmlformats.org/officeDocument/2006/relationships" xmlns:p="http://schemas.openxmlformats.org/presentationml/2006/main">
+  <p:tag name="KSO_WM_BEAUTIFY_FLAG" val="#wm#"/>
+  <p:tag name="KSO_WM_TEMPLATE_CATEGORY" val="diagram"/>
+  <p:tag name="KSO_WM_TEMPLATE_INDEX" val="160277"/>
+</p:tagLst>
+</file>
+
+<file path=ppt/tags/tag6.xml><?xml version="1.0" encoding="utf-8"?>
+<p:tagLst xmlns:a="http://schemas.openxmlformats.org/drawingml/2006/main" xmlns:r="http://schemas.openxmlformats.org/officeDocument/2006/relationships" xmlns:p="http://schemas.openxmlformats.org/presentationml/2006/main">
   <p:tag name="KSO_WM_TAG_VERSION" val="1.0"/>
   <p:tag name="KSO_WM_BEAUTIFY_FLAG" val="#wm#"/>
   <p:tag name="KSO_WM_UNIT_ID" val="diagram160277_4*l_i*1_4"/>
@@ -8645,88 +9318,56 @@
 </p:tagLst>
 </file>
 
-<file path=ppt/tags/tag50.xml><?xml version="1.0" encoding="utf-8"?>
-<p:tagLst xmlns:p="http://schemas.openxmlformats.org/presentationml/2006/main">
+<file path=ppt/tags/tag60.xml><?xml version="1.0" encoding="utf-8"?>
+<p:tagLst xmlns:a="http://schemas.openxmlformats.org/drawingml/2006/main" xmlns:r="http://schemas.openxmlformats.org/officeDocument/2006/relationships" xmlns:p="http://schemas.openxmlformats.org/presentationml/2006/main">
   <p:tag name="KSO_WM_BEAUTIFY_FLAG" val="#wm#"/>
   <p:tag name="KSO_WM_TEMPLATE_CATEGORY" val="diagram"/>
   <p:tag name="KSO_WM_TEMPLATE_INDEX" val="160277"/>
 </p:tagLst>
 </file>
 
-<file path=ppt/tags/tag51.xml><?xml version="1.0" encoding="utf-8"?>
-<p:tagLst xmlns:p="http://schemas.openxmlformats.org/presentationml/2006/main">
+<file path=ppt/tags/tag61.xml><?xml version="1.0" encoding="utf-8"?>
+<p:tagLst xmlns:a="http://schemas.openxmlformats.org/drawingml/2006/main" xmlns:r="http://schemas.openxmlformats.org/officeDocument/2006/relationships" xmlns:p="http://schemas.openxmlformats.org/presentationml/2006/main">
   <p:tag name="KSO_WM_BEAUTIFY_FLAG" val="#wm#"/>
   <p:tag name="KSO_WM_TEMPLATE_CATEGORY" val="diagram"/>
   <p:tag name="KSO_WM_TEMPLATE_INDEX" val="160277"/>
 </p:tagLst>
 </file>
 
-<file path=ppt/tags/tag52.xml><?xml version="1.0" encoding="utf-8"?>
-<p:tagLst xmlns:p="http://schemas.openxmlformats.org/presentationml/2006/main">
+<file path=ppt/tags/tag62.xml><?xml version="1.0" encoding="utf-8"?>
+<p:tagLst xmlns:a="http://schemas.openxmlformats.org/drawingml/2006/main" xmlns:r="http://schemas.openxmlformats.org/officeDocument/2006/relationships" xmlns:p="http://schemas.openxmlformats.org/presentationml/2006/main">
   <p:tag name="KSO_WM_BEAUTIFY_FLAG" val="#wm#"/>
   <p:tag name="KSO_WM_TEMPLATE_CATEGORY" val="diagram"/>
   <p:tag name="KSO_WM_TEMPLATE_INDEX" val="160277"/>
 </p:tagLst>
 </file>
 
-<file path=ppt/tags/tag53.xml><?xml version="1.0" encoding="utf-8"?>
-<p:tagLst xmlns:p="http://schemas.openxmlformats.org/presentationml/2006/main">
+<file path=ppt/tags/tag63.xml><?xml version="1.0" encoding="utf-8"?>
+<p:tagLst xmlns:a="http://schemas.openxmlformats.org/drawingml/2006/main" xmlns:r="http://schemas.openxmlformats.org/officeDocument/2006/relationships" xmlns:p="http://schemas.openxmlformats.org/presentationml/2006/main">
   <p:tag name="KSO_WM_BEAUTIFY_FLAG" val="#wm#"/>
   <p:tag name="KSO_WM_TEMPLATE_CATEGORY" val="diagram"/>
   <p:tag name="KSO_WM_TEMPLATE_INDEX" val="160277"/>
 </p:tagLst>
 </file>
 
-<file path=ppt/tags/tag54.xml><?xml version="1.0" encoding="utf-8"?>
-<p:tagLst xmlns:p="http://schemas.openxmlformats.org/presentationml/2006/main">
+<file path=ppt/tags/tag64.xml><?xml version="1.0" encoding="utf-8"?>
+<p:tagLst xmlns:a="http://schemas.openxmlformats.org/drawingml/2006/main" xmlns:r="http://schemas.openxmlformats.org/officeDocument/2006/relationships" xmlns:p="http://schemas.openxmlformats.org/presentationml/2006/main">
   <p:tag name="KSO_WM_BEAUTIFY_FLAG" val="#wm#"/>
   <p:tag name="KSO_WM_TEMPLATE_CATEGORY" val="diagram"/>
   <p:tag name="KSO_WM_TEMPLATE_INDEX" val="160277"/>
 </p:tagLst>
 </file>
 
-<file path=ppt/tags/tag55.xml><?xml version="1.0" encoding="utf-8"?>
-<p:tagLst xmlns:p="http://schemas.openxmlformats.org/presentationml/2006/main">
+<file path=ppt/tags/tag65.xml><?xml version="1.0" encoding="utf-8"?>
+<p:tagLst xmlns:a="http://schemas.openxmlformats.org/drawingml/2006/main" xmlns:r="http://schemas.openxmlformats.org/officeDocument/2006/relationships" xmlns:p="http://schemas.openxmlformats.org/presentationml/2006/main">
   <p:tag name="KSO_WM_BEAUTIFY_FLAG" val="#wm#"/>
   <p:tag name="KSO_WM_TEMPLATE_CATEGORY" val="diagram"/>
   <p:tag name="KSO_WM_TEMPLATE_INDEX" val="160277"/>
 </p:tagLst>
 </file>
 
-<file path=ppt/tags/tag56.xml><?xml version="1.0" encoding="utf-8"?>
-<p:tagLst xmlns:p="http://schemas.openxmlformats.org/presentationml/2006/main">
-  <p:tag name="KSO_WM_BEAUTIFY_FLAG" val="#wm#"/>
-  <p:tag name="KSO_WM_TEMPLATE_CATEGORY" val="diagram"/>
-  <p:tag name="KSO_WM_TEMPLATE_INDEX" val="160277"/>
-</p:tagLst>
-</file>
-
-<file path=ppt/tags/tag57.xml><?xml version="1.0" encoding="utf-8"?>
-<p:tagLst xmlns:p="http://schemas.openxmlformats.org/presentationml/2006/main">
-  <p:tag name="KSO_WM_BEAUTIFY_FLAG" val="#wm#"/>
-  <p:tag name="KSO_WM_TEMPLATE_CATEGORY" val="diagram"/>
-  <p:tag name="KSO_WM_TEMPLATE_INDEX" val="160277"/>
-</p:tagLst>
-</file>
-
-<file path=ppt/tags/tag58.xml><?xml version="1.0" encoding="utf-8"?>
-<p:tagLst xmlns:p="http://schemas.openxmlformats.org/presentationml/2006/main">
-  <p:tag name="KSO_WM_BEAUTIFY_FLAG" val="#wm#"/>
-  <p:tag name="KSO_WM_TEMPLATE_CATEGORY" val="diagram"/>
-  <p:tag name="KSO_WM_TEMPLATE_INDEX" val="160277"/>
-</p:tagLst>
-</file>
-
-<file path=ppt/tags/tag59.xml><?xml version="1.0" encoding="utf-8"?>
-<p:tagLst xmlns:p="http://schemas.openxmlformats.org/presentationml/2006/main">
-  <p:tag name="KSO_WM_BEAUTIFY_FLAG" val="#wm#"/>
-  <p:tag name="KSO_WM_TEMPLATE_CATEGORY" val="diagram"/>
-  <p:tag name="KSO_WM_TEMPLATE_INDEX" val="160277"/>
-</p:tagLst>
-</file>
-
-<file path=ppt/tags/tag6.xml><?xml version="1.0" encoding="utf-8"?>
-<p:tagLst xmlns:p="http://schemas.openxmlformats.org/presentationml/2006/main">
+<file path=ppt/tags/tag7.xml><?xml version="1.0" encoding="utf-8"?>
+<p:tagLst xmlns:a="http://schemas.openxmlformats.org/drawingml/2006/main" xmlns:r="http://schemas.openxmlformats.org/officeDocument/2006/relationships" xmlns:p="http://schemas.openxmlformats.org/presentationml/2006/main">
   <p:tag name="KSO_WM_TAG_VERSION" val="1.0"/>
   <p:tag name="KSO_WM_BEAUTIFY_FLAG" val="#wm#"/>
   <p:tag name="KSO_WM_UNIT_ID" val="diagram160277_4*l_i*1_5"/>
@@ -8745,56 +9386,8 @@
 </p:tagLst>
 </file>
 
-<file path=ppt/tags/tag60.xml><?xml version="1.0" encoding="utf-8"?>
-<p:tagLst xmlns:p="http://schemas.openxmlformats.org/presentationml/2006/main">
-  <p:tag name="KSO_WM_BEAUTIFY_FLAG" val="#wm#"/>
-  <p:tag name="KSO_WM_TEMPLATE_CATEGORY" val="diagram"/>
-  <p:tag name="KSO_WM_TEMPLATE_INDEX" val="160277"/>
-</p:tagLst>
-</file>
-
-<file path=ppt/tags/tag61.xml><?xml version="1.0" encoding="utf-8"?>
-<p:tagLst xmlns:p="http://schemas.openxmlformats.org/presentationml/2006/main">
-  <p:tag name="KSO_WM_BEAUTIFY_FLAG" val="#wm#"/>
-  <p:tag name="KSO_WM_TEMPLATE_CATEGORY" val="diagram"/>
-  <p:tag name="KSO_WM_TEMPLATE_INDEX" val="160277"/>
-</p:tagLst>
-</file>
-
-<file path=ppt/tags/tag62.xml><?xml version="1.0" encoding="utf-8"?>
-<p:tagLst xmlns:p="http://schemas.openxmlformats.org/presentationml/2006/main">
-  <p:tag name="KSO_WM_BEAUTIFY_FLAG" val="#wm#"/>
-  <p:tag name="KSO_WM_TEMPLATE_CATEGORY" val="diagram"/>
-  <p:tag name="KSO_WM_TEMPLATE_INDEX" val="160277"/>
-</p:tagLst>
-</file>
-
-<file path=ppt/tags/tag63.xml><?xml version="1.0" encoding="utf-8"?>
-<p:tagLst xmlns:p="http://schemas.openxmlformats.org/presentationml/2006/main">
-  <p:tag name="KSO_WM_BEAUTIFY_FLAG" val="#wm#"/>
-  <p:tag name="KSO_WM_TEMPLATE_CATEGORY" val="diagram"/>
-  <p:tag name="KSO_WM_TEMPLATE_INDEX" val="160277"/>
-</p:tagLst>
-</file>
-
-<file path=ppt/tags/tag64.xml><?xml version="1.0" encoding="utf-8"?>
-<p:tagLst xmlns:p="http://schemas.openxmlformats.org/presentationml/2006/main">
-  <p:tag name="KSO_WM_BEAUTIFY_FLAG" val="#wm#"/>
-  <p:tag name="KSO_WM_TEMPLATE_CATEGORY" val="diagram"/>
-  <p:tag name="KSO_WM_TEMPLATE_INDEX" val="160277"/>
-</p:tagLst>
-</file>
-
-<file path=ppt/tags/tag65.xml><?xml version="1.0" encoding="utf-8"?>
-<p:tagLst xmlns:p="http://schemas.openxmlformats.org/presentationml/2006/main">
-  <p:tag name="KSO_WM_BEAUTIFY_FLAG" val="#wm#"/>
-  <p:tag name="KSO_WM_TEMPLATE_CATEGORY" val="diagram"/>
-  <p:tag name="KSO_WM_TEMPLATE_INDEX" val="160277"/>
-</p:tagLst>
-</file>
-
-<file path=ppt/tags/tag7.xml><?xml version="1.0" encoding="utf-8"?>
-<p:tagLst xmlns:p="http://schemas.openxmlformats.org/presentationml/2006/main">
+<file path=ppt/tags/tag8.xml><?xml version="1.0" encoding="utf-8"?>
+<p:tagLst xmlns:a="http://schemas.openxmlformats.org/drawingml/2006/main" xmlns:r="http://schemas.openxmlformats.org/officeDocument/2006/relationships" xmlns:p="http://schemas.openxmlformats.org/presentationml/2006/main">
   <p:tag name="KSO_WM_TAG_VERSION" val="1.0"/>
   <p:tag name="KSO_WM_BEAUTIFY_FLAG" val="#wm#"/>
   <p:tag name="KSO_WM_UNIT_ID" val="diagram160277_4*l_h_f*1_1_1"/>
@@ -8816,8 +9409,8 @@
 </p:tagLst>
 </file>
 
-<file path=ppt/tags/tag8.xml><?xml version="1.0" encoding="utf-8"?>
-<p:tagLst xmlns:p="http://schemas.openxmlformats.org/presentationml/2006/main">
+<file path=ppt/tags/tag9.xml><?xml version="1.0" encoding="utf-8"?>
+<p:tagLst xmlns:a="http://schemas.openxmlformats.org/drawingml/2006/main" xmlns:r="http://schemas.openxmlformats.org/officeDocument/2006/relationships" xmlns:p="http://schemas.openxmlformats.org/presentationml/2006/main">
   <p:tag name="KSO_WM_TAG_VERSION" val="1.0"/>
   <p:tag name="KSO_WM_BEAUTIFY_FLAG" val="#wm#"/>
   <p:tag name="KSO_WM_UNIT_ID" val="diagram160277_4*l_h_a*1_1_1"/>
@@ -8834,26 +9427,6 @@
   <p:tag name="KSO_WM_UNIT_PRESET_TEXT_LEN" val="12"/>
   <p:tag name="KSO_WM_DIAGRAM_GROUP_CODE" val="l1-1"/>
   <p:tag name="KSO_WM_UNIT_TEXT_FILL_FORE_SCHEMECOLOR_INDEX" val="5"/>
-  <p:tag name="KSO_WM_UNIT_TEXT_FILL_TYPE" val="1"/>
-  <p:tag name="KSO_WM_UNIT_USESOURCEFORMAT_APPLY" val="0"/>
-</p:tagLst>
-</file>
-
-<file path=ppt/tags/tag9.xml><?xml version="1.0" encoding="utf-8"?>
-<p:tagLst xmlns:p="http://schemas.openxmlformats.org/presentationml/2006/main">
-  <p:tag name="KSO_WM_TAG_VERSION" val="1.0"/>
-  <p:tag name="KSO_WM_BEAUTIFY_FLAG" val="#wm#"/>
-  <p:tag name="KSO_WM_UNIT_ID" val="diagram160277_4*l_i*1_11"/>
-  <p:tag name="KSO_WM_TEMPLATE_CATEGORY" val="diagram"/>
-  <p:tag name="KSO_WM_TEMPLATE_INDEX" val="160277"/>
-  <p:tag name="KSO_WM_UNIT_TYPE" val="l_i"/>
-  <p:tag name="KSO_WM_UNIT_INDEX" val="1_11"/>
-  <p:tag name="KSO_WM_UNIT_CLEAR" val="1"/>
-  <p:tag name="KSO_WM_UNIT_LAYERLEVEL" val="1_1"/>
-  <p:tag name="KSO_WM_DIAGRAM_GROUP_CODE" val="l1-1"/>
-  <p:tag name="KSO_WM_UNIT_FILL_FORE_SCHEMECOLOR_INDEX" val="7"/>
-  <p:tag name="KSO_WM_UNIT_FILL_TYPE" val="1"/>
-  <p:tag name="KSO_WM_UNIT_TEXT_FILL_FORE_SCHEMECOLOR_INDEX" val="14"/>
   <p:tag name="KSO_WM_UNIT_TEXT_FILL_TYPE" val="1"/>
   <p:tag name="KSO_WM_UNIT_USESOURCEFORMAT_APPLY" val="0"/>
 </p:tagLst>
@@ -9110,6 +9683,8 @@
       </a:bgFillStyleLst>
     </a:fmtScheme>
   </a:themeElements>
+  <a:objectDefaults/>
+  <a:extraClrSchemeLst/>
   <a:extLst>
     <a:ext uri="{05A4C25C-085E-4340-85A3-A5531E510DB2}">
       <thm15:themeFamily xmlns:thm15="http://schemas.microsoft.com/office/thememl/2012/main" name="Office Theme" id="{62F939B6-93AF-4DB8-9C6B-D6C7DFDC589F}" vid="{4A3C46E8-61CC-4603-A589-7422A47A8E4A}"/>
@@ -9369,6 +9944,8 @@
       </a:bgFillStyleLst>
     </a:fmtScheme>
   </a:themeElements>
+  <a:objectDefaults/>
+  <a:extraClrSchemeLst/>
   <a:extLst>
     <a:ext uri="{05A4C25C-085E-4340-85A3-A5531E510DB2}">
       <thm15:themeFamily xmlns:thm15="http://schemas.microsoft.com/office/thememl/2012/main" name="Office Theme" id="{62F939B6-93AF-4DB8-9C6B-D6C7DFDC589F}" vid="{4A3C46E8-61CC-4603-A589-7422A47A8E4A}"/>

--- a/1.Docker高可用的开发环境-preview.pptx
+++ b/1.Docker高可用的开发环境-preview.pptx
@@ -1,39 +1,39 @@
 
 <file path=ppt/presentation.xml><?xml version="1.0" encoding="utf-8"?>
-<p:presentation xmlns:a="http://schemas.openxmlformats.org/drawingml/2006/main" xmlns:r="http://schemas.openxmlformats.org/officeDocument/2006/relationships" xmlns:p="http://schemas.openxmlformats.org/presentationml/2006/main" saveSubsetFonts="1">
+<p:presentation xmlns:a="http://schemas.openxmlformats.org/drawingml/2006/main" xmlns:r="http://schemas.openxmlformats.org/officeDocument/2006/relationships" xmlns:p="http://schemas.openxmlformats.org/presentationml/2006/main">
   <p:sldMasterIdLst>
     <p:sldMasterId id="2147483648" r:id="rId1"/>
   </p:sldMasterIdLst>
   <p:notesMasterIdLst>
-    <p:notesMasterId r:id="rId28"/>
+    <p:notesMasterId r:id="rId12"/>
   </p:notesMasterIdLst>
   <p:sldIdLst>
-    <p:sldId id="256" r:id="rId2"/>
-    <p:sldId id="292" r:id="rId3"/>
-    <p:sldId id="257" r:id="rId4"/>
-    <p:sldId id="258" r:id="rId5"/>
-    <p:sldId id="259" r:id="rId6"/>
-    <p:sldId id="260" r:id="rId7"/>
-    <p:sldId id="291" r:id="rId8"/>
-    <p:sldId id="262" r:id="rId9"/>
-    <p:sldId id="261" r:id="rId10"/>
-    <p:sldId id="264" r:id="rId11"/>
-    <p:sldId id="263" r:id="rId12"/>
-    <p:sldId id="266" r:id="rId13"/>
-    <p:sldId id="277" r:id="rId14"/>
-    <p:sldId id="267" r:id="rId15"/>
-    <p:sldId id="268" r:id="rId16"/>
-    <p:sldId id="269" r:id="rId17"/>
-    <p:sldId id="270" r:id="rId18"/>
-    <p:sldId id="278" r:id="rId19"/>
-    <p:sldId id="271" r:id="rId20"/>
-    <p:sldId id="290" r:id="rId21"/>
-    <p:sldId id="272" r:id="rId22"/>
-    <p:sldId id="273" r:id="rId23"/>
-    <p:sldId id="276" r:id="rId24"/>
-    <p:sldId id="274" r:id="rId25"/>
-    <p:sldId id="275" r:id="rId26"/>
-    <p:sldId id="279" r:id="rId27"/>
+    <p:sldId id="256" r:id="rId3"/>
+    <p:sldId id="292" r:id="rId4"/>
+    <p:sldId id="257" r:id="rId5"/>
+    <p:sldId id="258" r:id="rId6"/>
+    <p:sldId id="259" r:id="rId7"/>
+    <p:sldId id="260" r:id="rId8"/>
+    <p:sldId id="291" r:id="rId9"/>
+    <p:sldId id="262" r:id="rId10"/>
+    <p:sldId id="261" r:id="rId11"/>
+    <p:sldId id="264" r:id="rId13"/>
+    <p:sldId id="263" r:id="rId14"/>
+    <p:sldId id="266" r:id="rId15"/>
+    <p:sldId id="277" r:id="rId16"/>
+    <p:sldId id="267" r:id="rId17"/>
+    <p:sldId id="268" r:id="rId18"/>
+    <p:sldId id="269" r:id="rId19"/>
+    <p:sldId id="270" r:id="rId20"/>
+    <p:sldId id="278" r:id="rId21"/>
+    <p:sldId id="271" r:id="rId22"/>
+    <p:sldId id="290" r:id="rId23"/>
+    <p:sldId id="272" r:id="rId24"/>
+    <p:sldId id="273" r:id="rId25"/>
+    <p:sldId id="276" r:id="rId26"/>
+    <p:sldId id="274" r:id="rId27"/>
+    <p:sldId id="275" r:id="rId28"/>
+    <p:sldId id="279" r:id="rId29"/>
   </p:sldIdLst>
   <p:sldSz cx="12192000" cy="6858000"/>
   <p:notesSz cx="6858000" cy="9144000"/>
@@ -132,11 +132,6 @@
       </a:defRPr>
     </a:lvl9pPr>
   </p:defaultTextStyle>
-  <p:extLst>
-    <p:ext uri="{EFAFB233-063F-42B5-8137-9DF3F51BA10A}">
-      <p15:sldGuideLst xmlns:p15="http://schemas.microsoft.com/office/powerpoint/2012/main"/>
-    </p:ext>
-  </p:extLst>
 </p:presentation>
 </file>
 
@@ -222,7 +217,6 @@
           <a:p>
             <a:fld id="{D2A48B96-639E-45A3-A0BA-2464DFDB1FAA}" type="datetimeFigureOut">
               <a:rPr lang="zh-CN" altLang="en-US" smtClean="0"/>
-              <a:t>2017/9/6</a:t>
             </a:fld>
             <a:endParaRPr lang="zh-CN" altLang="en-US"/>
           </a:p>
@@ -289,6 +283,7 @@
               <a:rPr lang="zh-CN" altLang="en-US" smtClean="0"/>
               <a:t>单击此处编辑母版文本样式</a:t>
             </a:r>
+            <a:endParaRPr lang="zh-CN" altLang="en-US" smtClean="0"/>
           </a:p>
           <a:p>
             <a:pPr lvl="1"/>
@@ -296,6 +291,7 @@
               <a:rPr lang="zh-CN" altLang="en-US" smtClean="0"/>
               <a:t>第二级</a:t>
             </a:r>
+            <a:endParaRPr lang="zh-CN" altLang="en-US" smtClean="0"/>
           </a:p>
           <a:p>
             <a:pPr lvl="2"/>
@@ -303,6 +299,7 @@
               <a:rPr lang="zh-CN" altLang="en-US" smtClean="0"/>
               <a:t>第三级</a:t>
             </a:r>
+            <a:endParaRPr lang="zh-CN" altLang="en-US" smtClean="0"/>
           </a:p>
           <a:p>
             <a:pPr lvl="3"/>
@@ -310,6 +307,7 @@
               <a:rPr lang="zh-CN" altLang="en-US" smtClean="0"/>
               <a:t>第四级</a:t>
             </a:r>
+            <a:endParaRPr lang="zh-CN" altLang="en-US" smtClean="0"/>
           </a:p>
           <a:p>
             <a:pPr lvl="4"/>
@@ -381,7 +379,6 @@
           <a:p>
             <a:fld id="{A6837353-30EB-4A48-80EB-173D804AEFBD}" type="slidenum">
               <a:rPr lang="zh-CN" altLang="en-US" smtClean="0"/>
-              <a:t>‹#›</a:t>
             </a:fld>
             <a:endParaRPr lang="zh-CN" altLang="en-US"/>
           </a:p>
@@ -550,7 +547,6 @@
           <a:p>
             <a:fld id="{B3E0ADA2-0332-47D9-A9C6-497A0FB212DA}" type="slidenum">
               <a:rPr lang="zh-CN" altLang="en-US" smtClean="0"/>
-              <a:t>9</a:t>
             </a:fld>
             <a:endParaRPr lang="zh-CN" altLang="en-US"/>
           </a:p>
@@ -695,7 +691,6 @@
           <a:p>
             <a:fld id="{D997B5FA-0921-464F-AAE1-844C04324D75}" type="datetimeFigureOut">
               <a:rPr lang="zh-CN" altLang="en-US" smtClean="0"/>
-              <a:t>2017/9/6</a:t>
             </a:fld>
             <a:endParaRPr lang="zh-CN" altLang="en-US"/>
           </a:p>
@@ -737,7 +732,6 @@
           <a:p>
             <a:fld id="{565CE74E-AB26-4998-AD42-012C4C1AD076}" type="slidenum">
               <a:rPr lang="zh-CN" altLang="en-US" smtClean="0"/>
-              <a:t>‹#›</a:t>
             </a:fld>
             <a:endParaRPr lang="zh-CN" altLang="en-US"/>
           </a:p>
@@ -811,6 +805,7 @@
               <a:rPr lang="zh-CN" altLang="en-US" smtClean="0"/>
               <a:t>单击此处编辑母版文本样式</a:t>
             </a:r>
+            <a:endParaRPr lang="zh-CN" altLang="en-US" smtClean="0"/>
           </a:p>
           <a:p>
             <a:pPr lvl="1"/>
@@ -818,6 +813,7 @@
               <a:rPr lang="zh-CN" altLang="en-US" smtClean="0"/>
               <a:t>第二级</a:t>
             </a:r>
+            <a:endParaRPr lang="zh-CN" altLang="en-US" smtClean="0"/>
           </a:p>
           <a:p>
             <a:pPr lvl="2"/>
@@ -825,6 +821,7 @@
               <a:rPr lang="zh-CN" altLang="en-US" smtClean="0"/>
               <a:t>第三级</a:t>
             </a:r>
+            <a:endParaRPr lang="zh-CN" altLang="en-US" smtClean="0"/>
           </a:p>
           <a:p>
             <a:pPr lvl="3"/>
@@ -832,6 +829,7 @@
               <a:rPr lang="zh-CN" altLang="en-US" smtClean="0"/>
               <a:t>第四级</a:t>
             </a:r>
+            <a:endParaRPr lang="zh-CN" altLang="en-US" smtClean="0"/>
           </a:p>
           <a:p>
             <a:pPr lvl="4"/>
@@ -860,7 +858,6 @@
           <a:p>
             <a:fld id="{D997B5FA-0921-464F-AAE1-844C04324D75}" type="datetimeFigureOut">
               <a:rPr lang="zh-CN" altLang="en-US" smtClean="0"/>
-              <a:t>2017/9/6</a:t>
             </a:fld>
             <a:endParaRPr lang="zh-CN" altLang="en-US"/>
           </a:p>
@@ -902,7 +899,6 @@
           <a:p>
             <a:fld id="{565CE74E-AB26-4998-AD42-012C4C1AD076}" type="slidenum">
               <a:rPr lang="zh-CN" altLang="en-US" smtClean="0"/>
-              <a:t>‹#›</a:t>
             </a:fld>
             <a:endParaRPr lang="zh-CN" altLang="en-US"/>
           </a:p>
@@ -986,6 +982,7 @@
               <a:rPr lang="zh-CN" altLang="en-US" smtClean="0"/>
               <a:t>单击此处编辑母版文本样式</a:t>
             </a:r>
+            <a:endParaRPr lang="zh-CN" altLang="en-US" smtClean="0"/>
           </a:p>
           <a:p>
             <a:pPr lvl="1"/>
@@ -993,6 +990,7 @@
               <a:rPr lang="zh-CN" altLang="en-US" smtClean="0"/>
               <a:t>第二级</a:t>
             </a:r>
+            <a:endParaRPr lang="zh-CN" altLang="en-US" smtClean="0"/>
           </a:p>
           <a:p>
             <a:pPr lvl="2"/>
@@ -1000,6 +998,7 @@
               <a:rPr lang="zh-CN" altLang="en-US" smtClean="0"/>
               <a:t>第三级</a:t>
             </a:r>
+            <a:endParaRPr lang="zh-CN" altLang="en-US" smtClean="0"/>
           </a:p>
           <a:p>
             <a:pPr lvl="3"/>
@@ -1007,6 +1006,7 @@
               <a:rPr lang="zh-CN" altLang="en-US" smtClean="0"/>
               <a:t>第四级</a:t>
             </a:r>
+            <a:endParaRPr lang="zh-CN" altLang="en-US" smtClean="0"/>
           </a:p>
           <a:p>
             <a:pPr lvl="4"/>
@@ -1035,7 +1035,6 @@
           <a:p>
             <a:fld id="{D997B5FA-0921-464F-AAE1-844C04324D75}" type="datetimeFigureOut">
               <a:rPr lang="zh-CN" altLang="en-US" smtClean="0"/>
-              <a:t>2017/9/6</a:t>
             </a:fld>
             <a:endParaRPr lang="zh-CN" altLang="en-US"/>
           </a:p>
@@ -1077,7 +1076,6 @@
           <a:p>
             <a:fld id="{565CE74E-AB26-4998-AD42-012C4C1AD076}" type="slidenum">
               <a:rPr lang="zh-CN" altLang="en-US" smtClean="0"/>
-              <a:t>‹#›</a:t>
             </a:fld>
             <a:endParaRPr lang="zh-CN" altLang="en-US"/>
           </a:p>
@@ -1151,6 +1149,7 @@
               <a:rPr lang="zh-CN" altLang="en-US" smtClean="0"/>
               <a:t>单击此处编辑母版文本样式</a:t>
             </a:r>
+            <a:endParaRPr lang="zh-CN" altLang="en-US" smtClean="0"/>
           </a:p>
           <a:p>
             <a:pPr lvl="1"/>
@@ -1158,6 +1157,7 @@
               <a:rPr lang="zh-CN" altLang="en-US" smtClean="0"/>
               <a:t>第二级</a:t>
             </a:r>
+            <a:endParaRPr lang="zh-CN" altLang="en-US" smtClean="0"/>
           </a:p>
           <a:p>
             <a:pPr lvl="2"/>
@@ -1165,6 +1165,7 @@
               <a:rPr lang="zh-CN" altLang="en-US" smtClean="0"/>
               <a:t>第三级</a:t>
             </a:r>
+            <a:endParaRPr lang="zh-CN" altLang="en-US" smtClean="0"/>
           </a:p>
           <a:p>
             <a:pPr lvl="3"/>
@@ -1172,6 +1173,7 @@
               <a:rPr lang="zh-CN" altLang="en-US" smtClean="0"/>
               <a:t>第四级</a:t>
             </a:r>
+            <a:endParaRPr lang="zh-CN" altLang="en-US" smtClean="0"/>
           </a:p>
           <a:p>
             <a:pPr lvl="4"/>
@@ -1200,7 +1202,6 @@
           <a:p>
             <a:fld id="{D997B5FA-0921-464F-AAE1-844C04324D75}" type="datetimeFigureOut">
               <a:rPr lang="zh-CN" altLang="en-US" smtClean="0"/>
-              <a:t>2017/9/6</a:t>
             </a:fld>
             <a:endParaRPr lang="zh-CN" altLang="en-US"/>
           </a:p>
@@ -1242,7 +1243,6 @@
           <a:p>
             <a:fld id="{565CE74E-AB26-4998-AD42-012C4C1AD076}" type="slidenum">
               <a:rPr lang="zh-CN" altLang="en-US" smtClean="0"/>
-              <a:t>‹#›</a:t>
             </a:fld>
             <a:endParaRPr lang="zh-CN" altLang="en-US"/>
           </a:p>
@@ -1421,6 +1421,7 @@
               <a:rPr lang="zh-CN" altLang="en-US" smtClean="0"/>
               <a:t>单击此处编辑母版文本样式</a:t>
             </a:r>
+            <a:endParaRPr lang="zh-CN" altLang="en-US" smtClean="0"/>
           </a:p>
         </p:txBody>
       </p:sp>
@@ -1441,7 +1442,6 @@
           <a:p>
             <a:fld id="{D997B5FA-0921-464F-AAE1-844C04324D75}" type="datetimeFigureOut">
               <a:rPr lang="zh-CN" altLang="en-US" smtClean="0"/>
-              <a:t>2017/9/6</a:t>
             </a:fld>
             <a:endParaRPr lang="zh-CN" altLang="en-US"/>
           </a:p>
@@ -1483,7 +1483,6 @@
           <a:p>
             <a:fld id="{565CE74E-AB26-4998-AD42-012C4C1AD076}" type="slidenum">
               <a:rPr lang="zh-CN" altLang="en-US" smtClean="0"/>
-              <a:t>‹#›</a:t>
             </a:fld>
             <a:endParaRPr lang="zh-CN" altLang="en-US"/>
           </a:p>
@@ -1562,6 +1561,7 @@
               <a:rPr lang="zh-CN" altLang="en-US" smtClean="0"/>
               <a:t>单击此处编辑母版文本样式</a:t>
             </a:r>
+            <a:endParaRPr lang="zh-CN" altLang="en-US" smtClean="0"/>
           </a:p>
           <a:p>
             <a:pPr lvl="1"/>
@@ -1569,6 +1569,7 @@
               <a:rPr lang="zh-CN" altLang="en-US" smtClean="0"/>
               <a:t>第二级</a:t>
             </a:r>
+            <a:endParaRPr lang="zh-CN" altLang="en-US" smtClean="0"/>
           </a:p>
           <a:p>
             <a:pPr lvl="2"/>
@@ -1576,6 +1577,7 @@
               <a:rPr lang="zh-CN" altLang="en-US" smtClean="0"/>
               <a:t>第三级</a:t>
             </a:r>
+            <a:endParaRPr lang="zh-CN" altLang="en-US" smtClean="0"/>
           </a:p>
           <a:p>
             <a:pPr lvl="3"/>
@@ -1583,6 +1585,7 @@
               <a:rPr lang="zh-CN" altLang="en-US" smtClean="0"/>
               <a:t>第四级</a:t>
             </a:r>
+            <a:endParaRPr lang="zh-CN" altLang="en-US" smtClean="0"/>
           </a:p>
           <a:p>
             <a:pPr lvl="4"/>
@@ -1619,6 +1622,7 @@
               <a:rPr lang="zh-CN" altLang="en-US" smtClean="0"/>
               <a:t>单击此处编辑母版文本样式</a:t>
             </a:r>
+            <a:endParaRPr lang="zh-CN" altLang="en-US" smtClean="0"/>
           </a:p>
           <a:p>
             <a:pPr lvl="1"/>
@@ -1626,6 +1630,7 @@
               <a:rPr lang="zh-CN" altLang="en-US" smtClean="0"/>
               <a:t>第二级</a:t>
             </a:r>
+            <a:endParaRPr lang="zh-CN" altLang="en-US" smtClean="0"/>
           </a:p>
           <a:p>
             <a:pPr lvl="2"/>
@@ -1633,6 +1638,7 @@
               <a:rPr lang="zh-CN" altLang="en-US" smtClean="0"/>
               <a:t>第三级</a:t>
             </a:r>
+            <a:endParaRPr lang="zh-CN" altLang="en-US" smtClean="0"/>
           </a:p>
           <a:p>
             <a:pPr lvl="3"/>
@@ -1640,6 +1646,7 @@
               <a:rPr lang="zh-CN" altLang="en-US" smtClean="0"/>
               <a:t>第四级</a:t>
             </a:r>
+            <a:endParaRPr lang="zh-CN" altLang="en-US" smtClean="0"/>
           </a:p>
           <a:p>
             <a:pPr lvl="4"/>
@@ -1668,7 +1675,6 @@
           <a:p>
             <a:fld id="{D997B5FA-0921-464F-AAE1-844C04324D75}" type="datetimeFigureOut">
               <a:rPr lang="zh-CN" altLang="en-US" smtClean="0"/>
-              <a:t>2017/9/6</a:t>
             </a:fld>
             <a:endParaRPr lang="zh-CN" altLang="en-US"/>
           </a:p>
@@ -1710,7 +1716,6 @@
           <a:p>
             <a:fld id="{565CE74E-AB26-4998-AD42-012C4C1AD076}" type="slidenum">
               <a:rPr lang="zh-CN" altLang="en-US" smtClean="0"/>
-              <a:t>‹#›</a:t>
             </a:fld>
             <a:endParaRPr lang="zh-CN" altLang="en-US"/>
           </a:p>
@@ -1831,6 +1836,7 @@
               <a:rPr lang="zh-CN" altLang="en-US" smtClean="0"/>
               <a:t>单击此处编辑母版文本样式</a:t>
             </a:r>
+            <a:endParaRPr lang="zh-CN" altLang="en-US" smtClean="0"/>
           </a:p>
         </p:txBody>
       </p:sp>
@@ -1859,6 +1865,7 @@
               <a:rPr lang="zh-CN" altLang="en-US" smtClean="0"/>
               <a:t>单击此处编辑母版文本样式</a:t>
             </a:r>
+            <a:endParaRPr lang="zh-CN" altLang="en-US" smtClean="0"/>
           </a:p>
           <a:p>
             <a:pPr lvl="1"/>
@@ -1866,6 +1873,7 @@
               <a:rPr lang="zh-CN" altLang="en-US" smtClean="0"/>
               <a:t>第二级</a:t>
             </a:r>
+            <a:endParaRPr lang="zh-CN" altLang="en-US" smtClean="0"/>
           </a:p>
           <a:p>
             <a:pPr lvl="2"/>
@@ -1873,6 +1881,7 @@
               <a:rPr lang="zh-CN" altLang="en-US" smtClean="0"/>
               <a:t>第三级</a:t>
             </a:r>
+            <a:endParaRPr lang="zh-CN" altLang="en-US" smtClean="0"/>
           </a:p>
           <a:p>
             <a:pPr lvl="3"/>
@@ -1880,6 +1889,7 @@
               <a:rPr lang="zh-CN" altLang="en-US" smtClean="0"/>
               <a:t>第四级</a:t>
             </a:r>
+            <a:endParaRPr lang="zh-CN" altLang="en-US" smtClean="0"/>
           </a:p>
           <a:p>
             <a:pPr lvl="4"/>
@@ -1953,6 +1963,7 @@
               <a:rPr lang="zh-CN" altLang="en-US" smtClean="0"/>
               <a:t>单击此处编辑母版文本样式</a:t>
             </a:r>
+            <a:endParaRPr lang="zh-CN" altLang="en-US" smtClean="0"/>
           </a:p>
         </p:txBody>
       </p:sp>
@@ -1981,6 +1992,7 @@
               <a:rPr lang="zh-CN" altLang="en-US" smtClean="0"/>
               <a:t>单击此处编辑母版文本样式</a:t>
             </a:r>
+            <a:endParaRPr lang="zh-CN" altLang="en-US" smtClean="0"/>
           </a:p>
           <a:p>
             <a:pPr lvl="1"/>
@@ -1988,6 +2000,7 @@
               <a:rPr lang="zh-CN" altLang="en-US" smtClean="0"/>
               <a:t>第二级</a:t>
             </a:r>
+            <a:endParaRPr lang="zh-CN" altLang="en-US" smtClean="0"/>
           </a:p>
           <a:p>
             <a:pPr lvl="2"/>
@@ -1995,6 +2008,7 @@
               <a:rPr lang="zh-CN" altLang="en-US" smtClean="0"/>
               <a:t>第三级</a:t>
             </a:r>
+            <a:endParaRPr lang="zh-CN" altLang="en-US" smtClean="0"/>
           </a:p>
           <a:p>
             <a:pPr lvl="3"/>
@@ -2002,6 +2016,7 @@
               <a:rPr lang="zh-CN" altLang="en-US" smtClean="0"/>
               <a:t>第四级</a:t>
             </a:r>
+            <a:endParaRPr lang="zh-CN" altLang="en-US" smtClean="0"/>
           </a:p>
           <a:p>
             <a:pPr lvl="4"/>
@@ -2030,7 +2045,6 @@
           <a:p>
             <a:fld id="{D997B5FA-0921-464F-AAE1-844C04324D75}" type="datetimeFigureOut">
               <a:rPr lang="zh-CN" altLang="en-US" smtClean="0"/>
-              <a:t>2017/9/6</a:t>
             </a:fld>
             <a:endParaRPr lang="zh-CN" altLang="en-US"/>
           </a:p>
@@ -2072,7 +2086,6 @@
           <a:p>
             <a:fld id="{565CE74E-AB26-4998-AD42-012C4C1AD076}" type="slidenum">
               <a:rPr lang="zh-CN" altLang="en-US" smtClean="0"/>
-              <a:t>‹#›</a:t>
             </a:fld>
             <a:endParaRPr lang="zh-CN" altLang="en-US"/>
           </a:p>
@@ -2143,7 +2156,6 @@
           <a:p>
             <a:fld id="{D997B5FA-0921-464F-AAE1-844C04324D75}" type="datetimeFigureOut">
               <a:rPr lang="zh-CN" altLang="en-US" smtClean="0"/>
-              <a:t>2017/9/6</a:t>
             </a:fld>
             <a:endParaRPr lang="zh-CN" altLang="en-US"/>
           </a:p>
@@ -2185,7 +2197,6 @@
           <a:p>
             <a:fld id="{565CE74E-AB26-4998-AD42-012C4C1AD076}" type="slidenum">
               <a:rPr lang="zh-CN" altLang="en-US" smtClean="0"/>
-              <a:t>‹#›</a:t>
             </a:fld>
             <a:endParaRPr lang="zh-CN" altLang="en-US"/>
           </a:p>
@@ -2233,7 +2244,6 @@
           <a:p>
             <a:fld id="{D997B5FA-0921-464F-AAE1-844C04324D75}" type="datetimeFigureOut">
               <a:rPr lang="zh-CN" altLang="en-US" smtClean="0"/>
-              <a:t>2017/9/6</a:t>
             </a:fld>
             <a:endParaRPr lang="zh-CN" altLang="en-US"/>
           </a:p>
@@ -2275,7 +2285,6 @@
           <a:p>
             <a:fld id="{565CE74E-AB26-4998-AD42-012C4C1AD076}" type="slidenum">
               <a:rPr lang="zh-CN" altLang="en-US" smtClean="0"/>
-              <a:t>‹#›</a:t>
             </a:fld>
             <a:endParaRPr lang="zh-CN" altLang="en-US"/>
           </a:p>
@@ -2391,6 +2400,7 @@
               <a:rPr lang="zh-CN" altLang="en-US" smtClean="0"/>
               <a:t>单击此处编辑母版文本样式</a:t>
             </a:r>
+            <a:endParaRPr lang="zh-CN" altLang="en-US" smtClean="0"/>
           </a:p>
           <a:p>
             <a:pPr lvl="1"/>
@@ -2398,6 +2408,7 @@
               <a:rPr lang="zh-CN" altLang="en-US" smtClean="0"/>
               <a:t>第二级</a:t>
             </a:r>
+            <a:endParaRPr lang="zh-CN" altLang="en-US" smtClean="0"/>
           </a:p>
           <a:p>
             <a:pPr lvl="2"/>
@@ -2405,6 +2416,7 @@
               <a:rPr lang="zh-CN" altLang="en-US" smtClean="0"/>
               <a:t>第三级</a:t>
             </a:r>
+            <a:endParaRPr lang="zh-CN" altLang="en-US" smtClean="0"/>
           </a:p>
           <a:p>
             <a:pPr lvl="3"/>
@@ -2412,6 +2424,7 @@
               <a:rPr lang="zh-CN" altLang="en-US" smtClean="0"/>
               <a:t>第四级</a:t>
             </a:r>
+            <a:endParaRPr lang="zh-CN" altLang="en-US" smtClean="0"/>
           </a:p>
           <a:p>
             <a:pPr lvl="4"/>
@@ -2485,6 +2498,7 @@
               <a:rPr lang="zh-CN" altLang="en-US" smtClean="0"/>
               <a:t>单击此处编辑母版文本样式</a:t>
             </a:r>
+            <a:endParaRPr lang="zh-CN" altLang="en-US" smtClean="0"/>
           </a:p>
         </p:txBody>
       </p:sp>
@@ -2505,7 +2519,6 @@
           <a:p>
             <a:fld id="{D997B5FA-0921-464F-AAE1-844C04324D75}" type="datetimeFigureOut">
               <a:rPr lang="zh-CN" altLang="en-US" smtClean="0"/>
-              <a:t>2017/9/6</a:t>
             </a:fld>
             <a:endParaRPr lang="zh-CN" altLang="en-US"/>
           </a:p>
@@ -2547,7 +2560,6 @@
           <a:p>
             <a:fld id="{565CE74E-AB26-4998-AD42-012C4C1AD076}" type="slidenum">
               <a:rPr lang="zh-CN" altLang="en-US" smtClean="0"/>
-              <a:t>‹#›</a:t>
             </a:fld>
             <a:endParaRPr lang="zh-CN" altLang="en-US"/>
           </a:p>
@@ -2733,6 +2745,7 @@
               <a:rPr lang="zh-CN" altLang="en-US" smtClean="0"/>
               <a:t>单击此处编辑母版文本样式</a:t>
             </a:r>
+            <a:endParaRPr lang="zh-CN" altLang="en-US" smtClean="0"/>
           </a:p>
         </p:txBody>
       </p:sp>
@@ -2753,7 +2766,6 @@
           <a:p>
             <a:fld id="{D997B5FA-0921-464F-AAE1-844C04324D75}" type="datetimeFigureOut">
               <a:rPr lang="zh-CN" altLang="en-US" smtClean="0"/>
-              <a:t>2017/9/6</a:t>
             </a:fld>
             <a:endParaRPr lang="zh-CN" altLang="en-US"/>
           </a:p>
@@ -2795,7 +2807,6 @@
           <a:p>
             <a:fld id="{565CE74E-AB26-4998-AD42-012C4C1AD076}" type="slidenum">
               <a:rPr lang="zh-CN" altLang="en-US" smtClean="0"/>
-              <a:t>‹#›</a:t>
             </a:fld>
             <a:endParaRPr lang="zh-CN" altLang="en-US"/>
           </a:p>
@@ -2894,6 +2905,7 @@
               <a:rPr lang="zh-CN" altLang="en-US" smtClean="0"/>
               <a:t>单击此处编辑母版文本样式</a:t>
             </a:r>
+            <a:endParaRPr lang="zh-CN" altLang="en-US" smtClean="0"/>
           </a:p>
           <a:p>
             <a:pPr lvl="1"/>
@@ -2901,6 +2913,7 @@
               <a:rPr lang="zh-CN" altLang="en-US" smtClean="0"/>
               <a:t>第二级</a:t>
             </a:r>
+            <a:endParaRPr lang="zh-CN" altLang="en-US" smtClean="0"/>
           </a:p>
           <a:p>
             <a:pPr lvl="2"/>
@@ -2908,6 +2921,7 @@
               <a:rPr lang="zh-CN" altLang="en-US" smtClean="0"/>
               <a:t>第三级</a:t>
             </a:r>
+            <a:endParaRPr lang="zh-CN" altLang="en-US" smtClean="0"/>
           </a:p>
           <a:p>
             <a:pPr lvl="3"/>
@@ -2915,6 +2929,7 @@
               <a:rPr lang="zh-CN" altLang="en-US" smtClean="0"/>
               <a:t>第四级</a:t>
             </a:r>
+            <a:endParaRPr lang="zh-CN" altLang="en-US" smtClean="0"/>
           </a:p>
           <a:p>
             <a:pPr lvl="4"/>
@@ -2961,7 +2976,6 @@
           <a:p>
             <a:fld id="{D997B5FA-0921-464F-AAE1-844C04324D75}" type="datetimeFigureOut">
               <a:rPr lang="zh-CN" altLang="en-US" smtClean="0"/>
-              <a:t>2017/9/6</a:t>
             </a:fld>
             <a:endParaRPr lang="zh-CN" altLang="en-US"/>
           </a:p>
@@ -3039,7 +3053,6 @@
           <a:p>
             <a:fld id="{565CE74E-AB26-4998-AD42-012C4C1AD076}" type="slidenum">
               <a:rPr lang="zh-CN" altLang="en-US" smtClean="0"/>
-              <a:t>‹#›</a:t>
             </a:fld>
             <a:endParaRPr lang="zh-CN" altLang="en-US"/>
           </a:p>
@@ -3389,6 +3402,7 @@
               <a:rPr lang="zh-CN" altLang="en-US" sz="4800" dirty="0"/>
               <a:t>构建高可用的开发环境</a:t>
             </a:r>
+            <a:endParaRPr lang="zh-CN" altLang="en-US" sz="4800" dirty="0"/>
           </a:p>
         </p:txBody>
       </p:sp>
@@ -3419,6 +3433,7 @@
               <a:rPr lang="en-US" altLang="zh-CN"/>
               <a:t>Godtoy</a:t>
             </a:r>
+            <a:endParaRPr lang="en-US" altLang="zh-CN"/>
           </a:p>
         </p:txBody>
       </p:sp>
@@ -3544,6 +3559,7 @@
               <a:rPr lang="zh-CN" altLang="en-US" dirty="0"/>
               <a:t>，建议最新稳定版本作为宿主机</a:t>
             </a:r>
+            <a:endParaRPr lang="zh-CN" altLang="en-US" dirty="0"/>
           </a:p>
           <a:p>
             <a:endParaRPr lang="zh-CN" altLang="en-US" dirty="0"/>
@@ -3573,76 +3589,81 @@
               <a:rPr lang="zh-CN" altLang="en-US" dirty="0"/>
               <a:t>稳定版本</a:t>
             </a:r>
+            <a:endParaRPr lang="zh-CN" altLang="en-US" dirty="0"/>
           </a:p>
           <a:p>
             <a:r>
               <a:rPr lang="zh-CN" altLang="en-US" dirty="0">
+                <a:hlinkClick r:id="rId1" action="ppaction://hlinkfile"/>
+              </a:rPr>
+              <a:t>https://docs.docker.com/engine/installation/</a:t>
+            </a:r>
+            <a:endParaRPr lang="zh-CN" altLang="en-US" dirty="0"/>
+          </a:p>
+          <a:p>
+            <a:endParaRPr lang="zh-CN" altLang="en-US" dirty="0">
+              <a:hlinkClick r:id="rId1" action="ppaction://hlinkfile"/>
+            </a:endParaRPr>
+          </a:p>
+          <a:p>
+            <a:r>
+              <a:rPr lang="en-US" altLang="zh-CN" dirty="0"/>
+              <a:t>3.</a:t>
+            </a:r>
+            <a:r>
+              <a:rPr lang="zh-CN" altLang="en-US" dirty="0" smtClean="0"/>
+              <a:t>共享开发机器磁盘文件</a:t>
+            </a:r>
+            <a:r>
+              <a:rPr lang="zh-CN" altLang="en-US" dirty="0"/>
+              <a:t>夹到</a:t>
+            </a:r>
+            <a:r>
+              <a:rPr lang="en-US" altLang="zh-CN" dirty="0" err="1"/>
+              <a:t>vmware</a:t>
+            </a:r>
+            <a:r>
+              <a:rPr lang="zh-CN" altLang="en-US" dirty="0"/>
+              <a:t>虚拟机的宿主机中。</a:t>
+            </a:r>
+            <a:endParaRPr lang="zh-CN" altLang="en-US" dirty="0"/>
+          </a:p>
+          <a:p>
+            <a:r>
+              <a:rPr lang="en-US" altLang="zh-CN" dirty="0">
+                <a:hlinkClick r:id="rId2" action="ppaction://hlinkfile"/>
+              </a:rPr>
+              <a:t>https://blog.oeynet.com/post/108.html</a:t>
+            </a:r>
+            <a:endParaRPr lang="en-US" altLang="zh-CN" dirty="0"/>
+          </a:p>
+          <a:p>
+            <a:endParaRPr lang="zh-CN" altLang="en-US" dirty="0"/>
+          </a:p>
+          <a:p>
+            <a:r>
+              <a:rPr lang="en-US" altLang="zh-CN" dirty="0"/>
+              <a:t>4. </a:t>
+            </a:r>
+            <a:r>
+              <a:rPr lang="zh-CN" altLang="en-US" dirty="0"/>
+              <a:t>安装编排工具 </a:t>
+            </a:r>
+            <a:r>
+              <a:rPr lang="en-US" altLang="zh-CN" dirty="0" err="1"/>
+              <a:t>docker</a:t>
+            </a:r>
+            <a:r>
+              <a:rPr lang="en-US" altLang="zh-CN" dirty="0"/>
+              <a:t>-compose</a:t>
+            </a:r>
+            <a:endParaRPr lang="en-US" altLang="zh-CN" dirty="0"/>
+          </a:p>
+          <a:p>
+            <a:r>
+              <a:rPr lang="en-US" altLang="zh-CN" dirty="0">
                 <a:hlinkClick r:id="rId3" action="ppaction://hlinkfile"/>
               </a:rPr>
-              <a:t>https://docs.docker.com/engine/installation/</a:t>
-            </a:r>
-          </a:p>
-          <a:p>
-            <a:endParaRPr lang="zh-CN" altLang="en-US" dirty="0">
-              <a:hlinkClick r:id="rId3" action="ppaction://hlinkfile"/>
-            </a:endParaRPr>
-          </a:p>
-          <a:p>
-            <a:r>
-              <a:rPr lang="en-US" altLang="zh-CN" dirty="0"/>
-              <a:t>3.</a:t>
-            </a:r>
-            <a:r>
-              <a:rPr lang="zh-CN" altLang="en-US" dirty="0" smtClean="0"/>
-              <a:t>共享开发机器磁盘文件</a:t>
-            </a:r>
-            <a:r>
-              <a:rPr lang="zh-CN" altLang="en-US" dirty="0"/>
-              <a:t>夹到</a:t>
-            </a:r>
-            <a:r>
-              <a:rPr lang="en-US" altLang="zh-CN" dirty="0" err="1"/>
-              <a:t>vmware</a:t>
-            </a:r>
-            <a:r>
-              <a:rPr lang="zh-CN" altLang="en-US" dirty="0"/>
-              <a:t>虚拟机的宿主机中。</a:t>
-            </a:r>
-          </a:p>
-          <a:p>
-            <a:r>
-              <a:rPr lang="en-US" altLang="zh-CN" dirty="0">
-                <a:hlinkClick r:id="rId4" action="ppaction://hlinkfile"/>
-              </a:rPr>
-              <a:t>https://blog.oeynet.com/post/108.html</a:t>
-            </a:r>
-          </a:p>
-          <a:p>
-            <a:endParaRPr lang="zh-CN" altLang="en-US" dirty="0"/>
-          </a:p>
-          <a:p>
-            <a:r>
-              <a:rPr lang="en-US" altLang="zh-CN" dirty="0"/>
-              <a:t>4. </a:t>
-            </a:r>
-            <a:r>
-              <a:rPr lang="zh-CN" altLang="en-US" dirty="0"/>
-              <a:t>安装编排工具 </a:t>
-            </a:r>
-            <a:r>
-              <a:rPr lang="en-US" altLang="zh-CN" dirty="0" err="1"/>
-              <a:t>docker</a:t>
-            </a:r>
-            <a:r>
-              <a:rPr lang="en-US" altLang="zh-CN" dirty="0"/>
-              <a:t>-compose</a:t>
-            </a:r>
-          </a:p>
-          <a:p>
-            <a:r>
-              <a:rPr lang="en-US" altLang="zh-CN" dirty="0">
-                <a:hlinkClick r:id="rId5" action="ppaction://hlinkfile"/>
-              </a:rPr>
               <a:t>https://github.com/docker/compose</a:t>
             </a:r>
             <a:endParaRPr lang="en-US" altLang="zh-CN" dirty="0"/>
@@ -3651,7 +3672,7 @@
       </p:sp>
     </p:spTree>
     <p:custDataLst>
-      <p:tags r:id="rId1"/>
+      <p:tags r:id="rId4"/>
     </p:custDataLst>
   </p:cSld>
   <p:clrMapOvr>
@@ -3750,11 +3771,7 @@
             </a:r>
             <a:r>
               <a:rPr lang="en-US" altLang="zh-CN" sz="3200" dirty="0" err="1" smtClean="0"/>
-              <a:t>linux+</a:t>
-            </a:r>
-            <a:r>
-              <a:rPr lang="en-US" altLang="zh-CN" sz="3200" dirty="0" err="1" smtClean="0"/>
-              <a:t>nmp</a:t>
+              <a:t>linux+nmp</a:t>
             </a:r>
             <a:endParaRPr lang="en-US" altLang="zh-CN" sz="3200" dirty="0"/>
           </a:p>
@@ -3766,7 +3783,7 @@
           <p:cNvCxnSpPr/>
           <p:nvPr>
             <p:custDataLst>
-              <p:tags r:id="rId2"/>
+              <p:tags r:id="rId1"/>
             </p:custDataLst>
           </p:nvPr>
         </p:nvCxnSpPr>
@@ -3807,7 +3824,7 @@
           <p:cNvCxnSpPr/>
           <p:nvPr>
             <p:custDataLst>
-              <p:tags r:id="rId3"/>
+              <p:tags r:id="rId2"/>
             </p:custDataLst>
           </p:nvPr>
         </p:nvCxnSpPr>
@@ -3848,7 +3865,7 @@
           <p:cNvSpPr/>
           <p:nvPr>
             <p:custDataLst>
-              <p:tags r:id="rId4"/>
+              <p:tags r:id="rId3"/>
             </p:custDataLst>
           </p:nvPr>
         </p:nvSpPr>
@@ -3908,7 +3925,7 @@
           <p:cNvSpPr/>
           <p:nvPr>
             <p:custDataLst>
-              <p:tags r:id="rId5"/>
+              <p:tags r:id="rId4"/>
             </p:custDataLst>
           </p:nvPr>
         </p:nvSpPr>
@@ -3973,7 +3990,7 @@
           <p:cNvSpPr/>
           <p:nvPr>
             <p:custDataLst>
-              <p:tags r:id="rId6"/>
+              <p:tags r:id="rId5"/>
             </p:custDataLst>
           </p:nvPr>
         </p:nvSpPr>
@@ -4033,7 +4050,7 @@
           <p:cNvSpPr/>
           <p:nvPr>
             <p:custDataLst>
-              <p:tags r:id="rId7"/>
+              <p:tags r:id="rId6"/>
             </p:custDataLst>
           </p:nvPr>
         </p:nvSpPr>
@@ -4097,7 +4114,7 @@
           <p:cNvSpPr/>
           <p:nvPr>
             <p:custDataLst>
-              <p:tags r:id="rId8"/>
+              <p:tags r:id="rId7"/>
             </p:custDataLst>
           </p:nvPr>
         </p:nvSpPr>
@@ -4157,7 +4174,7 @@
           <p:cNvSpPr/>
           <p:nvPr>
             <p:custDataLst>
-              <p:tags r:id="rId9"/>
+              <p:tags r:id="rId8"/>
             </p:custDataLst>
           </p:nvPr>
         </p:nvSpPr>
@@ -4221,7 +4238,7 @@
           <p:cNvSpPr/>
           <p:nvPr>
             <p:custDataLst>
-              <p:tags r:id="rId10"/>
+              <p:tags r:id="rId9"/>
             </p:custDataLst>
           </p:nvPr>
         </p:nvSpPr>
@@ -4281,7 +4298,7 @@
           <p:cNvSpPr/>
           <p:nvPr>
             <p:custDataLst>
-              <p:tags r:id="rId11"/>
+              <p:tags r:id="rId10"/>
             </p:custDataLst>
           </p:nvPr>
         </p:nvSpPr>
@@ -4345,7 +4362,7 @@
           <p:cNvSpPr/>
           <p:nvPr>
             <p:custDataLst>
-              <p:tags r:id="rId12"/>
+              <p:tags r:id="rId11"/>
             </p:custDataLst>
           </p:nvPr>
         </p:nvSpPr>
@@ -4405,7 +4422,7 @@
           <p:cNvSpPr/>
           <p:nvPr>
             <p:custDataLst>
-              <p:tags r:id="rId13"/>
+              <p:tags r:id="rId12"/>
             </p:custDataLst>
           </p:nvPr>
         </p:nvSpPr>
@@ -4469,7 +4486,7 @@
           <p:cNvSpPr/>
           <p:nvPr>
             <p:custDataLst>
-              <p:tags r:id="rId14"/>
+              <p:tags r:id="rId13"/>
             </p:custDataLst>
           </p:nvPr>
         </p:nvSpPr>
@@ -4529,7 +4546,7 @@
           <p:cNvSpPr/>
           <p:nvPr>
             <p:custDataLst>
-              <p:tags r:id="rId15"/>
+              <p:tags r:id="rId14"/>
             </p:custDataLst>
           </p:nvPr>
         </p:nvSpPr>
@@ -4595,7 +4612,7 @@
           </p:cNvCxnSpPr>
           <p:nvPr>
             <p:custDataLst>
-              <p:tags r:id="rId16"/>
+              <p:tags r:id="rId15"/>
             </p:custDataLst>
           </p:nvPr>
         </p:nvCxnSpPr>
@@ -4636,7 +4653,7 @@
           <p:cNvSpPr/>
           <p:nvPr>
             <p:custDataLst>
-              <p:tags r:id="rId17"/>
+              <p:tags r:id="rId16"/>
             </p:custDataLst>
           </p:nvPr>
         </p:nvSpPr>
@@ -4694,7 +4711,7 @@
           <p:cNvSpPr/>
           <p:nvPr>
             <p:custDataLst>
-              <p:tags r:id="rId18"/>
+              <p:tags r:id="rId17"/>
             </p:custDataLst>
           </p:nvPr>
         </p:nvSpPr>
@@ -4752,7 +4769,7 @@
           <p:cNvSpPr/>
           <p:nvPr>
             <p:custDataLst>
-              <p:tags r:id="rId19"/>
+              <p:tags r:id="rId18"/>
             </p:custDataLst>
           </p:nvPr>
         </p:nvSpPr>
@@ -4810,7 +4827,7 @@
           <p:cNvSpPr/>
           <p:nvPr>
             <p:custDataLst>
-              <p:tags r:id="rId20"/>
+              <p:tags r:id="rId19"/>
             </p:custDataLst>
           </p:nvPr>
         </p:nvSpPr>
@@ -4868,7 +4885,7 @@
           <p:cNvSpPr txBox="1"/>
           <p:nvPr>
             <p:custDataLst>
-              <p:tags r:id="rId21"/>
+              <p:tags r:id="rId20"/>
             </p:custDataLst>
           </p:nvPr>
         </p:nvSpPr>
@@ -4893,6 +4910,7 @@
               <a:rPr lang="en-US" altLang="zh-CN" dirty="0"/>
               <a:t>nginx</a:t>
             </a:r>
+            <a:endParaRPr lang="en-US" altLang="zh-CN" dirty="0"/>
           </a:p>
         </p:txBody>
       </p:sp>
@@ -4902,7 +4920,7 @@
           <p:cNvSpPr txBox="1"/>
           <p:nvPr>
             <p:custDataLst>
-              <p:tags r:id="rId22"/>
+              <p:tags r:id="rId21"/>
             </p:custDataLst>
           </p:nvPr>
         </p:nvSpPr>
@@ -4927,6 +4945,7 @@
               <a:rPr lang="en-US" altLang="zh-CN" dirty="0"/>
               <a:t>php-fpm</a:t>
             </a:r>
+            <a:endParaRPr lang="en-US" altLang="zh-CN" dirty="0"/>
           </a:p>
           <a:p>
             <a:pPr algn="ctr"/>
@@ -4934,6 +4953,7 @@
               <a:rPr lang="en-US" altLang="zh-CN" dirty="0"/>
               <a:t>v5.5</a:t>
             </a:r>
+            <a:endParaRPr lang="en-US" altLang="zh-CN" dirty="0"/>
           </a:p>
         </p:txBody>
       </p:sp>
@@ -4943,7 +4963,7 @@
           <p:cNvSpPr txBox="1"/>
           <p:nvPr>
             <p:custDataLst>
-              <p:tags r:id="rId23"/>
+              <p:tags r:id="rId22"/>
             </p:custDataLst>
           </p:nvPr>
         </p:nvSpPr>
@@ -4968,6 +4988,7 @@
               <a:rPr lang="en-US" altLang="zh-CN" dirty="0"/>
               <a:t>php-fpm</a:t>
             </a:r>
+            <a:endParaRPr lang="en-US" altLang="zh-CN" dirty="0"/>
           </a:p>
           <a:p>
             <a:pPr algn="ctr"/>
@@ -4975,6 +4996,7 @@
               <a:rPr lang="en-US" altLang="zh-CN" dirty="0"/>
               <a:t>v7.0</a:t>
             </a:r>
+            <a:endParaRPr lang="en-US" altLang="zh-CN" dirty="0"/>
           </a:p>
         </p:txBody>
       </p:sp>
@@ -4984,7 +5006,7 @@
           <p:cNvSpPr txBox="1"/>
           <p:nvPr>
             <p:custDataLst>
-              <p:tags r:id="rId24"/>
+              <p:tags r:id="rId23"/>
             </p:custDataLst>
           </p:nvPr>
         </p:nvSpPr>
@@ -5009,6 +5031,7 @@
               <a:rPr lang="en-US" altLang="zh-CN" dirty="0"/>
               <a:t>mongo</a:t>
             </a:r>
+            <a:endParaRPr lang="en-US" altLang="zh-CN" dirty="0"/>
           </a:p>
         </p:txBody>
       </p:sp>
@@ -5018,7 +5041,7 @@
           <p:cNvSpPr txBox="1"/>
           <p:nvPr>
             <p:custDataLst>
-              <p:tags r:id="rId25"/>
+              <p:tags r:id="rId24"/>
             </p:custDataLst>
           </p:nvPr>
         </p:nvSpPr>
@@ -5043,6 +5066,7 @@
               <a:rPr lang="en-US" altLang="zh-CN" dirty="0"/>
               <a:t>redis</a:t>
             </a:r>
+            <a:endParaRPr lang="en-US" altLang="zh-CN" dirty="0"/>
           </a:p>
         </p:txBody>
       </p:sp>
@@ -5052,7 +5076,7 @@
           <p:cNvSpPr txBox="1"/>
           <p:nvPr>
             <p:custDataLst>
-              <p:tags r:id="rId26"/>
+              <p:tags r:id="rId25"/>
             </p:custDataLst>
           </p:nvPr>
         </p:nvSpPr>
@@ -5077,12 +5101,13 @@
               <a:rPr lang="en-US" altLang="zh-CN" dirty="0"/>
               <a:t>mysql</a:t>
             </a:r>
+            <a:endParaRPr lang="en-US" altLang="zh-CN" dirty="0"/>
           </a:p>
         </p:txBody>
       </p:sp>
     </p:spTree>
     <p:custDataLst>
-      <p:tags r:id="rId1"/>
+      <p:tags r:id="rId26"/>
     </p:custDataLst>
   </p:cSld>
   <p:clrMapOvr>
@@ -5154,6 +5179,7 @@
               <a:rPr lang="en-US" altLang="zh-CN" dirty="0"/>
               <a:t> -e MYSQL_ROOT_PASSWORD=root mysql:5.7 --character-set-server=utf8mb4 --collation-server=utf8mb4_unicode_ci</a:t>
             </a:r>
+            <a:endParaRPr lang="en-US" altLang="zh-CN" dirty="0"/>
           </a:p>
           <a:p>
             <a:endParaRPr lang="en-US" altLang="zh-CN" dirty="0"/>
@@ -5191,12 +5217,14 @@
               <a:rPr lang="en-US" altLang="zh-CN" dirty="0"/>
               <a:t> -v "$PWD":/app -w /app php:7.0-fpm </a:t>
             </a:r>
+            <a:endParaRPr lang="en-US" altLang="zh-CN" dirty="0"/>
           </a:p>
           <a:p>
             <a:r>
               <a:rPr lang="en-US" altLang="zh-CN" dirty="0" smtClean="0"/>
               <a:t>09</a:t>
             </a:r>
+            <a:endParaRPr lang="en-US" altLang="zh-CN" dirty="0" smtClean="0"/>
           </a:p>
           <a:p>
             <a:endParaRPr lang="en-US" altLang="zh-CN" dirty="0"/>
@@ -5252,38 +5280,41 @@
               <a:rPr lang="zh-CN" altLang="en-US" dirty="0"/>
               <a:t>/nginx.conf:/etc/nginx/nginx.conf:ro -d nginx</a:t>
             </a:r>
+            <a:endParaRPr lang="zh-CN" altLang="en-US" dirty="0"/>
           </a:p>
           <a:p>
             <a:endParaRPr lang="en-US" altLang="zh-CN" dirty="0">
-              <a:hlinkClick r:id="rId3" action="ppaction://hlinkfile"/>
+              <a:hlinkClick r:id="rId1" action="ppaction://hlinkfile"/>
             </a:endParaRPr>
           </a:p>
           <a:p>
             <a:endParaRPr lang="en-US" altLang="zh-CN" dirty="0">
-              <a:hlinkClick r:id="rId3" action="ppaction://hlinkfile"/>
+              <a:hlinkClick r:id="rId1" action="ppaction://hlinkfile"/>
             </a:endParaRPr>
+          </a:p>
+          <a:p>
+            <a:r>
+              <a:rPr lang="en-US" altLang="zh-CN" dirty="0">
+                <a:hlinkClick r:id="rId1" action="ppaction://hlinkfile"/>
+              </a:rPr>
+              <a:t>https://hub.docker.com/_/php/</a:t>
+            </a:r>
+            <a:endParaRPr lang="en-US" altLang="zh-CN" dirty="0"/>
+          </a:p>
+          <a:p>
+            <a:r>
+              <a:rPr lang="en-US" altLang="zh-CN" dirty="0">
+                <a:hlinkClick r:id="rId2" action="ppaction://hlinkfile"/>
+              </a:rPr>
+              <a:t>https://hub.docker.com/_/nginx/</a:t>
+            </a:r>
+            <a:endParaRPr lang="en-US" altLang="zh-CN" dirty="0"/>
           </a:p>
           <a:p>
             <a:r>
               <a:rPr lang="en-US" altLang="zh-CN" dirty="0">
                 <a:hlinkClick r:id="rId3" action="ppaction://hlinkfile"/>
               </a:rPr>
-              <a:t>https://hub.docker.com/_/php/</a:t>
-            </a:r>
-          </a:p>
-          <a:p>
-            <a:r>
-              <a:rPr lang="en-US" altLang="zh-CN" dirty="0">
-                <a:hlinkClick r:id="rId4" action="ppaction://hlinkfile"/>
-              </a:rPr>
-              <a:t>https://hub.docker.com/_/nginx/</a:t>
-            </a:r>
-          </a:p>
-          <a:p>
-            <a:r>
-              <a:rPr lang="en-US" altLang="zh-CN" dirty="0">
-                <a:hlinkClick r:id="rId5" action="ppaction://hlinkfile"/>
-              </a:rPr>
               <a:t>https://hub.docker.com/_/mysql/</a:t>
             </a:r>
             <a:endParaRPr lang="en-US" altLang="zh-CN" dirty="0"/>
@@ -5295,7 +5326,7 @@
       </p:sp>
     </p:spTree>
     <p:custDataLst>
-      <p:tags r:id="rId1"/>
+      <p:tags r:id="rId4"/>
     </p:custDataLst>
   </p:cSld>
   <p:clrMapOvr>
@@ -5522,6 +5553,7 @@
               <a:rPr lang="zh-CN" altLang="en-US" sz="3200"/>
               <a:t>的一些使用总结和注意点</a:t>
             </a:r>
+            <a:endParaRPr lang="zh-CN" altLang="en-US" sz="3200"/>
           </a:p>
         </p:txBody>
       </p:sp>
@@ -5586,8 +5618,17 @@
             </a:r>
             <a:r>
               <a:rPr lang="zh-CN" altLang="en-US" sz="3200"/>
-              <a:t>服务编排</a:t>
-            </a:r>
+              <a:t>服务编排 </a:t>
+            </a:r>
+            <a:r>
+              <a:rPr lang="en-US" altLang="zh-CN" sz="3200"/>
+              <a:t>&amp; </a:t>
+            </a:r>
+            <a:r>
+              <a:rPr lang="zh-CN" altLang="en-US" sz="3200"/>
+              <a:t>提取配置文件</a:t>
+            </a:r>
+            <a:endParaRPr lang="zh-CN" altLang="en-US" sz="3200"/>
           </a:p>
         </p:txBody>
       </p:sp>
@@ -5654,6 +5695,7 @@
               <a:rPr lang="zh-CN" altLang="en-US" sz="3200"/>
               <a:t>完整的项目</a:t>
             </a:r>
+            <a:endParaRPr lang="zh-CN" altLang="en-US" sz="3200"/>
           </a:p>
         </p:txBody>
       </p:sp>
@@ -5720,6 +5762,7 @@
               <a:rPr lang="zh-CN" altLang="en-US" sz="3200" dirty="0"/>
               <a:t>文件</a:t>
             </a:r>
+            <a:endParaRPr lang="zh-CN" altLang="en-US" sz="3200" dirty="0"/>
           </a:p>
         </p:txBody>
       </p:sp>
@@ -5786,6 +5829,7 @@
               <a:rPr lang="zh-CN" altLang="en-US" sz="3200"/>
               <a:t>构建工具整合</a:t>
             </a:r>
+            <a:endParaRPr lang="zh-CN" altLang="en-US" sz="3200"/>
           </a:p>
         </p:txBody>
       </p:sp>
@@ -5943,11 +5987,6 @@
         </p:txBody>
       </p:sp>
     </p:spTree>
-    <p:extLst>
-      <p:ext uri="{BB962C8B-B14F-4D97-AF65-F5344CB8AC3E}">
-        <p14:creationId xmlns:p14="http://schemas.microsoft.com/office/powerpoint/2010/main" val="781681041"/>
-      </p:ext>
-    </p:extLst>
   </p:cSld>
   <p:clrMapOvr>
     <a:masterClrMapping/>
@@ -6066,6 +6105,7 @@
               <a:rPr lang="zh-CN" altLang="en-US" sz="3200" dirty="0"/>
               <a:t>容器云</a:t>
             </a:r>
+            <a:endParaRPr lang="zh-CN" altLang="en-US" sz="3200" dirty="0"/>
           </a:p>
         </p:txBody>
       </p:sp>
@@ -6191,6 +6231,7 @@
               <a:rPr lang="zh-CN" altLang="en-US" sz="3200"/>
               <a:t>企业开发团队操作场景的一些手段</a:t>
             </a:r>
+            <a:endParaRPr lang="zh-CN" altLang="en-US" sz="3200"/>
           </a:p>
         </p:txBody>
       </p:sp>
@@ -6265,6 +6306,7 @@
               <a:rPr lang="zh-CN" altLang="en-US" sz="3200"/>
               <a:t>介绍</a:t>
             </a:r>
+            <a:endParaRPr lang="zh-CN" altLang="en-US" sz="3200"/>
           </a:p>
         </p:txBody>
       </p:sp>
@@ -6323,6 +6365,7 @@
               <a:rPr lang="en-US" altLang="zh-CN" sz="6000"/>
               <a:t>Q &amp; A</a:t>
             </a:r>
+            <a:endParaRPr lang="en-US" altLang="zh-CN" sz="6000"/>
           </a:p>
         </p:txBody>
       </p:sp>
@@ -6363,7 +6406,7 @@
           <p:nvPr/>
         </p:nvPicPr>
         <p:blipFill>
-          <a:blip r:embed="rId3"/>
+          <a:blip r:embed="rId1"/>
           <a:stretch>
             <a:fillRect/>
           </a:stretch>
@@ -6380,7 +6423,7 @@
       </p:pic>
     </p:spTree>
     <p:custDataLst>
-      <p:tags r:id="rId1"/>
+      <p:tags r:id="rId2"/>
     </p:custDataLst>
   </p:cSld>
   <p:clrMapOvr>
@@ -6431,6 +6474,7 @@
               <a:rPr lang="zh-CN" altLang="en-US"/>
               <a:t>什么是开发环境高可用？</a:t>
             </a:r>
+            <a:endParaRPr lang="zh-CN" altLang="en-US"/>
           </a:p>
         </p:txBody>
       </p:sp>
@@ -6575,6 +6619,7 @@
               <a:rPr lang="zh-CN" altLang="en-US" sz="2800"/>
               <a:t>节省资源</a:t>
             </a:r>
+            <a:endParaRPr lang="zh-CN" altLang="en-US" sz="2800"/>
           </a:p>
         </p:txBody>
       </p:sp>
@@ -6611,7 +6656,7 @@
         </p:nvSpPr>
         <p:spPr>
           <a:xfrm>
-            <a:off x="744855" y="2225675"/>
+            <a:off x="540385" y="3044825"/>
             <a:ext cx="11111230" cy="768350"/>
           </a:xfrm>
           <a:prstGeom prst="rect">
@@ -6630,6 +6675,7 @@
               <a:rPr lang="zh-CN" altLang="en-US" sz="4400"/>
               <a:t>高可用的开发环境能给我们带来什么？</a:t>
             </a:r>
+            <a:endParaRPr lang="zh-CN" altLang="en-US" sz="4400"/>
           </a:p>
         </p:txBody>
       </p:sp>
@@ -6677,12 +6723,14 @@
               <a:rPr lang="zh-CN" altLang="en-US" dirty="0"/>
               <a:t>专注于开发和业务代码的编写</a:t>
             </a:r>
+            <a:endParaRPr lang="zh-CN" altLang="en-US" dirty="0"/>
           </a:p>
           <a:p>
             <a:r>
               <a:rPr lang="zh-CN" altLang="en-US" dirty="0"/>
               <a:t>减少生产环境的兼容性问题</a:t>
             </a:r>
+            <a:endParaRPr lang="zh-CN" altLang="en-US" dirty="0"/>
           </a:p>
           <a:p>
             <a:r>
@@ -6691,11 +6739,7 @@
             </a:r>
             <a:r>
               <a:rPr lang="zh-CN" altLang="en-US" dirty="0" smtClean="0"/>
-              <a:t>资源</a:t>
-            </a:r>
-            <a:r>
-              <a:rPr lang="zh-CN" altLang="en-US" dirty="0" smtClean="0"/>
-              <a:t>（计算资源，存储资源，网络资源）</a:t>
+              <a:t>资源（计算资源，存储资源，网络资源）</a:t>
             </a:r>
             <a:r>
               <a:rPr lang="en-US" altLang="zh-CN" dirty="0" smtClean="0"/>
@@ -6761,7 +6805,12 @@
             <p:ph type="title"/>
           </p:nvPr>
         </p:nvSpPr>
-        <p:spPr/>
+        <p:spPr>
+          <a:xfrm>
+            <a:off x="838200" y="2766060"/>
+            <a:ext cx="10515600" cy="1325563"/>
+          </a:xfrm>
+        </p:spPr>
         <p:txBody>
           <a:bodyPr/>
           <a:lstStyle/>
@@ -6793,44 +6842,9 @@
           <a:bodyPr/>
           <a:lstStyle/>
           <a:p>
-            <a:r>
-              <a:rPr kumimoji="1" lang="zh-CN" altLang="en-US" dirty="0" smtClean="0"/>
-              <a:t>工具脚本</a:t>
-            </a:r>
-            <a:r>
-              <a:rPr kumimoji="1" lang="en-US" altLang="zh-CN" dirty="0" smtClean="0"/>
-              <a:t>?</a:t>
-            </a:r>
-          </a:p>
-          <a:p>
-            <a:r>
-              <a:rPr kumimoji="1" lang="zh-CN" altLang="en-US" dirty="0" smtClean="0"/>
-              <a:t>集成工具</a:t>
-            </a:r>
-            <a:r>
-              <a:rPr kumimoji="1" lang="en-US" altLang="zh-CN" dirty="0" smtClean="0"/>
-              <a:t>?</a:t>
-            </a:r>
-          </a:p>
-          <a:p>
-            <a:r>
-              <a:rPr kumimoji="1" lang="en-US" altLang="zh-CN" dirty="0" err="1" smtClean="0"/>
-              <a:t>Vgrant</a:t>
-            </a:r>
-            <a:r>
-              <a:rPr kumimoji="1" lang="zh-CN" altLang="en-US" dirty="0" smtClean="0"/>
-              <a:t> </a:t>
-            </a:r>
-            <a:r>
-              <a:rPr kumimoji="1" lang="en-US" altLang="zh-CN" dirty="0" smtClean="0"/>
-              <a:t>?</a:t>
-            </a:r>
-          </a:p>
-          <a:p>
-            <a:r>
-              <a:rPr kumimoji="1" lang="zh-CN" altLang="en-US" dirty="0" smtClean="0"/>
-              <a:t>想办法让环境绿化，做一个类似于应用商店的东西</a:t>
-            </a:r>
+            <a:pPr marL="0" indent="0">
+              <a:buNone/>
+            </a:pPr>
             <a:endParaRPr kumimoji="1" lang="en-US" altLang="zh-CN" dirty="0" smtClean="0"/>
           </a:p>
           <a:p>
@@ -6842,11 +6856,6 @@
         </p:txBody>
       </p:sp>
     </p:spTree>
-    <p:extLst>
-      <p:ext uri="{BB962C8B-B14F-4D97-AF65-F5344CB8AC3E}">
-        <p14:creationId xmlns:p14="http://schemas.microsoft.com/office/powerpoint/2010/main" val="649415578"/>
-      </p:ext>
-    </p:extLst>
   </p:cSld>
   <p:clrMapOvr>
     <a:masterClrMapping/>
@@ -6933,6 +6942,7 @@
               <a:rPr lang="zh-CN" altLang="en-US" dirty="0"/>
               <a:t>核心观念：Build, Ship, and Run Any App, Anywhere</a:t>
             </a:r>
+            <a:endParaRPr lang="zh-CN" altLang="en-US" dirty="0"/>
           </a:p>
           <a:p>
             <a:pPr marL="0" indent="0">
@@ -6945,18 +6955,21 @@
               <a:rPr lang="zh-CN" altLang="en-US" dirty="0"/>
               <a:t>ANY APP, LANGUAGE, OR STACK</a:t>
             </a:r>
+            <a:endParaRPr lang="zh-CN" altLang="en-US" dirty="0"/>
           </a:p>
           <a:p>
             <a:r>
               <a:rPr lang="zh-CN" altLang="en-US" dirty="0"/>
               <a:t>AWESOME DEVELOPER EXPERIENCE</a:t>
             </a:r>
+            <a:endParaRPr lang="zh-CN" altLang="en-US" dirty="0"/>
           </a:p>
           <a:p>
             <a:r>
               <a:rPr lang="zh-CN" altLang="en-US" dirty="0"/>
               <a:t>BUILT-IN CONTAINER ORCHESTRATION</a:t>
             </a:r>
+            <a:endParaRPr lang="zh-CN" altLang="en-US" dirty="0"/>
           </a:p>
           <a:p>
             <a:endParaRPr lang="zh-CN" altLang="en-US" dirty="0"/>
@@ -6973,7 +6986,7 @@
             </a:pPr>
             <a:r>
               <a:rPr lang="zh-CN" altLang="en-US" dirty="0">
-                <a:hlinkClick r:id="rId2" action="ppaction://hlinkfile"/>
+                <a:hlinkClick r:id="rId1" action="ppaction://hlinkfile"/>
               </a:rPr>
               <a:t>https://www.docker.com/what-docker</a:t>
             </a:r>
@@ -7012,7 +7025,7 @@
           <p:cNvSpPr/>
           <p:nvPr>
             <p:custDataLst>
-              <p:tags r:id="rId2"/>
+              <p:tags r:id="rId1"/>
             </p:custDataLst>
           </p:nvPr>
         </p:nvSpPr>
@@ -7059,6 +7072,12 @@
               </a:rPr>
               <a:t>环境</a:t>
             </a:r>
+            <a:endParaRPr lang="zh-CN" altLang="en-US" sz="3200" dirty="0">
+              <a:latin typeface="+mj-lt"/>
+              <a:ea typeface="+mj-ea"/>
+              <a:cs typeface="+mj-cs"/>
+              <a:sym typeface="Arial" panose="020B0604020202020204" pitchFamily="34" charset="0"/>
+            </a:endParaRPr>
           </a:p>
         </p:txBody>
       </p:sp>
@@ -7068,7 +7087,7 @@
           <p:cNvSpPr/>
           <p:nvPr>
             <p:custDataLst>
-              <p:tags r:id="rId3"/>
+              <p:tags r:id="rId2"/>
             </p:custDataLst>
           </p:nvPr>
         </p:nvSpPr>
@@ -7113,7 +7132,7 @@
           <p:cNvSpPr/>
           <p:nvPr>
             <p:custDataLst>
-              <p:tags r:id="rId4"/>
+              <p:tags r:id="rId3"/>
             </p:custDataLst>
           </p:nvPr>
         </p:nvSpPr>
@@ -7158,7 +7177,7 @@
           <p:cNvSpPr/>
           <p:nvPr>
             <p:custDataLst>
-              <p:tags r:id="rId5"/>
+              <p:tags r:id="rId4"/>
             </p:custDataLst>
           </p:nvPr>
         </p:nvSpPr>
@@ -7203,7 +7222,7 @@
           <p:cNvSpPr/>
           <p:nvPr>
             <p:custDataLst>
-              <p:tags r:id="rId6"/>
+              <p:tags r:id="rId5"/>
             </p:custDataLst>
           </p:nvPr>
         </p:nvSpPr>
@@ -7307,7 +7326,7 @@
           <p:cNvSpPr/>
           <p:nvPr>
             <p:custDataLst>
-              <p:tags r:id="rId7"/>
+              <p:tags r:id="rId6"/>
             </p:custDataLst>
           </p:nvPr>
         </p:nvSpPr>
@@ -7405,7 +7424,7 @@
           <p:cNvSpPr/>
           <p:nvPr>
             <p:custDataLst>
-              <p:tags r:id="rId8"/>
+              <p:tags r:id="rId7"/>
             </p:custDataLst>
           </p:nvPr>
         </p:nvSpPr>
@@ -7435,6 +7454,9 @@
               </a:rPr>
               <a:t>linux</a:t>
             </a:r>
+            <a:endParaRPr lang="en-US" altLang="zh-CN" dirty="0">
+              <a:sym typeface="Arial" panose="020B0604020202020204" pitchFamily="34" charset="0"/>
+            </a:endParaRPr>
           </a:p>
         </p:txBody>
       </p:sp>
@@ -7444,7 +7466,7 @@
           <p:cNvSpPr/>
           <p:nvPr>
             <p:custDataLst>
-              <p:tags r:id="rId9"/>
+              <p:tags r:id="rId8"/>
             </p:custDataLst>
           </p:nvPr>
         </p:nvSpPr>
@@ -7489,7 +7511,7 @@
           <p:cNvSpPr/>
           <p:nvPr>
             <p:custDataLst>
-              <p:tags r:id="rId10"/>
+              <p:tags r:id="rId9"/>
             </p:custDataLst>
           </p:nvPr>
         </p:nvSpPr>
@@ -7534,7 +7556,7 @@
           <p:cNvSpPr/>
           <p:nvPr>
             <p:custDataLst>
-              <p:tags r:id="rId11"/>
+              <p:tags r:id="rId10"/>
             </p:custDataLst>
           </p:nvPr>
         </p:nvSpPr>
@@ -7579,7 +7601,7 @@
           <p:cNvSpPr/>
           <p:nvPr>
             <p:custDataLst>
-              <p:tags r:id="rId12"/>
+              <p:tags r:id="rId11"/>
             </p:custDataLst>
           </p:nvPr>
         </p:nvSpPr>
@@ -7624,7 +7646,7 @@
           <p:cNvSpPr/>
           <p:nvPr>
             <p:custDataLst>
-              <p:tags r:id="rId13"/>
+              <p:tags r:id="rId12"/>
             </p:custDataLst>
           </p:nvPr>
         </p:nvSpPr>
@@ -7728,7 +7750,7 @@
           <p:cNvSpPr/>
           <p:nvPr>
             <p:custDataLst>
-              <p:tags r:id="rId14"/>
+              <p:tags r:id="rId13"/>
             </p:custDataLst>
           </p:nvPr>
         </p:nvSpPr>
@@ -7811,6 +7833,12 @@
               </a:rPr>
               <a:t>3</a:t>
             </a:r>
+            <a:endParaRPr lang="en-US" altLang="zh-CN" sz="2800" dirty="0" err="1">
+              <a:solidFill>
+                <a:schemeClr val="bg1"/>
+              </a:solidFill>
+              <a:sym typeface="Arial" panose="020B0604020202020204" pitchFamily="34" charset="0"/>
+            </a:endParaRPr>
           </a:p>
         </p:txBody>
       </p:sp>
@@ -7820,7 +7848,7 @@
           <p:cNvSpPr/>
           <p:nvPr>
             <p:custDataLst>
-              <p:tags r:id="rId15"/>
+              <p:tags r:id="rId14"/>
             </p:custDataLst>
           </p:nvPr>
         </p:nvSpPr>
@@ -7850,6 +7878,9 @@
               </a:rPr>
               <a:t>docker-compose</a:t>
             </a:r>
+            <a:endParaRPr lang="en-US" altLang="zh-CN" dirty="0">
+              <a:sym typeface="Arial" panose="020B0604020202020204" pitchFamily="34" charset="0"/>
+            </a:endParaRPr>
           </a:p>
         </p:txBody>
       </p:sp>
@@ -7859,7 +7890,7 @@
           <p:cNvSpPr/>
           <p:nvPr>
             <p:custDataLst>
-              <p:tags r:id="rId16"/>
+              <p:tags r:id="rId15"/>
             </p:custDataLst>
           </p:nvPr>
         </p:nvSpPr>
@@ -7904,7 +7935,7 @@
           <p:cNvSpPr/>
           <p:nvPr>
             <p:custDataLst>
-              <p:tags r:id="rId17"/>
+              <p:tags r:id="rId16"/>
             </p:custDataLst>
           </p:nvPr>
         </p:nvSpPr>
@@ -7949,7 +7980,7 @@
           <p:cNvSpPr/>
           <p:nvPr>
             <p:custDataLst>
-              <p:tags r:id="rId18"/>
+              <p:tags r:id="rId17"/>
             </p:custDataLst>
           </p:nvPr>
         </p:nvSpPr>
@@ -7994,7 +8025,7 @@
           <p:cNvSpPr/>
           <p:nvPr>
             <p:custDataLst>
-              <p:tags r:id="rId19"/>
+              <p:tags r:id="rId18"/>
             </p:custDataLst>
           </p:nvPr>
         </p:nvSpPr>
@@ -8039,7 +8070,7 @@
           <p:cNvSpPr/>
           <p:nvPr>
             <p:custDataLst>
-              <p:tags r:id="rId20"/>
+              <p:tags r:id="rId19"/>
             </p:custDataLst>
           </p:nvPr>
         </p:nvSpPr>
@@ -8143,7 +8174,7 @@
           <p:cNvSpPr/>
           <p:nvPr>
             <p:custDataLst>
-              <p:tags r:id="rId21"/>
+              <p:tags r:id="rId20"/>
             </p:custDataLst>
           </p:nvPr>
         </p:nvSpPr>
@@ -8226,6 +8257,12 @@
               </a:rPr>
               <a:t>2</a:t>
             </a:r>
+            <a:endParaRPr lang="en-US" altLang="zh-CN" sz="2800" dirty="0" err="1">
+              <a:solidFill>
+                <a:schemeClr val="bg1"/>
+              </a:solidFill>
+              <a:sym typeface="Arial" panose="020B0604020202020204" pitchFamily="34" charset="0"/>
+            </a:endParaRPr>
           </a:p>
         </p:txBody>
       </p:sp>
@@ -8235,7 +8272,7 @@
           <p:cNvSpPr/>
           <p:nvPr>
             <p:custDataLst>
-              <p:tags r:id="rId22"/>
+              <p:tags r:id="rId21"/>
             </p:custDataLst>
           </p:nvPr>
         </p:nvSpPr>
@@ -8265,6 +8302,9 @@
               </a:rPr>
               <a:t>install docker</a:t>
             </a:r>
+            <a:endParaRPr lang="en-US" altLang="zh-CN" dirty="0">
+              <a:sym typeface="Arial" panose="020B0604020202020204" pitchFamily="34" charset="0"/>
+            </a:endParaRPr>
           </a:p>
         </p:txBody>
       </p:sp>
@@ -8274,7 +8314,7 @@
           <p:cNvSpPr/>
           <p:nvPr>
             <p:custDataLst>
-              <p:tags r:id="rId23"/>
+              <p:tags r:id="rId22"/>
             </p:custDataLst>
           </p:nvPr>
         </p:nvSpPr>
@@ -8321,7 +8361,7 @@
       </p:sp>
     </p:spTree>
     <p:custDataLst>
-      <p:tags r:id="rId1"/>
+      <p:tags r:id="rId23"/>
     </p:custDataLst>
   </p:cSld>
   <p:clrMapOvr>
@@ -8338,45 +8378,28 @@
 </file>
 
 <file path=ppt/tags/tag1.xml><?xml version="1.0" encoding="utf-8"?>
-<p:tagLst xmlns:a="http://schemas.openxmlformats.org/drawingml/2006/main" xmlns:r="http://schemas.openxmlformats.org/officeDocument/2006/relationships" xmlns:p="http://schemas.openxmlformats.org/presentationml/2006/main">
-  <p:tag name="KSO_WM_SLIDE_ID" val="diagram160277_4"/>
-  <p:tag name="KSO_WM_SLIDE_INDEX" val="4"/>
-  <p:tag name="KSO_WM_SLIDE_ITEM_CNT" val="3"/>
-  <p:tag name="KSO_WM_SLIDE_LAYOUT" val="l_a"/>
-  <p:tag name="KSO_WM_SLIDE_LAYOUT_CNT" val="1_1"/>
-  <p:tag name="KSO_WM_SLIDE_TYPE" val="text"/>
+<p:tagLst xmlns:p="http://schemas.openxmlformats.org/presentationml/2006/main">
+  <p:tag name="KSO_WM_TAG_VERSION" val="1.0"/>
   <p:tag name="KSO_WM_BEAUTIFY_FLAG" val="#wm#"/>
-  <p:tag name="KSO_WM_SLIDE_POSITION" val="121*118"/>
-  <p:tag name="KSO_WM_SLIDE_SIZE" val="728*366"/>
+  <p:tag name="KSO_WM_UNIT_ID" val="diagram160277_4*a*1"/>
   <p:tag name="KSO_WM_TEMPLATE_CATEGORY" val="diagram"/>
   <p:tag name="KSO_WM_TEMPLATE_INDEX" val="160277"/>
-  <p:tag name="KSO_WM_TAG_VERSION" val="1.0"/>
-  <p:tag name="KSO_WM_DIAGRAM_GROUP_CODE" val="l1-1"/>
+  <p:tag name="KSO_WM_UNIT_RELATE_UNITID" val="259*l*1"/>
+  <p:tag name="KSO_WM_UNIT_TYPE" val="a"/>
+  <p:tag name="KSO_WM_UNIT_INDEX" val="1"/>
+  <p:tag name="KSO_WM_UNIT_CLEAR" val="1"/>
+  <p:tag name="KSO_WM_UNIT_LAYERLEVEL" val="1"/>
+  <p:tag name="KSO_WM_UNIT_VALUE" val="24"/>
+  <p:tag name="KSO_WM_UNIT_ISCONTENTSTITLE" val="0"/>
+  <p:tag name="KSO_WM_UNIT_HIGHLIGHT" val="0"/>
+  <p:tag name="KSO_WM_UNIT_COMPATIBLE" val="0"/>
+  <p:tag name="KSO_WM_UNIT_PRESET_TEXT_INDEX" val="3"/>
+  <p:tag name="KSO_WM_UNIT_PRESET_TEXT_LEN" val="23"/>
 </p:tagLst>
 </file>
 
 <file path=ppt/tags/tag10.xml><?xml version="1.0" encoding="utf-8"?>
-<p:tagLst xmlns:a="http://schemas.openxmlformats.org/drawingml/2006/main" xmlns:r="http://schemas.openxmlformats.org/officeDocument/2006/relationships" xmlns:p="http://schemas.openxmlformats.org/presentationml/2006/main">
-  <p:tag name="KSO_WM_TAG_VERSION" val="1.0"/>
-  <p:tag name="KSO_WM_BEAUTIFY_FLAG" val="#wm#"/>
-  <p:tag name="KSO_WM_UNIT_ID" val="diagram160277_4*l_i*1_11"/>
-  <p:tag name="KSO_WM_TEMPLATE_CATEGORY" val="diagram"/>
-  <p:tag name="KSO_WM_TEMPLATE_INDEX" val="160277"/>
-  <p:tag name="KSO_WM_UNIT_TYPE" val="l_i"/>
-  <p:tag name="KSO_WM_UNIT_INDEX" val="1_11"/>
-  <p:tag name="KSO_WM_UNIT_CLEAR" val="1"/>
-  <p:tag name="KSO_WM_UNIT_LAYERLEVEL" val="1_1"/>
-  <p:tag name="KSO_WM_DIAGRAM_GROUP_CODE" val="l1-1"/>
-  <p:tag name="KSO_WM_UNIT_FILL_FORE_SCHEMECOLOR_INDEX" val="7"/>
-  <p:tag name="KSO_WM_UNIT_FILL_TYPE" val="1"/>
-  <p:tag name="KSO_WM_UNIT_TEXT_FILL_FORE_SCHEMECOLOR_INDEX" val="14"/>
-  <p:tag name="KSO_WM_UNIT_TEXT_FILL_TYPE" val="1"/>
-  <p:tag name="KSO_WM_UNIT_USESOURCEFORMAT_APPLY" val="0"/>
-</p:tagLst>
-</file>
-
-<file path=ppt/tags/tag11.xml><?xml version="1.0" encoding="utf-8"?>
-<p:tagLst xmlns:a="http://schemas.openxmlformats.org/drawingml/2006/main" xmlns:r="http://schemas.openxmlformats.org/officeDocument/2006/relationships" xmlns:p="http://schemas.openxmlformats.org/presentationml/2006/main">
+<p:tagLst xmlns:p="http://schemas.openxmlformats.org/presentationml/2006/main">
   <p:tag name="KSO_WM_TAG_VERSION" val="1.0"/>
   <p:tag name="KSO_WM_BEAUTIFY_FLAG" val="#wm#"/>
   <p:tag name="KSO_WM_UNIT_ID" val="diagram160277_4*l_i*1_12"/>
@@ -8395,8 +8418,8 @@
 </p:tagLst>
 </file>
 
-<file path=ppt/tags/tag12.xml><?xml version="1.0" encoding="utf-8"?>
-<p:tagLst xmlns:a="http://schemas.openxmlformats.org/drawingml/2006/main" xmlns:r="http://schemas.openxmlformats.org/officeDocument/2006/relationships" xmlns:p="http://schemas.openxmlformats.org/presentationml/2006/main">
+<file path=ppt/tags/tag11.xml><?xml version="1.0" encoding="utf-8"?>
+<p:tagLst xmlns:p="http://schemas.openxmlformats.org/presentationml/2006/main">
   <p:tag name="KSO_WM_TAG_VERSION" val="1.0"/>
   <p:tag name="KSO_WM_BEAUTIFY_FLAG" val="#wm#"/>
   <p:tag name="KSO_WM_UNIT_ID" val="diagram160277_4*l_i*1_13"/>
@@ -8415,8 +8438,8 @@
 </p:tagLst>
 </file>
 
-<file path=ppt/tags/tag13.xml><?xml version="1.0" encoding="utf-8"?>
-<p:tagLst xmlns:a="http://schemas.openxmlformats.org/drawingml/2006/main" xmlns:r="http://schemas.openxmlformats.org/officeDocument/2006/relationships" xmlns:p="http://schemas.openxmlformats.org/presentationml/2006/main">
+<file path=ppt/tags/tag12.xml><?xml version="1.0" encoding="utf-8"?>
+<p:tagLst xmlns:p="http://schemas.openxmlformats.org/presentationml/2006/main">
   <p:tag name="KSO_WM_TAG_VERSION" val="1.0"/>
   <p:tag name="KSO_WM_BEAUTIFY_FLAG" val="#wm#"/>
   <p:tag name="KSO_WM_UNIT_ID" val="diagram160277_4*l_i*1_14"/>
@@ -8435,8 +8458,8 @@
 </p:tagLst>
 </file>
 
-<file path=ppt/tags/tag14.xml><?xml version="1.0" encoding="utf-8"?>
-<p:tagLst xmlns:a="http://schemas.openxmlformats.org/drawingml/2006/main" xmlns:r="http://schemas.openxmlformats.org/officeDocument/2006/relationships" xmlns:p="http://schemas.openxmlformats.org/presentationml/2006/main">
+<file path=ppt/tags/tag13.xml><?xml version="1.0" encoding="utf-8"?>
+<p:tagLst xmlns:p="http://schemas.openxmlformats.org/presentationml/2006/main">
   <p:tag name="KSO_WM_TAG_VERSION" val="1.0"/>
   <p:tag name="KSO_WM_BEAUTIFY_FLAG" val="#wm#"/>
   <p:tag name="KSO_WM_UNIT_ID" val="diagram160277_4*l_i*1_15"/>
@@ -8455,8 +8478,8 @@
 </p:tagLst>
 </file>
 
-<file path=ppt/tags/tag15.xml><?xml version="1.0" encoding="utf-8"?>
-<p:tagLst xmlns:a="http://schemas.openxmlformats.org/drawingml/2006/main" xmlns:r="http://schemas.openxmlformats.org/officeDocument/2006/relationships" xmlns:p="http://schemas.openxmlformats.org/presentationml/2006/main">
+<file path=ppt/tags/tag14.xml><?xml version="1.0" encoding="utf-8"?>
+<p:tagLst xmlns:p="http://schemas.openxmlformats.org/presentationml/2006/main">
   <p:tag name="KSO_WM_TAG_VERSION" val="1.0"/>
   <p:tag name="KSO_WM_BEAUTIFY_FLAG" val="#wm#"/>
   <p:tag name="KSO_WM_UNIT_ID" val="diagram160277_4*l_h_f*1_3_1"/>
@@ -8478,8 +8501,8 @@
 </p:tagLst>
 </file>
 
-<file path=ppt/tags/tag16.xml><?xml version="1.0" encoding="utf-8"?>
-<p:tagLst xmlns:a="http://schemas.openxmlformats.org/drawingml/2006/main" xmlns:r="http://schemas.openxmlformats.org/officeDocument/2006/relationships" xmlns:p="http://schemas.openxmlformats.org/presentationml/2006/main">
+<file path=ppt/tags/tag15.xml><?xml version="1.0" encoding="utf-8"?>
+<p:tagLst xmlns:p="http://schemas.openxmlformats.org/presentationml/2006/main">
   <p:tag name="KSO_WM_TAG_VERSION" val="1.0"/>
   <p:tag name="KSO_WM_BEAUTIFY_FLAG" val="#wm#"/>
   <p:tag name="KSO_WM_UNIT_ID" val="diagram160277_4*l_h_a*1_3_1"/>
@@ -8501,8 +8524,8 @@
 </p:tagLst>
 </file>
 
-<file path=ppt/tags/tag17.xml><?xml version="1.0" encoding="utf-8"?>
-<p:tagLst xmlns:a="http://schemas.openxmlformats.org/drawingml/2006/main" xmlns:r="http://schemas.openxmlformats.org/officeDocument/2006/relationships" xmlns:p="http://schemas.openxmlformats.org/presentationml/2006/main">
+<file path=ppt/tags/tag16.xml><?xml version="1.0" encoding="utf-8"?>
+<p:tagLst xmlns:p="http://schemas.openxmlformats.org/presentationml/2006/main">
   <p:tag name="KSO_WM_TAG_VERSION" val="1.0"/>
   <p:tag name="KSO_WM_BEAUTIFY_FLAG" val="#wm#"/>
   <p:tag name="KSO_WM_UNIT_ID" val="diagram160277_4*l_i*1_6"/>
@@ -8521,8 +8544,8 @@
 </p:tagLst>
 </file>
 
-<file path=ppt/tags/tag18.xml><?xml version="1.0" encoding="utf-8"?>
-<p:tagLst xmlns:a="http://schemas.openxmlformats.org/drawingml/2006/main" xmlns:r="http://schemas.openxmlformats.org/officeDocument/2006/relationships" xmlns:p="http://schemas.openxmlformats.org/presentationml/2006/main">
+<file path=ppt/tags/tag17.xml><?xml version="1.0" encoding="utf-8"?>
+<p:tagLst xmlns:p="http://schemas.openxmlformats.org/presentationml/2006/main">
   <p:tag name="KSO_WM_TAG_VERSION" val="1.0"/>
   <p:tag name="KSO_WM_BEAUTIFY_FLAG" val="#wm#"/>
   <p:tag name="KSO_WM_UNIT_ID" val="diagram160277_4*l_i*1_7"/>
@@ -8541,8 +8564,8 @@
 </p:tagLst>
 </file>
 
-<file path=ppt/tags/tag19.xml><?xml version="1.0" encoding="utf-8"?>
-<p:tagLst xmlns:a="http://schemas.openxmlformats.org/drawingml/2006/main" xmlns:r="http://schemas.openxmlformats.org/officeDocument/2006/relationships" xmlns:p="http://schemas.openxmlformats.org/presentationml/2006/main">
+<file path=ppt/tags/tag18.xml><?xml version="1.0" encoding="utf-8"?>
+<p:tagLst xmlns:p="http://schemas.openxmlformats.org/presentationml/2006/main">
   <p:tag name="KSO_WM_TAG_VERSION" val="1.0"/>
   <p:tag name="KSO_WM_BEAUTIFY_FLAG" val="#wm#"/>
   <p:tag name="KSO_WM_UNIT_ID" val="diagram160277_4*l_i*1_8"/>
@@ -8561,29 +8584,8 @@
 </p:tagLst>
 </file>
 
-<file path=ppt/tags/tag2.xml><?xml version="1.0" encoding="utf-8"?>
-<p:tagLst xmlns:a="http://schemas.openxmlformats.org/drawingml/2006/main" xmlns:r="http://schemas.openxmlformats.org/officeDocument/2006/relationships" xmlns:p="http://schemas.openxmlformats.org/presentationml/2006/main">
-  <p:tag name="KSO_WM_TAG_VERSION" val="1.0"/>
-  <p:tag name="KSO_WM_BEAUTIFY_FLAG" val="#wm#"/>
-  <p:tag name="KSO_WM_UNIT_ID" val="diagram160277_4*a*1"/>
-  <p:tag name="KSO_WM_TEMPLATE_CATEGORY" val="diagram"/>
-  <p:tag name="KSO_WM_TEMPLATE_INDEX" val="160277"/>
-  <p:tag name="KSO_WM_UNIT_RELATE_UNITID" val="259*l*1"/>
-  <p:tag name="KSO_WM_UNIT_TYPE" val="a"/>
-  <p:tag name="KSO_WM_UNIT_INDEX" val="1"/>
-  <p:tag name="KSO_WM_UNIT_CLEAR" val="1"/>
-  <p:tag name="KSO_WM_UNIT_LAYERLEVEL" val="1"/>
-  <p:tag name="KSO_WM_UNIT_VALUE" val="24"/>
-  <p:tag name="KSO_WM_UNIT_ISCONTENTSTITLE" val="0"/>
-  <p:tag name="KSO_WM_UNIT_HIGHLIGHT" val="0"/>
-  <p:tag name="KSO_WM_UNIT_COMPATIBLE" val="0"/>
-  <p:tag name="KSO_WM_UNIT_PRESET_TEXT_INDEX" val="3"/>
-  <p:tag name="KSO_WM_UNIT_PRESET_TEXT_LEN" val="23"/>
-</p:tagLst>
-</file>
-
-<file path=ppt/tags/tag20.xml><?xml version="1.0" encoding="utf-8"?>
-<p:tagLst xmlns:a="http://schemas.openxmlformats.org/drawingml/2006/main" xmlns:r="http://schemas.openxmlformats.org/officeDocument/2006/relationships" xmlns:p="http://schemas.openxmlformats.org/presentationml/2006/main">
+<file path=ppt/tags/tag19.xml><?xml version="1.0" encoding="utf-8"?>
+<p:tagLst xmlns:p="http://schemas.openxmlformats.org/presentationml/2006/main">
   <p:tag name="KSO_WM_TAG_VERSION" val="1.0"/>
   <p:tag name="KSO_WM_BEAUTIFY_FLAG" val="#wm#"/>
   <p:tag name="KSO_WM_UNIT_ID" val="diagram160277_4*l_i*1_9"/>
@@ -8602,8 +8604,28 @@
 </p:tagLst>
 </file>
 
-<file path=ppt/tags/tag21.xml><?xml version="1.0" encoding="utf-8"?>
-<p:tagLst xmlns:a="http://schemas.openxmlformats.org/drawingml/2006/main" xmlns:r="http://schemas.openxmlformats.org/officeDocument/2006/relationships" xmlns:p="http://schemas.openxmlformats.org/presentationml/2006/main">
+<file path=ppt/tags/tag2.xml><?xml version="1.0" encoding="utf-8"?>
+<p:tagLst xmlns:p="http://schemas.openxmlformats.org/presentationml/2006/main">
+  <p:tag name="KSO_WM_TAG_VERSION" val="1.0"/>
+  <p:tag name="KSO_WM_BEAUTIFY_FLAG" val="#wm#"/>
+  <p:tag name="KSO_WM_UNIT_ID" val="diagram160277_4*l_i*1_1"/>
+  <p:tag name="KSO_WM_TEMPLATE_CATEGORY" val="diagram"/>
+  <p:tag name="KSO_WM_TEMPLATE_INDEX" val="160277"/>
+  <p:tag name="KSO_WM_UNIT_TYPE" val="l_i"/>
+  <p:tag name="KSO_WM_UNIT_INDEX" val="1_1"/>
+  <p:tag name="KSO_WM_UNIT_CLEAR" val="1"/>
+  <p:tag name="KSO_WM_UNIT_LAYERLEVEL" val="1_1"/>
+  <p:tag name="KSO_WM_DIAGRAM_GROUP_CODE" val="l1-1"/>
+  <p:tag name="KSO_WM_UNIT_FILL_FORE_SCHEMECOLOR_INDEX" val="5"/>
+  <p:tag name="KSO_WM_UNIT_FILL_TYPE" val="1"/>
+  <p:tag name="KSO_WM_UNIT_TEXT_FILL_FORE_SCHEMECOLOR_INDEX" val="14"/>
+  <p:tag name="KSO_WM_UNIT_TEXT_FILL_TYPE" val="1"/>
+  <p:tag name="KSO_WM_UNIT_USESOURCEFORMAT_APPLY" val="0"/>
+</p:tagLst>
+</file>
+
+<file path=ppt/tags/tag20.xml><?xml version="1.0" encoding="utf-8"?>
+<p:tagLst xmlns:p="http://schemas.openxmlformats.org/presentationml/2006/main">
   <p:tag name="KSO_WM_TAG_VERSION" val="1.0"/>
   <p:tag name="KSO_WM_BEAUTIFY_FLAG" val="#wm#"/>
   <p:tag name="KSO_WM_UNIT_ID" val="diagram160277_4*l_i*1_10"/>
@@ -8622,8 +8644,8 @@
 </p:tagLst>
 </file>
 
-<file path=ppt/tags/tag22.xml><?xml version="1.0" encoding="utf-8"?>
-<p:tagLst xmlns:a="http://schemas.openxmlformats.org/drawingml/2006/main" xmlns:r="http://schemas.openxmlformats.org/officeDocument/2006/relationships" xmlns:p="http://schemas.openxmlformats.org/presentationml/2006/main">
+<file path=ppt/tags/tag21.xml><?xml version="1.0" encoding="utf-8"?>
+<p:tagLst xmlns:p="http://schemas.openxmlformats.org/presentationml/2006/main">
   <p:tag name="KSO_WM_TAG_VERSION" val="1.0"/>
   <p:tag name="KSO_WM_BEAUTIFY_FLAG" val="#wm#"/>
   <p:tag name="KSO_WM_UNIT_ID" val="diagram160277_4*l_h_f*1_2_1"/>
@@ -8645,8 +8667,8 @@
 </p:tagLst>
 </file>
 
-<file path=ppt/tags/tag23.xml><?xml version="1.0" encoding="utf-8"?>
-<p:tagLst xmlns:a="http://schemas.openxmlformats.org/drawingml/2006/main" xmlns:r="http://schemas.openxmlformats.org/officeDocument/2006/relationships" xmlns:p="http://schemas.openxmlformats.org/presentationml/2006/main">
+<file path=ppt/tags/tag22.xml><?xml version="1.0" encoding="utf-8"?>
+<p:tagLst xmlns:p="http://schemas.openxmlformats.org/presentationml/2006/main">
   <p:tag name="KSO_WM_TAG_VERSION" val="1.0"/>
   <p:tag name="KSO_WM_BEAUTIFY_FLAG" val="#wm#"/>
   <p:tag name="KSO_WM_UNIT_ID" val="diagram160277_4*l_h_a*1_2_1"/>
@@ -8668,8 +8690,26 @@
 </p:tagLst>
 </file>
 
+<file path=ppt/tags/tag23.xml><?xml version="1.0" encoding="utf-8"?>
+<p:tagLst xmlns:p="http://schemas.openxmlformats.org/presentationml/2006/main">
+  <p:tag name="KSO_WM_SLIDE_ID" val="diagram160277_4"/>
+  <p:tag name="KSO_WM_SLIDE_INDEX" val="4"/>
+  <p:tag name="KSO_WM_SLIDE_ITEM_CNT" val="3"/>
+  <p:tag name="KSO_WM_SLIDE_LAYOUT" val="l_a"/>
+  <p:tag name="KSO_WM_SLIDE_LAYOUT_CNT" val="1_1"/>
+  <p:tag name="KSO_WM_SLIDE_TYPE" val="text"/>
+  <p:tag name="KSO_WM_BEAUTIFY_FLAG" val="#wm#"/>
+  <p:tag name="KSO_WM_SLIDE_POSITION" val="121*118"/>
+  <p:tag name="KSO_WM_SLIDE_SIZE" val="728*366"/>
+  <p:tag name="KSO_WM_TEMPLATE_CATEGORY" val="diagram"/>
+  <p:tag name="KSO_WM_TEMPLATE_INDEX" val="160277"/>
+  <p:tag name="KSO_WM_TAG_VERSION" val="1.0"/>
+  <p:tag name="KSO_WM_DIAGRAM_GROUP_CODE" val="l1-1"/>
+</p:tagLst>
+</file>
+
 <file path=ppt/tags/tag24.xml><?xml version="1.0" encoding="utf-8"?>
-<p:tagLst xmlns:a="http://schemas.openxmlformats.org/drawingml/2006/main" xmlns:r="http://schemas.openxmlformats.org/officeDocument/2006/relationships" xmlns:p="http://schemas.openxmlformats.org/presentationml/2006/main">
+<p:tagLst xmlns:p="http://schemas.openxmlformats.org/presentationml/2006/main">
   <p:tag name="KSO_WM_BEAUTIFY_FLAG" val="#wm#"/>
   <p:tag name="KSO_WM_TEMPLATE_CATEGORY" val="diagram"/>
   <p:tag name="KSO_WM_TEMPLATE_INDEX" val="160277"/>
@@ -8677,15 +8717,7 @@
 </file>
 
 <file path=ppt/tags/tag25.xml><?xml version="1.0" encoding="utf-8"?>
-<p:tagLst xmlns:a="http://schemas.openxmlformats.org/drawingml/2006/main" xmlns:r="http://schemas.openxmlformats.org/officeDocument/2006/relationships" xmlns:p="http://schemas.openxmlformats.org/presentationml/2006/main">
-  <p:tag name="KSO_WM_BEAUTIFY_FLAG" val="#wm#"/>
-  <p:tag name="KSO_WM_TEMPLATE_CATEGORY" val="diagram"/>
-  <p:tag name="KSO_WM_TEMPLATE_INDEX" val="160277"/>
-</p:tagLst>
-</file>
-
-<file path=ppt/tags/tag26.xml><?xml version="1.0" encoding="utf-8"?>
-<p:tagLst xmlns:a="http://schemas.openxmlformats.org/drawingml/2006/main" xmlns:r="http://schemas.openxmlformats.org/officeDocument/2006/relationships" xmlns:p="http://schemas.openxmlformats.org/presentationml/2006/main">
+<p:tagLst xmlns:p="http://schemas.openxmlformats.org/presentationml/2006/main">
   <p:tag name="KSO_WM_TAG_VERSION" val="1.0"/>
   <p:tag name="KSO_WM_BEAUTIFY_FLAG" val="#wm#"/>
   <p:tag name="KSO_WM_TEMPLATE_CATEGORY" val="diagram"/>
@@ -8700,8 +8732,8 @@
 </p:tagLst>
 </file>
 
-<file path=ppt/tags/tag27.xml><?xml version="1.0" encoding="utf-8"?>
-<p:tagLst xmlns:a="http://schemas.openxmlformats.org/drawingml/2006/main" xmlns:r="http://schemas.openxmlformats.org/officeDocument/2006/relationships" xmlns:p="http://schemas.openxmlformats.org/presentationml/2006/main">
+<file path=ppt/tags/tag26.xml><?xml version="1.0" encoding="utf-8"?>
+<p:tagLst xmlns:p="http://schemas.openxmlformats.org/presentationml/2006/main">
   <p:tag name="KSO_WM_TAG_VERSION" val="1.0"/>
   <p:tag name="KSO_WM_BEAUTIFY_FLAG" val="#wm#"/>
   <p:tag name="KSO_WM_TEMPLATE_CATEGORY" val="diagram"/>
@@ -8716,8 +8748,8 @@
 </p:tagLst>
 </file>
 
-<file path=ppt/tags/tag28.xml><?xml version="1.0" encoding="utf-8"?>
-<p:tagLst xmlns:a="http://schemas.openxmlformats.org/drawingml/2006/main" xmlns:r="http://schemas.openxmlformats.org/officeDocument/2006/relationships" xmlns:p="http://schemas.openxmlformats.org/presentationml/2006/main">
+<file path=ppt/tags/tag27.xml><?xml version="1.0" encoding="utf-8"?>
+<p:tagLst xmlns:p="http://schemas.openxmlformats.org/presentationml/2006/main">
   <p:tag name="KSO_WM_TAG_VERSION" val="1.0"/>
   <p:tag name="KSO_WM_BEAUTIFY_FLAG" val="#wm#"/>
   <p:tag name="KSO_WM_TEMPLATE_CATEGORY" val="diagram"/>
@@ -8734,8 +8766,8 @@
 </p:tagLst>
 </file>
 
-<file path=ppt/tags/tag29.xml><?xml version="1.0" encoding="utf-8"?>
-<p:tagLst xmlns:a="http://schemas.openxmlformats.org/drawingml/2006/main" xmlns:r="http://schemas.openxmlformats.org/officeDocument/2006/relationships" xmlns:p="http://schemas.openxmlformats.org/presentationml/2006/main">
+<file path=ppt/tags/tag28.xml><?xml version="1.0" encoding="utf-8"?>
+<p:tagLst xmlns:p="http://schemas.openxmlformats.org/presentationml/2006/main">
   <p:tag name="KSO_WM_TAG_VERSION" val="1.0"/>
   <p:tag name="KSO_WM_BEAUTIFY_FLAG" val="#wm#"/>
   <p:tag name="KSO_WM_TEMPLATE_CATEGORY" val="diagram"/>
@@ -8752,28 +8784,8 @@
 </p:tagLst>
 </file>
 
-<file path=ppt/tags/tag3.xml><?xml version="1.0" encoding="utf-8"?>
-<p:tagLst xmlns:a="http://schemas.openxmlformats.org/drawingml/2006/main" xmlns:r="http://schemas.openxmlformats.org/officeDocument/2006/relationships" xmlns:p="http://schemas.openxmlformats.org/presentationml/2006/main">
-  <p:tag name="KSO_WM_TAG_VERSION" val="1.0"/>
-  <p:tag name="KSO_WM_BEAUTIFY_FLAG" val="#wm#"/>
-  <p:tag name="KSO_WM_UNIT_ID" val="diagram160277_4*l_i*1_1"/>
-  <p:tag name="KSO_WM_TEMPLATE_CATEGORY" val="diagram"/>
-  <p:tag name="KSO_WM_TEMPLATE_INDEX" val="160277"/>
-  <p:tag name="KSO_WM_UNIT_TYPE" val="l_i"/>
-  <p:tag name="KSO_WM_UNIT_INDEX" val="1_1"/>
-  <p:tag name="KSO_WM_UNIT_CLEAR" val="1"/>
-  <p:tag name="KSO_WM_UNIT_LAYERLEVEL" val="1_1"/>
-  <p:tag name="KSO_WM_DIAGRAM_GROUP_CODE" val="l1-1"/>
-  <p:tag name="KSO_WM_UNIT_FILL_FORE_SCHEMECOLOR_INDEX" val="5"/>
-  <p:tag name="KSO_WM_UNIT_FILL_TYPE" val="1"/>
-  <p:tag name="KSO_WM_UNIT_TEXT_FILL_FORE_SCHEMECOLOR_INDEX" val="14"/>
-  <p:tag name="KSO_WM_UNIT_TEXT_FILL_TYPE" val="1"/>
-  <p:tag name="KSO_WM_UNIT_USESOURCEFORMAT_APPLY" val="0"/>
-</p:tagLst>
-</file>
-
-<file path=ppt/tags/tag30.xml><?xml version="1.0" encoding="utf-8"?>
-<p:tagLst xmlns:a="http://schemas.openxmlformats.org/drawingml/2006/main" xmlns:r="http://schemas.openxmlformats.org/officeDocument/2006/relationships" xmlns:p="http://schemas.openxmlformats.org/presentationml/2006/main">
+<file path=ppt/tags/tag29.xml><?xml version="1.0" encoding="utf-8"?>
+<p:tagLst xmlns:p="http://schemas.openxmlformats.org/presentationml/2006/main">
   <p:tag name="KSO_WM_TAG_VERSION" val="1.0"/>
   <p:tag name="KSO_WM_BEAUTIFY_FLAG" val="#wm#"/>
   <p:tag name="KSO_WM_TEMPLATE_CATEGORY" val="diagram"/>
@@ -8790,170 +8802,8 @@
 </p:tagLst>
 </file>
 
-<file path=ppt/tags/tag31.xml><?xml version="1.0" encoding="utf-8"?>
-<p:tagLst xmlns:a="http://schemas.openxmlformats.org/drawingml/2006/main" xmlns:r="http://schemas.openxmlformats.org/officeDocument/2006/relationships" xmlns:p="http://schemas.openxmlformats.org/presentationml/2006/main">
-  <p:tag name="KSO_WM_TAG_VERSION" val="1.0"/>
-  <p:tag name="KSO_WM_BEAUTIFY_FLAG" val="#wm#"/>
-  <p:tag name="KSO_WM_TEMPLATE_CATEGORY" val="diagram"/>
-  <p:tag name="KSO_WM_TEMPLATE_INDEX" val="20164482"/>
-  <p:tag name="KSO_WM_UNIT_TYPE" val="p_i"/>
-  <p:tag name="KSO_WM_UNIT_INDEX" val="1_6"/>
-  <p:tag name="KSO_WM_UNIT_ID" val="diagram20164482_1*p_i*1_6"/>
-  <p:tag name="KSO_WM_UNIT_LAYERLEVEL" val="1_1"/>
-  <p:tag name="KSO_WM_DIAGRAM_GROUP_CODE" val="p1-1"/>
-  <p:tag name="KSO_WM_UNIT_FILL_FORE_SCHEMECOLOR_INDEX" val="14"/>
-  <p:tag name="KSO_WM_UNIT_FILL_TYPE" val="1"/>
-  <p:tag name="KSO_WM_UNIT_TEXT_FILL_FORE_SCHEMECOLOR_INDEX" val="2"/>
-  <p:tag name="KSO_WM_UNIT_TEXT_FILL_TYPE" val="1"/>
-</p:tagLst>
-</file>
-
-<file path=ppt/tags/tag32.xml><?xml version="1.0" encoding="utf-8"?>
-<p:tagLst xmlns:a="http://schemas.openxmlformats.org/drawingml/2006/main" xmlns:r="http://schemas.openxmlformats.org/officeDocument/2006/relationships" xmlns:p="http://schemas.openxmlformats.org/presentationml/2006/main">
-  <p:tag name="KSO_WM_TAG_VERSION" val="1.0"/>
-  <p:tag name="KSO_WM_BEAUTIFY_FLAG" val="#wm#"/>
-  <p:tag name="KSO_WM_TEMPLATE_CATEGORY" val="diagram"/>
-  <p:tag name="KSO_WM_TEMPLATE_INDEX" val="20164482"/>
-  <p:tag name="KSO_WM_UNIT_TYPE" val="p_i"/>
-  <p:tag name="KSO_WM_UNIT_INDEX" val="1_7"/>
-  <p:tag name="KSO_WM_UNIT_ID" val="diagram20164482_1*p_i*1_7"/>
-  <p:tag name="KSO_WM_UNIT_LAYERLEVEL" val="1_1"/>
-  <p:tag name="KSO_WM_DIAGRAM_GROUP_CODE" val="p1-1"/>
-  <p:tag name="KSO_WM_UNIT_FILL_FORE_SCHEMECOLOR_INDEX" val="14"/>
-  <p:tag name="KSO_WM_UNIT_FILL_TYPE" val="1"/>
-  <p:tag name="KSO_WM_UNIT_TEXT_FILL_FORE_SCHEMECOLOR_INDEX" val="13"/>
-  <p:tag name="KSO_WM_UNIT_TEXT_FILL_TYPE" val="1"/>
-</p:tagLst>
-</file>
-
-<file path=ppt/tags/tag33.xml><?xml version="1.0" encoding="utf-8"?>
-<p:tagLst xmlns:a="http://schemas.openxmlformats.org/drawingml/2006/main" xmlns:r="http://schemas.openxmlformats.org/officeDocument/2006/relationships" xmlns:p="http://schemas.openxmlformats.org/presentationml/2006/main">
-  <p:tag name="KSO_WM_TAG_VERSION" val="1.0"/>
-  <p:tag name="KSO_WM_BEAUTIFY_FLAG" val="#wm#"/>
-  <p:tag name="KSO_WM_TEMPLATE_CATEGORY" val="diagram"/>
-  <p:tag name="KSO_WM_TEMPLATE_INDEX" val="20164482"/>
-  <p:tag name="KSO_WM_UNIT_TYPE" val="p_i"/>
-  <p:tag name="KSO_WM_UNIT_INDEX" val="1_8"/>
-  <p:tag name="KSO_WM_UNIT_ID" val="diagram20164482_1*p_i*1_8"/>
-  <p:tag name="KSO_WM_UNIT_LAYERLEVEL" val="1_1"/>
-  <p:tag name="KSO_WM_DIAGRAM_GROUP_CODE" val="p1-1"/>
-  <p:tag name="KSO_WM_UNIT_FILL_FORE_SCHEMECOLOR_INDEX" val="14"/>
-  <p:tag name="KSO_WM_UNIT_FILL_TYPE" val="1"/>
-  <p:tag name="KSO_WM_UNIT_TEXT_FILL_FORE_SCHEMECOLOR_INDEX" val="2"/>
-  <p:tag name="KSO_WM_UNIT_TEXT_FILL_TYPE" val="1"/>
-</p:tagLst>
-</file>
-
-<file path=ppt/tags/tag34.xml><?xml version="1.0" encoding="utf-8"?>
-<p:tagLst xmlns:a="http://schemas.openxmlformats.org/drawingml/2006/main" xmlns:r="http://schemas.openxmlformats.org/officeDocument/2006/relationships" xmlns:p="http://schemas.openxmlformats.org/presentationml/2006/main">
-  <p:tag name="KSO_WM_TAG_VERSION" val="1.0"/>
-  <p:tag name="KSO_WM_BEAUTIFY_FLAG" val="#wm#"/>
-  <p:tag name="KSO_WM_TEMPLATE_CATEGORY" val="diagram"/>
-  <p:tag name="KSO_WM_TEMPLATE_INDEX" val="20164482"/>
-  <p:tag name="KSO_WM_UNIT_TYPE" val="p_i"/>
-  <p:tag name="KSO_WM_UNIT_INDEX" val="1_9"/>
-  <p:tag name="KSO_WM_UNIT_ID" val="diagram20164482_1*p_i*1_9"/>
-  <p:tag name="KSO_WM_UNIT_LAYERLEVEL" val="1_1"/>
-  <p:tag name="KSO_WM_DIAGRAM_GROUP_CODE" val="p1-1"/>
-  <p:tag name="KSO_WM_UNIT_FILL_FORE_SCHEMECOLOR_INDEX" val="14"/>
-  <p:tag name="KSO_WM_UNIT_FILL_TYPE" val="1"/>
-  <p:tag name="KSO_WM_UNIT_TEXT_FILL_FORE_SCHEMECOLOR_INDEX" val="13"/>
-  <p:tag name="KSO_WM_UNIT_TEXT_FILL_TYPE" val="1"/>
-</p:tagLst>
-</file>
-
-<file path=ppt/tags/tag35.xml><?xml version="1.0" encoding="utf-8"?>
-<p:tagLst xmlns:a="http://schemas.openxmlformats.org/drawingml/2006/main" xmlns:r="http://schemas.openxmlformats.org/officeDocument/2006/relationships" xmlns:p="http://schemas.openxmlformats.org/presentationml/2006/main">
-  <p:tag name="KSO_WM_TAG_VERSION" val="1.0"/>
-  <p:tag name="KSO_WM_BEAUTIFY_FLAG" val="#wm#"/>
-  <p:tag name="KSO_WM_TEMPLATE_CATEGORY" val="diagram"/>
-  <p:tag name="KSO_WM_TEMPLATE_INDEX" val="20164482"/>
-  <p:tag name="KSO_WM_UNIT_TYPE" val="p_i"/>
-  <p:tag name="KSO_WM_UNIT_INDEX" val="1_10"/>
-  <p:tag name="KSO_WM_UNIT_ID" val="diagram20164482_1*p_i*1_10"/>
-  <p:tag name="KSO_WM_UNIT_LAYERLEVEL" val="1_1"/>
-  <p:tag name="KSO_WM_DIAGRAM_GROUP_CODE" val="p1-1"/>
-  <p:tag name="KSO_WM_UNIT_FILL_FORE_SCHEMECOLOR_INDEX" val="14"/>
-  <p:tag name="KSO_WM_UNIT_FILL_TYPE" val="1"/>
-  <p:tag name="KSO_WM_UNIT_TEXT_FILL_FORE_SCHEMECOLOR_INDEX" val="2"/>
-  <p:tag name="KSO_WM_UNIT_TEXT_FILL_TYPE" val="1"/>
-</p:tagLst>
-</file>
-
-<file path=ppt/tags/tag36.xml><?xml version="1.0" encoding="utf-8"?>
-<p:tagLst xmlns:a="http://schemas.openxmlformats.org/drawingml/2006/main" xmlns:r="http://schemas.openxmlformats.org/officeDocument/2006/relationships" xmlns:p="http://schemas.openxmlformats.org/presentationml/2006/main">
-  <p:tag name="KSO_WM_TAG_VERSION" val="1.0"/>
-  <p:tag name="KSO_WM_BEAUTIFY_FLAG" val="#wm#"/>
-  <p:tag name="KSO_WM_TEMPLATE_CATEGORY" val="diagram"/>
-  <p:tag name="KSO_WM_TEMPLATE_INDEX" val="20164482"/>
-  <p:tag name="KSO_WM_UNIT_TYPE" val="p_i"/>
-  <p:tag name="KSO_WM_UNIT_INDEX" val="1_11"/>
-  <p:tag name="KSO_WM_UNIT_ID" val="diagram20164482_1*p_i*1_11"/>
-  <p:tag name="KSO_WM_UNIT_LAYERLEVEL" val="1_1"/>
-  <p:tag name="KSO_WM_DIAGRAM_GROUP_CODE" val="p1-1"/>
-  <p:tag name="KSO_WM_UNIT_FILL_FORE_SCHEMECOLOR_INDEX" val="14"/>
-  <p:tag name="KSO_WM_UNIT_FILL_TYPE" val="1"/>
-  <p:tag name="KSO_WM_UNIT_TEXT_FILL_FORE_SCHEMECOLOR_INDEX" val="13"/>
-  <p:tag name="KSO_WM_UNIT_TEXT_FILL_TYPE" val="1"/>
-</p:tagLst>
-</file>
-
-<file path=ppt/tags/tag37.xml><?xml version="1.0" encoding="utf-8"?>
-<p:tagLst xmlns:a="http://schemas.openxmlformats.org/drawingml/2006/main" xmlns:r="http://schemas.openxmlformats.org/officeDocument/2006/relationships" xmlns:p="http://schemas.openxmlformats.org/presentationml/2006/main">
-  <p:tag name="KSO_WM_TAG_VERSION" val="1.0"/>
-  <p:tag name="KSO_WM_BEAUTIFY_FLAG" val="#wm#"/>
-  <p:tag name="KSO_WM_TEMPLATE_CATEGORY" val="diagram"/>
-  <p:tag name="KSO_WM_TEMPLATE_INDEX" val="20164482"/>
-  <p:tag name="KSO_WM_UNIT_TYPE" val="p_i"/>
-  <p:tag name="KSO_WM_UNIT_INDEX" val="1_12"/>
-  <p:tag name="KSO_WM_UNIT_ID" val="diagram20164482_1*p_i*1_12"/>
-  <p:tag name="KSO_WM_UNIT_LAYERLEVEL" val="1_1"/>
-  <p:tag name="KSO_WM_DIAGRAM_GROUP_CODE" val="p1-1"/>
-  <p:tag name="KSO_WM_UNIT_FILL_FORE_SCHEMECOLOR_INDEX" val="14"/>
-  <p:tag name="KSO_WM_UNIT_FILL_TYPE" val="1"/>
-  <p:tag name="KSO_WM_UNIT_TEXT_FILL_FORE_SCHEMECOLOR_INDEX" val="2"/>
-  <p:tag name="KSO_WM_UNIT_TEXT_FILL_TYPE" val="1"/>
-</p:tagLst>
-</file>
-
-<file path=ppt/tags/tag38.xml><?xml version="1.0" encoding="utf-8"?>
-<p:tagLst xmlns:a="http://schemas.openxmlformats.org/drawingml/2006/main" xmlns:r="http://schemas.openxmlformats.org/officeDocument/2006/relationships" xmlns:p="http://schemas.openxmlformats.org/presentationml/2006/main">
-  <p:tag name="KSO_WM_TAG_VERSION" val="1.0"/>
-  <p:tag name="KSO_WM_BEAUTIFY_FLAG" val="#wm#"/>
-  <p:tag name="KSO_WM_TEMPLATE_CATEGORY" val="diagram"/>
-  <p:tag name="KSO_WM_TEMPLATE_INDEX" val="20164482"/>
-  <p:tag name="KSO_WM_UNIT_TYPE" val="p_i"/>
-  <p:tag name="KSO_WM_UNIT_INDEX" val="1_13"/>
-  <p:tag name="KSO_WM_UNIT_ID" val="diagram20164482_1*p_i*1_13"/>
-  <p:tag name="KSO_WM_UNIT_LAYERLEVEL" val="1_1"/>
-  <p:tag name="KSO_WM_DIAGRAM_GROUP_CODE" val="p1-1"/>
-  <p:tag name="KSO_WM_UNIT_FILL_FORE_SCHEMECOLOR_INDEX" val="14"/>
-  <p:tag name="KSO_WM_UNIT_FILL_TYPE" val="1"/>
-  <p:tag name="KSO_WM_UNIT_TEXT_FILL_FORE_SCHEMECOLOR_INDEX" val="13"/>
-  <p:tag name="KSO_WM_UNIT_TEXT_FILL_TYPE" val="1"/>
-</p:tagLst>
-</file>
-
-<file path=ppt/tags/tag39.xml><?xml version="1.0" encoding="utf-8"?>
-<p:tagLst xmlns:a="http://schemas.openxmlformats.org/drawingml/2006/main" xmlns:r="http://schemas.openxmlformats.org/officeDocument/2006/relationships" xmlns:p="http://schemas.openxmlformats.org/presentationml/2006/main">
-  <p:tag name="KSO_WM_TAG_VERSION" val="1.0"/>
-  <p:tag name="KSO_WM_BEAUTIFY_FLAG" val="#wm#"/>
-  <p:tag name="KSO_WM_TEMPLATE_CATEGORY" val="diagram"/>
-  <p:tag name="KSO_WM_TEMPLATE_INDEX" val="20164482"/>
-  <p:tag name="KSO_WM_UNIT_TYPE" val="p_i"/>
-  <p:tag name="KSO_WM_UNIT_INDEX" val="1_14"/>
-  <p:tag name="KSO_WM_UNIT_ID" val="diagram20164482_1*p_i*1_14"/>
-  <p:tag name="KSO_WM_UNIT_LAYERLEVEL" val="1_1"/>
-  <p:tag name="KSO_WM_DIAGRAM_GROUP_CODE" val="p1-1"/>
-  <p:tag name="KSO_WM_UNIT_FILL_FORE_SCHEMECOLOR_INDEX" val="14"/>
-  <p:tag name="KSO_WM_UNIT_FILL_TYPE" val="1"/>
-  <p:tag name="KSO_WM_UNIT_TEXT_FILL_FORE_SCHEMECOLOR_INDEX" val="2"/>
-  <p:tag name="KSO_WM_UNIT_TEXT_FILL_TYPE" val="1"/>
-</p:tagLst>
-</file>
-
-<file path=ppt/tags/tag4.xml><?xml version="1.0" encoding="utf-8"?>
-<p:tagLst xmlns:a="http://schemas.openxmlformats.org/drawingml/2006/main" xmlns:r="http://schemas.openxmlformats.org/officeDocument/2006/relationships" xmlns:p="http://schemas.openxmlformats.org/presentationml/2006/main">
+<file path=ppt/tags/tag3.xml><?xml version="1.0" encoding="utf-8"?>
+<p:tagLst xmlns:p="http://schemas.openxmlformats.org/presentationml/2006/main">
   <p:tag name="KSO_WM_TAG_VERSION" val="1.0"/>
   <p:tag name="KSO_WM_BEAUTIFY_FLAG" val="#wm#"/>
   <p:tag name="KSO_WM_UNIT_ID" val="diagram160277_4*l_i*1_2"/>
@@ -8972,8 +8822,170 @@
 </p:tagLst>
 </file>
 
-<file path=ppt/tags/tag40.xml><?xml version="1.0" encoding="utf-8"?>
-<p:tagLst xmlns:a="http://schemas.openxmlformats.org/drawingml/2006/main" xmlns:r="http://schemas.openxmlformats.org/officeDocument/2006/relationships" xmlns:p="http://schemas.openxmlformats.org/presentationml/2006/main">
+<file path=ppt/tags/tag30.xml><?xml version="1.0" encoding="utf-8"?>
+<p:tagLst xmlns:p="http://schemas.openxmlformats.org/presentationml/2006/main">
+  <p:tag name="KSO_WM_TAG_VERSION" val="1.0"/>
+  <p:tag name="KSO_WM_BEAUTIFY_FLAG" val="#wm#"/>
+  <p:tag name="KSO_WM_TEMPLATE_CATEGORY" val="diagram"/>
+  <p:tag name="KSO_WM_TEMPLATE_INDEX" val="20164482"/>
+  <p:tag name="KSO_WM_UNIT_TYPE" val="p_i"/>
+  <p:tag name="KSO_WM_UNIT_INDEX" val="1_6"/>
+  <p:tag name="KSO_WM_UNIT_ID" val="diagram20164482_1*p_i*1_6"/>
+  <p:tag name="KSO_WM_UNIT_LAYERLEVEL" val="1_1"/>
+  <p:tag name="KSO_WM_DIAGRAM_GROUP_CODE" val="p1-1"/>
+  <p:tag name="KSO_WM_UNIT_FILL_FORE_SCHEMECOLOR_INDEX" val="14"/>
+  <p:tag name="KSO_WM_UNIT_FILL_TYPE" val="1"/>
+  <p:tag name="KSO_WM_UNIT_TEXT_FILL_FORE_SCHEMECOLOR_INDEX" val="2"/>
+  <p:tag name="KSO_WM_UNIT_TEXT_FILL_TYPE" val="1"/>
+</p:tagLst>
+</file>
+
+<file path=ppt/tags/tag31.xml><?xml version="1.0" encoding="utf-8"?>
+<p:tagLst xmlns:p="http://schemas.openxmlformats.org/presentationml/2006/main">
+  <p:tag name="KSO_WM_TAG_VERSION" val="1.0"/>
+  <p:tag name="KSO_WM_BEAUTIFY_FLAG" val="#wm#"/>
+  <p:tag name="KSO_WM_TEMPLATE_CATEGORY" val="diagram"/>
+  <p:tag name="KSO_WM_TEMPLATE_INDEX" val="20164482"/>
+  <p:tag name="KSO_WM_UNIT_TYPE" val="p_i"/>
+  <p:tag name="KSO_WM_UNIT_INDEX" val="1_7"/>
+  <p:tag name="KSO_WM_UNIT_ID" val="diagram20164482_1*p_i*1_7"/>
+  <p:tag name="KSO_WM_UNIT_LAYERLEVEL" val="1_1"/>
+  <p:tag name="KSO_WM_DIAGRAM_GROUP_CODE" val="p1-1"/>
+  <p:tag name="KSO_WM_UNIT_FILL_FORE_SCHEMECOLOR_INDEX" val="14"/>
+  <p:tag name="KSO_WM_UNIT_FILL_TYPE" val="1"/>
+  <p:tag name="KSO_WM_UNIT_TEXT_FILL_FORE_SCHEMECOLOR_INDEX" val="13"/>
+  <p:tag name="KSO_WM_UNIT_TEXT_FILL_TYPE" val="1"/>
+</p:tagLst>
+</file>
+
+<file path=ppt/tags/tag32.xml><?xml version="1.0" encoding="utf-8"?>
+<p:tagLst xmlns:p="http://schemas.openxmlformats.org/presentationml/2006/main">
+  <p:tag name="KSO_WM_TAG_VERSION" val="1.0"/>
+  <p:tag name="KSO_WM_BEAUTIFY_FLAG" val="#wm#"/>
+  <p:tag name="KSO_WM_TEMPLATE_CATEGORY" val="diagram"/>
+  <p:tag name="KSO_WM_TEMPLATE_INDEX" val="20164482"/>
+  <p:tag name="KSO_WM_UNIT_TYPE" val="p_i"/>
+  <p:tag name="KSO_WM_UNIT_INDEX" val="1_8"/>
+  <p:tag name="KSO_WM_UNIT_ID" val="diagram20164482_1*p_i*1_8"/>
+  <p:tag name="KSO_WM_UNIT_LAYERLEVEL" val="1_1"/>
+  <p:tag name="KSO_WM_DIAGRAM_GROUP_CODE" val="p1-1"/>
+  <p:tag name="KSO_WM_UNIT_FILL_FORE_SCHEMECOLOR_INDEX" val="14"/>
+  <p:tag name="KSO_WM_UNIT_FILL_TYPE" val="1"/>
+  <p:tag name="KSO_WM_UNIT_TEXT_FILL_FORE_SCHEMECOLOR_INDEX" val="2"/>
+  <p:tag name="KSO_WM_UNIT_TEXT_FILL_TYPE" val="1"/>
+</p:tagLst>
+</file>
+
+<file path=ppt/tags/tag33.xml><?xml version="1.0" encoding="utf-8"?>
+<p:tagLst xmlns:p="http://schemas.openxmlformats.org/presentationml/2006/main">
+  <p:tag name="KSO_WM_TAG_VERSION" val="1.0"/>
+  <p:tag name="KSO_WM_BEAUTIFY_FLAG" val="#wm#"/>
+  <p:tag name="KSO_WM_TEMPLATE_CATEGORY" val="diagram"/>
+  <p:tag name="KSO_WM_TEMPLATE_INDEX" val="20164482"/>
+  <p:tag name="KSO_WM_UNIT_TYPE" val="p_i"/>
+  <p:tag name="KSO_WM_UNIT_INDEX" val="1_9"/>
+  <p:tag name="KSO_WM_UNIT_ID" val="diagram20164482_1*p_i*1_9"/>
+  <p:tag name="KSO_WM_UNIT_LAYERLEVEL" val="1_1"/>
+  <p:tag name="KSO_WM_DIAGRAM_GROUP_CODE" val="p1-1"/>
+  <p:tag name="KSO_WM_UNIT_FILL_FORE_SCHEMECOLOR_INDEX" val="14"/>
+  <p:tag name="KSO_WM_UNIT_FILL_TYPE" val="1"/>
+  <p:tag name="KSO_WM_UNIT_TEXT_FILL_FORE_SCHEMECOLOR_INDEX" val="13"/>
+  <p:tag name="KSO_WM_UNIT_TEXT_FILL_TYPE" val="1"/>
+</p:tagLst>
+</file>
+
+<file path=ppt/tags/tag34.xml><?xml version="1.0" encoding="utf-8"?>
+<p:tagLst xmlns:p="http://schemas.openxmlformats.org/presentationml/2006/main">
+  <p:tag name="KSO_WM_TAG_VERSION" val="1.0"/>
+  <p:tag name="KSO_WM_BEAUTIFY_FLAG" val="#wm#"/>
+  <p:tag name="KSO_WM_TEMPLATE_CATEGORY" val="diagram"/>
+  <p:tag name="KSO_WM_TEMPLATE_INDEX" val="20164482"/>
+  <p:tag name="KSO_WM_UNIT_TYPE" val="p_i"/>
+  <p:tag name="KSO_WM_UNIT_INDEX" val="1_10"/>
+  <p:tag name="KSO_WM_UNIT_ID" val="diagram20164482_1*p_i*1_10"/>
+  <p:tag name="KSO_WM_UNIT_LAYERLEVEL" val="1_1"/>
+  <p:tag name="KSO_WM_DIAGRAM_GROUP_CODE" val="p1-1"/>
+  <p:tag name="KSO_WM_UNIT_FILL_FORE_SCHEMECOLOR_INDEX" val="14"/>
+  <p:tag name="KSO_WM_UNIT_FILL_TYPE" val="1"/>
+  <p:tag name="KSO_WM_UNIT_TEXT_FILL_FORE_SCHEMECOLOR_INDEX" val="2"/>
+  <p:tag name="KSO_WM_UNIT_TEXT_FILL_TYPE" val="1"/>
+</p:tagLst>
+</file>
+
+<file path=ppt/tags/tag35.xml><?xml version="1.0" encoding="utf-8"?>
+<p:tagLst xmlns:p="http://schemas.openxmlformats.org/presentationml/2006/main">
+  <p:tag name="KSO_WM_TAG_VERSION" val="1.0"/>
+  <p:tag name="KSO_WM_BEAUTIFY_FLAG" val="#wm#"/>
+  <p:tag name="KSO_WM_TEMPLATE_CATEGORY" val="diagram"/>
+  <p:tag name="KSO_WM_TEMPLATE_INDEX" val="20164482"/>
+  <p:tag name="KSO_WM_UNIT_TYPE" val="p_i"/>
+  <p:tag name="KSO_WM_UNIT_INDEX" val="1_11"/>
+  <p:tag name="KSO_WM_UNIT_ID" val="diagram20164482_1*p_i*1_11"/>
+  <p:tag name="KSO_WM_UNIT_LAYERLEVEL" val="1_1"/>
+  <p:tag name="KSO_WM_DIAGRAM_GROUP_CODE" val="p1-1"/>
+  <p:tag name="KSO_WM_UNIT_FILL_FORE_SCHEMECOLOR_INDEX" val="14"/>
+  <p:tag name="KSO_WM_UNIT_FILL_TYPE" val="1"/>
+  <p:tag name="KSO_WM_UNIT_TEXT_FILL_FORE_SCHEMECOLOR_INDEX" val="13"/>
+  <p:tag name="KSO_WM_UNIT_TEXT_FILL_TYPE" val="1"/>
+</p:tagLst>
+</file>
+
+<file path=ppt/tags/tag36.xml><?xml version="1.0" encoding="utf-8"?>
+<p:tagLst xmlns:p="http://schemas.openxmlformats.org/presentationml/2006/main">
+  <p:tag name="KSO_WM_TAG_VERSION" val="1.0"/>
+  <p:tag name="KSO_WM_BEAUTIFY_FLAG" val="#wm#"/>
+  <p:tag name="KSO_WM_TEMPLATE_CATEGORY" val="diagram"/>
+  <p:tag name="KSO_WM_TEMPLATE_INDEX" val="20164482"/>
+  <p:tag name="KSO_WM_UNIT_TYPE" val="p_i"/>
+  <p:tag name="KSO_WM_UNIT_INDEX" val="1_12"/>
+  <p:tag name="KSO_WM_UNIT_ID" val="diagram20164482_1*p_i*1_12"/>
+  <p:tag name="KSO_WM_UNIT_LAYERLEVEL" val="1_1"/>
+  <p:tag name="KSO_WM_DIAGRAM_GROUP_CODE" val="p1-1"/>
+  <p:tag name="KSO_WM_UNIT_FILL_FORE_SCHEMECOLOR_INDEX" val="14"/>
+  <p:tag name="KSO_WM_UNIT_FILL_TYPE" val="1"/>
+  <p:tag name="KSO_WM_UNIT_TEXT_FILL_FORE_SCHEMECOLOR_INDEX" val="2"/>
+  <p:tag name="KSO_WM_UNIT_TEXT_FILL_TYPE" val="1"/>
+</p:tagLst>
+</file>
+
+<file path=ppt/tags/tag37.xml><?xml version="1.0" encoding="utf-8"?>
+<p:tagLst xmlns:p="http://schemas.openxmlformats.org/presentationml/2006/main">
+  <p:tag name="KSO_WM_TAG_VERSION" val="1.0"/>
+  <p:tag name="KSO_WM_BEAUTIFY_FLAG" val="#wm#"/>
+  <p:tag name="KSO_WM_TEMPLATE_CATEGORY" val="diagram"/>
+  <p:tag name="KSO_WM_TEMPLATE_INDEX" val="20164482"/>
+  <p:tag name="KSO_WM_UNIT_TYPE" val="p_i"/>
+  <p:tag name="KSO_WM_UNIT_INDEX" val="1_13"/>
+  <p:tag name="KSO_WM_UNIT_ID" val="diagram20164482_1*p_i*1_13"/>
+  <p:tag name="KSO_WM_UNIT_LAYERLEVEL" val="1_1"/>
+  <p:tag name="KSO_WM_DIAGRAM_GROUP_CODE" val="p1-1"/>
+  <p:tag name="KSO_WM_UNIT_FILL_FORE_SCHEMECOLOR_INDEX" val="14"/>
+  <p:tag name="KSO_WM_UNIT_FILL_TYPE" val="1"/>
+  <p:tag name="KSO_WM_UNIT_TEXT_FILL_FORE_SCHEMECOLOR_INDEX" val="13"/>
+  <p:tag name="KSO_WM_UNIT_TEXT_FILL_TYPE" val="1"/>
+</p:tagLst>
+</file>
+
+<file path=ppt/tags/tag38.xml><?xml version="1.0" encoding="utf-8"?>
+<p:tagLst xmlns:p="http://schemas.openxmlformats.org/presentationml/2006/main">
+  <p:tag name="KSO_WM_TAG_VERSION" val="1.0"/>
+  <p:tag name="KSO_WM_BEAUTIFY_FLAG" val="#wm#"/>
+  <p:tag name="KSO_WM_TEMPLATE_CATEGORY" val="diagram"/>
+  <p:tag name="KSO_WM_TEMPLATE_INDEX" val="20164482"/>
+  <p:tag name="KSO_WM_UNIT_TYPE" val="p_i"/>
+  <p:tag name="KSO_WM_UNIT_INDEX" val="1_14"/>
+  <p:tag name="KSO_WM_UNIT_ID" val="diagram20164482_1*p_i*1_14"/>
+  <p:tag name="KSO_WM_UNIT_LAYERLEVEL" val="1_1"/>
+  <p:tag name="KSO_WM_DIAGRAM_GROUP_CODE" val="p1-1"/>
+  <p:tag name="KSO_WM_UNIT_FILL_FORE_SCHEMECOLOR_INDEX" val="14"/>
+  <p:tag name="KSO_WM_UNIT_FILL_TYPE" val="1"/>
+  <p:tag name="KSO_WM_UNIT_TEXT_FILL_FORE_SCHEMECOLOR_INDEX" val="2"/>
+  <p:tag name="KSO_WM_UNIT_TEXT_FILL_TYPE" val="1"/>
+</p:tagLst>
+</file>
+
+<file path=ppt/tags/tag39.xml><?xml version="1.0" encoding="utf-8"?>
+<p:tagLst xmlns:p="http://schemas.openxmlformats.org/presentationml/2006/main">
   <p:tag name="KSO_WM_TAG_VERSION" val="1.0"/>
   <p:tag name="KSO_WM_BEAUTIFY_FLAG" val="#wm#"/>
   <p:tag name="KSO_WM_TEMPLATE_CATEGORY" val="diagram"/>
@@ -8988,8 +9000,28 @@
 </p:tagLst>
 </file>
 
-<file path=ppt/tags/tag41.xml><?xml version="1.0" encoding="utf-8"?>
-<p:tagLst xmlns:a="http://schemas.openxmlformats.org/drawingml/2006/main" xmlns:r="http://schemas.openxmlformats.org/officeDocument/2006/relationships" xmlns:p="http://schemas.openxmlformats.org/presentationml/2006/main">
+<file path=ppt/tags/tag4.xml><?xml version="1.0" encoding="utf-8"?>
+<p:tagLst xmlns:p="http://schemas.openxmlformats.org/presentationml/2006/main">
+  <p:tag name="KSO_WM_TAG_VERSION" val="1.0"/>
+  <p:tag name="KSO_WM_BEAUTIFY_FLAG" val="#wm#"/>
+  <p:tag name="KSO_WM_UNIT_ID" val="diagram160277_4*l_i*1_3"/>
+  <p:tag name="KSO_WM_TEMPLATE_CATEGORY" val="diagram"/>
+  <p:tag name="KSO_WM_TEMPLATE_INDEX" val="160277"/>
+  <p:tag name="KSO_WM_UNIT_TYPE" val="l_i"/>
+  <p:tag name="KSO_WM_UNIT_INDEX" val="1_3"/>
+  <p:tag name="KSO_WM_UNIT_CLEAR" val="1"/>
+  <p:tag name="KSO_WM_UNIT_LAYERLEVEL" val="1_1"/>
+  <p:tag name="KSO_WM_DIAGRAM_GROUP_CODE" val="l1-1"/>
+  <p:tag name="KSO_WM_UNIT_FILL_FORE_SCHEMECOLOR_INDEX" val="5"/>
+  <p:tag name="KSO_WM_UNIT_FILL_TYPE" val="1"/>
+  <p:tag name="KSO_WM_UNIT_TEXT_FILL_FORE_SCHEMECOLOR_INDEX" val="14"/>
+  <p:tag name="KSO_WM_UNIT_TEXT_FILL_TYPE" val="1"/>
+  <p:tag name="KSO_WM_UNIT_USESOURCEFORMAT_APPLY" val="0"/>
+</p:tagLst>
+</file>
+
+<file path=ppt/tags/tag40.xml><?xml version="1.0" encoding="utf-8"?>
+<p:tagLst xmlns:p="http://schemas.openxmlformats.org/presentationml/2006/main">
   <p:tag name="KSO_WM_TAG_VERSION" val="1.0"/>
   <p:tag name="KSO_WM_BEAUTIFY_FLAG" val="#wm#"/>
   <p:tag name="KSO_WM_TEMPLATE_CATEGORY" val="diagram"/>
@@ -9008,8 +9040,8 @@
 </p:tagLst>
 </file>
 
-<file path=ppt/tags/tag42.xml><?xml version="1.0" encoding="utf-8"?>
-<p:tagLst xmlns:a="http://schemas.openxmlformats.org/drawingml/2006/main" xmlns:r="http://schemas.openxmlformats.org/officeDocument/2006/relationships" xmlns:p="http://schemas.openxmlformats.org/presentationml/2006/main">
+<file path=ppt/tags/tag41.xml><?xml version="1.0" encoding="utf-8"?>
+<p:tagLst xmlns:p="http://schemas.openxmlformats.org/presentationml/2006/main">
   <p:tag name="KSO_WM_TAG_VERSION" val="1.0"/>
   <p:tag name="KSO_WM_BEAUTIFY_FLAG" val="#wm#"/>
   <p:tag name="KSO_WM_TEMPLATE_CATEGORY" val="diagram"/>
@@ -9028,8 +9060,8 @@
 </p:tagLst>
 </file>
 
-<file path=ppt/tags/tag43.xml><?xml version="1.0" encoding="utf-8"?>
-<p:tagLst xmlns:a="http://schemas.openxmlformats.org/drawingml/2006/main" xmlns:r="http://schemas.openxmlformats.org/officeDocument/2006/relationships" xmlns:p="http://schemas.openxmlformats.org/presentationml/2006/main">
+<file path=ppt/tags/tag42.xml><?xml version="1.0" encoding="utf-8"?>
+<p:tagLst xmlns:p="http://schemas.openxmlformats.org/presentationml/2006/main">
   <p:tag name="KSO_WM_TAG_VERSION" val="1.0"/>
   <p:tag name="KSO_WM_BEAUTIFY_FLAG" val="#wm#"/>
   <p:tag name="KSO_WM_TEMPLATE_CATEGORY" val="diagram"/>
@@ -9048,8 +9080,8 @@
 </p:tagLst>
 </file>
 
-<file path=ppt/tags/tag44.xml><?xml version="1.0" encoding="utf-8"?>
-<p:tagLst xmlns:a="http://schemas.openxmlformats.org/drawingml/2006/main" xmlns:r="http://schemas.openxmlformats.org/officeDocument/2006/relationships" xmlns:p="http://schemas.openxmlformats.org/presentationml/2006/main">
+<file path=ppt/tags/tag43.xml><?xml version="1.0" encoding="utf-8"?>
+<p:tagLst xmlns:p="http://schemas.openxmlformats.org/presentationml/2006/main">
   <p:tag name="KSO_WM_TAG_VERSION" val="1.0"/>
   <p:tag name="KSO_WM_BEAUTIFY_FLAG" val="#wm#"/>
   <p:tag name="KSO_WM_TEMPLATE_CATEGORY" val="diagram"/>
@@ -9068,8 +9100,8 @@
 </p:tagLst>
 </file>
 
-<file path=ppt/tags/tag45.xml><?xml version="1.0" encoding="utf-8"?>
-<p:tagLst xmlns:a="http://schemas.openxmlformats.org/drawingml/2006/main" xmlns:r="http://schemas.openxmlformats.org/officeDocument/2006/relationships" xmlns:p="http://schemas.openxmlformats.org/presentationml/2006/main">
+<file path=ppt/tags/tag44.xml><?xml version="1.0" encoding="utf-8"?>
+<p:tagLst xmlns:p="http://schemas.openxmlformats.org/presentationml/2006/main">
   <p:tag name="KSO_WM_TAG_VERSION" val="1.0"/>
   <p:tag name="KSO_WM_BEAUTIFY_FLAG" val="#wm#"/>
   <p:tag name="KSO_WM_TEMPLATE_CATEGORY" val="diagram"/>
@@ -9091,8 +9123,8 @@
 </p:tagLst>
 </file>
 
-<file path=ppt/tags/tag46.xml><?xml version="1.0" encoding="utf-8"?>
-<p:tagLst xmlns:a="http://schemas.openxmlformats.org/drawingml/2006/main" xmlns:r="http://schemas.openxmlformats.org/officeDocument/2006/relationships" xmlns:p="http://schemas.openxmlformats.org/presentationml/2006/main">
+<file path=ppt/tags/tag45.xml><?xml version="1.0" encoding="utf-8"?>
+<p:tagLst xmlns:p="http://schemas.openxmlformats.org/presentationml/2006/main">
   <p:tag name="KSO_WM_TAG_VERSION" val="1.0"/>
   <p:tag name="KSO_WM_BEAUTIFY_FLAG" val="#wm#"/>
   <p:tag name="KSO_WM_TEMPLATE_CATEGORY" val="diagram"/>
@@ -9114,8 +9146,8 @@
 </p:tagLst>
 </file>
 
-<file path=ppt/tags/tag47.xml><?xml version="1.0" encoding="utf-8"?>
-<p:tagLst xmlns:a="http://schemas.openxmlformats.org/drawingml/2006/main" xmlns:r="http://schemas.openxmlformats.org/officeDocument/2006/relationships" xmlns:p="http://schemas.openxmlformats.org/presentationml/2006/main">
+<file path=ppt/tags/tag46.xml><?xml version="1.0" encoding="utf-8"?>
+<p:tagLst xmlns:p="http://schemas.openxmlformats.org/presentationml/2006/main">
   <p:tag name="KSO_WM_TAG_VERSION" val="1.0"/>
   <p:tag name="KSO_WM_BEAUTIFY_FLAG" val="#wm#"/>
   <p:tag name="KSO_WM_TEMPLATE_CATEGORY" val="diagram"/>
@@ -9137,8 +9169,8 @@
 </p:tagLst>
 </file>
 
-<file path=ppt/tags/tag48.xml><?xml version="1.0" encoding="utf-8"?>
-<p:tagLst xmlns:a="http://schemas.openxmlformats.org/drawingml/2006/main" xmlns:r="http://schemas.openxmlformats.org/officeDocument/2006/relationships" xmlns:p="http://schemas.openxmlformats.org/presentationml/2006/main">
+<file path=ppt/tags/tag47.xml><?xml version="1.0" encoding="utf-8"?>
+<p:tagLst xmlns:p="http://schemas.openxmlformats.org/presentationml/2006/main">
   <p:tag name="KSO_WM_TAG_VERSION" val="1.0"/>
   <p:tag name="KSO_WM_BEAUTIFY_FLAG" val="#wm#"/>
   <p:tag name="KSO_WM_TEMPLATE_CATEGORY" val="diagram"/>
@@ -9160,8 +9192,8 @@
 </p:tagLst>
 </file>
 
-<file path=ppt/tags/tag49.xml><?xml version="1.0" encoding="utf-8"?>
-<p:tagLst xmlns:a="http://schemas.openxmlformats.org/drawingml/2006/main" xmlns:r="http://schemas.openxmlformats.org/officeDocument/2006/relationships" xmlns:p="http://schemas.openxmlformats.org/presentationml/2006/main">
+<file path=ppt/tags/tag48.xml><?xml version="1.0" encoding="utf-8"?>
+<p:tagLst xmlns:p="http://schemas.openxmlformats.org/presentationml/2006/main">
   <p:tag name="KSO_WM_TAG_VERSION" val="1.0"/>
   <p:tag name="KSO_WM_BEAUTIFY_FLAG" val="#wm#"/>
   <p:tag name="KSO_WM_TEMPLATE_CATEGORY" val="diagram"/>
@@ -9183,28 +9215,8 @@
 </p:tagLst>
 </file>
 
-<file path=ppt/tags/tag5.xml><?xml version="1.0" encoding="utf-8"?>
-<p:tagLst xmlns:a="http://schemas.openxmlformats.org/drawingml/2006/main" xmlns:r="http://schemas.openxmlformats.org/officeDocument/2006/relationships" xmlns:p="http://schemas.openxmlformats.org/presentationml/2006/main">
-  <p:tag name="KSO_WM_TAG_VERSION" val="1.0"/>
-  <p:tag name="KSO_WM_BEAUTIFY_FLAG" val="#wm#"/>
-  <p:tag name="KSO_WM_UNIT_ID" val="diagram160277_4*l_i*1_3"/>
-  <p:tag name="KSO_WM_TEMPLATE_CATEGORY" val="diagram"/>
-  <p:tag name="KSO_WM_TEMPLATE_INDEX" val="160277"/>
-  <p:tag name="KSO_WM_UNIT_TYPE" val="l_i"/>
-  <p:tag name="KSO_WM_UNIT_INDEX" val="1_3"/>
-  <p:tag name="KSO_WM_UNIT_CLEAR" val="1"/>
-  <p:tag name="KSO_WM_UNIT_LAYERLEVEL" val="1_1"/>
-  <p:tag name="KSO_WM_DIAGRAM_GROUP_CODE" val="l1-1"/>
-  <p:tag name="KSO_WM_UNIT_FILL_FORE_SCHEMECOLOR_INDEX" val="5"/>
-  <p:tag name="KSO_WM_UNIT_FILL_TYPE" val="1"/>
-  <p:tag name="KSO_WM_UNIT_TEXT_FILL_FORE_SCHEMECOLOR_INDEX" val="14"/>
-  <p:tag name="KSO_WM_UNIT_TEXT_FILL_TYPE" val="1"/>
-  <p:tag name="KSO_WM_UNIT_USESOURCEFORMAT_APPLY" val="0"/>
-</p:tagLst>
-</file>
-
-<file path=ppt/tags/tag50.xml><?xml version="1.0" encoding="utf-8"?>
-<p:tagLst xmlns:a="http://schemas.openxmlformats.org/drawingml/2006/main" xmlns:r="http://schemas.openxmlformats.org/officeDocument/2006/relationships" xmlns:p="http://schemas.openxmlformats.org/presentationml/2006/main">
+<file path=ppt/tags/tag49.xml><?xml version="1.0" encoding="utf-8"?>
+<p:tagLst xmlns:p="http://schemas.openxmlformats.org/presentationml/2006/main">
   <p:tag name="KSO_WM_TAG_VERSION" val="1.0"/>
   <p:tag name="KSO_WM_BEAUTIFY_FLAG" val="#wm#"/>
   <p:tag name="KSO_WM_TEMPLATE_CATEGORY" val="diagram"/>
@@ -9226,80 +9238,8 @@
 </p:tagLst>
 </file>
 
-<file path=ppt/tags/tag51.xml><?xml version="1.0" encoding="utf-8"?>
-<p:tagLst xmlns:a="http://schemas.openxmlformats.org/drawingml/2006/main" xmlns:r="http://schemas.openxmlformats.org/officeDocument/2006/relationships" xmlns:p="http://schemas.openxmlformats.org/presentationml/2006/main">
-  <p:tag name="KSO_WM_BEAUTIFY_FLAG" val="#wm#"/>
-  <p:tag name="KSO_WM_TEMPLATE_CATEGORY" val="diagram"/>
-  <p:tag name="KSO_WM_TEMPLATE_INDEX" val="160277"/>
-</p:tagLst>
-</file>
-
-<file path=ppt/tags/tag52.xml><?xml version="1.0" encoding="utf-8"?>
-<p:tagLst xmlns:a="http://schemas.openxmlformats.org/drawingml/2006/main" xmlns:r="http://schemas.openxmlformats.org/officeDocument/2006/relationships" xmlns:p="http://schemas.openxmlformats.org/presentationml/2006/main">
-  <p:tag name="KSO_WM_BEAUTIFY_FLAG" val="#wm#"/>
-  <p:tag name="KSO_WM_TEMPLATE_CATEGORY" val="diagram"/>
-  <p:tag name="KSO_WM_TEMPLATE_INDEX" val="160277"/>
-</p:tagLst>
-</file>
-
-<file path=ppt/tags/tag53.xml><?xml version="1.0" encoding="utf-8"?>
-<p:tagLst xmlns:a="http://schemas.openxmlformats.org/drawingml/2006/main" xmlns:r="http://schemas.openxmlformats.org/officeDocument/2006/relationships" xmlns:p="http://schemas.openxmlformats.org/presentationml/2006/main">
-  <p:tag name="KSO_WM_BEAUTIFY_FLAG" val="#wm#"/>
-  <p:tag name="KSO_WM_TEMPLATE_CATEGORY" val="diagram"/>
-  <p:tag name="KSO_WM_TEMPLATE_INDEX" val="160277"/>
-</p:tagLst>
-</file>
-
-<file path=ppt/tags/tag54.xml><?xml version="1.0" encoding="utf-8"?>
-<p:tagLst xmlns:a="http://schemas.openxmlformats.org/drawingml/2006/main" xmlns:r="http://schemas.openxmlformats.org/officeDocument/2006/relationships" xmlns:p="http://schemas.openxmlformats.org/presentationml/2006/main">
-  <p:tag name="KSO_WM_BEAUTIFY_FLAG" val="#wm#"/>
-  <p:tag name="KSO_WM_TEMPLATE_CATEGORY" val="diagram"/>
-  <p:tag name="KSO_WM_TEMPLATE_INDEX" val="160277"/>
-</p:tagLst>
-</file>
-
-<file path=ppt/tags/tag55.xml><?xml version="1.0" encoding="utf-8"?>
-<p:tagLst xmlns:a="http://schemas.openxmlformats.org/drawingml/2006/main" xmlns:r="http://schemas.openxmlformats.org/officeDocument/2006/relationships" xmlns:p="http://schemas.openxmlformats.org/presentationml/2006/main">
-  <p:tag name="KSO_WM_BEAUTIFY_FLAG" val="#wm#"/>
-  <p:tag name="KSO_WM_TEMPLATE_CATEGORY" val="diagram"/>
-  <p:tag name="KSO_WM_TEMPLATE_INDEX" val="160277"/>
-</p:tagLst>
-</file>
-
-<file path=ppt/tags/tag56.xml><?xml version="1.0" encoding="utf-8"?>
-<p:tagLst xmlns:a="http://schemas.openxmlformats.org/drawingml/2006/main" xmlns:r="http://schemas.openxmlformats.org/officeDocument/2006/relationships" xmlns:p="http://schemas.openxmlformats.org/presentationml/2006/main">
-  <p:tag name="KSO_WM_BEAUTIFY_FLAG" val="#wm#"/>
-  <p:tag name="KSO_WM_TEMPLATE_CATEGORY" val="diagram"/>
-  <p:tag name="KSO_WM_TEMPLATE_INDEX" val="160277"/>
-</p:tagLst>
-</file>
-
-<file path=ppt/tags/tag57.xml><?xml version="1.0" encoding="utf-8"?>
-<p:tagLst xmlns:a="http://schemas.openxmlformats.org/drawingml/2006/main" xmlns:r="http://schemas.openxmlformats.org/officeDocument/2006/relationships" xmlns:p="http://schemas.openxmlformats.org/presentationml/2006/main">
-  <p:tag name="KSO_WM_BEAUTIFY_FLAG" val="#wm#"/>
-  <p:tag name="KSO_WM_TEMPLATE_CATEGORY" val="diagram"/>
-  <p:tag name="KSO_WM_TEMPLATE_INDEX" val="160277"/>
-</p:tagLst>
-</file>
-
-<file path=ppt/tags/tag58.xml><?xml version="1.0" encoding="utf-8"?>
-<p:tagLst xmlns:a="http://schemas.openxmlformats.org/drawingml/2006/main" xmlns:r="http://schemas.openxmlformats.org/officeDocument/2006/relationships" xmlns:p="http://schemas.openxmlformats.org/presentationml/2006/main">
-  <p:tag name="KSO_WM_BEAUTIFY_FLAG" val="#wm#"/>
-  <p:tag name="KSO_WM_TEMPLATE_CATEGORY" val="diagram"/>
-  <p:tag name="KSO_WM_TEMPLATE_INDEX" val="160277"/>
-</p:tagLst>
-</file>
-
-<file path=ppt/tags/tag59.xml><?xml version="1.0" encoding="utf-8"?>
-<p:tagLst xmlns:a="http://schemas.openxmlformats.org/drawingml/2006/main" xmlns:r="http://schemas.openxmlformats.org/officeDocument/2006/relationships" xmlns:p="http://schemas.openxmlformats.org/presentationml/2006/main">
-  <p:tag name="KSO_WM_BEAUTIFY_FLAG" val="#wm#"/>
-  <p:tag name="KSO_WM_TEMPLATE_CATEGORY" val="diagram"/>
-  <p:tag name="KSO_WM_TEMPLATE_INDEX" val="160277"/>
-</p:tagLst>
-</file>
-
-<file path=ppt/tags/tag6.xml><?xml version="1.0" encoding="utf-8"?>
-<p:tagLst xmlns:a="http://schemas.openxmlformats.org/drawingml/2006/main" xmlns:r="http://schemas.openxmlformats.org/officeDocument/2006/relationships" xmlns:p="http://schemas.openxmlformats.org/presentationml/2006/main">
+<file path=ppt/tags/tag5.xml><?xml version="1.0" encoding="utf-8"?>
+<p:tagLst xmlns:p="http://schemas.openxmlformats.org/presentationml/2006/main">
   <p:tag name="KSO_WM_TAG_VERSION" val="1.0"/>
   <p:tag name="KSO_WM_BEAUTIFY_FLAG" val="#wm#"/>
   <p:tag name="KSO_WM_UNIT_ID" val="diagram160277_4*l_i*1_4"/>
@@ -9318,56 +9258,88 @@
 </p:tagLst>
 </file>
 
-<file path=ppt/tags/tag60.xml><?xml version="1.0" encoding="utf-8"?>
-<p:tagLst xmlns:a="http://schemas.openxmlformats.org/drawingml/2006/main" xmlns:r="http://schemas.openxmlformats.org/officeDocument/2006/relationships" xmlns:p="http://schemas.openxmlformats.org/presentationml/2006/main">
+<file path=ppt/tags/tag50.xml><?xml version="1.0" encoding="utf-8"?>
+<p:tagLst xmlns:p="http://schemas.openxmlformats.org/presentationml/2006/main">
   <p:tag name="KSO_WM_BEAUTIFY_FLAG" val="#wm#"/>
   <p:tag name="KSO_WM_TEMPLATE_CATEGORY" val="diagram"/>
   <p:tag name="KSO_WM_TEMPLATE_INDEX" val="160277"/>
 </p:tagLst>
 </file>
 
-<file path=ppt/tags/tag61.xml><?xml version="1.0" encoding="utf-8"?>
-<p:tagLst xmlns:a="http://schemas.openxmlformats.org/drawingml/2006/main" xmlns:r="http://schemas.openxmlformats.org/officeDocument/2006/relationships" xmlns:p="http://schemas.openxmlformats.org/presentationml/2006/main">
+<file path=ppt/tags/tag51.xml><?xml version="1.0" encoding="utf-8"?>
+<p:tagLst xmlns:p="http://schemas.openxmlformats.org/presentationml/2006/main">
   <p:tag name="KSO_WM_BEAUTIFY_FLAG" val="#wm#"/>
   <p:tag name="KSO_WM_TEMPLATE_CATEGORY" val="diagram"/>
   <p:tag name="KSO_WM_TEMPLATE_INDEX" val="160277"/>
 </p:tagLst>
 </file>
 
-<file path=ppt/tags/tag62.xml><?xml version="1.0" encoding="utf-8"?>
-<p:tagLst xmlns:a="http://schemas.openxmlformats.org/drawingml/2006/main" xmlns:r="http://schemas.openxmlformats.org/officeDocument/2006/relationships" xmlns:p="http://schemas.openxmlformats.org/presentationml/2006/main">
+<file path=ppt/tags/tag52.xml><?xml version="1.0" encoding="utf-8"?>
+<p:tagLst xmlns:p="http://schemas.openxmlformats.org/presentationml/2006/main">
   <p:tag name="KSO_WM_BEAUTIFY_FLAG" val="#wm#"/>
   <p:tag name="KSO_WM_TEMPLATE_CATEGORY" val="diagram"/>
   <p:tag name="KSO_WM_TEMPLATE_INDEX" val="160277"/>
 </p:tagLst>
 </file>
 
-<file path=ppt/tags/tag63.xml><?xml version="1.0" encoding="utf-8"?>
-<p:tagLst xmlns:a="http://schemas.openxmlformats.org/drawingml/2006/main" xmlns:r="http://schemas.openxmlformats.org/officeDocument/2006/relationships" xmlns:p="http://schemas.openxmlformats.org/presentationml/2006/main">
+<file path=ppt/tags/tag53.xml><?xml version="1.0" encoding="utf-8"?>
+<p:tagLst xmlns:p="http://schemas.openxmlformats.org/presentationml/2006/main">
   <p:tag name="KSO_WM_BEAUTIFY_FLAG" val="#wm#"/>
   <p:tag name="KSO_WM_TEMPLATE_CATEGORY" val="diagram"/>
   <p:tag name="KSO_WM_TEMPLATE_INDEX" val="160277"/>
 </p:tagLst>
 </file>
 
-<file path=ppt/tags/tag64.xml><?xml version="1.0" encoding="utf-8"?>
-<p:tagLst xmlns:a="http://schemas.openxmlformats.org/drawingml/2006/main" xmlns:r="http://schemas.openxmlformats.org/officeDocument/2006/relationships" xmlns:p="http://schemas.openxmlformats.org/presentationml/2006/main">
+<file path=ppt/tags/tag54.xml><?xml version="1.0" encoding="utf-8"?>
+<p:tagLst xmlns:p="http://schemas.openxmlformats.org/presentationml/2006/main">
   <p:tag name="KSO_WM_BEAUTIFY_FLAG" val="#wm#"/>
   <p:tag name="KSO_WM_TEMPLATE_CATEGORY" val="diagram"/>
   <p:tag name="KSO_WM_TEMPLATE_INDEX" val="160277"/>
 </p:tagLst>
 </file>
 
-<file path=ppt/tags/tag65.xml><?xml version="1.0" encoding="utf-8"?>
-<p:tagLst xmlns:a="http://schemas.openxmlformats.org/drawingml/2006/main" xmlns:r="http://schemas.openxmlformats.org/officeDocument/2006/relationships" xmlns:p="http://schemas.openxmlformats.org/presentationml/2006/main">
+<file path=ppt/tags/tag55.xml><?xml version="1.0" encoding="utf-8"?>
+<p:tagLst xmlns:p="http://schemas.openxmlformats.org/presentationml/2006/main">
   <p:tag name="KSO_WM_BEAUTIFY_FLAG" val="#wm#"/>
   <p:tag name="KSO_WM_TEMPLATE_CATEGORY" val="diagram"/>
   <p:tag name="KSO_WM_TEMPLATE_INDEX" val="160277"/>
 </p:tagLst>
 </file>
 
-<file path=ppt/tags/tag7.xml><?xml version="1.0" encoding="utf-8"?>
-<p:tagLst xmlns:a="http://schemas.openxmlformats.org/drawingml/2006/main" xmlns:r="http://schemas.openxmlformats.org/officeDocument/2006/relationships" xmlns:p="http://schemas.openxmlformats.org/presentationml/2006/main">
+<file path=ppt/tags/tag56.xml><?xml version="1.0" encoding="utf-8"?>
+<p:tagLst xmlns:p="http://schemas.openxmlformats.org/presentationml/2006/main">
+  <p:tag name="KSO_WM_BEAUTIFY_FLAG" val="#wm#"/>
+  <p:tag name="KSO_WM_TEMPLATE_CATEGORY" val="diagram"/>
+  <p:tag name="KSO_WM_TEMPLATE_INDEX" val="160277"/>
+</p:tagLst>
+</file>
+
+<file path=ppt/tags/tag57.xml><?xml version="1.0" encoding="utf-8"?>
+<p:tagLst xmlns:p="http://schemas.openxmlformats.org/presentationml/2006/main">
+  <p:tag name="KSO_WM_BEAUTIFY_FLAG" val="#wm#"/>
+  <p:tag name="KSO_WM_TEMPLATE_CATEGORY" val="diagram"/>
+  <p:tag name="KSO_WM_TEMPLATE_INDEX" val="160277"/>
+</p:tagLst>
+</file>
+
+<file path=ppt/tags/tag58.xml><?xml version="1.0" encoding="utf-8"?>
+<p:tagLst xmlns:p="http://schemas.openxmlformats.org/presentationml/2006/main">
+  <p:tag name="KSO_WM_BEAUTIFY_FLAG" val="#wm#"/>
+  <p:tag name="KSO_WM_TEMPLATE_CATEGORY" val="diagram"/>
+  <p:tag name="KSO_WM_TEMPLATE_INDEX" val="160277"/>
+</p:tagLst>
+</file>
+
+<file path=ppt/tags/tag59.xml><?xml version="1.0" encoding="utf-8"?>
+<p:tagLst xmlns:p="http://schemas.openxmlformats.org/presentationml/2006/main">
+  <p:tag name="KSO_WM_BEAUTIFY_FLAG" val="#wm#"/>
+  <p:tag name="KSO_WM_TEMPLATE_CATEGORY" val="diagram"/>
+  <p:tag name="KSO_WM_TEMPLATE_INDEX" val="160277"/>
+</p:tagLst>
+</file>
+
+<file path=ppt/tags/tag6.xml><?xml version="1.0" encoding="utf-8"?>
+<p:tagLst xmlns:p="http://schemas.openxmlformats.org/presentationml/2006/main">
   <p:tag name="KSO_WM_TAG_VERSION" val="1.0"/>
   <p:tag name="KSO_WM_BEAUTIFY_FLAG" val="#wm#"/>
   <p:tag name="KSO_WM_UNIT_ID" val="diagram160277_4*l_i*1_5"/>
@@ -9386,8 +9358,56 @@
 </p:tagLst>
 </file>
 
-<file path=ppt/tags/tag8.xml><?xml version="1.0" encoding="utf-8"?>
-<p:tagLst xmlns:a="http://schemas.openxmlformats.org/drawingml/2006/main" xmlns:r="http://schemas.openxmlformats.org/officeDocument/2006/relationships" xmlns:p="http://schemas.openxmlformats.org/presentationml/2006/main">
+<file path=ppt/tags/tag60.xml><?xml version="1.0" encoding="utf-8"?>
+<p:tagLst xmlns:p="http://schemas.openxmlformats.org/presentationml/2006/main">
+  <p:tag name="KSO_WM_BEAUTIFY_FLAG" val="#wm#"/>
+  <p:tag name="KSO_WM_TEMPLATE_CATEGORY" val="diagram"/>
+  <p:tag name="KSO_WM_TEMPLATE_INDEX" val="160277"/>
+</p:tagLst>
+</file>
+
+<file path=ppt/tags/tag61.xml><?xml version="1.0" encoding="utf-8"?>
+<p:tagLst xmlns:p="http://schemas.openxmlformats.org/presentationml/2006/main">
+  <p:tag name="KSO_WM_BEAUTIFY_FLAG" val="#wm#"/>
+  <p:tag name="KSO_WM_TEMPLATE_CATEGORY" val="diagram"/>
+  <p:tag name="KSO_WM_TEMPLATE_INDEX" val="160277"/>
+</p:tagLst>
+</file>
+
+<file path=ppt/tags/tag62.xml><?xml version="1.0" encoding="utf-8"?>
+<p:tagLst xmlns:p="http://schemas.openxmlformats.org/presentationml/2006/main">
+  <p:tag name="KSO_WM_BEAUTIFY_FLAG" val="#wm#"/>
+  <p:tag name="KSO_WM_TEMPLATE_CATEGORY" val="diagram"/>
+  <p:tag name="KSO_WM_TEMPLATE_INDEX" val="160277"/>
+</p:tagLst>
+</file>
+
+<file path=ppt/tags/tag63.xml><?xml version="1.0" encoding="utf-8"?>
+<p:tagLst xmlns:p="http://schemas.openxmlformats.org/presentationml/2006/main">
+  <p:tag name="KSO_WM_BEAUTIFY_FLAG" val="#wm#"/>
+  <p:tag name="KSO_WM_TEMPLATE_CATEGORY" val="diagram"/>
+  <p:tag name="KSO_WM_TEMPLATE_INDEX" val="160277"/>
+</p:tagLst>
+</file>
+
+<file path=ppt/tags/tag64.xml><?xml version="1.0" encoding="utf-8"?>
+<p:tagLst xmlns:p="http://schemas.openxmlformats.org/presentationml/2006/main">
+  <p:tag name="KSO_WM_BEAUTIFY_FLAG" val="#wm#"/>
+  <p:tag name="KSO_WM_TEMPLATE_CATEGORY" val="diagram"/>
+  <p:tag name="KSO_WM_TEMPLATE_INDEX" val="160277"/>
+</p:tagLst>
+</file>
+
+<file path=ppt/tags/tag65.xml><?xml version="1.0" encoding="utf-8"?>
+<p:tagLst xmlns:p="http://schemas.openxmlformats.org/presentationml/2006/main">
+  <p:tag name="KSO_WM_BEAUTIFY_FLAG" val="#wm#"/>
+  <p:tag name="KSO_WM_TEMPLATE_CATEGORY" val="diagram"/>
+  <p:tag name="KSO_WM_TEMPLATE_INDEX" val="160277"/>
+</p:tagLst>
+</file>
+
+<file path=ppt/tags/tag7.xml><?xml version="1.0" encoding="utf-8"?>
+<p:tagLst xmlns:p="http://schemas.openxmlformats.org/presentationml/2006/main">
   <p:tag name="KSO_WM_TAG_VERSION" val="1.0"/>
   <p:tag name="KSO_WM_BEAUTIFY_FLAG" val="#wm#"/>
   <p:tag name="KSO_WM_UNIT_ID" val="diagram160277_4*l_h_f*1_1_1"/>
@@ -9409,8 +9429,8 @@
 </p:tagLst>
 </file>
 
-<file path=ppt/tags/tag9.xml><?xml version="1.0" encoding="utf-8"?>
-<p:tagLst xmlns:a="http://schemas.openxmlformats.org/drawingml/2006/main" xmlns:r="http://schemas.openxmlformats.org/officeDocument/2006/relationships" xmlns:p="http://schemas.openxmlformats.org/presentationml/2006/main">
+<file path=ppt/tags/tag8.xml><?xml version="1.0" encoding="utf-8"?>
+<p:tagLst xmlns:p="http://schemas.openxmlformats.org/presentationml/2006/main">
   <p:tag name="KSO_WM_TAG_VERSION" val="1.0"/>
   <p:tag name="KSO_WM_BEAUTIFY_FLAG" val="#wm#"/>
   <p:tag name="KSO_WM_UNIT_ID" val="diagram160277_4*l_h_a*1_1_1"/>
@@ -9427,6 +9447,26 @@
   <p:tag name="KSO_WM_UNIT_PRESET_TEXT_LEN" val="12"/>
   <p:tag name="KSO_WM_DIAGRAM_GROUP_CODE" val="l1-1"/>
   <p:tag name="KSO_WM_UNIT_TEXT_FILL_FORE_SCHEMECOLOR_INDEX" val="5"/>
+  <p:tag name="KSO_WM_UNIT_TEXT_FILL_TYPE" val="1"/>
+  <p:tag name="KSO_WM_UNIT_USESOURCEFORMAT_APPLY" val="0"/>
+</p:tagLst>
+</file>
+
+<file path=ppt/tags/tag9.xml><?xml version="1.0" encoding="utf-8"?>
+<p:tagLst xmlns:p="http://schemas.openxmlformats.org/presentationml/2006/main">
+  <p:tag name="KSO_WM_TAG_VERSION" val="1.0"/>
+  <p:tag name="KSO_WM_BEAUTIFY_FLAG" val="#wm#"/>
+  <p:tag name="KSO_WM_UNIT_ID" val="diagram160277_4*l_i*1_11"/>
+  <p:tag name="KSO_WM_TEMPLATE_CATEGORY" val="diagram"/>
+  <p:tag name="KSO_WM_TEMPLATE_INDEX" val="160277"/>
+  <p:tag name="KSO_WM_UNIT_TYPE" val="l_i"/>
+  <p:tag name="KSO_WM_UNIT_INDEX" val="1_11"/>
+  <p:tag name="KSO_WM_UNIT_CLEAR" val="1"/>
+  <p:tag name="KSO_WM_UNIT_LAYERLEVEL" val="1_1"/>
+  <p:tag name="KSO_WM_DIAGRAM_GROUP_CODE" val="l1-1"/>
+  <p:tag name="KSO_WM_UNIT_FILL_FORE_SCHEMECOLOR_INDEX" val="7"/>
+  <p:tag name="KSO_WM_UNIT_FILL_TYPE" val="1"/>
+  <p:tag name="KSO_WM_UNIT_TEXT_FILL_FORE_SCHEMECOLOR_INDEX" val="14"/>
   <p:tag name="KSO_WM_UNIT_TEXT_FILL_TYPE" val="1"/>
   <p:tag name="KSO_WM_UNIT_USESOURCEFORMAT_APPLY" val="0"/>
 </p:tagLst>
@@ -9683,8 +9723,6 @@
       </a:bgFillStyleLst>
     </a:fmtScheme>
   </a:themeElements>
-  <a:objectDefaults/>
-  <a:extraClrSchemeLst/>
   <a:extLst>
     <a:ext uri="{05A4C25C-085E-4340-85A3-A5531E510DB2}">
       <thm15:themeFamily xmlns:thm15="http://schemas.microsoft.com/office/thememl/2012/main" name="Office Theme" id="{62F939B6-93AF-4DB8-9C6B-D6C7DFDC589F}" vid="{4A3C46E8-61CC-4603-A589-7422A47A8E4A}"/>
@@ -9944,8 +9982,6 @@
       </a:bgFillStyleLst>
     </a:fmtScheme>
   </a:themeElements>
-  <a:objectDefaults/>
-  <a:extraClrSchemeLst/>
   <a:extLst>
     <a:ext uri="{05A4C25C-085E-4340-85A3-A5531E510DB2}">
       <thm15:themeFamily xmlns:thm15="http://schemas.microsoft.com/office/thememl/2012/main" name="Office Theme" id="{62F939B6-93AF-4DB8-9C6B-D6C7DFDC589F}" vid="{4A3C46E8-61CC-4603-A589-7422A47A8E4A}"/>
